--- a/Presentation Channels.pptx
+++ b/Presentation Channels.pptx
@@ -8,6 +8,7 @@
     <p:sldId id="257" r:id="rId2"/>
     <p:sldId id="258" r:id="rId3"/>
     <p:sldId id="259" r:id="rId4"/>
+    <p:sldId id="260" r:id="rId5"/>
   </p:sldIdLst>
   <p:sldSz cx="12192000" cy="6858000"/>
   <p:notesSz cx="6858000" cy="9144000"/>
@@ -106,6 +107,11 @@
       </a:defRPr>
     </a:lvl9pPr>
   </p:defaultTextStyle>
+  <p:extLst>
+    <p:ext uri="{EFAFB233-063F-42B5-8137-9DF3F51BA10A}">
+      <p15:sldGuideLst xmlns:p15="http://schemas.microsoft.com/office/powerpoint/2012/main"/>
+    </p:ext>
+  </p:extLst>
 </p:presentation>
 </file>
 
@@ -115,6 +121,59 @@
     <p1510:client id="{C52ED56B-82A3-4C0C-97E4-5384A1F6DE45}" v="28" dt="2021-04-20T17:30:48.980"/>
   </p1510:revLst>
 </p1510:revInfo>
+</file>
+
+<file path=ppt/changesInfos/changesInfo1.xml><?xml version="1.0" encoding="utf-8"?>
+<pc:chgInfo xmlns:a="http://schemas.openxmlformats.org/drawingml/2006/main" xmlns:r="http://schemas.openxmlformats.org/officeDocument/2006/relationships" xmlns:ac="http://schemas.microsoft.com/office/drawing/2013/main/command" xmlns:pc="http://schemas.microsoft.com/office/powerpoint/2013/main/command">
+  <pc:docChgLst>
+    <pc:chgData name="Malo Galliou" userId="a900ae772d1562da" providerId="LiveId" clId="{48E5C779-048C-4B7D-89BC-B05628B1BD7E}"/>
+    <pc:docChg chg="undo custSel addSld modSld">
+      <pc:chgData name="Malo Galliou" userId="a900ae772d1562da" providerId="LiveId" clId="{48E5C779-048C-4B7D-89BC-B05628B1BD7E}" dt="2021-04-20T20:03:05.523" v="451" actId="20577"/>
+      <pc:docMkLst>
+        <pc:docMk/>
+      </pc:docMkLst>
+      <pc:sldChg chg="addSp modSp new mod">
+        <pc:chgData name="Malo Galliou" userId="a900ae772d1562da" providerId="LiveId" clId="{48E5C779-048C-4B7D-89BC-B05628B1BD7E}" dt="2021-04-20T20:03:05.523" v="451" actId="20577"/>
+        <pc:sldMkLst>
+          <pc:docMk/>
+          <pc:sldMk cId="1008294246" sldId="260"/>
+        </pc:sldMkLst>
+        <pc:spChg chg="mod">
+          <ac:chgData name="Malo Galliou" userId="a900ae772d1562da" providerId="LiveId" clId="{48E5C779-048C-4B7D-89BC-B05628B1BD7E}" dt="2021-04-20T19:49:29.757" v="13" actId="20577"/>
+          <ac:spMkLst>
+            <pc:docMk/>
+            <pc:sldMk cId="1008294246" sldId="260"/>
+            <ac:spMk id="2" creationId="{6F04A68B-34D2-4CDF-9A95-D56F297CE04D}"/>
+          </ac:spMkLst>
+        </pc:spChg>
+        <pc:spChg chg="mod">
+          <ac:chgData name="Malo Galliou" userId="a900ae772d1562da" providerId="LiveId" clId="{48E5C779-048C-4B7D-89BC-B05628B1BD7E}" dt="2021-04-20T20:03:05.523" v="451" actId="20577"/>
+          <ac:spMkLst>
+            <pc:docMk/>
+            <pc:sldMk cId="1008294246" sldId="260"/>
+            <ac:spMk id="3" creationId="{206760F4-2F8F-4649-8FC6-9190B38689AA}"/>
+          </ac:spMkLst>
+        </pc:spChg>
+        <pc:picChg chg="add mod">
+          <ac:chgData name="Malo Galliou" userId="a900ae772d1562da" providerId="LiveId" clId="{48E5C779-048C-4B7D-89BC-B05628B1BD7E}" dt="2021-04-20T19:50:31.184" v="58" actId="1076"/>
+          <ac:picMkLst>
+            <pc:docMk/>
+            <pc:sldMk cId="1008294246" sldId="260"/>
+            <ac:picMk id="5" creationId="{12FA880C-2296-4938-BCD0-99C70B0A0FED}"/>
+          </ac:picMkLst>
+        </pc:picChg>
+        <pc:picChg chg="add mod">
+          <ac:chgData name="Malo Galliou" userId="a900ae772d1562da" providerId="LiveId" clId="{48E5C779-048C-4B7D-89BC-B05628B1BD7E}" dt="2021-04-20T20:01:58.186" v="395" actId="1076"/>
+          <ac:picMkLst>
+            <pc:docMk/>
+            <pc:sldMk cId="1008294246" sldId="260"/>
+            <ac:picMk id="7" creationId="{70DBE6A9-50AF-4BA8-BED2-F1BAE555ADD0}"/>
+          </ac:picMkLst>
+        </pc:picChg>
+      </pc:sldChg>
+    </pc:docChg>
+  </pc:docChgLst>
+</pc:chgInfo>
 </file>
 
 <file path=ppt/slideLayouts/slideLayout1.xml><?xml version="1.0" encoding="utf-8"?>
@@ -7301,6 +7360,202 @@
 </p:sld>
 </file>
 
+<file path=ppt/slides/slide4.xml><?xml version="1.0" encoding="utf-8"?>
+<p:sld xmlns:a="http://schemas.openxmlformats.org/drawingml/2006/main" xmlns:r="http://schemas.openxmlformats.org/officeDocument/2006/relationships" xmlns:p="http://schemas.openxmlformats.org/presentationml/2006/main">
+  <p:cSld>
+    <p:spTree>
+      <p:nvGrpSpPr>
+        <p:cNvPr id="1" name=""/>
+        <p:cNvGrpSpPr/>
+        <p:nvPr/>
+      </p:nvGrpSpPr>
+      <p:grpSpPr>
+        <a:xfrm>
+          <a:off x="0" y="0"/>
+          <a:ext cx="0" cy="0"/>
+          <a:chOff x="0" y="0"/>
+          <a:chExt cx="0" cy="0"/>
+        </a:xfrm>
+      </p:grpSpPr>
+      <p:sp>
+        <p:nvSpPr>
+          <p:cNvPr id="2" name="Titre 1">
+            <a:extLst>
+              <a:ext uri="{FF2B5EF4-FFF2-40B4-BE49-F238E27FC236}">
+                <a16:creationId xmlns:a16="http://schemas.microsoft.com/office/drawing/2014/main" id="{6F04A68B-34D2-4CDF-9A95-D56F297CE04D}"/>
+              </a:ext>
+            </a:extLst>
+          </p:cNvPr>
+          <p:cNvSpPr>
+            <a:spLocks noGrp="1"/>
+          </p:cNvSpPr>
+          <p:nvPr>
+            <p:ph type="title"/>
+          </p:nvPr>
+        </p:nvSpPr>
+        <p:spPr/>
+        <p:txBody>
+          <a:bodyPr/>
+          <a:lstStyle/>
+          <a:p>
+            <a:r>
+              <a:rPr lang="fr-FR" dirty="0"/>
+              <a:t>Le type Mutex</a:t>
+            </a:r>
+          </a:p>
+        </p:txBody>
+      </p:sp>
+      <p:sp>
+        <p:nvSpPr>
+          <p:cNvPr id="3" name="Espace réservé du contenu 2">
+            <a:extLst>
+              <a:ext uri="{FF2B5EF4-FFF2-40B4-BE49-F238E27FC236}">
+                <a16:creationId xmlns:a16="http://schemas.microsoft.com/office/drawing/2014/main" id="{206760F4-2F8F-4649-8FC6-9190B38689AA}"/>
+              </a:ext>
+            </a:extLst>
+          </p:cNvPr>
+          <p:cNvSpPr>
+            <a:spLocks noGrp="1"/>
+          </p:cNvSpPr>
+          <p:nvPr>
+            <p:ph idx="1"/>
+          </p:nvPr>
+        </p:nvSpPr>
+        <p:spPr/>
+        <p:txBody>
+          <a:bodyPr/>
+          <a:lstStyle/>
+          <a:p>
+            <a:r>
+              <a:rPr lang="fr-FR" dirty="0"/>
+              <a:t>Est un objet		 (ex : 			     )</a:t>
+            </a:r>
+          </a:p>
+          <a:p>
+            <a:r>
+              <a:rPr lang="fr-FR" dirty="0"/>
+              <a:t>Permet de s’assurer qu’une seule goroutine ai accès à une variable à la fois (pour éviter les conflits)</a:t>
+            </a:r>
+          </a:p>
+          <a:p>
+            <a:r>
+              <a:rPr lang="fr-FR" dirty="0"/>
+              <a:t>Nous appelons ça la </a:t>
+            </a:r>
+            <a:r>
+              <a:rPr lang="fr-FR" i="1" dirty="0" err="1"/>
+              <a:t>Mutual</a:t>
+            </a:r>
+            <a:r>
+              <a:rPr lang="fr-FR" i="1" dirty="0"/>
+              <a:t> exclusion</a:t>
+            </a:r>
+            <a:r>
+              <a:rPr lang="fr-FR" dirty="0"/>
+              <a:t>, d’où le nom mutex</a:t>
+            </a:r>
+          </a:p>
+          <a:p>
+            <a:r>
+              <a:rPr lang="fr-FR" dirty="0"/>
+              <a:t>Fournit avec deux méthodes : Lock et </a:t>
+            </a:r>
+            <a:r>
+              <a:rPr lang="fr-FR" dirty="0" err="1"/>
+              <a:t>Unlock</a:t>
+            </a:r>
+            <a:endParaRPr lang="fr-FR" dirty="0"/>
+          </a:p>
+          <a:p>
+            <a:r>
+              <a:rPr lang="fr-FR" dirty="0"/>
+              <a:t>Utilisé au sein d’un processus, ce qui donne :</a:t>
+            </a:r>
+          </a:p>
+          <a:p>
+            <a:pPr marL="0" indent="0">
+              <a:buNone/>
+            </a:pPr>
+            <a:r>
+              <a:rPr lang="fr-FR" dirty="0"/>
+              <a:t>	Afin de rendre bloquant la variable c</a:t>
+            </a:r>
+          </a:p>
+        </p:txBody>
+      </p:sp>
+      <p:pic>
+        <p:nvPicPr>
+          <p:cNvPr id="5" name="Image 4">
+            <a:extLst>
+              <a:ext uri="{FF2B5EF4-FFF2-40B4-BE49-F238E27FC236}">
+                <a16:creationId xmlns:a16="http://schemas.microsoft.com/office/drawing/2014/main" id="{12FA880C-2296-4938-BCD0-99C70B0A0FED}"/>
+              </a:ext>
+            </a:extLst>
+          </p:cNvPr>
+          <p:cNvPicPr>
+            <a:picLocks noChangeAspect="1"/>
+          </p:cNvPicPr>
+          <p:nvPr/>
+        </p:nvPicPr>
+        <p:blipFill>
+          <a:blip r:embed="rId2"/>
+          <a:stretch>
+            <a:fillRect/>
+          </a:stretch>
+        </p:blipFill>
+        <p:spPr>
+          <a:xfrm>
+            <a:off x="5389261" y="1856105"/>
+            <a:ext cx="2309599" cy="392196"/>
+          </a:xfrm>
+          <a:prstGeom prst="rect">
+            <a:avLst/>
+          </a:prstGeom>
+        </p:spPr>
+      </p:pic>
+      <p:pic>
+        <p:nvPicPr>
+          <p:cNvPr id="7" name="Image 6">
+            <a:extLst>
+              <a:ext uri="{FF2B5EF4-FFF2-40B4-BE49-F238E27FC236}">
+                <a16:creationId xmlns:a16="http://schemas.microsoft.com/office/drawing/2014/main" id="{70DBE6A9-50AF-4BA8-BED2-F1BAE555ADD0}"/>
+              </a:ext>
+            </a:extLst>
+          </p:cNvPr>
+          <p:cNvPicPr>
+            <a:picLocks noChangeAspect="1"/>
+          </p:cNvPicPr>
+          <p:nvPr/>
+        </p:nvPicPr>
+        <p:blipFill>
+          <a:blip r:embed="rId3"/>
+          <a:stretch>
+            <a:fillRect/>
+          </a:stretch>
+        </p:blipFill>
+        <p:spPr>
+          <a:xfrm>
+            <a:off x="7897328" y="4353837"/>
+            <a:ext cx="4037998" cy="1823126"/>
+          </a:xfrm>
+          <a:prstGeom prst="rect">
+            <a:avLst/>
+          </a:prstGeom>
+        </p:spPr>
+      </p:pic>
+    </p:spTree>
+    <p:extLst>
+      <p:ext uri="{BB962C8B-B14F-4D97-AF65-F5344CB8AC3E}">
+        <p14:creationId xmlns:p14="http://schemas.microsoft.com/office/powerpoint/2010/main" val="1008294246"/>
+      </p:ext>
+    </p:extLst>
+  </p:cSld>
+  <p:clrMapOvr>
+    <a:masterClrMapping/>
+  </p:clrMapOvr>
+</p:sld>
+</file>
+
 <file path=ppt/theme/theme1.xml><?xml version="1.0" encoding="utf-8"?>
 <a:theme xmlns:a="http://schemas.openxmlformats.org/drawingml/2006/main" name="Thème Office">
   <a:themeElements>

--- a/Presentation Channels.pptx
+++ b/Presentation Channels.pptx
@@ -5,10 +5,14 @@
     <p:sldMasterId id="2147483648" r:id="rId1"/>
   </p:sldMasterIdLst>
   <p:sldIdLst>
-    <p:sldId id="257" r:id="rId2"/>
-    <p:sldId id="258" r:id="rId3"/>
-    <p:sldId id="259" r:id="rId4"/>
-    <p:sldId id="260" r:id="rId5"/>
+    <p:sldId id="262" r:id="rId2"/>
+    <p:sldId id="263" r:id="rId3"/>
+    <p:sldId id="257" r:id="rId4"/>
+    <p:sldId id="258" r:id="rId5"/>
+    <p:sldId id="259" r:id="rId6"/>
+    <p:sldId id="256" r:id="rId7"/>
+    <p:sldId id="261" r:id="rId8"/>
+    <p:sldId id="260" r:id="rId9"/>
   </p:sldIdLst>
   <p:sldSz cx="12192000" cy="6858000"/>
   <p:notesSz cx="6858000" cy="9144000"/>
@@ -118,6 +122,7 @@
 <file path=ppt/revisionInfo.xml><?xml version="1.0" encoding="utf-8"?>
 <p1510:revInfo xmlns:a="http://schemas.openxmlformats.org/drawingml/2006/main" xmlns:r="http://schemas.openxmlformats.org/officeDocument/2006/relationships" xmlns:p1510="http://schemas.microsoft.com/office/powerpoint/2015/10/main">
   <p1510:revLst>
+    <p1510:client id="{48E5C779-048C-4B7D-89BC-B05628B1BD7E}" v="4" dt="2021-04-20T20:16:19.015"/>
     <p1510:client id="{C52ED56B-82A3-4C0C-97E4-5384A1F6DE45}" v="28" dt="2021-04-20T17:30:48.980"/>
   </p1510:revLst>
 </p1510:revInfo>
@@ -127,13 +132,20 @@
 <pc:chgInfo xmlns:a="http://schemas.openxmlformats.org/drawingml/2006/main" xmlns:r="http://schemas.openxmlformats.org/officeDocument/2006/relationships" xmlns:ac="http://schemas.microsoft.com/office/drawing/2013/main/command" xmlns:pc="http://schemas.microsoft.com/office/powerpoint/2013/main/command">
   <pc:docChgLst>
     <pc:chgData name="Malo Galliou" userId="a900ae772d1562da" providerId="LiveId" clId="{48E5C779-048C-4B7D-89BC-B05628B1BD7E}"/>
-    <pc:docChg chg="undo custSel addSld modSld">
-      <pc:chgData name="Malo Galliou" userId="a900ae772d1562da" providerId="LiveId" clId="{48E5C779-048C-4B7D-89BC-B05628B1BD7E}" dt="2021-04-20T20:03:05.523" v="451" actId="20577"/>
+    <pc:docChg chg="undo custSel addSld modSld sldOrd">
+      <pc:chgData name="Malo Galliou" userId="a900ae772d1562da" providerId="LiveId" clId="{48E5C779-048C-4B7D-89BC-B05628B1BD7E}" dt="2021-04-20T20:16:19.014" v="459"/>
       <pc:docMkLst>
         <pc:docMk/>
       </pc:docMkLst>
-      <pc:sldChg chg="addSp modSp new mod">
-        <pc:chgData name="Malo Galliou" userId="a900ae772d1562da" providerId="LiveId" clId="{48E5C779-048C-4B7D-89BC-B05628B1BD7E}" dt="2021-04-20T20:03:05.523" v="451" actId="20577"/>
+      <pc:sldChg chg="add">
+        <pc:chgData name="Malo Galliou" userId="a900ae772d1562da" providerId="LiveId" clId="{48E5C779-048C-4B7D-89BC-B05628B1BD7E}" dt="2021-04-20T20:15:56.483" v="452"/>
+        <pc:sldMkLst>
+          <pc:docMk/>
+          <pc:sldMk cId="1468860239" sldId="256"/>
+        </pc:sldMkLst>
+      </pc:sldChg>
+      <pc:sldChg chg="addSp modSp new mod ord">
+        <pc:chgData name="Malo Galliou" userId="a900ae772d1562da" providerId="LiveId" clId="{48E5C779-048C-4B7D-89BC-B05628B1BD7E}" dt="2021-04-20T20:16:03.990" v="455"/>
         <pc:sldMkLst>
           <pc:docMk/>
           <pc:sldMk cId="1008294246" sldId="260"/>
@@ -170,6 +182,27 @@
             <ac:picMk id="7" creationId="{70DBE6A9-50AF-4BA8-BED2-F1BAE555ADD0}"/>
           </ac:picMkLst>
         </pc:picChg>
+      </pc:sldChg>
+      <pc:sldChg chg="add">
+        <pc:chgData name="Malo Galliou" userId="a900ae772d1562da" providerId="LiveId" clId="{48E5C779-048C-4B7D-89BC-B05628B1BD7E}" dt="2021-04-20T20:15:59.878" v="453"/>
+        <pc:sldMkLst>
+          <pc:docMk/>
+          <pc:sldMk cId="1287182878" sldId="261"/>
+        </pc:sldMkLst>
+      </pc:sldChg>
+      <pc:sldChg chg="add ord">
+        <pc:chgData name="Malo Galliou" userId="a900ae772d1562da" providerId="LiveId" clId="{48E5C779-048C-4B7D-89BC-B05628B1BD7E}" dt="2021-04-20T20:16:15.694" v="458"/>
+        <pc:sldMkLst>
+          <pc:docMk/>
+          <pc:sldMk cId="1775381629" sldId="262"/>
+        </pc:sldMkLst>
+      </pc:sldChg>
+      <pc:sldChg chg="add">
+        <pc:chgData name="Malo Galliou" userId="a900ae772d1562da" providerId="LiveId" clId="{48E5C779-048C-4B7D-89BC-B05628B1BD7E}" dt="2021-04-20T20:16:19.014" v="459"/>
+        <pc:sldMkLst>
+          <pc:docMk/>
+          <pc:sldMk cId="2833283308" sldId="263"/>
+        </pc:sldMkLst>
       </pc:sldChg>
     </pc:docChg>
   </pc:docChgLst>
@@ -3376,12 +3409,6 @@
 <file path=ppt/slides/slide1.xml><?xml version="1.0" encoding="utf-8"?>
 <p:sld xmlns:a="http://schemas.openxmlformats.org/drawingml/2006/main" xmlns:r="http://schemas.openxmlformats.org/officeDocument/2006/relationships" xmlns:p="http://schemas.openxmlformats.org/presentationml/2006/main">
   <p:cSld>
-    <p:bg>
-      <p:bgPr>
-        <a:noFill/>
-        <a:effectLst/>
-      </p:bgPr>
-    </p:bg>
     <p:spTree>
       <p:nvGrpSpPr>
         <p:cNvPr id="1" name=""/>
@@ -3401,7 +3428,7 @@
           <p:cNvPr id="2" name="Titre 1">
             <a:extLst>
               <a:ext uri="{FF2B5EF4-FFF2-40B4-BE49-F238E27FC236}">
-                <a16:creationId xmlns:a16="http://schemas.microsoft.com/office/drawing/2014/main" id="{5255D7F2-3991-491B-BD00-0C18FC730DBF}"/>
+                <a16:creationId xmlns:a16="http://schemas.microsoft.com/office/drawing/2014/main" id="{C79A93D3-C463-48A8-A6A0-6EA3AA0DE73B}"/>
               </a:ext>
             </a:extLst>
           </p:cNvPr>
@@ -3409,27 +3436,34 @@
             <a:spLocks noGrp="1"/>
           </p:cNvSpPr>
           <p:nvPr>
-            <p:ph type="title"/>
+            <p:ph type="ctrTitle"/>
           </p:nvPr>
         </p:nvSpPr>
-        <p:spPr/>
+        <p:spPr>
+          <a:xfrm>
+            <a:off x="3313415" y="993936"/>
+            <a:ext cx="5700445" cy="840001"/>
+          </a:xfrm>
+        </p:spPr>
         <p:txBody>
-          <a:bodyPr/>
+          <a:bodyPr>
+            <a:normAutofit fontScale="90000"/>
+          </a:bodyPr>
           <a:lstStyle/>
           <a:p>
             <a:r>
               <a:rPr lang="fr-FR" dirty="0"/>
-              <a:t>Les Channels</a:t>
+              <a:t>GO routine</a:t>
             </a:r>
           </a:p>
         </p:txBody>
       </p:sp>
       <p:sp>
         <p:nvSpPr>
-          <p:cNvPr id="3" name="Espace réservé du contenu 2">
-            <a:extLst>
-              <a:ext uri="{FF2B5EF4-FFF2-40B4-BE49-F238E27FC236}">
-                <a16:creationId xmlns:a16="http://schemas.microsoft.com/office/drawing/2014/main" id="{8E7E78B6-2DD3-4A24-8C42-E545AEB43EF2}"/>
+          <p:cNvPr id="3" name="Sous-titre 2">
+            <a:extLst>
+              <a:ext uri="{FF2B5EF4-FFF2-40B4-BE49-F238E27FC236}">
+                <a16:creationId xmlns:a16="http://schemas.microsoft.com/office/drawing/2014/main" id="{218A9EA8-C0F5-429C-89EE-F1404A403385}"/>
               </a:ext>
             </a:extLst>
           </p:cNvPr>
@@ -3437,385 +3471,159 @@
             <a:spLocks noGrp="1"/>
           </p:cNvSpPr>
           <p:nvPr>
-            <p:ph idx="1"/>
+            <p:ph type="subTitle" idx="1"/>
           </p:nvPr>
         </p:nvSpPr>
-        <p:spPr/>
+        <p:spPr>
+          <a:xfrm>
+            <a:off x="974333" y="1833937"/>
+            <a:ext cx="9144000" cy="1655762"/>
+          </a:xfrm>
+        </p:spPr>
         <p:txBody>
-          <a:bodyPr/>
+          <a:bodyPr>
+            <a:normAutofit/>
+          </a:bodyPr>
           <a:lstStyle/>
           <a:p>
-            <a:r>
-              <a:rPr lang="fr-FR" dirty="0"/>
-              <a:t>Communication et synchronisation entre les goroutine</a:t>
-            </a:r>
-          </a:p>
-          <a:p>
-            <a:r>
-              <a:rPr lang="fr-FR" dirty="0"/>
+            <a:pPr marL="342900" indent="-342900" algn="l">
+              <a:buFont typeface="Arial" panose="020B0604020202020204" pitchFamily="34" charset="0"/>
+              <a:buChar char="•"/>
+            </a:pPr>
+            <a:r>
+              <a:rPr lang="fr-FR" sz="2000" dirty="0"/>
+              <a:t>Fonction ou méthode s’</a:t>
+            </a:r>
+            <a:r>
+              <a:rPr lang="fr-FR" sz="2000" dirty="0" err="1"/>
+              <a:t>éxécutant</a:t>
+            </a:r>
+            <a:r>
+              <a:rPr lang="fr-FR" sz="2000" dirty="0"/>
+              <a:t> simultanément avec d’autres méthodes ou fonction</a:t>
+            </a:r>
+          </a:p>
+          <a:p>
+            <a:pPr marL="342900" indent="-342900" algn="l">
+              <a:buFont typeface="Arial" panose="020B0604020202020204" pitchFamily="34" charset="0"/>
+              <a:buChar char="•"/>
+            </a:pPr>
+            <a:r>
+              <a:rPr lang="fr-FR" sz="2000" dirty="0"/>
               <a:t>Déclaration : </a:t>
             </a:r>
-          </a:p>
-          <a:p>
-            <a:r>
-              <a:rPr lang="fr-FR" b="1" dirty="0"/>
-              <a:t>Bloquants</a:t>
-            </a:r>
-            <a:r>
-              <a:rPr lang="fr-FR" dirty="0"/>
-              <a:t> lorsqu’on envoie une donnée au </a:t>
-            </a:r>
-            <a:r>
-              <a:rPr lang="fr-FR" dirty="0" err="1"/>
-              <a:t>channel</a:t>
-            </a:r>
-            <a:r>
-              <a:rPr lang="fr-FR" dirty="0"/>
-              <a:t>, on ne peut plus en envoyer tant que cette donnée n’a pas été lue</a:t>
-            </a:r>
-          </a:p>
-          <a:p>
-            <a:r>
-              <a:rPr lang="fr-FR" b="0" i="0" dirty="0">
-                <a:solidFill>
-                  <a:schemeClr val="tx2">
-                    <a:lumMod val="50000"/>
-                  </a:schemeClr>
-                </a:solidFill>
-                <a:effectLst/>
-                <a:latin typeface="Calibri" panose="020F0502020204030204" pitchFamily="34" charset="0"/>
-                <a:cs typeface="Calibri" panose="020F0502020204030204" pitchFamily="34" charset="0"/>
-              </a:rPr>
-              <a:t>Par défaut, les channels sont dit </a:t>
-            </a:r>
-            <a:r>
-              <a:rPr lang="fr-FR" b="1" i="0" dirty="0" err="1">
-                <a:solidFill>
-                  <a:schemeClr val="tx2">
-                    <a:lumMod val="50000"/>
-                  </a:schemeClr>
-                </a:solidFill>
-                <a:effectLst/>
-                <a:latin typeface="Calibri" panose="020F0502020204030204" pitchFamily="34" charset="0"/>
-                <a:cs typeface="Calibri" panose="020F0502020204030204" pitchFamily="34" charset="0"/>
-              </a:rPr>
-              <a:t>unbuffered</a:t>
-            </a:r>
-            <a:r>
-              <a:rPr lang="fr-FR" b="0" i="0" dirty="0">
-                <a:solidFill>
-                  <a:schemeClr val="tx2">
-                    <a:lumMod val="50000"/>
-                  </a:schemeClr>
-                </a:solidFill>
-                <a:effectLst/>
-                <a:latin typeface="Calibri" panose="020F0502020204030204" pitchFamily="34" charset="0"/>
-                <a:cs typeface="Calibri" panose="020F0502020204030204" pitchFamily="34" charset="0"/>
-              </a:rPr>
-              <a:t>, ce qui signifie qu'ils n'accepteront pas de </a:t>
-            </a:r>
-            <a:r>
-              <a:rPr lang="fr-FR" b="1" i="0" dirty="0">
-                <a:solidFill>
-                  <a:schemeClr val="tx2">
-                    <a:lumMod val="50000"/>
-                  </a:schemeClr>
-                </a:solidFill>
-                <a:effectLst/>
-                <a:latin typeface="Calibri" panose="020F0502020204030204" pitchFamily="34" charset="0"/>
-                <a:cs typeface="Calibri" panose="020F0502020204030204" pitchFamily="34" charset="0"/>
-              </a:rPr>
-              <a:t>récepteur</a:t>
-            </a:r>
-            <a:r>
-              <a:rPr lang="fr-FR" b="0" i="0" dirty="0">
-                <a:solidFill>
-                  <a:schemeClr val="tx2">
-                    <a:lumMod val="50000"/>
-                  </a:schemeClr>
-                </a:solidFill>
-                <a:effectLst/>
-                <a:latin typeface="Calibri" panose="020F0502020204030204" pitchFamily="34" charset="0"/>
-                <a:cs typeface="Calibri" panose="020F0502020204030204" pitchFamily="34" charset="0"/>
-              </a:rPr>
-              <a:t> ( chan&lt;-) que s'il existe un </a:t>
-            </a:r>
-            <a:r>
-              <a:rPr lang="fr-FR" b="1" i="0" dirty="0">
-                <a:solidFill>
-                  <a:schemeClr val="tx2">
-                    <a:lumMod val="50000"/>
-                  </a:schemeClr>
-                </a:solidFill>
-                <a:effectLst/>
-                <a:latin typeface="Calibri" panose="020F0502020204030204" pitchFamily="34" charset="0"/>
-                <a:cs typeface="Calibri" panose="020F0502020204030204" pitchFamily="34" charset="0"/>
-              </a:rPr>
-              <a:t>expéditeur</a:t>
-            </a:r>
-            <a:r>
-              <a:rPr lang="fr-FR" b="0" i="0" dirty="0">
-                <a:solidFill>
-                  <a:schemeClr val="tx2">
-                    <a:lumMod val="50000"/>
-                  </a:schemeClr>
-                </a:solidFill>
-                <a:effectLst/>
-                <a:latin typeface="Calibri" panose="020F0502020204030204" pitchFamily="34" charset="0"/>
-                <a:cs typeface="Calibri" panose="020F0502020204030204" pitchFamily="34" charset="0"/>
-              </a:rPr>
-              <a:t> ( &lt;- chan) correspondant prêt à recevoir la valeur envoyée, l'inverse est aussi vrai.</a:t>
-            </a:r>
-            <a:endParaRPr lang="fr-FR" dirty="0">
-              <a:solidFill>
-                <a:schemeClr val="tx2">
-                  <a:lumMod val="50000"/>
-                </a:schemeClr>
-              </a:solidFill>
-              <a:latin typeface="Calibri" panose="020F0502020204030204" pitchFamily="34" charset="0"/>
-              <a:cs typeface="Calibri" panose="020F0502020204030204" pitchFamily="34" charset="0"/>
-            </a:endParaRPr>
-          </a:p>
-          <a:p>
-            <a:endParaRPr lang="fr-FR" dirty="0"/>
           </a:p>
         </p:txBody>
       </p:sp>
-      <p:sp>
-        <p:nvSpPr>
-          <p:cNvPr id="4" name="Rectangle 2">
-            <a:extLst>
-              <a:ext uri="{FF2B5EF4-FFF2-40B4-BE49-F238E27FC236}">
-                <a16:creationId xmlns:a16="http://schemas.microsoft.com/office/drawing/2014/main" id="{B8B36F8F-814C-4204-9B84-BB2317327D34}"/>
-              </a:ext>
-            </a:extLst>
-          </p:cNvPr>
-          <p:cNvSpPr>
-            <a:spLocks noChangeArrowheads="1"/>
-          </p:cNvSpPr>
+      <p:pic>
+        <p:nvPicPr>
+          <p:cNvPr id="5" name="Image 4">
+            <a:extLst>
+              <a:ext uri="{FF2B5EF4-FFF2-40B4-BE49-F238E27FC236}">
+                <a16:creationId xmlns:a16="http://schemas.microsoft.com/office/drawing/2014/main" id="{41FA4B0D-D302-490E-8403-8C7806A9146A}"/>
+              </a:ext>
+            </a:extLst>
+          </p:cNvPr>
+          <p:cNvPicPr>
+            <a:picLocks noChangeAspect="1"/>
+          </p:cNvPicPr>
           <p:nvPr/>
-        </p:nvSpPr>
-        <p:spPr bwMode="auto">
+        </p:nvPicPr>
+        <p:blipFill>
+          <a:blip r:embed="rId2">
+            <a:extLst>
+              <a:ext uri="{28A0092B-C50C-407E-A947-70E740481C1C}">
+                <a14:useLocalDpi xmlns:a14="http://schemas.microsoft.com/office/drawing/2010/main" val="0"/>
+              </a:ext>
+            </a:extLst>
+          </a:blip>
+          <a:stretch>
+            <a:fillRect/>
+          </a:stretch>
+        </p:blipFill>
+        <p:spPr>
           <a:xfrm>
-            <a:off x="3139126" y="2306157"/>
-            <a:ext cx="2337847" cy="426313"/>
+            <a:off x="3632236" y="2420313"/>
+            <a:ext cx="3448050" cy="1340029"/>
           </a:xfrm>
           <a:prstGeom prst="rect">
             <a:avLst/>
           </a:prstGeom>
-          <a:solidFill>
-            <a:srgbClr val="212121"/>
-          </a:solidFill>
-          <a:ln>
-            <a:noFill/>
-          </a:ln>
-          <a:effectLst/>
-          <a:extLst>
-            <a:ext uri="{91240B29-F687-4F45-9708-019B960494DF}">
-              <a14:hiddenLine xmlns:a14="http://schemas.microsoft.com/office/drawing/2010/main" w="9525">
-                <a:solidFill>
-                  <a:schemeClr val="tx1"/>
-                </a:solidFill>
-                <a:miter lim="800000"/>
-                <a:headEnd/>
-                <a:tailEnd/>
-              </a14:hiddenLine>
-            </a:ext>
-            <a:ext uri="{AF507438-7753-43E0-B8FC-AC1667EBCBE1}">
-              <a14:hiddenEffects xmlns:a14="http://schemas.microsoft.com/office/drawing/2010/main">
-                <a:effectLst>
-                  <a:outerShdw dist="35921" dir="2700000" algn="ctr" rotWithShape="0">
-                    <a:schemeClr val="bg2"/>
-                  </a:outerShdw>
-                </a:effectLst>
-              </a14:hiddenEffects>
-            </a:ext>
-          </a:extLst>
+        </p:spPr>
+      </p:pic>
+      <p:sp>
+        <p:nvSpPr>
+          <p:cNvPr id="6" name="ZoneTexte 5">
+            <a:extLst>
+              <a:ext uri="{FF2B5EF4-FFF2-40B4-BE49-F238E27FC236}">
+                <a16:creationId xmlns:a16="http://schemas.microsoft.com/office/drawing/2014/main" id="{64752EEE-D509-4990-8781-8FD3870AF4DD}"/>
+              </a:ext>
+            </a:extLst>
+          </p:cNvPr>
+          <p:cNvSpPr txBox="1"/>
+          <p:nvPr/>
+        </p:nvSpPr>
+        <p:spPr>
+          <a:xfrm>
+            <a:off x="1099335" y="4337317"/>
+            <a:ext cx="6899097" cy="1200329"/>
+          </a:xfrm>
+          <a:prstGeom prst="rect">
+            <a:avLst/>
+          </a:prstGeom>
+          <a:noFill/>
         </p:spPr>
         <p:txBody>
-          <a:bodyPr vert="horz" wrap="square" lIns="0" tIns="79350" rIns="0" bIns="190440" numCol="1" anchor="ctr" anchorCtr="0" compatLnSpc="1">
-            <a:prstTxWarp prst="textNoShape">
-              <a:avLst/>
-            </a:prstTxWarp>
+          <a:bodyPr wrap="square" rtlCol="0">
             <a:spAutoFit/>
           </a:bodyPr>
           <a:lstStyle/>
           <a:p>
-            <a:pPr marL="0" marR="0" lvl="0" indent="0" algn="l" defTabSz="914400" rtl="0" eaLnBrk="0" fontAlgn="base" latinLnBrk="0" hangingPunct="0">
-              <a:lnSpc>
-                <a:spcPct val="100000"/>
-              </a:lnSpc>
-              <a:spcBef>
-                <a:spcPct val="0"/>
-              </a:spcBef>
-              <a:spcAft>
-                <a:spcPct val="0"/>
-              </a:spcAft>
-              <a:buClrTx/>
-              <a:buSzTx/>
-              <a:buFontTx/>
-              <a:buNone/>
-              <a:tabLst/>
+            <a:pPr marL="285750" indent="-285750">
+              <a:buFont typeface="Arial" panose="020B0604020202020204" pitchFamily="34" charset="0"/>
+              <a:buChar char="•"/>
             </a:pPr>
             <a:r>
-              <a:rPr kumimoji="0" lang="fr-FR" altLang="fr-FR" sz="1000" b="0" i="0" u="none" strike="noStrike" cap="none" normalizeH="0" baseline="0" dirty="0" err="1">
-                <a:ln>
-                  <a:noFill/>
-                </a:ln>
-                <a:solidFill>
-                  <a:srgbClr val="CCCCCC"/>
-                </a:solidFill>
-                <a:effectLst/>
-                <a:latin typeface="Consolas" panose="020B0609020204030204" pitchFamily="49" charset="0"/>
-              </a:rPr>
-              <a:t>ch</a:t>
-            </a:r>
-            <a:r>
-              <a:rPr kumimoji="0" lang="fr-FR" altLang="fr-FR" sz="1000" b="0" i="0" u="none" strike="noStrike" cap="none" normalizeH="0" baseline="0" dirty="0">
-                <a:ln>
-                  <a:noFill/>
-                </a:ln>
-                <a:solidFill>
-                  <a:srgbClr val="CCCCCC"/>
-                </a:solidFill>
-                <a:effectLst/>
-                <a:latin typeface="Consolas" panose="020B0609020204030204" pitchFamily="49" charset="0"/>
-              </a:rPr>
-              <a:t> </a:t>
-            </a:r>
-            <a:r>
-              <a:rPr kumimoji="0" lang="fr-FR" altLang="fr-FR" sz="1000" b="0" i="0" u="none" strike="noStrike" cap="none" normalizeH="0" baseline="0" dirty="0">
-                <a:ln>
-                  <a:noFill/>
-                </a:ln>
-                <a:solidFill>
-                  <a:srgbClr val="67CDCC"/>
-                </a:solidFill>
-                <a:effectLst/>
-                <a:latin typeface="Consolas" panose="020B0609020204030204" pitchFamily="49" charset="0"/>
-              </a:rPr>
-              <a:t>:=</a:t>
-            </a:r>
-            <a:r>
-              <a:rPr kumimoji="0" lang="fr-FR" altLang="fr-FR" sz="1000" b="0" i="0" u="none" strike="noStrike" cap="none" normalizeH="0" baseline="0" dirty="0">
-                <a:ln>
-                  <a:noFill/>
-                </a:ln>
-                <a:solidFill>
-                  <a:srgbClr val="CCCCCC"/>
-                </a:solidFill>
-                <a:effectLst/>
-                <a:latin typeface="Consolas" panose="020B0609020204030204" pitchFamily="49" charset="0"/>
-              </a:rPr>
-              <a:t> </a:t>
-            </a:r>
-            <a:r>
-              <a:rPr kumimoji="0" lang="fr-FR" altLang="fr-FR" sz="1000" b="0" i="0" u="none" strike="noStrike" cap="none" normalizeH="0" baseline="0" dirty="0" err="1">
-                <a:ln>
-                  <a:noFill/>
-                </a:ln>
-                <a:solidFill>
-                  <a:srgbClr val="F08D49"/>
-                </a:solidFill>
-                <a:effectLst/>
-                <a:latin typeface="Consolas" panose="020B0609020204030204" pitchFamily="49" charset="0"/>
-              </a:rPr>
-              <a:t>make</a:t>
-            </a:r>
-            <a:r>
-              <a:rPr kumimoji="0" lang="fr-FR" altLang="fr-FR" sz="1000" b="0" i="0" u="none" strike="noStrike" cap="none" normalizeH="0" baseline="0" dirty="0">
-                <a:ln>
-                  <a:noFill/>
-                </a:ln>
-                <a:solidFill>
-                  <a:srgbClr val="CCCCCC"/>
-                </a:solidFill>
-                <a:effectLst/>
-                <a:latin typeface="Consolas" panose="020B0609020204030204" pitchFamily="49" charset="0"/>
-              </a:rPr>
-              <a:t>(</a:t>
-            </a:r>
-            <a:r>
-              <a:rPr kumimoji="0" lang="fr-FR" altLang="fr-FR" sz="1000" b="0" i="0" u="none" strike="noStrike" cap="none" normalizeH="0" baseline="0" dirty="0">
-                <a:ln>
-                  <a:noFill/>
-                </a:ln>
-                <a:solidFill>
-                  <a:srgbClr val="CC99CD"/>
-                </a:solidFill>
-                <a:effectLst/>
-                <a:latin typeface="Consolas" panose="020B0609020204030204" pitchFamily="49" charset="0"/>
-              </a:rPr>
-              <a:t>chan</a:t>
-            </a:r>
-            <a:r>
-              <a:rPr kumimoji="0" lang="fr-FR" altLang="fr-FR" sz="1000" b="0" i="0" u="none" strike="noStrike" cap="none" normalizeH="0" baseline="0" dirty="0">
-                <a:ln>
-                  <a:noFill/>
-                </a:ln>
-                <a:solidFill>
-                  <a:srgbClr val="CCCCCC"/>
-                </a:solidFill>
-                <a:effectLst/>
-                <a:latin typeface="Consolas" panose="020B0609020204030204" pitchFamily="49" charset="0"/>
-              </a:rPr>
-              <a:t> </a:t>
-            </a:r>
-            <a:r>
-              <a:rPr kumimoji="0" lang="fr-FR" altLang="fr-FR" sz="1000" b="0" i="0" u="none" strike="noStrike" cap="none" normalizeH="0" baseline="0" dirty="0" err="1">
-                <a:ln>
-                  <a:noFill/>
-                </a:ln>
-                <a:solidFill>
-                  <a:srgbClr val="CCCCCC"/>
-                </a:solidFill>
-                <a:effectLst/>
-                <a:latin typeface="Consolas" panose="020B0609020204030204" pitchFamily="49" charset="0"/>
-              </a:rPr>
-              <a:t>typeDeValeur</a:t>
-            </a:r>
-            <a:r>
-              <a:rPr kumimoji="0" lang="fr-FR" altLang="fr-FR" sz="1000" b="0" i="0" u="none" strike="noStrike" cap="none" normalizeH="0" baseline="0" dirty="0">
-                <a:ln>
-                  <a:noFill/>
-                </a:ln>
-                <a:solidFill>
-                  <a:srgbClr val="CCCCCC"/>
-                </a:solidFill>
-                <a:effectLst/>
-                <a:latin typeface="Consolas" panose="020B0609020204030204" pitchFamily="49" charset="0"/>
-              </a:rPr>
-              <a:t>)</a:t>
-            </a:r>
-            <a:r>
-              <a:rPr kumimoji="0" lang="fr-FR" altLang="fr-FR" sz="800" b="0" i="0" u="none" strike="noStrike" cap="none" normalizeH="0" baseline="0" dirty="0">
-                <a:ln>
-                  <a:noFill/>
-                </a:ln>
-                <a:solidFill>
-                  <a:schemeClr val="tx1"/>
-                </a:solidFill>
-                <a:effectLst/>
-              </a:rPr>
-              <a:t> </a:t>
-            </a:r>
-            <a:endParaRPr kumimoji="0" lang="fr-FR" altLang="fr-FR" sz="1800" b="0" i="0" u="none" strike="noStrike" cap="none" normalizeH="0" baseline="0" dirty="0">
-              <a:ln>
-                <a:noFill/>
-              </a:ln>
-              <a:solidFill>
-                <a:schemeClr val="tx1"/>
-              </a:solidFill>
-              <a:effectLst/>
-              <a:latin typeface="Arial" panose="020B0604020202020204" pitchFamily="34" charset="0"/>
-            </a:endParaRPr>
+              <a:rPr lang="fr-FR" dirty="0"/>
+              <a:t>Avantages:</a:t>
+            </a:r>
+          </a:p>
+          <a:p>
+            <a:pPr marL="285750" indent="-285750">
+              <a:buFont typeface="Courier New" panose="02070309020205020404" pitchFamily="49" charset="0"/>
+              <a:buChar char="o"/>
+            </a:pPr>
+            <a:r>
+              <a:rPr lang="fr-FR" dirty="0"/>
+              <a:t>Faible besoin en mémoire </a:t>
+            </a:r>
+          </a:p>
+          <a:p>
+            <a:pPr marL="285750" indent="-285750">
+              <a:buFont typeface="Courier New" panose="02070309020205020404" pitchFamily="49" charset="0"/>
+              <a:buChar char="o"/>
+            </a:pPr>
+            <a:r>
+              <a:rPr lang="fr-FR" dirty="0"/>
+              <a:t>Une goroutine ne peut bloquer tout un thread</a:t>
+            </a:r>
+          </a:p>
+          <a:p>
+            <a:pPr marL="285750" indent="-285750">
+              <a:buFont typeface="Courier New" panose="02070309020205020404" pitchFamily="49" charset="0"/>
+              <a:buChar char="o"/>
+            </a:pPr>
+            <a:r>
+              <a:rPr lang="fr-FR" dirty="0"/>
+              <a:t>Les goroutine peuvent communiquer entre elle via des canaux</a:t>
+            </a:r>
           </a:p>
         </p:txBody>
       </p:sp>
     </p:spTree>
     <p:extLst>
       <p:ext uri="{BB962C8B-B14F-4D97-AF65-F5344CB8AC3E}">
-        <p14:creationId xmlns:p14="http://schemas.microsoft.com/office/powerpoint/2010/main" val="1288188180"/>
+        <p14:creationId xmlns:p14="http://schemas.microsoft.com/office/powerpoint/2010/main" val="1775381629"/>
       </p:ext>
     </p:extLst>
   </p:cSld>
@@ -3828,14 +3636,6 @@
 <file path=ppt/slides/slide2.xml><?xml version="1.0" encoding="utf-8"?>
 <p:sld xmlns:a="http://schemas.openxmlformats.org/drawingml/2006/main" xmlns:r="http://schemas.openxmlformats.org/officeDocument/2006/relationships" xmlns:p="http://schemas.openxmlformats.org/presentationml/2006/main">
   <p:cSld>
-    <p:bg>
-      <p:bgPr>
-        <a:solidFill>
-          <a:schemeClr val="bg1"/>
-        </a:solidFill>
-        <a:effectLst/>
-      </p:bgPr>
-    </p:bg>
     <p:spTree>
       <p:nvGrpSpPr>
         <p:cNvPr id="1" name=""/>
@@ -3852,102 +3652,10 @@
       </p:grpSpPr>
       <p:sp>
         <p:nvSpPr>
-          <p:cNvPr id="14" name="Rectangle 13">
-            <a:extLst>
-              <a:ext uri="{FF2B5EF4-FFF2-40B4-BE49-F238E27FC236}">
-                <a16:creationId xmlns:a16="http://schemas.microsoft.com/office/drawing/2014/main" id="{BBFECFE9-9DC9-42BB-A28D-4AD4FE0127E7}"/>
-              </a:ext>
-            </a:extLst>
-          </p:cNvPr>
-          <p:cNvSpPr/>
-          <p:nvPr/>
-        </p:nvSpPr>
-        <p:spPr>
-          <a:xfrm>
-            <a:off x="6916366" y="2033081"/>
-            <a:ext cx="4902740" cy="2509736"/>
-          </a:xfrm>
-          <a:prstGeom prst="rect">
-            <a:avLst/>
-          </a:prstGeom>
-        </p:spPr>
-        <p:style>
-          <a:lnRef idx="2">
-            <a:schemeClr val="dk1">
-              <a:shade val="50000"/>
-            </a:schemeClr>
-          </a:lnRef>
-          <a:fillRef idx="1">
-            <a:schemeClr val="dk1"/>
-          </a:fillRef>
-          <a:effectRef idx="0">
-            <a:schemeClr val="dk1"/>
-          </a:effectRef>
-          <a:fontRef idx="minor">
-            <a:schemeClr val="lt1"/>
-          </a:fontRef>
-        </p:style>
-        <p:txBody>
-          <a:bodyPr rtlCol="0" anchor="ctr"/>
-          <a:lstStyle/>
-          <a:p>
-            <a:pPr algn="ctr"/>
-            <a:endParaRPr lang="fr-FR"/>
-          </a:p>
-        </p:txBody>
-      </p:sp>
-      <p:sp>
-        <p:nvSpPr>
-          <p:cNvPr id="12" name="Rectangle 11">
-            <a:extLst>
-              <a:ext uri="{FF2B5EF4-FFF2-40B4-BE49-F238E27FC236}">
-                <a16:creationId xmlns:a16="http://schemas.microsoft.com/office/drawing/2014/main" id="{F9470A22-091D-4C3D-A06C-2AF465947A7A}"/>
-              </a:ext>
-            </a:extLst>
-          </p:cNvPr>
-          <p:cNvSpPr/>
-          <p:nvPr/>
-        </p:nvSpPr>
-        <p:spPr>
-          <a:xfrm>
-            <a:off x="574249" y="975576"/>
-            <a:ext cx="5923828" cy="5726781"/>
-          </a:xfrm>
-          <a:prstGeom prst="rect">
-            <a:avLst/>
-          </a:prstGeom>
-        </p:spPr>
-        <p:style>
-          <a:lnRef idx="2">
-            <a:schemeClr val="dk1">
-              <a:shade val="50000"/>
-            </a:schemeClr>
-          </a:lnRef>
-          <a:fillRef idx="1">
-            <a:schemeClr val="dk1"/>
-          </a:fillRef>
-          <a:effectRef idx="0">
-            <a:schemeClr val="dk1"/>
-          </a:effectRef>
-          <a:fontRef idx="minor">
-            <a:schemeClr val="lt1"/>
-          </a:fontRef>
-        </p:style>
-        <p:txBody>
-          <a:bodyPr rtlCol="0" anchor="ctr"/>
-          <a:lstStyle/>
-          <a:p>
-            <a:pPr algn="ctr"/>
-            <a:endParaRPr lang="fr-FR"/>
-          </a:p>
-        </p:txBody>
-      </p:sp>
-      <p:sp>
-        <p:nvSpPr>
           <p:cNvPr id="2" name="Titre 1">
             <a:extLst>
               <a:ext uri="{FF2B5EF4-FFF2-40B4-BE49-F238E27FC236}">
-                <a16:creationId xmlns:a16="http://schemas.microsoft.com/office/drawing/2014/main" id="{809F3478-0EFB-4E3C-A193-83B45AA1C36E}"/>
+                <a16:creationId xmlns:a16="http://schemas.microsoft.com/office/drawing/2014/main" id="{E154A5AA-85F1-4686-B805-74D64435398B}"/>
               </a:ext>
             </a:extLst>
           </p:cNvPr>
@@ -3958,2977 +3666,151 @@
             <p:ph type="title"/>
           </p:nvPr>
         </p:nvSpPr>
-        <p:spPr>
-          <a:xfrm>
-            <a:off x="574249" y="55366"/>
-            <a:ext cx="10515600" cy="1325563"/>
-          </a:xfrm>
-        </p:spPr>
+        <p:spPr/>
         <p:txBody>
           <a:bodyPr/>
           <a:lstStyle/>
           <a:p>
             <a:r>
               <a:rPr lang="fr-FR" dirty="0"/>
-              <a:t>Deadlock</a:t>
+              <a:t>Précaution à prendre lors de l’utilisation de Go routine</a:t>
             </a:r>
           </a:p>
         </p:txBody>
       </p:sp>
       <p:sp>
         <p:nvSpPr>
-          <p:cNvPr id="8" name="ZoneTexte 7">
-            <a:extLst>
-              <a:ext uri="{FF2B5EF4-FFF2-40B4-BE49-F238E27FC236}">
-                <a16:creationId xmlns:a16="http://schemas.microsoft.com/office/drawing/2014/main" id="{183B404B-B6E2-42F6-A181-33C5D2097160}"/>
-              </a:ext>
-            </a:extLst>
-          </p:cNvPr>
-          <p:cNvSpPr txBox="1"/>
+          <p:cNvPr id="3" name="Espace réservé du contenu 2">
+            <a:extLst>
+              <a:ext uri="{FF2B5EF4-FFF2-40B4-BE49-F238E27FC236}">
+                <a16:creationId xmlns:a16="http://schemas.microsoft.com/office/drawing/2014/main" id="{3ED58FBE-F575-4188-BB97-0E413C19B4DA}"/>
+              </a:ext>
+            </a:extLst>
+          </p:cNvPr>
+          <p:cNvSpPr>
+            <a:spLocks noGrp="1"/>
+          </p:cNvSpPr>
+          <p:nvPr>
+            <p:ph idx="1"/>
+          </p:nvPr>
+        </p:nvSpPr>
+        <p:spPr/>
+        <p:txBody>
+          <a:bodyPr/>
+          <a:lstStyle/>
+          <a:p>
+            <a:r>
+              <a:rPr lang="fr-FR" dirty="0"/>
+              <a:t>Pour qu’une goroutine s’</a:t>
+            </a:r>
+            <a:r>
+              <a:rPr lang="fr-FR" dirty="0" err="1"/>
+              <a:t>éxécute</a:t>
+            </a:r>
+            <a:r>
+              <a:rPr lang="fr-FR" dirty="0"/>
+              <a:t> on doit s’assurer que la goroutine principale tourne </a:t>
+            </a:r>
+          </a:p>
+          <a:p>
+            <a:r>
+              <a:rPr lang="fr-FR" dirty="0"/>
+              <a:t>Exemple:</a:t>
+            </a:r>
+          </a:p>
+          <a:p>
+            <a:endParaRPr lang="fr-FR" dirty="0"/>
+          </a:p>
+          <a:p>
+            <a:endParaRPr lang="fr-FR" dirty="0"/>
+          </a:p>
+          <a:p>
+            <a:endParaRPr lang="fr-FR" dirty="0"/>
+          </a:p>
+          <a:p>
+            <a:r>
+              <a:rPr lang="fr-FR" dirty="0"/>
+              <a:t>Une solution possible: </a:t>
+            </a:r>
+          </a:p>
+        </p:txBody>
+      </p:sp>
+      <p:pic>
+        <p:nvPicPr>
+          <p:cNvPr id="4" name="Image 3">
+            <a:extLst>
+              <a:ext uri="{FF2B5EF4-FFF2-40B4-BE49-F238E27FC236}">
+                <a16:creationId xmlns:a16="http://schemas.microsoft.com/office/drawing/2014/main" id="{7E52F80D-6967-4B1A-84BC-0C155098783B}"/>
+              </a:ext>
+            </a:extLst>
+          </p:cNvPr>
+          <p:cNvPicPr>
+            <a:picLocks noChangeAspect="1"/>
+          </p:cNvPicPr>
           <p:nvPr/>
-        </p:nvSpPr>
+        </p:nvPicPr>
+        <p:blipFill>
+          <a:blip r:embed="rId2">
+            <a:extLst>
+              <a:ext uri="{28A0092B-C50C-407E-A947-70E740481C1C}">
+                <a14:useLocalDpi xmlns:a14="http://schemas.microsoft.com/office/drawing/2010/main" val="0"/>
+              </a:ext>
+            </a:extLst>
+          </a:blip>
+          <a:stretch>
+            <a:fillRect/>
+          </a:stretch>
+        </p:blipFill>
         <p:spPr>
           <a:xfrm>
-            <a:off x="652808" y="975576"/>
-            <a:ext cx="6539844" cy="5478423"/>
+            <a:off x="2882222" y="2821005"/>
+            <a:ext cx="3448050" cy="1340029"/>
           </a:xfrm>
           <a:prstGeom prst="rect">
             <a:avLst/>
           </a:prstGeom>
-          <a:noFill/>
         </p:spPr>
-        <p:txBody>
-          <a:bodyPr wrap="square">
-            <a:spAutoFit/>
-          </a:bodyPr>
-          <a:lstStyle/>
-          <a:p>
-            <a:pPr marL="0" marR="0" lvl="0" indent="0" algn="l" defTabSz="914400" rtl="0" eaLnBrk="0" fontAlgn="base" latinLnBrk="0" hangingPunct="0">
-              <a:lnSpc>
-                <a:spcPct val="100000"/>
-              </a:lnSpc>
-              <a:spcBef>
-                <a:spcPct val="0"/>
-              </a:spcBef>
-              <a:spcAft>
-                <a:spcPct val="0"/>
-              </a:spcAft>
-              <a:buClrTx/>
-              <a:buSzTx/>
-              <a:buFontTx/>
-              <a:buNone/>
-              <a:tabLst/>
-            </a:pPr>
-            <a:r>
-              <a:rPr kumimoji="0" lang="fr-FR" altLang="fr-FR" sz="1400" b="0" i="0" u="none" strike="noStrike" cap="none" normalizeH="0" baseline="0" dirty="0">
-                <a:ln>
-                  <a:noFill/>
-                </a:ln>
-                <a:solidFill>
-                  <a:srgbClr val="CC99CD"/>
-                </a:solidFill>
-                <a:effectLst/>
-                <a:latin typeface="Consolas" panose="020B0609020204030204" pitchFamily="49" charset="0"/>
-              </a:rPr>
-              <a:t>Package</a:t>
-            </a:r>
-          </a:p>
-          <a:p>
-            <a:pPr marL="0" marR="0" lvl="0" indent="0" algn="l" defTabSz="914400" rtl="0" eaLnBrk="0" fontAlgn="base" latinLnBrk="0" hangingPunct="0">
-              <a:lnSpc>
-                <a:spcPct val="100000"/>
-              </a:lnSpc>
-              <a:spcBef>
-                <a:spcPct val="0"/>
-              </a:spcBef>
-              <a:spcAft>
-                <a:spcPct val="0"/>
-              </a:spcAft>
-              <a:buClrTx/>
-              <a:buSzTx/>
-              <a:buFontTx/>
-              <a:buNone/>
-              <a:tabLst/>
-            </a:pPr>
-            <a:r>
-              <a:rPr kumimoji="0" lang="fr-FR" altLang="fr-FR" sz="1400" b="0" i="0" u="none" strike="noStrike" cap="none" normalizeH="0" baseline="0" dirty="0">
-                <a:ln>
-                  <a:noFill/>
-                </a:ln>
-                <a:solidFill>
-                  <a:srgbClr val="CCCCCC"/>
-                </a:solidFill>
-                <a:effectLst/>
-                <a:latin typeface="Consolas" panose="020B0609020204030204" pitchFamily="49" charset="0"/>
-              </a:rPr>
-              <a:t>main </a:t>
-            </a:r>
-            <a:r>
-              <a:rPr kumimoji="0" lang="fr-FR" altLang="fr-FR" sz="1400" b="0" i="0" u="none" strike="noStrike" cap="none" normalizeH="0" baseline="0" dirty="0">
-                <a:ln>
-                  <a:noFill/>
-                </a:ln>
-                <a:solidFill>
-                  <a:srgbClr val="CC99CD"/>
-                </a:solidFill>
-                <a:effectLst/>
-                <a:latin typeface="Consolas" panose="020B0609020204030204" pitchFamily="49" charset="0"/>
-              </a:rPr>
-              <a:t>import</a:t>
-            </a:r>
-            <a:r>
-              <a:rPr kumimoji="0" lang="fr-FR" altLang="fr-FR" sz="1400" b="0" i="0" u="none" strike="noStrike" cap="none" normalizeH="0" baseline="0" dirty="0">
-                <a:ln>
-                  <a:noFill/>
-                </a:ln>
-                <a:solidFill>
-                  <a:srgbClr val="CCCCCC"/>
-                </a:solidFill>
-                <a:effectLst/>
-                <a:latin typeface="Consolas" panose="020B0609020204030204" pitchFamily="49" charset="0"/>
-              </a:rPr>
-              <a:t> ( </a:t>
-            </a:r>
-            <a:r>
-              <a:rPr kumimoji="0" lang="fr-FR" altLang="fr-FR" sz="1400" b="0" i="0" u="none" strike="noStrike" cap="none" normalizeH="0" baseline="0" dirty="0">
-                <a:ln>
-                  <a:noFill/>
-                </a:ln>
-                <a:solidFill>
-                  <a:srgbClr val="7EC699"/>
-                </a:solidFill>
-                <a:effectLst/>
-                <a:latin typeface="Consolas" panose="020B0609020204030204" pitchFamily="49" charset="0"/>
-              </a:rPr>
-              <a:t>"</a:t>
-            </a:r>
-            <a:r>
-              <a:rPr kumimoji="0" lang="fr-FR" altLang="fr-FR" sz="1400" b="0" i="0" u="none" strike="noStrike" cap="none" normalizeH="0" baseline="0" dirty="0" err="1">
-                <a:ln>
-                  <a:noFill/>
-                </a:ln>
-                <a:solidFill>
-                  <a:srgbClr val="7EC699"/>
-                </a:solidFill>
-                <a:effectLst/>
-                <a:latin typeface="Consolas" panose="020B0609020204030204" pitchFamily="49" charset="0"/>
-              </a:rPr>
-              <a:t>fmt</a:t>
-            </a:r>
-            <a:r>
-              <a:rPr kumimoji="0" lang="fr-FR" altLang="fr-FR" sz="1400" b="0" i="0" u="none" strike="noStrike" cap="none" normalizeH="0" baseline="0" dirty="0">
-                <a:ln>
-                  <a:noFill/>
-                </a:ln>
-                <a:solidFill>
-                  <a:srgbClr val="7EC699"/>
-                </a:solidFill>
-                <a:effectLst/>
-                <a:latin typeface="Consolas" panose="020B0609020204030204" pitchFamily="49" charset="0"/>
-              </a:rPr>
-              <a:t>"</a:t>
-            </a:r>
-            <a:r>
-              <a:rPr kumimoji="0" lang="fr-FR" altLang="fr-FR" sz="1400" b="0" i="0" u="none" strike="noStrike" cap="none" normalizeH="0" baseline="0" dirty="0">
-                <a:ln>
-                  <a:noFill/>
-                </a:ln>
-                <a:solidFill>
-                  <a:srgbClr val="CCCCCC"/>
-                </a:solidFill>
-                <a:effectLst/>
-                <a:latin typeface="Consolas" panose="020B0609020204030204" pitchFamily="49" charset="0"/>
-              </a:rPr>
-              <a:t> </a:t>
-            </a:r>
-          </a:p>
-          <a:p>
-            <a:pPr marL="0" marR="0" lvl="0" indent="0" algn="l" defTabSz="914400" rtl="0" eaLnBrk="0" fontAlgn="base" latinLnBrk="0" hangingPunct="0">
-              <a:lnSpc>
-                <a:spcPct val="100000"/>
-              </a:lnSpc>
-              <a:spcBef>
-                <a:spcPct val="0"/>
-              </a:spcBef>
-              <a:spcAft>
-                <a:spcPct val="0"/>
-              </a:spcAft>
-              <a:buClrTx/>
-              <a:buSzTx/>
-              <a:buFontTx/>
-              <a:buNone/>
-              <a:tabLst/>
-            </a:pPr>
-            <a:r>
-              <a:rPr kumimoji="0" lang="fr-FR" altLang="fr-FR" sz="1400" b="0" i="0" u="none" strike="noStrike" cap="none" normalizeH="0" baseline="0" dirty="0">
-                <a:ln>
-                  <a:noFill/>
-                </a:ln>
-                <a:solidFill>
-                  <a:srgbClr val="7EC699"/>
-                </a:solidFill>
-                <a:effectLst/>
-                <a:latin typeface="Consolas" panose="020B0609020204030204" pitchFamily="49" charset="0"/>
-              </a:rPr>
-              <a:t>"</a:t>
-            </a:r>
-            <a:r>
-              <a:rPr kumimoji="0" lang="fr-FR" altLang="fr-FR" sz="1400" b="0" i="0" u="none" strike="noStrike" cap="none" normalizeH="0" baseline="0" dirty="0" err="1">
-                <a:ln>
-                  <a:noFill/>
-                </a:ln>
-                <a:solidFill>
-                  <a:srgbClr val="7EC699"/>
-                </a:solidFill>
-                <a:effectLst/>
-                <a:latin typeface="Consolas" panose="020B0609020204030204" pitchFamily="49" charset="0"/>
-              </a:rPr>
-              <a:t>sync</a:t>
-            </a:r>
-            <a:r>
-              <a:rPr kumimoji="0" lang="fr-FR" altLang="fr-FR" sz="1400" b="0" i="0" u="none" strike="noStrike" cap="none" normalizeH="0" baseline="0" dirty="0">
-                <a:ln>
-                  <a:noFill/>
-                </a:ln>
-                <a:solidFill>
-                  <a:srgbClr val="7EC699"/>
-                </a:solidFill>
-                <a:effectLst/>
-                <a:latin typeface="Consolas" panose="020B0609020204030204" pitchFamily="49" charset="0"/>
-              </a:rPr>
-              <a:t>"</a:t>
-            </a:r>
-            <a:r>
-              <a:rPr kumimoji="0" lang="fr-FR" altLang="fr-FR" sz="1400" b="0" i="0" u="none" strike="noStrike" cap="none" normalizeH="0" baseline="0" dirty="0">
-                <a:ln>
-                  <a:noFill/>
-                </a:ln>
-                <a:solidFill>
-                  <a:srgbClr val="CCCCCC"/>
-                </a:solidFill>
-                <a:effectLst/>
-                <a:latin typeface="Consolas" panose="020B0609020204030204" pitchFamily="49" charset="0"/>
-              </a:rPr>
-              <a:t> </a:t>
-            </a:r>
-          </a:p>
-          <a:p>
-            <a:pPr marL="0" marR="0" lvl="0" indent="0" algn="l" defTabSz="914400" rtl="0" eaLnBrk="0" fontAlgn="base" latinLnBrk="0" hangingPunct="0">
-              <a:lnSpc>
-                <a:spcPct val="100000"/>
-              </a:lnSpc>
-              <a:spcBef>
-                <a:spcPct val="0"/>
-              </a:spcBef>
-              <a:spcAft>
-                <a:spcPct val="0"/>
-              </a:spcAft>
-              <a:buClrTx/>
-              <a:buSzTx/>
-              <a:buFontTx/>
-              <a:buNone/>
-              <a:tabLst/>
-            </a:pPr>
-            <a:r>
-              <a:rPr kumimoji="0" lang="fr-FR" altLang="fr-FR" sz="1400" b="0" i="0" u="none" strike="noStrike" cap="none" normalizeH="0" baseline="0" dirty="0">
-                <a:ln>
-                  <a:noFill/>
-                </a:ln>
-                <a:solidFill>
-                  <a:srgbClr val="7EC699"/>
-                </a:solidFill>
-                <a:effectLst/>
-                <a:latin typeface="Consolas" panose="020B0609020204030204" pitchFamily="49" charset="0"/>
-              </a:rPr>
-              <a:t>"time"</a:t>
-            </a:r>
-            <a:r>
-              <a:rPr kumimoji="0" lang="fr-FR" altLang="fr-FR" sz="1400" b="0" i="0" u="none" strike="noStrike" cap="none" normalizeH="0" baseline="0" dirty="0">
-                <a:ln>
-                  <a:noFill/>
-                </a:ln>
-                <a:solidFill>
-                  <a:srgbClr val="CCCCCC"/>
-                </a:solidFill>
-                <a:effectLst/>
-                <a:latin typeface="Consolas" panose="020B0609020204030204" pitchFamily="49" charset="0"/>
-              </a:rPr>
-              <a:t> ) </a:t>
-            </a:r>
-          </a:p>
-          <a:p>
-            <a:pPr marL="0" marR="0" lvl="0" indent="0" algn="l" defTabSz="914400" rtl="0" eaLnBrk="0" fontAlgn="base" latinLnBrk="0" hangingPunct="0">
-              <a:lnSpc>
-                <a:spcPct val="100000"/>
-              </a:lnSpc>
-              <a:spcBef>
-                <a:spcPct val="0"/>
-              </a:spcBef>
-              <a:spcAft>
-                <a:spcPct val="0"/>
-              </a:spcAft>
-              <a:buClrTx/>
-              <a:buSzTx/>
-              <a:buFontTx/>
-              <a:buNone/>
-              <a:tabLst/>
-            </a:pPr>
-            <a:r>
-              <a:rPr kumimoji="0" lang="fr-FR" altLang="fr-FR" sz="1400" b="0" i="0" u="none" strike="noStrike" cap="none" normalizeH="0" baseline="0" dirty="0">
-                <a:ln>
-                  <a:noFill/>
-                </a:ln>
-                <a:solidFill>
-                  <a:srgbClr val="CC99CD"/>
-                </a:solidFill>
-                <a:effectLst/>
-                <a:latin typeface="Consolas" panose="020B0609020204030204" pitchFamily="49" charset="0"/>
-              </a:rPr>
-              <a:t>var</a:t>
-            </a:r>
-            <a:r>
-              <a:rPr kumimoji="0" lang="fr-FR" altLang="fr-FR" sz="1400" b="0" i="0" u="none" strike="noStrike" cap="none" normalizeH="0" baseline="0" dirty="0">
-                <a:ln>
-                  <a:noFill/>
-                </a:ln>
-                <a:solidFill>
-                  <a:srgbClr val="CCCCCC"/>
-                </a:solidFill>
-                <a:effectLst/>
-                <a:latin typeface="Consolas" panose="020B0609020204030204" pitchFamily="49" charset="0"/>
-              </a:rPr>
-              <a:t> </a:t>
-            </a:r>
-            <a:r>
-              <a:rPr kumimoji="0" lang="fr-FR" altLang="fr-FR" sz="1400" b="0" i="0" u="none" strike="noStrike" cap="none" normalizeH="0" baseline="0" dirty="0" err="1">
-                <a:ln>
-                  <a:noFill/>
-                </a:ln>
-                <a:solidFill>
-                  <a:srgbClr val="CCCCCC"/>
-                </a:solidFill>
-                <a:effectLst/>
-                <a:latin typeface="Consolas" panose="020B0609020204030204" pitchFamily="49" charset="0"/>
-              </a:rPr>
-              <a:t>wg</a:t>
-            </a:r>
-            <a:r>
-              <a:rPr kumimoji="0" lang="fr-FR" altLang="fr-FR" sz="1400" b="0" i="0" u="none" strike="noStrike" cap="none" normalizeH="0" baseline="0" dirty="0">
-                <a:ln>
-                  <a:noFill/>
-                </a:ln>
-                <a:solidFill>
-                  <a:srgbClr val="CCCCCC"/>
-                </a:solidFill>
-                <a:effectLst/>
-                <a:latin typeface="Consolas" panose="020B0609020204030204" pitchFamily="49" charset="0"/>
-              </a:rPr>
-              <a:t> </a:t>
-            </a:r>
-            <a:r>
-              <a:rPr kumimoji="0" lang="fr-FR" altLang="fr-FR" sz="1400" b="0" i="0" u="none" strike="noStrike" cap="none" normalizeH="0" baseline="0" dirty="0">
-                <a:ln>
-                  <a:noFill/>
-                </a:ln>
-                <a:solidFill>
-                  <a:srgbClr val="67CDCC"/>
-                </a:solidFill>
-                <a:effectLst/>
-                <a:latin typeface="Consolas" panose="020B0609020204030204" pitchFamily="49" charset="0"/>
-              </a:rPr>
-              <a:t>=</a:t>
-            </a:r>
-            <a:r>
-              <a:rPr kumimoji="0" lang="fr-FR" altLang="fr-FR" sz="1400" b="0" i="0" u="none" strike="noStrike" cap="none" normalizeH="0" baseline="0" dirty="0">
-                <a:ln>
-                  <a:noFill/>
-                </a:ln>
-                <a:solidFill>
-                  <a:srgbClr val="CCCCCC"/>
-                </a:solidFill>
-                <a:effectLst/>
-                <a:latin typeface="Consolas" panose="020B0609020204030204" pitchFamily="49" charset="0"/>
-              </a:rPr>
-              <a:t> </a:t>
-            </a:r>
-            <a:r>
-              <a:rPr kumimoji="0" lang="fr-FR" altLang="fr-FR" sz="1400" b="0" i="0" u="none" strike="noStrike" cap="none" normalizeH="0" baseline="0" dirty="0" err="1">
-                <a:ln>
-                  <a:noFill/>
-                </a:ln>
-                <a:solidFill>
-                  <a:srgbClr val="CCCCCC"/>
-                </a:solidFill>
-                <a:effectLst/>
-                <a:latin typeface="Consolas" panose="020B0609020204030204" pitchFamily="49" charset="0"/>
-              </a:rPr>
-              <a:t>sync.WaitGroup</a:t>
-            </a:r>
-            <a:r>
-              <a:rPr kumimoji="0" lang="fr-FR" altLang="fr-FR" sz="1400" b="0" i="0" u="none" strike="noStrike" cap="none" normalizeH="0" baseline="0" dirty="0">
-                <a:ln>
-                  <a:noFill/>
-                </a:ln>
-                <a:solidFill>
-                  <a:srgbClr val="CCCCCC"/>
-                </a:solidFill>
-                <a:effectLst/>
-                <a:latin typeface="Consolas" panose="020B0609020204030204" pitchFamily="49" charset="0"/>
-              </a:rPr>
-              <a:t>{} </a:t>
-            </a:r>
-          </a:p>
-          <a:p>
-            <a:pPr marL="0" marR="0" lvl="0" indent="0" algn="l" defTabSz="914400" rtl="0" eaLnBrk="0" fontAlgn="base" latinLnBrk="0" hangingPunct="0">
-              <a:lnSpc>
-                <a:spcPct val="100000"/>
-              </a:lnSpc>
-              <a:spcBef>
-                <a:spcPct val="0"/>
-              </a:spcBef>
-              <a:spcAft>
-                <a:spcPct val="0"/>
-              </a:spcAft>
-              <a:buClrTx/>
-              <a:buSzTx/>
-              <a:buFontTx/>
-              <a:buNone/>
-              <a:tabLst/>
-            </a:pPr>
-            <a:r>
-              <a:rPr kumimoji="0" lang="fr-FR" altLang="fr-FR" sz="1400" b="0" i="0" u="none" strike="noStrike" cap="none" normalizeH="0" baseline="0" dirty="0" err="1">
-                <a:ln>
-                  <a:noFill/>
-                </a:ln>
-                <a:solidFill>
-                  <a:srgbClr val="CC99CD"/>
-                </a:solidFill>
-                <a:effectLst/>
-                <a:latin typeface="Consolas" panose="020B0609020204030204" pitchFamily="49" charset="0"/>
-              </a:rPr>
-              <a:t>func</a:t>
-            </a:r>
-            <a:r>
-              <a:rPr kumimoji="0" lang="fr-FR" altLang="fr-FR" sz="1400" b="0" i="0" u="none" strike="noStrike" cap="none" normalizeH="0" baseline="0" dirty="0">
-                <a:ln>
-                  <a:noFill/>
-                </a:ln>
-                <a:solidFill>
-                  <a:srgbClr val="CCCCCC"/>
-                </a:solidFill>
-                <a:effectLst/>
-                <a:latin typeface="Consolas" panose="020B0609020204030204" pitchFamily="49" charset="0"/>
-              </a:rPr>
-              <a:t> </a:t>
-            </a:r>
-            <a:r>
-              <a:rPr kumimoji="0" lang="fr-FR" altLang="fr-FR" sz="1400" b="0" i="0" u="none" strike="noStrike" cap="none" normalizeH="0" baseline="0" dirty="0">
-                <a:ln>
-                  <a:noFill/>
-                </a:ln>
-                <a:solidFill>
-                  <a:srgbClr val="F08D49"/>
-                </a:solidFill>
-                <a:effectLst/>
-                <a:latin typeface="Consolas" panose="020B0609020204030204" pitchFamily="49" charset="0"/>
-              </a:rPr>
-              <a:t>main</a:t>
-            </a:r>
-            <a:r>
-              <a:rPr kumimoji="0" lang="fr-FR" altLang="fr-FR" sz="1400" b="0" i="0" u="none" strike="noStrike" cap="none" normalizeH="0" baseline="0" dirty="0">
-                <a:ln>
-                  <a:noFill/>
-                </a:ln>
-                <a:solidFill>
-                  <a:srgbClr val="CCCCCC"/>
-                </a:solidFill>
-                <a:effectLst/>
-                <a:latin typeface="Consolas" panose="020B0609020204030204" pitchFamily="49" charset="0"/>
-              </a:rPr>
-              <a:t>() { </a:t>
-            </a:r>
-          </a:p>
-          <a:p>
-            <a:pPr marL="0" marR="0" lvl="0" indent="0" algn="l" defTabSz="914400" rtl="0" eaLnBrk="0" fontAlgn="base" latinLnBrk="0" hangingPunct="0">
-              <a:lnSpc>
-                <a:spcPct val="100000"/>
-              </a:lnSpc>
-              <a:spcBef>
-                <a:spcPct val="0"/>
-              </a:spcBef>
-              <a:spcAft>
-                <a:spcPct val="0"/>
-              </a:spcAft>
-              <a:buClrTx/>
-              <a:buSzTx/>
-              <a:buFontTx/>
-              <a:buNone/>
-              <a:tabLst/>
-            </a:pPr>
-            <a:r>
-              <a:rPr lang="fr-FR" altLang="fr-FR" sz="1400" dirty="0">
-                <a:solidFill>
-                  <a:srgbClr val="CCCCCC"/>
-                </a:solidFill>
-                <a:latin typeface="Consolas" panose="020B0609020204030204" pitchFamily="49" charset="0"/>
-              </a:rPr>
-              <a:t>	</a:t>
-            </a:r>
-            <a:r>
-              <a:rPr kumimoji="0" lang="fr-FR" altLang="fr-FR" sz="1400" b="0" i="0" u="none" strike="noStrike" cap="none" normalizeH="0" baseline="0" dirty="0" err="1">
-                <a:ln>
-                  <a:noFill/>
-                </a:ln>
-                <a:solidFill>
-                  <a:srgbClr val="CCCCCC"/>
-                </a:solidFill>
-                <a:effectLst/>
-                <a:latin typeface="Consolas" panose="020B0609020204030204" pitchFamily="49" charset="0"/>
-              </a:rPr>
-              <a:t>now</a:t>
-            </a:r>
-            <a:r>
-              <a:rPr kumimoji="0" lang="fr-FR" altLang="fr-FR" sz="1400" b="0" i="0" u="none" strike="noStrike" cap="none" normalizeH="0" baseline="0" dirty="0">
-                <a:ln>
-                  <a:noFill/>
-                </a:ln>
-                <a:solidFill>
-                  <a:srgbClr val="CCCCCC"/>
-                </a:solidFill>
-                <a:effectLst/>
-                <a:latin typeface="Consolas" panose="020B0609020204030204" pitchFamily="49" charset="0"/>
-              </a:rPr>
-              <a:t> </a:t>
-            </a:r>
-            <a:r>
-              <a:rPr kumimoji="0" lang="fr-FR" altLang="fr-FR" sz="1400" b="0" i="0" u="none" strike="noStrike" cap="none" normalizeH="0" baseline="0" dirty="0">
-                <a:ln>
-                  <a:noFill/>
-                </a:ln>
-                <a:solidFill>
-                  <a:srgbClr val="67CDCC"/>
-                </a:solidFill>
-                <a:effectLst/>
-                <a:latin typeface="Consolas" panose="020B0609020204030204" pitchFamily="49" charset="0"/>
-              </a:rPr>
-              <a:t>:=</a:t>
-            </a:r>
-            <a:r>
-              <a:rPr kumimoji="0" lang="fr-FR" altLang="fr-FR" sz="1400" b="0" i="0" u="none" strike="noStrike" cap="none" normalizeH="0" baseline="0" dirty="0">
-                <a:ln>
-                  <a:noFill/>
-                </a:ln>
-                <a:solidFill>
-                  <a:srgbClr val="CCCCCC"/>
-                </a:solidFill>
-                <a:effectLst/>
-                <a:latin typeface="Consolas" panose="020B0609020204030204" pitchFamily="49" charset="0"/>
-              </a:rPr>
-              <a:t> </a:t>
-            </a:r>
-            <a:r>
-              <a:rPr kumimoji="0" lang="fr-FR" altLang="fr-FR" sz="1400" b="0" i="0" u="none" strike="noStrike" cap="none" normalizeH="0" baseline="0" dirty="0" err="1">
-                <a:ln>
-                  <a:noFill/>
-                </a:ln>
-                <a:solidFill>
-                  <a:srgbClr val="CCCCCC"/>
-                </a:solidFill>
-                <a:effectLst/>
-                <a:latin typeface="Consolas" panose="020B0609020204030204" pitchFamily="49" charset="0"/>
-              </a:rPr>
-              <a:t>time.</a:t>
-            </a:r>
-            <a:r>
-              <a:rPr kumimoji="0" lang="fr-FR" altLang="fr-FR" sz="1400" b="0" i="0" u="none" strike="noStrike" cap="none" normalizeH="0" baseline="0" dirty="0" err="1">
-                <a:ln>
-                  <a:noFill/>
-                </a:ln>
-                <a:solidFill>
-                  <a:srgbClr val="F08D49"/>
-                </a:solidFill>
-                <a:effectLst/>
-                <a:latin typeface="Consolas" panose="020B0609020204030204" pitchFamily="49" charset="0"/>
-              </a:rPr>
-              <a:t>Now</a:t>
-            </a:r>
-            <a:r>
-              <a:rPr kumimoji="0" lang="fr-FR" altLang="fr-FR" sz="1400" b="0" i="0" u="none" strike="noStrike" cap="none" normalizeH="0" baseline="0" dirty="0">
-                <a:ln>
-                  <a:noFill/>
-                </a:ln>
-                <a:solidFill>
-                  <a:srgbClr val="CCCCCC"/>
-                </a:solidFill>
-                <a:effectLst/>
-                <a:latin typeface="Consolas" panose="020B0609020204030204" pitchFamily="49" charset="0"/>
-              </a:rPr>
-              <a:t>() </a:t>
-            </a:r>
-          </a:p>
-          <a:p>
-            <a:pPr marL="0" marR="0" lvl="0" indent="0" algn="l" defTabSz="914400" rtl="0" eaLnBrk="0" fontAlgn="base" latinLnBrk="0" hangingPunct="0">
-              <a:lnSpc>
-                <a:spcPct val="100000"/>
-              </a:lnSpc>
-              <a:spcBef>
-                <a:spcPct val="0"/>
-              </a:spcBef>
-              <a:spcAft>
-                <a:spcPct val="0"/>
-              </a:spcAft>
-              <a:buClrTx/>
-              <a:buSzTx/>
-              <a:buFontTx/>
-              <a:buNone/>
-              <a:tabLst/>
-            </a:pPr>
-            <a:r>
-              <a:rPr lang="fr-FR" altLang="fr-FR" sz="1400" dirty="0">
-                <a:solidFill>
-                  <a:srgbClr val="CCCCCC"/>
-                </a:solidFill>
-                <a:latin typeface="Consolas" panose="020B0609020204030204" pitchFamily="49" charset="0"/>
-              </a:rPr>
-              <a:t>	</a:t>
-            </a:r>
-            <a:r>
-              <a:rPr kumimoji="0" lang="fr-FR" altLang="fr-FR" sz="1400" b="0" i="0" u="none" strike="noStrike" cap="none" normalizeH="0" baseline="0" dirty="0" err="1">
-                <a:ln>
-                  <a:noFill/>
-                </a:ln>
-                <a:solidFill>
-                  <a:srgbClr val="CCCCCC"/>
-                </a:solidFill>
-                <a:effectLst/>
-                <a:latin typeface="Consolas" panose="020B0609020204030204" pitchFamily="49" charset="0"/>
-              </a:rPr>
-              <a:t>ch</a:t>
-            </a:r>
-            <a:r>
-              <a:rPr kumimoji="0" lang="fr-FR" altLang="fr-FR" sz="1400" b="0" i="0" u="none" strike="noStrike" cap="none" normalizeH="0" baseline="0" dirty="0">
-                <a:ln>
-                  <a:noFill/>
-                </a:ln>
-                <a:solidFill>
-                  <a:srgbClr val="CCCCCC"/>
-                </a:solidFill>
-                <a:effectLst/>
-                <a:latin typeface="Consolas" panose="020B0609020204030204" pitchFamily="49" charset="0"/>
-              </a:rPr>
-              <a:t> </a:t>
-            </a:r>
-            <a:r>
-              <a:rPr kumimoji="0" lang="fr-FR" altLang="fr-FR" sz="1400" b="0" i="0" u="none" strike="noStrike" cap="none" normalizeH="0" baseline="0" dirty="0">
-                <a:ln>
-                  <a:noFill/>
-                </a:ln>
-                <a:solidFill>
-                  <a:srgbClr val="67CDCC"/>
-                </a:solidFill>
-                <a:effectLst/>
-                <a:latin typeface="Consolas" panose="020B0609020204030204" pitchFamily="49" charset="0"/>
-              </a:rPr>
-              <a:t>:=</a:t>
-            </a:r>
-            <a:r>
-              <a:rPr kumimoji="0" lang="fr-FR" altLang="fr-FR" sz="1400" b="0" i="0" u="none" strike="noStrike" cap="none" normalizeH="0" baseline="0" dirty="0">
-                <a:ln>
-                  <a:noFill/>
-                </a:ln>
-                <a:solidFill>
-                  <a:srgbClr val="CCCCCC"/>
-                </a:solidFill>
-                <a:effectLst/>
-                <a:latin typeface="Consolas" panose="020B0609020204030204" pitchFamily="49" charset="0"/>
-              </a:rPr>
-              <a:t> </a:t>
-            </a:r>
-            <a:r>
-              <a:rPr kumimoji="0" lang="fr-FR" altLang="fr-FR" sz="1400" b="0" i="0" u="none" strike="noStrike" cap="none" normalizeH="0" baseline="0" dirty="0" err="1">
-                <a:ln>
-                  <a:noFill/>
-                </a:ln>
-                <a:solidFill>
-                  <a:srgbClr val="F08D49"/>
-                </a:solidFill>
-                <a:effectLst/>
-                <a:latin typeface="Consolas" panose="020B0609020204030204" pitchFamily="49" charset="0"/>
-              </a:rPr>
-              <a:t>make</a:t>
-            </a:r>
-            <a:r>
-              <a:rPr kumimoji="0" lang="fr-FR" altLang="fr-FR" sz="1400" b="0" i="0" u="none" strike="noStrike" cap="none" normalizeH="0" baseline="0" dirty="0">
-                <a:ln>
-                  <a:noFill/>
-                </a:ln>
-                <a:solidFill>
-                  <a:srgbClr val="CCCCCC"/>
-                </a:solidFill>
-                <a:effectLst/>
-                <a:latin typeface="Consolas" panose="020B0609020204030204" pitchFamily="49" charset="0"/>
-              </a:rPr>
-              <a:t>(</a:t>
-            </a:r>
-            <a:r>
-              <a:rPr kumimoji="0" lang="fr-FR" altLang="fr-FR" sz="1400" b="0" i="0" u="none" strike="noStrike" cap="none" normalizeH="0" baseline="0" dirty="0">
-                <a:ln>
-                  <a:noFill/>
-                </a:ln>
-                <a:solidFill>
-                  <a:srgbClr val="CC99CD"/>
-                </a:solidFill>
-                <a:effectLst/>
-                <a:latin typeface="Consolas" panose="020B0609020204030204" pitchFamily="49" charset="0"/>
-              </a:rPr>
-              <a:t>chan</a:t>
-            </a:r>
-            <a:r>
-              <a:rPr kumimoji="0" lang="fr-FR" altLang="fr-FR" sz="1400" b="0" i="0" u="none" strike="noStrike" cap="none" normalizeH="0" baseline="0" dirty="0">
-                <a:ln>
-                  <a:noFill/>
-                </a:ln>
-                <a:solidFill>
-                  <a:srgbClr val="CCCCCC"/>
-                </a:solidFill>
-                <a:effectLst/>
-                <a:latin typeface="Consolas" panose="020B0609020204030204" pitchFamily="49" charset="0"/>
-              </a:rPr>
-              <a:t> </a:t>
-            </a:r>
-            <a:r>
-              <a:rPr kumimoji="0" lang="fr-FR" altLang="fr-FR" sz="1400" b="0" i="0" u="none" strike="noStrike" cap="none" normalizeH="0" baseline="0" dirty="0" err="1">
-                <a:ln>
-                  <a:noFill/>
-                </a:ln>
-                <a:solidFill>
-                  <a:srgbClr val="CC99CD"/>
-                </a:solidFill>
-                <a:effectLst/>
-                <a:latin typeface="Consolas" panose="020B0609020204030204" pitchFamily="49" charset="0"/>
-              </a:rPr>
-              <a:t>int</a:t>
-            </a:r>
-            <a:r>
-              <a:rPr kumimoji="0" lang="fr-FR" altLang="fr-FR" sz="1400" b="0" i="0" u="none" strike="noStrike" cap="none" normalizeH="0" baseline="0" dirty="0">
-                <a:ln>
-                  <a:noFill/>
-                </a:ln>
-                <a:solidFill>
-                  <a:srgbClr val="CCCCCC"/>
-                </a:solidFill>
-                <a:effectLst/>
-                <a:latin typeface="Consolas" panose="020B0609020204030204" pitchFamily="49" charset="0"/>
-              </a:rPr>
-              <a:t>) </a:t>
-            </a:r>
-          </a:p>
-          <a:p>
-            <a:pPr marL="0" marR="0" lvl="0" indent="0" algn="l" defTabSz="914400" rtl="0" eaLnBrk="0" fontAlgn="base" latinLnBrk="0" hangingPunct="0">
-              <a:lnSpc>
-                <a:spcPct val="100000"/>
-              </a:lnSpc>
-              <a:spcBef>
-                <a:spcPct val="0"/>
-              </a:spcBef>
-              <a:spcAft>
-                <a:spcPct val="0"/>
-              </a:spcAft>
-              <a:buClrTx/>
-              <a:buSzTx/>
-              <a:buFontTx/>
-              <a:buNone/>
-              <a:tabLst/>
-            </a:pPr>
-            <a:r>
-              <a:rPr lang="fr-FR" altLang="fr-FR" sz="1400" dirty="0">
-                <a:solidFill>
-                  <a:srgbClr val="CCCCCC"/>
-                </a:solidFill>
-                <a:latin typeface="Consolas" panose="020B0609020204030204" pitchFamily="49" charset="0"/>
-              </a:rPr>
-              <a:t>	</a:t>
-            </a:r>
-            <a:r>
-              <a:rPr kumimoji="0" lang="fr-FR" altLang="fr-FR" sz="1400" b="0" i="0" u="none" strike="noStrike" cap="none" normalizeH="0" baseline="0" dirty="0">
-                <a:ln>
-                  <a:noFill/>
-                </a:ln>
-                <a:solidFill>
-                  <a:srgbClr val="999999"/>
-                </a:solidFill>
-                <a:effectLst/>
-                <a:latin typeface="Consolas" panose="020B0609020204030204" pitchFamily="49" charset="0"/>
-              </a:rPr>
-              <a:t>// 5 expéditeurs</a:t>
-            </a:r>
-            <a:r>
-              <a:rPr kumimoji="0" lang="fr-FR" altLang="fr-FR" sz="1400" b="0" i="0" u="none" strike="noStrike" cap="none" normalizeH="0" baseline="0" dirty="0">
-                <a:ln>
-                  <a:noFill/>
-                </a:ln>
-                <a:solidFill>
-                  <a:srgbClr val="CCCCCC"/>
-                </a:solidFill>
-                <a:effectLst/>
-                <a:latin typeface="Consolas" panose="020B0609020204030204" pitchFamily="49" charset="0"/>
-              </a:rPr>
-              <a:t> </a:t>
-            </a:r>
-          </a:p>
-          <a:p>
-            <a:pPr marL="0" marR="0" lvl="0" indent="0" algn="l" defTabSz="914400" rtl="0" eaLnBrk="0" fontAlgn="base" latinLnBrk="0" hangingPunct="0">
-              <a:lnSpc>
-                <a:spcPct val="100000"/>
-              </a:lnSpc>
-              <a:spcBef>
-                <a:spcPct val="0"/>
-              </a:spcBef>
-              <a:spcAft>
-                <a:spcPct val="0"/>
-              </a:spcAft>
-              <a:buClrTx/>
-              <a:buSzTx/>
-              <a:buFontTx/>
-              <a:buNone/>
-              <a:tabLst/>
-            </a:pPr>
-            <a:r>
-              <a:rPr lang="fr-FR" altLang="fr-FR" sz="1400" dirty="0">
-                <a:solidFill>
-                  <a:srgbClr val="CCCCCC"/>
-                </a:solidFill>
-                <a:latin typeface="Consolas" panose="020B0609020204030204" pitchFamily="49" charset="0"/>
-              </a:rPr>
-              <a:t>	</a:t>
-            </a:r>
-            <a:r>
-              <a:rPr kumimoji="0" lang="fr-FR" altLang="fr-FR" sz="1400" b="0" i="0" u="none" strike="noStrike" cap="none" normalizeH="0" baseline="0" dirty="0">
-                <a:ln>
-                  <a:noFill/>
-                </a:ln>
-                <a:solidFill>
-                  <a:srgbClr val="CC99CD"/>
-                </a:solidFill>
-                <a:effectLst/>
-                <a:latin typeface="Consolas" panose="020B0609020204030204" pitchFamily="49" charset="0"/>
-              </a:rPr>
-              <a:t>for</a:t>
-            </a:r>
-            <a:r>
-              <a:rPr kumimoji="0" lang="fr-FR" altLang="fr-FR" sz="1400" b="0" i="0" u="none" strike="noStrike" cap="none" normalizeH="0" baseline="0" dirty="0">
-                <a:ln>
-                  <a:noFill/>
-                </a:ln>
-                <a:solidFill>
-                  <a:srgbClr val="CCCCCC"/>
-                </a:solidFill>
-                <a:effectLst/>
-                <a:latin typeface="Consolas" panose="020B0609020204030204" pitchFamily="49" charset="0"/>
-              </a:rPr>
-              <a:t> j </a:t>
-            </a:r>
-            <a:r>
-              <a:rPr kumimoji="0" lang="fr-FR" altLang="fr-FR" sz="1400" b="0" i="0" u="none" strike="noStrike" cap="none" normalizeH="0" baseline="0" dirty="0">
-                <a:ln>
-                  <a:noFill/>
-                </a:ln>
-                <a:solidFill>
-                  <a:srgbClr val="67CDCC"/>
-                </a:solidFill>
-                <a:effectLst/>
-                <a:latin typeface="Consolas" panose="020B0609020204030204" pitchFamily="49" charset="0"/>
-              </a:rPr>
-              <a:t>:=</a:t>
-            </a:r>
-            <a:r>
-              <a:rPr kumimoji="0" lang="fr-FR" altLang="fr-FR" sz="1400" b="0" i="0" u="none" strike="noStrike" cap="none" normalizeH="0" baseline="0" dirty="0">
-                <a:ln>
-                  <a:noFill/>
-                </a:ln>
-                <a:solidFill>
-                  <a:srgbClr val="CCCCCC"/>
-                </a:solidFill>
-                <a:effectLst/>
-                <a:latin typeface="Consolas" panose="020B0609020204030204" pitchFamily="49" charset="0"/>
-              </a:rPr>
-              <a:t> </a:t>
-            </a:r>
-            <a:r>
-              <a:rPr kumimoji="0" lang="fr-FR" altLang="fr-FR" sz="1400" b="0" i="0" u="none" strike="noStrike" cap="none" normalizeH="0" baseline="0" dirty="0">
-                <a:ln>
-                  <a:noFill/>
-                </a:ln>
-                <a:solidFill>
-                  <a:srgbClr val="F08D49"/>
-                </a:solidFill>
-                <a:effectLst/>
-                <a:latin typeface="Consolas" panose="020B0609020204030204" pitchFamily="49" charset="0"/>
-              </a:rPr>
-              <a:t>0</a:t>
-            </a:r>
-            <a:r>
-              <a:rPr kumimoji="0" lang="fr-FR" altLang="fr-FR" sz="1400" b="0" i="0" u="none" strike="noStrike" cap="none" normalizeH="0" baseline="0" dirty="0">
-                <a:ln>
-                  <a:noFill/>
-                </a:ln>
-                <a:solidFill>
-                  <a:srgbClr val="CCCCCC"/>
-                </a:solidFill>
-                <a:effectLst/>
-                <a:latin typeface="Consolas" panose="020B0609020204030204" pitchFamily="49" charset="0"/>
-              </a:rPr>
-              <a:t>; j </a:t>
-            </a:r>
-            <a:r>
-              <a:rPr kumimoji="0" lang="fr-FR" altLang="fr-FR" sz="1400" b="0" i="0" u="none" strike="noStrike" cap="none" normalizeH="0" baseline="0" dirty="0">
-                <a:ln>
-                  <a:noFill/>
-                </a:ln>
-                <a:solidFill>
-                  <a:srgbClr val="67CDCC"/>
-                </a:solidFill>
-                <a:effectLst/>
-                <a:latin typeface="Consolas" panose="020B0609020204030204" pitchFamily="49" charset="0"/>
-              </a:rPr>
-              <a:t>&lt;</a:t>
-            </a:r>
-            <a:r>
-              <a:rPr kumimoji="0" lang="fr-FR" altLang="fr-FR" sz="1400" b="0" i="0" u="none" strike="noStrike" cap="none" normalizeH="0" baseline="0" dirty="0">
-                <a:ln>
-                  <a:noFill/>
-                </a:ln>
-                <a:solidFill>
-                  <a:srgbClr val="CCCCCC"/>
-                </a:solidFill>
-                <a:effectLst/>
-                <a:latin typeface="Consolas" panose="020B0609020204030204" pitchFamily="49" charset="0"/>
-              </a:rPr>
-              <a:t> </a:t>
-            </a:r>
-            <a:r>
-              <a:rPr kumimoji="0" lang="fr-FR" altLang="fr-FR" sz="1400" b="0" i="0" u="none" strike="noStrike" cap="none" normalizeH="0" baseline="0" dirty="0">
-                <a:ln>
-                  <a:noFill/>
-                </a:ln>
-                <a:solidFill>
-                  <a:srgbClr val="F08D49"/>
-                </a:solidFill>
-                <a:effectLst/>
-                <a:latin typeface="Consolas" panose="020B0609020204030204" pitchFamily="49" charset="0"/>
-              </a:rPr>
-              <a:t>5</a:t>
-            </a:r>
-            <a:r>
-              <a:rPr kumimoji="0" lang="fr-FR" altLang="fr-FR" sz="1400" b="0" i="0" u="none" strike="noStrike" cap="none" normalizeH="0" baseline="0" dirty="0">
-                <a:ln>
-                  <a:noFill/>
-                </a:ln>
-                <a:solidFill>
-                  <a:srgbClr val="CCCCCC"/>
-                </a:solidFill>
-                <a:effectLst/>
-                <a:latin typeface="Consolas" panose="020B0609020204030204" pitchFamily="49" charset="0"/>
-              </a:rPr>
-              <a:t>; </a:t>
-            </a:r>
-          </a:p>
-          <a:p>
-            <a:pPr marL="0" marR="0" lvl="0" indent="0" algn="l" defTabSz="914400" rtl="0" eaLnBrk="0" fontAlgn="base" latinLnBrk="0" hangingPunct="0">
-              <a:lnSpc>
-                <a:spcPct val="100000"/>
-              </a:lnSpc>
-              <a:spcBef>
-                <a:spcPct val="0"/>
-              </a:spcBef>
-              <a:spcAft>
-                <a:spcPct val="0"/>
-              </a:spcAft>
-              <a:buClrTx/>
-              <a:buSzTx/>
-              <a:buFontTx/>
-              <a:buNone/>
-              <a:tabLst/>
-            </a:pPr>
-            <a:r>
-              <a:rPr lang="fr-FR" altLang="fr-FR" sz="1400" dirty="0">
-                <a:solidFill>
-                  <a:srgbClr val="CCCCCC"/>
-                </a:solidFill>
-                <a:latin typeface="Consolas" panose="020B0609020204030204" pitchFamily="49" charset="0"/>
-              </a:rPr>
-              <a:t>	</a:t>
-            </a:r>
-            <a:r>
-              <a:rPr kumimoji="0" lang="fr-FR" altLang="fr-FR" sz="1400" b="0" i="0" u="none" strike="noStrike" cap="none" normalizeH="0" baseline="0" dirty="0" err="1">
-                <a:ln>
-                  <a:noFill/>
-                </a:ln>
-                <a:solidFill>
-                  <a:srgbClr val="CCCCCC"/>
-                </a:solidFill>
-                <a:effectLst/>
-                <a:latin typeface="Consolas" panose="020B0609020204030204" pitchFamily="49" charset="0"/>
-              </a:rPr>
-              <a:t>j</a:t>
-            </a:r>
-            <a:r>
-              <a:rPr kumimoji="0" lang="fr-FR" altLang="fr-FR" sz="1400" b="0" i="0" u="none" strike="noStrike" cap="none" normalizeH="0" baseline="0" dirty="0" err="1">
-                <a:ln>
-                  <a:noFill/>
-                </a:ln>
-                <a:solidFill>
-                  <a:srgbClr val="67CDCC"/>
-                </a:solidFill>
-                <a:effectLst/>
-                <a:latin typeface="Consolas" panose="020B0609020204030204" pitchFamily="49" charset="0"/>
-              </a:rPr>
-              <a:t>++</a:t>
-            </a:r>
-            <a:r>
-              <a:rPr kumimoji="0" lang="fr-FR" altLang="fr-FR" sz="1400" b="0" i="0" u="none" strike="noStrike" cap="none" normalizeH="0" baseline="0" dirty="0">
-                <a:ln>
-                  <a:noFill/>
-                </a:ln>
-                <a:solidFill>
-                  <a:srgbClr val="CCCCCC"/>
-                </a:solidFill>
-                <a:effectLst/>
-                <a:latin typeface="Consolas" panose="020B0609020204030204" pitchFamily="49" charset="0"/>
-              </a:rPr>
-              <a:t> { </a:t>
-            </a:r>
-          </a:p>
-          <a:p>
-            <a:pPr marL="0" marR="0" lvl="0" indent="0" algn="l" defTabSz="914400" rtl="0" eaLnBrk="0" fontAlgn="base" latinLnBrk="0" hangingPunct="0">
-              <a:lnSpc>
-                <a:spcPct val="100000"/>
-              </a:lnSpc>
-              <a:spcBef>
-                <a:spcPct val="0"/>
-              </a:spcBef>
-              <a:spcAft>
-                <a:spcPct val="0"/>
-              </a:spcAft>
-              <a:buClrTx/>
-              <a:buSzTx/>
-              <a:buFontTx/>
-              <a:buNone/>
-              <a:tabLst/>
-            </a:pPr>
-            <a:r>
-              <a:rPr lang="fr-FR" altLang="fr-FR" sz="1400" dirty="0">
-                <a:solidFill>
-                  <a:srgbClr val="CCCCCC"/>
-                </a:solidFill>
-                <a:latin typeface="Consolas" panose="020B0609020204030204" pitchFamily="49" charset="0"/>
-              </a:rPr>
-              <a:t>		</a:t>
-            </a:r>
-            <a:r>
-              <a:rPr kumimoji="0" lang="fr-FR" altLang="fr-FR" sz="1400" b="0" i="0" u="none" strike="noStrike" cap="none" normalizeH="0" baseline="0" dirty="0" err="1">
-                <a:ln>
-                  <a:noFill/>
-                </a:ln>
-                <a:solidFill>
-                  <a:srgbClr val="CCCCCC"/>
-                </a:solidFill>
-                <a:effectLst/>
-                <a:latin typeface="Consolas" panose="020B0609020204030204" pitchFamily="49" charset="0"/>
-              </a:rPr>
-              <a:t>wg.</a:t>
-            </a:r>
-            <a:r>
-              <a:rPr kumimoji="0" lang="fr-FR" altLang="fr-FR" sz="1400" b="0" i="0" u="none" strike="noStrike" cap="none" normalizeH="0" baseline="0" dirty="0" err="1">
-                <a:ln>
-                  <a:noFill/>
-                </a:ln>
-                <a:solidFill>
-                  <a:srgbClr val="F08D49"/>
-                </a:solidFill>
-                <a:effectLst/>
-                <a:latin typeface="Consolas" panose="020B0609020204030204" pitchFamily="49" charset="0"/>
-              </a:rPr>
-              <a:t>Add</a:t>
-            </a:r>
-            <a:r>
-              <a:rPr kumimoji="0" lang="fr-FR" altLang="fr-FR" sz="1400" b="0" i="0" u="none" strike="noStrike" cap="none" normalizeH="0" baseline="0" dirty="0">
-                <a:ln>
-                  <a:noFill/>
-                </a:ln>
-                <a:solidFill>
-                  <a:srgbClr val="CCCCCC"/>
-                </a:solidFill>
-                <a:effectLst/>
-                <a:latin typeface="Consolas" panose="020B0609020204030204" pitchFamily="49" charset="0"/>
-              </a:rPr>
-              <a:t>(</a:t>
-            </a:r>
-            <a:r>
-              <a:rPr kumimoji="0" lang="fr-FR" altLang="fr-FR" sz="1400" b="0" i="0" u="none" strike="noStrike" cap="none" normalizeH="0" baseline="0" dirty="0">
-                <a:ln>
-                  <a:noFill/>
-                </a:ln>
-                <a:solidFill>
-                  <a:srgbClr val="F08D49"/>
-                </a:solidFill>
-                <a:effectLst/>
-                <a:latin typeface="Consolas" panose="020B0609020204030204" pitchFamily="49" charset="0"/>
-              </a:rPr>
-              <a:t>1</a:t>
-            </a:r>
-            <a:r>
-              <a:rPr kumimoji="0" lang="fr-FR" altLang="fr-FR" sz="1400" b="0" i="0" u="none" strike="noStrike" cap="none" normalizeH="0" baseline="0" dirty="0">
-                <a:ln>
-                  <a:noFill/>
-                </a:ln>
-                <a:solidFill>
-                  <a:srgbClr val="CCCCCC"/>
-                </a:solidFill>
-                <a:effectLst/>
-                <a:latin typeface="Consolas" panose="020B0609020204030204" pitchFamily="49" charset="0"/>
-              </a:rPr>
-              <a:t>) </a:t>
-            </a:r>
-          </a:p>
-          <a:p>
-            <a:pPr marL="0" marR="0" lvl="0" indent="0" algn="l" defTabSz="914400" rtl="0" eaLnBrk="0" fontAlgn="base" latinLnBrk="0" hangingPunct="0">
-              <a:lnSpc>
-                <a:spcPct val="100000"/>
-              </a:lnSpc>
-              <a:spcBef>
-                <a:spcPct val="0"/>
-              </a:spcBef>
-              <a:spcAft>
-                <a:spcPct val="0"/>
-              </a:spcAft>
-              <a:buClrTx/>
-              <a:buSzTx/>
-              <a:buFontTx/>
-              <a:buNone/>
-              <a:tabLst/>
-            </a:pPr>
-            <a:r>
-              <a:rPr lang="fr-FR" altLang="fr-FR" sz="1400" dirty="0">
-                <a:solidFill>
-                  <a:srgbClr val="CCCCCC"/>
-                </a:solidFill>
-                <a:latin typeface="Consolas" panose="020B0609020204030204" pitchFamily="49" charset="0"/>
-              </a:rPr>
-              <a:t>		</a:t>
-            </a:r>
-            <a:r>
-              <a:rPr kumimoji="0" lang="fr-FR" altLang="fr-FR" sz="1400" b="0" i="0" u="none" strike="noStrike" cap="none" normalizeH="0" baseline="0" dirty="0">
-                <a:ln>
-                  <a:noFill/>
-                </a:ln>
-                <a:solidFill>
-                  <a:srgbClr val="CC99CD"/>
-                </a:solidFill>
-                <a:effectLst/>
-                <a:latin typeface="Consolas" panose="020B0609020204030204" pitchFamily="49" charset="0"/>
-              </a:rPr>
-              <a:t>go</a:t>
-            </a:r>
-            <a:r>
-              <a:rPr kumimoji="0" lang="fr-FR" altLang="fr-FR" sz="1400" b="0" i="0" u="none" strike="noStrike" cap="none" normalizeH="0" baseline="0" dirty="0">
-                <a:ln>
-                  <a:noFill/>
-                </a:ln>
-                <a:solidFill>
-                  <a:srgbClr val="CCCCCC"/>
-                </a:solidFill>
-                <a:effectLst/>
-                <a:latin typeface="Consolas" panose="020B0609020204030204" pitchFamily="49" charset="0"/>
-              </a:rPr>
-              <a:t> </a:t>
-            </a:r>
-            <a:r>
-              <a:rPr kumimoji="0" lang="fr-FR" altLang="fr-FR" sz="1400" b="0" i="0" u="none" strike="noStrike" cap="none" normalizeH="0" baseline="0" dirty="0" err="1">
-                <a:ln>
-                  <a:noFill/>
-                </a:ln>
-                <a:solidFill>
-                  <a:srgbClr val="CC99CD"/>
-                </a:solidFill>
-                <a:effectLst/>
-                <a:latin typeface="Consolas" panose="020B0609020204030204" pitchFamily="49" charset="0"/>
-              </a:rPr>
-              <a:t>func</a:t>
-            </a:r>
-            <a:r>
-              <a:rPr kumimoji="0" lang="fr-FR" altLang="fr-FR" sz="1400" b="0" i="0" u="none" strike="noStrike" cap="none" normalizeH="0" baseline="0" dirty="0">
-                <a:ln>
-                  <a:noFill/>
-                </a:ln>
-                <a:solidFill>
-                  <a:srgbClr val="CCCCCC"/>
-                </a:solidFill>
-                <a:effectLst/>
-                <a:latin typeface="Consolas" panose="020B0609020204030204" pitchFamily="49" charset="0"/>
-              </a:rPr>
-              <a:t>() { 						</a:t>
-            </a:r>
-            <a:r>
-              <a:rPr kumimoji="0" lang="fr-FR" altLang="fr-FR" sz="1400" b="0" i="0" u="none" strike="noStrike" cap="none" normalizeH="0" baseline="0" dirty="0" err="1">
-                <a:ln>
-                  <a:noFill/>
-                </a:ln>
-                <a:solidFill>
-                  <a:srgbClr val="CCCCCC"/>
-                </a:solidFill>
-                <a:effectLst/>
-                <a:latin typeface="Consolas" panose="020B0609020204030204" pitchFamily="49" charset="0"/>
-              </a:rPr>
-              <a:t>time.</a:t>
-            </a:r>
-            <a:r>
-              <a:rPr kumimoji="0" lang="fr-FR" altLang="fr-FR" sz="1400" b="0" i="0" u="none" strike="noStrike" cap="none" normalizeH="0" baseline="0" dirty="0" err="1">
-                <a:ln>
-                  <a:noFill/>
-                </a:ln>
-                <a:solidFill>
-                  <a:srgbClr val="F08D49"/>
-                </a:solidFill>
-                <a:effectLst/>
-                <a:latin typeface="Consolas" panose="020B0609020204030204" pitchFamily="49" charset="0"/>
-              </a:rPr>
-              <a:t>Sleep</a:t>
-            </a:r>
-            <a:r>
-              <a:rPr kumimoji="0" lang="fr-FR" altLang="fr-FR" sz="1400" b="0" i="0" u="none" strike="noStrike" cap="none" normalizeH="0" baseline="0" dirty="0">
-                <a:ln>
-                  <a:noFill/>
-                </a:ln>
-                <a:solidFill>
-                  <a:srgbClr val="CCCCCC"/>
-                </a:solidFill>
-                <a:effectLst/>
-                <a:latin typeface="Consolas" panose="020B0609020204030204" pitchFamily="49" charset="0"/>
-              </a:rPr>
-              <a:t>(</a:t>
-            </a:r>
-            <a:r>
-              <a:rPr kumimoji="0" lang="fr-FR" altLang="fr-FR" sz="1400" b="0" i="0" u="none" strike="noStrike" cap="none" normalizeH="0" baseline="0" dirty="0" err="1">
-                <a:ln>
-                  <a:noFill/>
-                </a:ln>
-                <a:solidFill>
-                  <a:srgbClr val="CCCCCC"/>
-                </a:solidFill>
-                <a:effectLst/>
-                <a:latin typeface="Consolas" panose="020B0609020204030204" pitchFamily="49" charset="0"/>
-              </a:rPr>
-              <a:t>time.Second</a:t>
-            </a:r>
-            <a:r>
-              <a:rPr kumimoji="0" lang="fr-FR" altLang="fr-FR" sz="1400" b="0" i="0" u="none" strike="noStrike" cap="none" normalizeH="0" baseline="0" dirty="0">
-                <a:ln>
-                  <a:noFill/>
-                </a:ln>
-                <a:solidFill>
-                  <a:srgbClr val="CCCCCC"/>
-                </a:solidFill>
-                <a:effectLst/>
-                <a:latin typeface="Consolas" panose="020B0609020204030204" pitchFamily="49" charset="0"/>
-              </a:rPr>
-              <a:t> </a:t>
-            </a:r>
-            <a:r>
-              <a:rPr kumimoji="0" lang="fr-FR" altLang="fr-FR" sz="1400" b="0" i="0" u="none" strike="noStrike" cap="none" normalizeH="0" baseline="0" dirty="0">
-                <a:ln>
-                  <a:noFill/>
-                </a:ln>
-                <a:solidFill>
-                  <a:srgbClr val="67CDCC"/>
-                </a:solidFill>
-                <a:effectLst/>
-                <a:latin typeface="Consolas" panose="020B0609020204030204" pitchFamily="49" charset="0"/>
-              </a:rPr>
-              <a:t>*</a:t>
-            </a:r>
-            <a:r>
-              <a:rPr kumimoji="0" lang="fr-FR" altLang="fr-FR" sz="1400" b="0" i="0" u="none" strike="noStrike" cap="none" normalizeH="0" baseline="0" dirty="0">
-                <a:ln>
-                  <a:noFill/>
-                </a:ln>
-                <a:solidFill>
-                  <a:srgbClr val="CCCCCC"/>
-                </a:solidFill>
-                <a:effectLst/>
-                <a:latin typeface="Consolas" panose="020B0609020204030204" pitchFamily="49" charset="0"/>
-              </a:rPr>
-              <a:t> </a:t>
-            </a:r>
-            <a:r>
-              <a:rPr kumimoji="0" lang="fr-FR" altLang="fr-FR" sz="1400" b="0" i="0" u="none" strike="noStrike" cap="none" normalizeH="0" baseline="0" dirty="0">
-                <a:ln>
-                  <a:noFill/>
-                </a:ln>
-                <a:solidFill>
-                  <a:srgbClr val="F08D49"/>
-                </a:solidFill>
-                <a:effectLst/>
-                <a:latin typeface="Consolas" panose="020B0609020204030204" pitchFamily="49" charset="0"/>
-              </a:rPr>
-              <a:t>2</a:t>
-            </a:r>
-            <a:r>
-              <a:rPr kumimoji="0" lang="fr-FR" altLang="fr-FR" sz="1400" b="0" i="0" u="none" strike="noStrike" cap="none" normalizeH="0" baseline="0" dirty="0">
-                <a:ln>
-                  <a:noFill/>
-                </a:ln>
-                <a:solidFill>
-                  <a:srgbClr val="CCCCCC"/>
-                </a:solidFill>
-                <a:effectLst/>
-                <a:latin typeface="Consolas" panose="020B0609020204030204" pitchFamily="49" charset="0"/>
-              </a:rPr>
-              <a:t>)</a:t>
-            </a:r>
-          </a:p>
-          <a:p>
-            <a:pPr marL="0" marR="0" lvl="0" indent="0" algn="l" defTabSz="914400" rtl="0" eaLnBrk="0" fontAlgn="base" latinLnBrk="0" hangingPunct="0">
-              <a:lnSpc>
-                <a:spcPct val="100000"/>
-              </a:lnSpc>
-              <a:spcBef>
-                <a:spcPct val="0"/>
-              </a:spcBef>
-              <a:spcAft>
-                <a:spcPct val="0"/>
-              </a:spcAft>
-              <a:buClrTx/>
-              <a:buSzTx/>
-              <a:buFontTx/>
-              <a:buNone/>
-              <a:tabLst/>
-            </a:pPr>
-            <a:r>
-              <a:rPr lang="fr-FR" altLang="fr-FR" sz="1400" dirty="0">
-                <a:solidFill>
-                  <a:srgbClr val="CCCCCC"/>
-                </a:solidFill>
-                <a:latin typeface="Consolas" panose="020B0609020204030204" pitchFamily="49" charset="0"/>
-              </a:rPr>
-              <a:t>			</a:t>
-            </a:r>
-            <a:r>
-              <a:rPr kumimoji="0" lang="fr-FR" altLang="fr-FR" sz="1400" b="0" i="0" u="none" strike="noStrike" cap="none" normalizeH="0" baseline="0" dirty="0">
-                <a:ln>
-                  <a:noFill/>
-                </a:ln>
-                <a:solidFill>
-                  <a:srgbClr val="CCCCCC"/>
-                </a:solidFill>
-                <a:effectLst/>
-                <a:latin typeface="Consolas" panose="020B0609020204030204" pitchFamily="49" charset="0"/>
-              </a:rPr>
-              <a:t> i </a:t>
-            </a:r>
-            <a:r>
-              <a:rPr kumimoji="0" lang="fr-FR" altLang="fr-FR" sz="1400" b="0" i="0" u="none" strike="noStrike" cap="none" normalizeH="0" baseline="0" dirty="0">
-                <a:ln>
-                  <a:noFill/>
-                </a:ln>
-                <a:solidFill>
-                  <a:srgbClr val="67CDCC"/>
-                </a:solidFill>
-                <a:effectLst/>
-                <a:latin typeface="Consolas" panose="020B0609020204030204" pitchFamily="49" charset="0"/>
-              </a:rPr>
-              <a:t>:=</a:t>
-            </a:r>
-            <a:r>
-              <a:rPr kumimoji="0" lang="fr-FR" altLang="fr-FR" sz="1400" b="0" i="0" u="none" strike="noStrike" cap="none" normalizeH="0" baseline="0" dirty="0">
-                <a:ln>
-                  <a:noFill/>
-                </a:ln>
-                <a:solidFill>
-                  <a:srgbClr val="CCCCCC"/>
-                </a:solidFill>
-                <a:effectLst/>
-                <a:latin typeface="Consolas" panose="020B0609020204030204" pitchFamily="49" charset="0"/>
-              </a:rPr>
-              <a:t> </a:t>
-            </a:r>
-            <a:r>
-              <a:rPr kumimoji="0" lang="fr-FR" altLang="fr-FR" sz="1400" b="0" i="0" u="none" strike="noStrike" cap="none" normalizeH="0" baseline="0" dirty="0">
-                <a:ln>
-                  <a:noFill/>
-                </a:ln>
-                <a:solidFill>
-                  <a:srgbClr val="67CDCC"/>
-                </a:solidFill>
-                <a:effectLst/>
-                <a:latin typeface="Consolas" panose="020B0609020204030204" pitchFamily="49" charset="0"/>
-              </a:rPr>
-              <a:t>&lt;-</a:t>
-            </a:r>
-            <a:r>
-              <a:rPr kumimoji="0" lang="fr-FR" altLang="fr-FR" sz="1400" b="0" i="0" u="none" strike="noStrike" cap="none" normalizeH="0" baseline="0" dirty="0" err="1">
-                <a:ln>
-                  <a:noFill/>
-                </a:ln>
-                <a:solidFill>
-                  <a:srgbClr val="CCCCCC"/>
-                </a:solidFill>
-                <a:effectLst/>
-                <a:latin typeface="Consolas" panose="020B0609020204030204" pitchFamily="49" charset="0"/>
-              </a:rPr>
-              <a:t>ch</a:t>
-            </a:r>
-            <a:r>
-              <a:rPr kumimoji="0" lang="fr-FR" altLang="fr-FR" sz="1400" b="0" i="0" u="none" strike="noStrike" cap="none" normalizeH="0" baseline="0" dirty="0">
-                <a:ln>
-                  <a:noFill/>
-                </a:ln>
-                <a:solidFill>
-                  <a:srgbClr val="CCCCCC"/>
-                </a:solidFill>
-                <a:effectLst/>
-                <a:latin typeface="Consolas" panose="020B0609020204030204" pitchFamily="49" charset="0"/>
-              </a:rPr>
-              <a:t> </a:t>
-            </a:r>
-          </a:p>
-          <a:p>
-            <a:pPr marL="0" marR="0" lvl="0" indent="0" algn="l" defTabSz="914400" rtl="0" eaLnBrk="0" fontAlgn="base" latinLnBrk="0" hangingPunct="0">
-              <a:lnSpc>
-                <a:spcPct val="100000"/>
-              </a:lnSpc>
-              <a:spcBef>
-                <a:spcPct val="0"/>
-              </a:spcBef>
-              <a:spcAft>
-                <a:spcPct val="0"/>
-              </a:spcAft>
-              <a:buClrTx/>
-              <a:buSzTx/>
-              <a:buFontTx/>
-              <a:buNone/>
-              <a:tabLst/>
-            </a:pPr>
-            <a:r>
-              <a:rPr lang="fr-FR" altLang="fr-FR" sz="1400" dirty="0">
-                <a:solidFill>
-                  <a:srgbClr val="CCCCCC"/>
-                </a:solidFill>
-                <a:latin typeface="Consolas" panose="020B0609020204030204" pitchFamily="49" charset="0"/>
-              </a:rPr>
-              <a:t>			</a:t>
-            </a:r>
-            <a:r>
-              <a:rPr kumimoji="0" lang="fr-FR" altLang="fr-FR" sz="1400" b="0" i="0" u="none" strike="noStrike" cap="none" normalizeH="0" baseline="0" dirty="0" err="1">
-                <a:ln>
-                  <a:noFill/>
-                </a:ln>
-                <a:solidFill>
-                  <a:srgbClr val="CCCCCC"/>
-                </a:solidFill>
-                <a:effectLst/>
-                <a:latin typeface="Consolas" panose="020B0609020204030204" pitchFamily="49" charset="0"/>
-              </a:rPr>
-              <a:t>fmt.</a:t>
-            </a:r>
-            <a:r>
-              <a:rPr kumimoji="0" lang="fr-FR" altLang="fr-FR" sz="1400" b="0" i="0" u="none" strike="noStrike" cap="none" normalizeH="0" baseline="0" dirty="0" err="1">
-                <a:ln>
-                  <a:noFill/>
-                </a:ln>
-                <a:solidFill>
-                  <a:srgbClr val="F08D49"/>
-                </a:solidFill>
-                <a:effectLst/>
-                <a:latin typeface="Consolas" panose="020B0609020204030204" pitchFamily="49" charset="0"/>
-              </a:rPr>
-              <a:t>Println</a:t>
-            </a:r>
-            <a:r>
-              <a:rPr kumimoji="0" lang="fr-FR" altLang="fr-FR" sz="1400" b="0" i="0" u="none" strike="noStrike" cap="none" normalizeH="0" baseline="0" dirty="0">
-                <a:ln>
-                  <a:noFill/>
-                </a:ln>
-                <a:solidFill>
-                  <a:srgbClr val="CCCCCC"/>
-                </a:solidFill>
-                <a:effectLst/>
-                <a:latin typeface="Consolas" panose="020B0609020204030204" pitchFamily="49" charset="0"/>
-              </a:rPr>
-              <a:t>(i) </a:t>
-            </a:r>
-          </a:p>
-          <a:p>
-            <a:pPr marL="0" marR="0" lvl="0" indent="0" algn="l" defTabSz="914400" rtl="0" eaLnBrk="0" fontAlgn="base" latinLnBrk="0" hangingPunct="0">
-              <a:lnSpc>
-                <a:spcPct val="100000"/>
-              </a:lnSpc>
-              <a:spcBef>
-                <a:spcPct val="0"/>
-              </a:spcBef>
-              <a:spcAft>
-                <a:spcPct val="0"/>
-              </a:spcAft>
-              <a:buClrTx/>
-              <a:buSzTx/>
-              <a:buFontTx/>
-              <a:buNone/>
-              <a:tabLst/>
-            </a:pPr>
-            <a:r>
-              <a:rPr lang="fr-FR" altLang="fr-FR" sz="1400" dirty="0">
-                <a:solidFill>
-                  <a:srgbClr val="CCCCCC"/>
-                </a:solidFill>
-                <a:latin typeface="Consolas" panose="020B0609020204030204" pitchFamily="49" charset="0"/>
-              </a:rPr>
-              <a:t>			</a:t>
-            </a:r>
-            <a:r>
-              <a:rPr kumimoji="0" lang="fr-FR" altLang="fr-FR" sz="1400" b="0" i="0" u="none" strike="noStrike" cap="none" normalizeH="0" baseline="0" dirty="0" err="1">
-                <a:ln>
-                  <a:noFill/>
-                </a:ln>
-                <a:solidFill>
-                  <a:srgbClr val="CCCCCC"/>
-                </a:solidFill>
-                <a:effectLst/>
-                <a:latin typeface="Consolas" panose="020B0609020204030204" pitchFamily="49" charset="0"/>
-              </a:rPr>
-              <a:t>wg.</a:t>
-            </a:r>
-            <a:r>
-              <a:rPr kumimoji="0" lang="fr-FR" altLang="fr-FR" sz="1400" b="0" i="0" u="none" strike="noStrike" cap="none" normalizeH="0" baseline="0" dirty="0" err="1">
-                <a:ln>
-                  <a:noFill/>
-                </a:ln>
-                <a:solidFill>
-                  <a:srgbClr val="F08D49"/>
-                </a:solidFill>
-                <a:effectLst/>
-                <a:latin typeface="Consolas" panose="020B0609020204030204" pitchFamily="49" charset="0"/>
-              </a:rPr>
-              <a:t>Done</a:t>
-            </a:r>
-            <a:r>
-              <a:rPr kumimoji="0" lang="fr-FR" altLang="fr-FR" sz="1400" b="0" i="0" u="none" strike="noStrike" cap="none" normalizeH="0" baseline="0" dirty="0">
-                <a:ln>
-                  <a:noFill/>
-                </a:ln>
-                <a:solidFill>
-                  <a:srgbClr val="CCCCCC"/>
-                </a:solidFill>
-                <a:effectLst/>
-                <a:latin typeface="Consolas" panose="020B0609020204030204" pitchFamily="49" charset="0"/>
-              </a:rPr>
-              <a:t>() }() }</a:t>
-            </a:r>
-          </a:p>
-          <a:p>
-            <a:pPr marL="0" marR="0" lvl="0" indent="0" algn="l" defTabSz="914400" rtl="0" eaLnBrk="0" fontAlgn="base" latinLnBrk="0" hangingPunct="0">
-              <a:lnSpc>
-                <a:spcPct val="100000"/>
-              </a:lnSpc>
-              <a:spcBef>
-                <a:spcPct val="0"/>
-              </a:spcBef>
-              <a:spcAft>
-                <a:spcPct val="0"/>
-              </a:spcAft>
-              <a:buClrTx/>
-              <a:buSzTx/>
-              <a:buFontTx/>
-              <a:buNone/>
-              <a:tabLst/>
-            </a:pPr>
-            <a:r>
-              <a:rPr lang="fr-FR" altLang="fr-FR" sz="1400" dirty="0">
-                <a:solidFill>
-                  <a:srgbClr val="CCCCCC"/>
-                </a:solidFill>
-                <a:latin typeface="Consolas" panose="020B0609020204030204" pitchFamily="49" charset="0"/>
-              </a:rPr>
-              <a:t>	</a:t>
-            </a:r>
-            <a:r>
-              <a:rPr kumimoji="0" lang="fr-FR" altLang="fr-FR" sz="1400" b="0" i="0" u="none" strike="noStrike" cap="none" normalizeH="0" baseline="0" dirty="0">
-                <a:ln>
-                  <a:noFill/>
-                </a:ln>
-                <a:solidFill>
-                  <a:srgbClr val="999999"/>
-                </a:solidFill>
-                <a:effectLst/>
-                <a:latin typeface="Consolas" panose="020B0609020204030204" pitchFamily="49" charset="0"/>
-              </a:rPr>
-              <a:t>// 5 récepteurs</a:t>
-            </a:r>
-            <a:r>
-              <a:rPr kumimoji="0" lang="fr-FR" altLang="fr-FR" sz="1400" b="0" i="0" u="none" strike="noStrike" cap="none" normalizeH="0" baseline="0" dirty="0">
-                <a:ln>
-                  <a:noFill/>
-                </a:ln>
-                <a:solidFill>
-                  <a:srgbClr val="CCCCCC"/>
-                </a:solidFill>
-                <a:effectLst/>
-                <a:latin typeface="Consolas" panose="020B0609020204030204" pitchFamily="49" charset="0"/>
-              </a:rPr>
-              <a:t> </a:t>
-            </a:r>
-          </a:p>
-          <a:p>
-            <a:pPr marL="0" marR="0" lvl="0" indent="0" algn="l" defTabSz="914400" rtl="0" eaLnBrk="0" fontAlgn="base" latinLnBrk="0" hangingPunct="0">
-              <a:lnSpc>
-                <a:spcPct val="100000"/>
-              </a:lnSpc>
-              <a:spcBef>
-                <a:spcPct val="0"/>
-              </a:spcBef>
-              <a:spcAft>
-                <a:spcPct val="0"/>
-              </a:spcAft>
-              <a:buClrTx/>
-              <a:buSzTx/>
-              <a:buFontTx/>
-              <a:buNone/>
-              <a:tabLst/>
-            </a:pPr>
-            <a:r>
-              <a:rPr lang="fr-FR" altLang="fr-FR" sz="1400" dirty="0">
-                <a:solidFill>
-                  <a:srgbClr val="CCCCCC"/>
-                </a:solidFill>
-                <a:latin typeface="Consolas" panose="020B0609020204030204" pitchFamily="49" charset="0"/>
-              </a:rPr>
-              <a:t>	</a:t>
-            </a:r>
-            <a:r>
-              <a:rPr kumimoji="0" lang="fr-FR" altLang="fr-FR" sz="1400" b="0" i="0" u="none" strike="noStrike" cap="none" normalizeH="0" baseline="0" dirty="0">
-                <a:ln>
-                  <a:noFill/>
-                </a:ln>
-                <a:solidFill>
-                  <a:srgbClr val="CC99CD"/>
-                </a:solidFill>
-                <a:effectLst/>
-                <a:latin typeface="Consolas" panose="020B0609020204030204" pitchFamily="49" charset="0"/>
-              </a:rPr>
-              <a:t>for</a:t>
-            </a:r>
-            <a:r>
-              <a:rPr kumimoji="0" lang="fr-FR" altLang="fr-FR" sz="1400" b="0" i="0" u="none" strike="noStrike" cap="none" normalizeH="0" baseline="0" dirty="0">
-                <a:ln>
-                  <a:noFill/>
-                </a:ln>
-                <a:solidFill>
-                  <a:srgbClr val="CCCCCC"/>
-                </a:solidFill>
-                <a:effectLst/>
-                <a:latin typeface="Consolas" panose="020B0609020204030204" pitchFamily="49" charset="0"/>
-              </a:rPr>
-              <a:t> j </a:t>
-            </a:r>
-            <a:r>
-              <a:rPr kumimoji="0" lang="fr-FR" altLang="fr-FR" sz="1400" b="0" i="0" u="none" strike="noStrike" cap="none" normalizeH="0" baseline="0" dirty="0">
-                <a:ln>
-                  <a:noFill/>
-                </a:ln>
-                <a:solidFill>
-                  <a:srgbClr val="67CDCC"/>
-                </a:solidFill>
-                <a:effectLst/>
-                <a:latin typeface="Consolas" panose="020B0609020204030204" pitchFamily="49" charset="0"/>
-              </a:rPr>
-              <a:t>:=</a:t>
-            </a:r>
-            <a:r>
-              <a:rPr kumimoji="0" lang="fr-FR" altLang="fr-FR" sz="1400" b="0" i="0" u="none" strike="noStrike" cap="none" normalizeH="0" baseline="0" dirty="0">
-                <a:ln>
-                  <a:noFill/>
-                </a:ln>
-                <a:solidFill>
-                  <a:srgbClr val="CCCCCC"/>
-                </a:solidFill>
-                <a:effectLst/>
-                <a:latin typeface="Consolas" panose="020B0609020204030204" pitchFamily="49" charset="0"/>
-              </a:rPr>
-              <a:t> </a:t>
-            </a:r>
-            <a:r>
-              <a:rPr kumimoji="0" lang="fr-FR" altLang="fr-FR" sz="1400" b="0" i="0" u="none" strike="noStrike" cap="none" normalizeH="0" baseline="0" dirty="0">
-                <a:ln>
-                  <a:noFill/>
-                </a:ln>
-                <a:solidFill>
-                  <a:srgbClr val="F08D49"/>
-                </a:solidFill>
-                <a:effectLst/>
-                <a:latin typeface="Consolas" panose="020B0609020204030204" pitchFamily="49" charset="0"/>
-              </a:rPr>
-              <a:t>0</a:t>
-            </a:r>
-            <a:r>
-              <a:rPr kumimoji="0" lang="fr-FR" altLang="fr-FR" sz="1400" b="0" i="0" u="none" strike="noStrike" cap="none" normalizeH="0" baseline="0" dirty="0">
-                <a:ln>
-                  <a:noFill/>
-                </a:ln>
-                <a:solidFill>
-                  <a:srgbClr val="CCCCCC"/>
-                </a:solidFill>
-                <a:effectLst/>
-                <a:latin typeface="Consolas" panose="020B0609020204030204" pitchFamily="49" charset="0"/>
-              </a:rPr>
-              <a:t>; j </a:t>
-            </a:r>
-            <a:r>
-              <a:rPr kumimoji="0" lang="fr-FR" altLang="fr-FR" sz="1400" b="0" i="0" u="none" strike="noStrike" cap="none" normalizeH="0" baseline="0" dirty="0">
-                <a:ln>
-                  <a:noFill/>
-                </a:ln>
-                <a:solidFill>
-                  <a:srgbClr val="67CDCC"/>
-                </a:solidFill>
-                <a:effectLst/>
-                <a:latin typeface="Consolas" panose="020B0609020204030204" pitchFamily="49" charset="0"/>
-              </a:rPr>
-              <a:t>&lt;</a:t>
-            </a:r>
-            <a:r>
-              <a:rPr kumimoji="0" lang="fr-FR" altLang="fr-FR" sz="1400" b="0" i="0" u="none" strike="noStrike" cap="none" normalizeH="0" baseline="0" dirty="0">
-                <a:ln>
-                  <a:noFill/>
-                </a:ln>
-                <a:solidFill>
-                  <a:srgbClr val="CCCCCC"/>
-                </a:solidFill>
-                <a:effectLst/>
-                <a:latin typeface="Consolas" panose="020B0609020204030204" pitchFamily="49" charset="0"/>
-              </a:rPr>
-              <a:t> </a:t>
-            </a:r>
-            <a:r>
-              <a:rPr kumimoji="0" lang="fr-FR" altLang="fr-FR" sz="1400" b="0" i="0" u="none" strike="noStrike" cap="none" normalizeH="0" baseline="0" dirty="0">
-                <a:ln>
-                  <a:noFill/>
-                </a:ln>
-                <a:solidFill>
-                  <a:srgbClr val="F08D49"/>
-                </a:solidFill>
-                <a:effectLst/>
-                <a:latin typeface="Consolas" panose="020B0609020204030204" pitchFamily="49" charset="0"/>
-              </a:rPr>
-              <a:t>5</a:t>
-            </a:r>
-            <a:r>
-              <a:rPr kumimoji="0" lang="fr-FR" altLang="fr-FR" sz="1400" b="0" i="0" u="none" strike="noStrike" cap="none" normalizeH="0" baseline="0" dirty="0">
-                <a:ln>
-                  <a:noFill/>
-                </a:ln>
-                <a:solidFill>
-                  <a:srgbClr val="CCCCCC"/>
-                </a:solidFill>
-                <a:effectLst/>
-                <a:latin typeface="Consolas" panose="020B0609020204030204" pitchFamily="49" charset="0"/>
-              </a:rPr>
-              <a:t>; </a:t>
-            </a:r>
-            <a:r>
-              <a:rPr kumimoji="0" lang="fr-FR" altLang="fr-FR" sz="1400" b="0" i="0" u="none" strike="noStrike" cap="none" normalizeH="0" baseline="0" dirty="0" err="1">
-                <a:ln>
-                  <a:noFill/>
-                </a:ln>
-                <a:solidFill>
-                  <a:srgbClr val="CCCCCC"/>
-                </a:solidFill>
-                <a:effectLst/>
-                <a:latin typeface="Consolas" panose="020B0609020204030204" pitchFamily="49" charset="0"/>
-              </a:rPr>
-              <a:t>j</a:t>
-            </a:r>
-            <a:r>
-              <a:rPr kumimoji="0" lang="fr-FR" altLang="fr-FR" sz="1400" b="0" i="0" u="none" strike="noStrike" cap="none" normalizeH="0" baseline="0" dirty="0" err="1">
-                <a:ln>
-                  <a:noFill/>
-                </a:ln>
-                <a:solidFill>
-                  <a:srgbClr val="67CDCC"/>
-                </a:solidFill>
-                <a:effectLst/>
-                <a:latin typeface="Consolas" panose="020B0609020204030204" pitchFamily="49" charset="0"/>
-              </a:rPr>
-              <a:t>++</a:t>
-            </a:r>
-            <a:r>
-              <a:rPr kumimoji="0" lang="fr-FR" altLang="fr-FR" sz="1400" b="0" i="0" u="none" strike="noStrike" cap="none" normalizeH="0" baseline="0" dirty="0">
-                <a:ln>
-                  <a:noFill/>
-                </a:ln>
-                <a:solidFill>
-                  <a:srgbClr val="CCCCCC"/>
-                </a:solidFill>
-                <a:effectLst/>
-                <a:latin typeface="Consolas" panose="020B0609020204030204" pitchFamily="49" charset="0"/>
-              </a:rPr>
-              <a:t> {</a:t>
-            </a:r>
-          </a:p>
-          <a:p>
-            <a:pPr marL="0" marR="0" lvl="0" indent="0" algn="l" defTabSz="914400" rtl="0" eaLnBrk="0" fontAlgn="base" latinLnBrk="0" hangingPunct="0">
-              <a:lnSpc>
-                <a:spcPct val="100000"/>
-              </a:lnSpc>
-              <a:spcBef>
-                <a:spcPct val="0"/>
-              </a:spcBef>
-              <a:spcAft>
-                <a:spcPct val="0"/>
-              </a:spcAft>
-              <a:buClrTx/>
-              <a:buSzTx/>
-              <a:buFontTx/>
-              <a:buNone/>
-              <a:tabLst/>
-            </a:pPr>
-            <a:r>
-              <a:rPr lang="fr-FR" altLang="fr-FR" sz="1400" dirty="0">
-                <a:solidFill>
-                  <a:srgbClr val="CCCCCC"/>
-                </a:solidFill>
-                <a:latin typeface="Consolas" panose="020B0609020204030204" pitchFamily="49" charset="0"/>
-              </a:rPr>
-              <a:t>		</a:t>
-            </a:r>
-            <a:r>
-              <a:rPr kumimoji="0" lang="fr-FR" altLang="fr-FR" sz="1400" b="0" i="0" u="none" strike="noStrike" cap="none" normalizeH="0" baseline="0" dirty="0">
-                <a:ln>
-                  <a:noFill/>
-                </a:ln>
-                <a:solidFill>
-                  <a:srgbClr val="CCCCCC"/>
-                </a:solidFill>
-                <a:effectLst/>
-                <a:latin typeface="Consolas" panose="020B0609020204030204" pitchFamily="49" charset="0"/>
-              </a:rPr>
-              <a:t> </a:t>
-            </a:r>
-            <a:r>
-              <a:rPr kumimoji="0" lang="fr-FR" altLang="fr-FR" sz="1400" b="0" i="0" u="none" strike="noStrike" cap="none" normalizeH="0" baseline="0" dirty="0" err="1">
-                <a:ln>
-                  <a:noFill/>
-                </a:ln>
-                <a:solidFill>
-                  <a:srgbClr val="CCCCCC"/>
-                </a:solidFill>
-                <a:effectLst/>
-                <a:latin typeface="Consolas" panose="020B0609020204030204" pitchFamily="49" charset="0"/>
-              </a:rPr>
-              <a:t>wg.</a:t>
-            </a:r>
-            <a:r>
-              <a:rPr kumimoji="0" lang="fr-FR" altLang="fr-FR" sz="1400" b="0" i="0" u="none" strike="noStrike" cap="none" normalizeH="0" baseline="0" dirty="0" err="1">
-                <a:ln>
-                  <a:noFill/>
-                </a:ln>
-                <a:solidFill>
-                  <a:srgbClr val="F08D49"/>
-                </a:solidFill>
-                <a:effectLst/>
-                <a:latin typeface="Consolas" panose="020B0609020204030204" pitchFamily="49" charset="0"/>
-              </a:rPr>
-              <a:t>Add</a:t>
-            </a:r>
-            <a:r>
-              <a:rPr kumimoji="0" lang="fr-FR" altLang="fr-FR" sz="1400" b="0" i="0" u="none" strike="noStrike" cap="none" normalizeH="0" baseline="0" dirty="0">
-                <a:ln>
-                  <a:noFill/>
-                </a:ln>
-                <a:solidFill>
-                  <a:srgbClr val="CCCCCC"/>
-                </a:solidFill>
-                <a:effectLst/>
-                <a:latin typeface="Consolas" panose="020B0609020204030204" pitchFamily="49" charset="0"/>
-              </a:rPr>
-              <a:t>(</a:t>
-            </a:r>
-            <a:r>
-              <a:rPr kumimoji="0" lang="fr-FR" altLang="fr-FR" sz="1400" b="0" i="0" u="none" strike="noStrike" cap="none" normalizeH="0" baseline="0" dirty="0">
-                <a:ln>
-                  <a:noFill/>
-                </a:ln>
-                <a:solidFill>
-                  <a:srgbClr val="F08D49"/>
-                </a:solidFill>
-                <a:effectLst/>
-                <a:latin typeface="Consolas" panose="020B0609020204030204" pitchFamily="49" charset="0"/>
-              </a:rPr>
-              <a:t>1</a:t>
-            </a:r>
-            <a:r>
-              <a:rPr kumimoji="0" lang="fr-FR" altLang="fr-FR" sz="1400" b="0" i="0" u="none" strike="noStrike" cap="none" normalizeH="0" baseline="0" dirty="0">
-                <a:ln>
-                  <a:noFill/>
-                </a:ln>
-                <a:solidFill>
-                  <a:srgbClr val="CCCCCC"/>
-                </a:solidFill>
-                <a:effectLst/>
-                <a:latin typeface="Consolas" panose="020B0609020204030204" pitchFamily="49" charset="0"/>
-              </a:rPr>
-              <a:t>) </a:t>
-            </a:r>
-          </a:p>
-          <a:p>
-            <a:pPr marL="0" marR="0" lvl="0" indent="0" algn="l" defTabSz="914400" rtl="0" eaLnBrk="0" fontAlgn="base" latinLnBrk="0" hangingPunct="0">
-              <a:lnSpc>
-                <a:spcPct val="100000"/>
-              </a:lnSpc>
-              <a:spcBef>
-                <a:spcPct val="0"/>
-              </a:spcBef>
-              <a:spcAft>
-                <a:spcPct val="0"/>
-              </a:spcAft>
-              <a:buClrTx/>
-              <a:buSzTx/>
-              <a:buFontTx/>
-              <a:buNone/>
-              <a:tabLst/>
-            </a:pPr>
-            <a:r>
-              <a:rPr lang="fr-FR" altLang="fr-FR" sz="1400" dirty="0">
-                <a:solidFill>
-                  <a:srgbClr val="CCCCCC"/>
-                </a:solidFill>
-                <a:latin typeface="Consolas" panose="020B0609020204030204" pitchFamily="49" charset="0"/>
-              </a:rPr>
-              <a:t>		</a:t>
-            </a:r>
-            <a:r>
-              <a:rPr kumimoji="0" lang="fr-FR" altLang="fr-FR" sz="1400" b="0" i="0" u="none" strike="noStrike" cap="none" normalizeH="0" baseline="0" dirty="0">
-                <a:ln>
-                  <a:noFill/>
-                </a:ln>
-                <a:solidFill>
-                  <a:srgbClr val="CC99CD"/>
-                </a:solidFill>
-                <a:effectLst/>
-                <a:latin typeface="Consolas" panose="020B0609020204030204" pitchFamily="49" charset="0"/>
-              </a:rPr>
-              <a:t>go</a:t>
-            </a:r>
-            <a:r>
-              <a:rPr kumimoji="0" lang="fr-FR" altLang="fr-FR" sz="1400" b="0" i="0" u="none" strike="noStrike" cap="none" normalizeH="0" baseline="0" dirty="0">
-                <a:ln>
-                  <a:noFill/>
-                </a:ln>
-                <a:solidFill>
-                  <a:srgbClr val="CCCCCC"/>
-                </a:solidFill>
-                <a:effectLst/>
-                <a:latin typeface="Consolas" panose="020B0609020204030204" pitchFamily="49" charset="0"/>
-              </a:rPr>
-              <a:t> </a:t>
-            </a:r>
-            <a:r>
-              <a:rPr kumimoji="0" lang="fr-FR" altLang="fr-FR" sz="1400" b="0" i="0" u="none" strike="noStrike" cap="none" normalizeH="0" baseline="0" dirty="0" err="1">
-                <a:ln>
-                  <a:noFill/>
-                </a:ln>
-                <a:solidFill>
-                  <a:srgbClr val="CC99CD"/>
-                </a:solidFill>
-                <a:effectLst/>
-                <a:latin typeface="Consolas" panose="020B0609020204030204" pitchFamily="49" charset="0"/>
-              </a:rPr>
-              <a:t>func</a:t>
-            </a:r>
-            <a:r>
-              <a:rPr kumimoji="0" lang="fr-FR" altLang="fr-FR" sz="1400" b="0" i="0" u="none" strike="noStrike" cap="none" normalizeH="0" baseline="0" dirty="0">
-                <a:ln>
-                  <a:noFill/>
-                </a:ln>
-                <a:solidFill>
-                  <a:srgbClr val="CCCCCC"/>
-                </a:solidFill>
-                <a:effectLst/>
-                <a:latin typeface="Consolas" panose="020B0609020204030204" pitchFamily="49" charset="0"/>
-              </a:rPr>
-              <a:t>() {</a:t>
-            </a:r>
-          </a:p>
-          <a:p>
-            <a:pPr marL="0" marR="0" lvl="0" indent="0" algn="l" defTabSz="914400" rtl="0" eaLnBrk="0" fontAlgn="base" latinLnBrk="0" hangingPunct="0">
-              <a:lnSpc>
-                <a:spcPct val="100000"/>
-              </a:lnSpc>
-              <a:spcBef>
-                <a:spcPct val="0"/>
-              </a:spcBef>
-              <a:spcAft>
-                <a:spcPct val="0"/>
-              </a:spcAft>
-              <a:buClrTx/>
-              <a:buSzTx/>
-              <a:buFontTx/>
-              <a:buNone/>
-              <a:tabLst/>
-            </a:pPr>
-            <a:r>
-              <a:rPr lang="fr-FR" altLang="fr-FR" sz="1400" dirty="0">
-                <a:solidFill>
-                  <a:srgbClr val="CCCCCC"/>
-                </a:solidFill>
-                <a:latin typeface="Consolas" panose="020B0609020204030204" pitchFamily="49" charset="0"/>
-              </a:rPr>
-              <a:t>			</a:t>
-            </a:r>
-            <a:r>
-              <a:rPr kumimoji="0" lang="fr-FR" altLang="fr-FR" sz="1400" b="0" i="0" u="none" strike="noStrike" cap="none" normalizeH="0" baseline="0" dirty="0">
-                <a:ln>
-                  <a:noFill/>
-                </a:ln>
-                <a:solidFill>
-                  <a:srgbClr val="CCCCCC"/>
-                </a:solidFill>
-                <a:effectLst/>
-                <a:latin typeface="Consolas" panose="020B0609020204030204" pitchFamily="49" charset="0"/>
-              </a:rPr>
-              <a:t> </a:t>
-            </a:r>
-            <a:r>
-              <a:rPr kumimoji="0" lang="fr-FR" altLang="fr-FR" sz="1400" b="0" i="0" u="none" strike="noStrike" cap="none" normalizeH="0" baseline="0" dirty="0" err="1">
-                <a:ln>
-                  <a:noFill/>
-                </a:ln>
-                <a:solidFill>
-                  <a:srgbClr val="CCCCCC"/>
-                </a:solidFill>
-                <a:effectLst/>
-                <a:latin typeface="Consolas" panose="020B0609020204030204" pitchFamily="49" charset="0"/>
-              </a:rPr>
-              <a:t>time.</a:t>
-            </a:r>
-            <a:r>
-              <a:rPr kumimoji="0" lang="fr-FR" altLang="fr-FR" sz="1400" b="0" i="0" u="none" strike="noStrike" cap="none" normalizeH="0" baseline="0" dirty="0" err="1">
-                <a:ln>
-                  <a:noFill/>
-                </a:ln>
-                <a:solidFill>
-                  <a:srgbClr val="F08D49"/>
-                </a:solidFill>
-                <a:effectLst/>
-                <a:latin typeface="Consolas" panose="020B0609020204030204" pitchFamily="49" charset="0"/>
-              </a:rPr>
-              <a:t>Sleep</a:t>
-            </a:r>
-            <a:r>
-              <a:rPr kumimoji="0" lang="fr-FR" altLang="fr-FR" sz="1400" b="0" i="0" u="none" strike="noStrike" cap="none" normalizeH="0" baseline="0" dirty="0">
-                <a:ln>
-                  <a:noFill/>
-                </a:ln>
-                <a:solidFill>
-                  <a:srgbClr val="CCCCCC"/>
-                </a:solidFill>
-                <a:effectLst/>
-                <a:latin typeface="Consolas" panose="020B0609020204030204" pitchFamily="49" charset="0"/>
-              </a:rPr>
-              <a:t>(</a:t>
-            </a:r>
-            <a:r>
-              <a:rPr kumimoji="0" lang="fr-FR" altLang="fr-FR" sz="1400" b="0" i="0" u="none" strike="noStrike" cap="none" normalizeH="0" baseline="0" dirty="0" err="1">
-                <a:ln>
-                  <a:noFill/>
-                </a:ln>
-                <a:solidFill>
-                  <a:srgbClr val="CCCCCC"/>
-                </a:solidFill>
-                <a:effectLst/>
-                <a:latin typeface="Consolas" panose="020B0609020204030204" pitchFamily="49" charset="0"/>
-              </a:rPr>
-              <a:t>time.Second</a:t>
-            </a:r>
-            <a:r>
-              <a:rPr kumimoji="0" lang="fr-FR" altLang="fr-FR" sz="1400" b="0" i="0" u="none" strike="noStrike" cap="none" normalizeH="0" baseline="0" dirty="0">
-                <a:ln>
-                  <a:noFill/>
-                </a:ln>
-                <a:solidFill>
-                  <a:srgbClr val="CCCCCC"/>
-                </a:solidFill>
-                <a:effectLst/>
-                <a:latin typeface="Consolas" panose="020B0609020204030204" pitchFamily="49" charset="0"/>
-              </a:rPr>
-              <a:t> </a:t>
-            </a:r>
-            <a:r>
-              <a:rPr kumimoji="0" lang="fr-FR" altLang="fr-FR" sz="1400" b="0" i="0" u="none" strike="noStrike" cap="none" normalizeH="0" baseline="0" dirty="0">
-                <a:ln>
-                  <a:noFill/>
-                </a:ln>
-                <a:solidFill>
-                  <a:srgbClr val="67CDCC"/>
-                </a:solidFill>
-                <a:effectLst/>
-                <a:latin typeface="Consolas" panose="020B0609020204030204" pitchFamily="49" charset="0"/>
-              </a:rPr>
-              <a:t>*</a:t>
-            </a:r>
-            <a:r>
-              <a:rPr kumimoji="0" lang="fr-FR" altLang="fr-FR" sz="1400" b="0" i="0" u="none" strike="noStrike" cap="none" normalizeH="0" baseline="0" dirty="0">
-                <a:ln>
-                  <a:noFill/>
-                </a:ln>
-                <a:solidFill>
-                  <a:srgbClr val="CCCCCC"/>
-                </a:solidFill>
-                <a:effectLst/>
-                <a:latin typeface="Consolas" panose="020B0609020204030204" pitchFamily="49" charset="0"/>
-              </a:rPr>
-              <a:t> </a:t>
-            </a:r>
-            <a:r>
-              <a:rPr kumimoji="0" lang="fr-FR" altLang="fr-FR" sz="1400" b="0" i="0" u="none" strike="noStrike" cap="none" normalizeH="0" baseline="0" dirty="0">
-                <a:ln>
-                  <a:noFill/>
-                </a:ln>
-                <a:solidFill>
-                  <a:srgbClr val="F08D49"/>
-                </a:solidFill>
-                <a:effectLst/>
-                <a:latin typeface="Consolas" panose="020B0609020204030204" pitchFamily="49" charset="0"/>
-              </a:rPr>
-              <a:t>2</a:t>
-            </a:r>
-            <a:r>
-              <a:rPr kumimoji="0" lang="fr-FR" altLang="fr-FR" sz="1400" b="0" i="0" u="none" strike="noStrike" cap="none" normalizeH="0" baseline="0" dirty="0">
-                <a:ln>
-                  <a:noFill/>
-                </a:ln>
-                <a:solidFill>
-                  <a:srgbClr val="CCCCCC"/>
-                </a:solidFill>
-                <a:effectLst/>
-                <a:latin typeface="Consolas" panose="020B0609020204030204" pitchFamily="49" charset="0"/>
-              </a:rPr>
-              <a:t>)</a:t>
-            </a:r>
-          </a:p>
-          <a:p>
-            <a:pPr marL="0" marR="0" lvl="0" indent="0" algn="l" defTabSz="914400" rtl="0" eaLnBrk="0" fontAlgn="base" latinLnBrk="0" hangingPunct="0">
-              <a:lnSpc>
-                <a:spcPct val="100000"/>
-              </a:lnSpc>
-              <a:spcBef>
-                <a:spcPct val="0"/>
-              </a:spcBef>
-              <a:spcAft>
-                <a:spcPct val="0"/>
-              </a:spcAft>
-              <a:buClrTx/>
-              <a:buSzTx/>
-              <a:buFontTx/>
-              <a:buNone/>
-              <a:tabLst/>
-            </a:pPr>
-            <a:r>
-              <a:rPr lang="fr-FR" altLang="fr-FR" sz="1400" dirty="0">
-                <a:solidFill>
-                  <a:srgbClr val="CCCCCC"/>
-                </a:solidFill>
-                <a:latin typeface="Consolas" panose="020B0609020204030204" pitchFamily="49" charset="0"/>
-              </a:rPr>
-              <a:t>			</a:t>
-            </a:r>
-            <a:r>
-              <a:rPr kumimoji="0" lang="fr-FR" altLang="fr-FR" sz="1400" b="0" i="0" u="none" strike="noStrike" cap="none" normalizeH="0" baseline="0" dirty="0">
-                <a:ln>
-                  <a:noFill/>
-                </a:ln>
-                <a:solidFill>
-                  <a:srgbClr val="CCCCCC"/>
-                </a:solidFill>
-                <a:effectLst/>
-                <a:latin typeface="Consolas" panose="020B0609020204030204" pitchFamily="49" charset="0"/>
-              </a:rPr>
-              <a:t> </a:t>
-            </a:r>
-            <a:r>
-              <a:rPr kumimoji="0" lang="fr-FR" altLang="fr-FR" sz="1400" b="0" i="0" u="none" strike="noStrike" cap="none" normalizeH="0" baseline="0" dirty="0" err="1">
-                <a:ln>
-                  <a:noFill/>
-                </a:ln>
-                <a:solidFill>
-                  <a:srgbClr val="CCCCCC"/>
-                </a:solidFill>
-                <a:effectLst/>
-                <a:latin typeface="Consolas" panose="020B0609020204030204" pitchFamily="49" charset="0"/>
-              </a:rPr>
-              <a:t>ch</a:t>
-            </a:r>
-            <a:r>
-              <a:rPr kumimoji="0" lang="fr-FR" altLang="fr-FR" sz="1400" b="0" i="0" u="none" strike="noStrike" cap="none" normalizeH="0" baseline="0" dirty="0">
-                <a:ln>
-                  <a:noFill/>
-                </a:ln>
-                <a:solidFill>
-                  <a:srgbClr val="CCCCCC"/>
-                </a:solidFill>
-                <a:effectLst/>
-                <a:latin typeface="Consolas" panose="020B0609020204030204" pitchFamily="49" charset="0"/>
-              </a:rPr>
-              <a:t> </a:t>
-            </a:r>
-            <a:r>
-              <a:rPr kumimoji="0" lang="fr-FR" altLang="fr-FR" sz="1400" b="0" i="0" u="none" strike="noStrike" cap="none" normalizeH="0" baseline="0" dirty="0">
-                <a:ln>
-                  <a:noFill/>
-                </a:ln>
-                <a:solidFill>
-                  <a:srgbClr val="67CDCC"/>
-                </a:solidFill>
-                <a:effectLst/>
-                <a:latin typeface="Consolas" panose="020B0609020204030204" pitchFamily="49" charset="0"/>
-              </a:rPr>
-              <a:t>&lt;-</a:t>
-            </a:r>
-            <a:r>
-              <a:rPr kumimoji="0" lang="fr-FR" altLang="fr-FR" sz="1400" b="0" i="0" u="none" strike="noStrike" cap="none" normalizeH="0" baseline="0" dirty="0">
-                <a:ln>
-                  <a:noFill/>
-                </a:ln>
-                <a:solidFill>
-                  <a:srgbClr val="CCCCCC"/>
-                </a:solidFill>
-                <a:effectLst/>
-                <a:latin typeface="Consolas" panose="020B0609020204030204" pitchFamily="49" charset="0"/>
-              </a:rPr>
-              <a:t> </a:t>
-            </a:r>
-            <a:r>
-              <a:rPr kumimoji="0" lang="fr-FR" altLang="fr-FR" sz="1400" b="0" i="0" u="none" strike="noStrike" cap="none" normalizeH="0" baseline="0" dirty="0">
-                <a:ln>
-                  <a:noFill/>
-                </a:ln>
-                <a:solidFill>
-                  <a:srgbClr val="F08D49"/>
-                </a:solidFill>
-                <a:effectLst/>
-                <a:latin typeface="Consolas" panose="020B0609020204030204" pitchFamily="49" charset="0"/>
-              </a:rPr>
-              <a:t>50</a:t>
-            </a:r>
-            <a:r>
-              <a:rPr kumimoji="0" lang="fr-FR" altLang="fr-FR" sz="1400" b="0" i="0" u="none" strike="noStrike" cap="none" normalizeH="0" baseline="0" dirty="0">
-                <a:ln>
-                  <a:noFill/>
-                </a:ln>
-                <a:solidFill>
-                  <a:srgbClr val="CCCCCC"/>
-                </a:solidFill>
-                <a:effectLst/>
-                <a:latin typeface="Consolas" panose="020B0609020204030204" pitchFamily="49" charset="0"/>
-              </a:rPr>
-              <a:t> </a:t>
-            </a:r>
-            <a:r>
-              <a:rPr kumimoji="0" lang="fr-FR" altLang="fr-FR" sz="1400" b="0" i="0" u="none" strike="noStrike" cap="none" normalizeH="0" baseline="0" dirty="0" err="1">
-                <a:ln>
-                  <a:noFill/>
-                </a:ln>
-                <a:solidFill>
-                  <a:srgbClr val="CCCCCC"/>
-                </a:solidFill>
-                <a:effectLst/>
-                <a:latin typeface="Consolas" panose="020B0609020204030204" pitchFamily="49" charset="0"/>
-              </a:rPr>
-              <a:t>wg.</a:t>
-            </a:r>
-            <a:r>
-              <a:rPr kumimoji="0" lang="fr-FR" altLang="fr-FR" sz="1400" b="0" i="0" u="none" strike="noStrike" cap="none" normalizeH="0" baseline="0" dirty="0" err="1">
-                <a:ln>
-                  <a:noFill/>
-                </a:ln>
-                <a:solidFill>
-                  <a:srgbClr val="F08D49"/>
-                </a:solidFill>
-                <a:effectLst/>
-                <a:latin typeface="Consolas" panose="020B0609020204030204" pitchFamily="49" charset="0"/>
-              </a:rPr>
-              <a:t>Done</a:t>
-            </a:r>
-            <a:r>
-              <a:rPr kumimoji="0" lang="fr-FR" altLang="fr-FR" sz="1400" b="0" i="0" u="none" strike="noStrike" cap="none" normalizeH="0" baseline="0" dirty="0">
-                <a:ln>
-                  <a:noFill/>
-                </a:ln>
-                <a:solidFill>
-                  <a:srgbClr val="CCCCCC"/>
-                </a:solidFill>
-                <a:effectLst/>
-                <a:latin typeface="Consolas" panose="020B0609020204030204" pitchFamily="49" charset="0"/>
-              </a:rPr>
-              <a:t>() }() }</a:t>
-            </a:r>
-          </a:p>
-          <a:p>
-            <a:pPr marL="0" marR="0" lvl="0" indent="0" algn="l" defTabSz="914400" rtl="0" eaLnBrk="0" fontAlgn="base" latinLnBrk="0" hangingPunct="0">
-              <a:lnSpc>
-                <a:spcPct val="100000"/>
-              </a:lnSpc>
-              <a:spcBef>
-                <a:spcPct val="0"/>
-              </a:spcBef>
-              <a:spcAft>
-                <a:spcPct val="0"/>
-              </a:spcAft>
-              <a:buClrTx/>
-              <a:buSzTx/>
-              <a:buFontTx/>
-              <a:buNone/>
-              <a:tabLst/>
-            </a:pPr>
-            <a:r>
-              <a:rPr lang="fr-FR" altLang="fr-FR" sz="1400" dirty="0">
-                <a:solidFill>
-                  <a:srgbClr val="CCCCCC"/>
-                </a:solidFill>
-                <a:latin typeface="Consolas" panose="020B0609020204030204" pitchFamily="49" charset="0"/>
-              </a:rPr>
-              <a:t>	</a:t>
-            </a:r>
-            <a:r>
-              <a:rPr kumimoji="0" lang="fr-FR" altLang="fr-FR" sz="1400" b="0" i="0" u="none" strike="noStrike" cap="none" normalizeH="0" baseline="0" dirty="0">
-                <a:ln>
-                  <a:noFill/>
-                </a:ln>
-                <a:solidFill>
-                  <a:srgbClr val="CCCCCC"/>
-                </a:solidFill>
-                <a:effectLst/>
-                <a:latin typeface="Consolas" panose="020B0609020204030204" pitchFamily="49" charset="0"/>
-              </a:rPr>
-              <a:t> </a:t>
-            </a:r>
-            <a:r>
-              <a:rPr kumimoji="0" lang="fr-FR" altLang="fr-FR" sz="1400" b="0" i="0" u="none" strike="noStrike" cap="none" normalizeH="0" baseline="0" dirty="0" err="1">
-                <a:ln>
-                  <a:noFill/>
-                </a:ln>
-                <a:solidFill>
-                  <a:srgbClr val="CCCCCC"/>
-                </a:solidFill>
-                <a:effectLst/>
-                <a:latin typeface="Consolas" panose="020B0609020204030204" pitchFamily="49" charset="0"/>
-              </a:rPr>
-              <a:t>wg.</a:t>
-            </a:r>
-            <a:r>
-              <a:rPr kumimoji="0" lang="fr-FR" altLang="fr-FR" sz="1400" b="0" i="0" u="none" strike="noStrike" cap="none" normalizeH="0" baseline="0" dirty="0" err="1">
-                <a:ln>
-                  <a:noFill/>
-                </a:ln>
-                <a:solidFill>
-                  <a:srgbClr val="F08D49"/>
-                </a:solidFill>
-                <a:effectLst/>
-                <a:latin typeface="Consolas" panose="020B0609020204030204" pitchFamily="49" charset="0"/>
-              </a:rPr>
-              <a:t>Wait</a:t>
-            </a:r>
-            <a:r>
-              <a:rPr kumimoji="0" lang="fr-FR" altLang="fr-FR" sz="1400" b="0" i="0" u="none" strike="noStrike" cap="none" normalizeH="0" baseline="0" dirty="0">
-                <a:ln>
-                  <a:noFill/>
-                </a:ln>
-                <a:solidFill>
-                  <a:srgbClr val="CCCCCC"/>
-                </a:solidFill>
-                <a:effectLst/>
-                <a:latin typeface="Consolas" panose="020B0609020204030204" pitchFamily="49" charset="0"/>
-              </a:rPr>
-              <a:t>()</a:t>
-            </a:r>
-          </a:p>
-          <a:p>
-            <a:pPr marL="0" marR="0" lvl="0" indent="0" algn="l" defTabSz="914400" rtl="0" eaLnBrk="0" fontAlgn="base" latinLnBrk="0" hangingPunct="0">
-              <a:lnSpc>
-                <a:spcPct val="100000"/>
-              </a:lnSpc>
-              <a:spcBef>
-                <a:spcPct val="0"/>
-              </a:spcBef>
-              <a:spcAft>
-                <a:spcPct val="0"/>
-              </a:spcAft>
-              <a:buClrTx/>
-              <a:buSzTx/>
-              <a:buFontTx/>
-              <a:buNone/>
-              <a:tabLst/>
-            </a:pPr>
-            <a:r>
-              <a:rPr lang="fr-FR" altLang="fr-FR" sz="1400" dirty="0">
-                <a:solidFill>
-                  <a:srgbClr val="CCCCCC"/>
-                </a:solidFill>
-                <a:latin typeface="Consolas" panose="020B0609020204030204" pitchFamily="49" charset="0"/>
-              </a:rPr>
-              <a:t>	</a:t>
-            </a:r>
-            <a:r>
-              <a:rPr kumimoji="0" lang="fr-FR" altLang="fr-FR" sz="1400" b="0" i="0" u="none" strike="noStrike" cap="none" normalizeH="0" baseline="0" dirty="0">
-                <a:ln>
-                  <a:noFill/>
-                </a:ln>
-                <a:solidFill>
-                  <a:srgbClr val="CCCCCC"/>
-                </a:solidFill>
-                <a:effectLst/>
-                <a:latin typeface="Consolas" panose="020B0609020204030204" pitchFamily="49" charset="0"/>
-              </a:rPr>
-              <a:t> </a:t>
-            </a:r>
-            <a:r>
-              <a:rPr kumimoji="0" lang="fr-FR" altLang="fr-FR" sz="1400" b="0" i="0" u="none" strike="noStrike" cap="none" normalizeH="0" baseline="0" dirty="0" err="1">
-                <a:ln>
-                  <a:noFill/>
-                </a:ln>
-                <a:solidFill>
-                  <a:srgbClr val="CCCCCC"/>
-                </a:solidFill>
-                <a:effectLst/>
-                <a:latin typeface="Consolas" panose="020B0609020204030204" pitchFamily="49" charset="0"/>
-              </a:rPr>
-              <a:t>fmt.</a:t>
-            </a:r>
-            <a:r>
-              <a:rPr kumimoji="0" lang="fr-FR" altLang="fr-FR" sz="1400" b="0" i="0" u="none" strike="noStrike" cap="none" normalizeH="0" baseline="0" dirty="0" err="1">
-                <a:ln>
-                  <a:noFill/>
-                </a:ln>
-                <a:solidFill>
-                  <a:srgbClr val="F08D49"/>
-                </a:solidFill>
-                <a:effectLst/>
-                <a:latin typeface="Consolas" panose="020B0609020204030204" pitchFamily="49" charset="0"/>
-              </a:rPr>
-              <a:t>Println</a:t>
-            </a:r>
-            <a:r>
-              <a:rPr kumimoji="0" lang="fr-FR" altLang="fr-FR" sz="1400" b="0" i="0" u="none" strike="noStrike" cap="none" normalizeH="0" baseline="0" dirty="0">
-                <a:ln>
-                  <a:noFill/>
-                </a:ln>
-                <a:solidFill>
-                  <a:srgbClr val="CCCCCC"/>
-                </a:solidFill>
-                <a:effectLst/>
-                <a:latin typeface="Consolas" panose="020B0609020204030204" pitchFamily="49" charset="0"/>
-              </a:rPr>
-              <a:t>(</a:t>
-            </a:r>
-            <a:r>
-              <a:rPr kumimoji="0" lang="fr-FR" altLang="fr-FR" sz="1400" b="0" i="0" u="none" strike="noStrike" cap="none" normalizeH="0" baseline="0" dirty="0" err="1">
-                <a:ln>
-                  <a:noFill/>
-                </a:ln>
-                <a:solidFill>
-                  <a:srgbClr val="CCCCCC"/>
-                </a:solidFill>
-                <a:effectLst/>
-                <a:latin typeface="Consolas" panose="020B0609020204030204" pitchFamily="49" charset="0"/>
-              </a:rPr>
-              <a:t>time.</a:t>
-            </a:r>
-            <a:r>
-              <a:rPr kumimoji="0" lang="fr-FR" altLang="fr-FR" sz="1400" b="0" i="0" u="none" strike="noStrike" cap="none" normalizeH="0" baseline="0" dirty="0" err="1">
-                <a:ln>
-                  <a:noFill/>
-                </a:ln>
-                <a:solidFill>
-                  <a:srgbClr val="F08D49"/>
-                </a:solidFill>
-                <a:effectLst/>
-                <a:latin typeface="Consolas" panose="020B0609020204030204" pitchFamily="49" charset="0"/>
-              </a:rPr>
-              <a:t>Now</a:t>
-            </a:r>
-            <a:r>
-              <a:rPr kumimoji="0" lang="fr-FR" altLang="fr-FR" sz="1400" b="0" i="0" u="none" strike="noStrike" cap="none" normalizeH="0" baseline="0" dirty="0">
-                <a:ln>
-                  <a:noFill/>
-                </a:ln>
-                <a:solidFill>
-                  <a:srgbClr val="CCCCCC"/>
-                </a:solidFill>
-                <a:effectLst/>
-                <a:latin typeface="Consolas" panose="020B0609020204030204" pitchFamily="49" charset="0"/>
-              </a:rPr>
-              <a:t>().</a:t>
-            </a:r>
-            <a:r>
-              <a:rPr kumimoji="0" lang="fr-FR" altLang="fr-FR" sz="1400" b="0" i="0" u="none" strike="noStrike" cap="none" normalizeH="0" baseline="0" dirty="0" err="1">
-                <a:ln>
-                  <a:noFill/>
-                </a:ln>
-                <a:solidFill>
-                  <a:srgbClr val="F08D49"/>
-                </a:solidFill>
-                <a:effectLst/>
-                <a:latin typeface="Consolas" panose="020B0609020204030204" pitchFamily="49" charset="0"/>
-              </a:rPr>
-              <a:t>Sub</a:t>
-            </a:r>
-            <a:r>
-              <a:rPr kumimoji="0" lang="fr-FR" altLang="fr-FR" sz="1400" b="0" i="0" u="none" strike="noStrike" cap="none" normalizeH="0" baseline="0" dirty="0">
-                <a:ln>
-                  <a:noFill/>
-                </a:ln>
-                <a:solidFill>
-                  <a:srgbClr val="CCCCCC"/>
-                </a:solidFill>
-                <a:effectLst/>
-                <a:latin typeface="Consolas" panose="020B0609020204030204" pitchFamily="49" charset="0"/>
-              </a:rPr>
-              <a:t>(</a:t>
-            </a:r>
-            <a:r>
-              <a:rPr kumimoji="0" lang="fr-FR" altLang="fr-FR" sz="1400" b="0" i="0" u="none" strike="noStrike" cap="none" normalizeH="0" baseline="0" dirty="0" err="1">
-                <a:ln>
-                  <a:noFill/>
-                </a:ln>
-                <a:solidFill>
-                  <a:srgbClr val="CCCCCC"/>
-                </a:solidFill>
-                <a:effectLst/>
-                <a:latin typeface="Consolas" panose="020B0609020204030204" pitchFamily="49" charset="0"/>
-              </a:rPr>
-              <a:t>now</a:t>
-            </a:r>
-            <a:r>
-              <a:rPr kumimoji="0" lang="fr-FR" altLang="fr-FR" sz="1400" b="0" i="0" u="none" strike="noStrike" cap="none" normalizeH="0" baseline="0" dirty="0">
-                <a:ln>
-                  <a:noFill/>
-                </a:ln>
-                <a:solidFill>
-                  <a:srgbClr val="CCCCCC"/>
-                </a:solidFill>
-                <a:effectLst/>
-                <a:latin typeface="Consolas" panose="020B0609020204030204" pitchFamily="49" charset="0"/>
-              </a:rPr>
-              <a:t>)) }</a:t>
-            </a:r>
-            <a:r>
-              <a:rPr kumimoji="0" lang="fr-FR" altLang="fr-FR" sz="1100" b="0" i="0" u="none" strike="noStrike" cap="none" normalizeH="0" baseline="0" dirty="0">
-                <a:ln>
-                  <a:noFill/>
-                </a:ln>
-                <a:solidFill>
-                  <a:schemeClr val="tx1"/>
-                </a:solidFill>
-                <a:effectLst/>
-              </a:rPr>
-              <a:t> </a:t>
-            </a:r>
-            <a:endParaRPr kumimoji="0" lang="fr-FR" altLang="fr-FR" sz="3200" b="0" i="0" u="none" strike="noStrike" cap="none" normalizeH="0" baseline="0" dirty="0">
-              <a:ln>
-                <a:noFill/>
-              </a:ln>
-              <a:solidFill>
-                <a:schemeClr val="tx1"/>
-              </a:solidFill>
-              <a:effectLst/>
-              <a:latin typeface="Arial" panose="020B0604020202020204" pitchFamily="34" charset="0"/>
-            </a:endParaRPr>
-          </a:p>
-        </p:txBody>
-      </p:sp>
-      <p:sp>
-        <p:nvSpPr>
-          <p:cNvPr id="11" name="ZoneTexte 10">
-            <a:extLst>
-              <a:ext uri="{FF2B5EF4-FFF2-40B4-BE49-F238E27FC236}">
-                <a16:creationId xmlns:a16="http://schemas.microsoft.com/office/drawing/2014/main" id="{A87752F8-DA7C-417F-8F87-751F1CA4E865}"/>
-              </a:ext>
-            </a:extLst>
-          </p:cNvPr>
-          <p:cNvSpPr txBox="1"/>
+      </p:pic>
+      <p:pic>
+        <p:nvPicPr>
+          <p:cNvPr id="8" name="Image 7">
+            <a:extLst>
+              <a:ext uri="{FF2B5EF4-FFF2-40B4-BE49-F238E27FC236}">
+                <a16:creationId xmlns:a16="http://schemas.microsoft.com/office/drawing/2014/main" id="{25E317FE-4E13-4B57-8CA2-D01F489116A0}"/>
+              </a:ext>
+            </a:extLst>
+          </p:cNvPr>
+          <p:cNvPicPr>
+            <a:picLocks noChangeAspect="1"/>
+          </p:cNvPicPr>
           <p:nvPr/>
-        </p:nvSpPr>
+        </p:nvPicPr>
+        <p:blipFill>
+          <a:blip r:embed="rId3">
+            <a:extLst>
+              <a:ext uri="{28A0092B-C50C-407E-A947-70E740481C1C}">
+                <a14:useLocalDpi xmlns:a14="http://schemas.microsoft.com/office/drawing/2010/main" val="0"/>
+              </a:ext>
+            </a:extLst>
+          </a:blip>
+          <a:stretch>
+            <a:fillRect/>
+          </a:stretch>
+        </p:blipFill>
         <p:spPr>
           <a:xfrm>
-            <a:off x="6881518" y="1179321"/>
-            <a:ext cx="4966772" cy="3416320"/>
+            <a:off x="5086350" y="4608012"/>
+            <a:ext cx="2933700" cy="981075"/>
           </a:xfrm>
           <a:prstGeom prst="rect">
             <a:avLst/>
           </a:prstGeom>
-          <a:noFill/>
         </p:spPr>
-        <p:txBody>
-          <a:bodyPr wrap="square">
-            <a:spAutoFit/>
-          </a:bodyPr>
-          <a:lstStyle/>
-          <a:p>
-            <a:pPr marL="0" marR="0" lvl="0" indent="0" algn="l" defTabSz="914400" rtl="0" eaLnBrk="0" fontAlgn="base" latinLnBrk="0" hangingPunct="0">
-              <a:lnSpc>
-                <a:spcPct val="100000"/>
-              </a:lnSpc>
-              <a:spcBef>
-                <a:spcPct val="0"/>
-              </a:spcBef>
-              <a:spcAft>
-                <a:spcPct val="0"/>
-              </a:spcAft>
-              <a:buClrTx/>
-              <a:buSzTx/>
-              <a:buFontTx/>
-              <a:buNone/>
-              <a:tabLst/>
-            </a:pPr>
-            <a:r>
-              <a:rPr kumimoji="0" lang="fr-FR" altLang="fr-FR" sz="1800" b="0" i="0" u="none" strike="noStrike" cap="none" normalizeH="0" baseline="0" dirty="0">
-                <a:ln>
-                  <a:noFill/>
-                </a:ln>
-                <a:effectLst/>
-                <a:latin typeface="Calibri" panose="020F0502020204030204" pitchFamily="34" charset="0"/>
-                <a:cs typeface="Calibri" panose="020F0502020204030204" pitchFamily="34" charset="0"/>
-              </a:rPr>
-              <a:t>Résultat:</a:t>
-            </a:r>
-          </a:p>
-          <a:p>
-            <a:pPr marL="0" marR="0" lvl="0" indent="0" algn="l" defTabSz="914400" rtl="0" eaLnBrk="0" fontAlgn="base" latinLnBrk="0" hangingPunct="0">
-              <a:lnSpc>
-                <a:spcPct val="100000"/>
-              </a:lnSpc>
-              <a:spcBef>
-                <a:spcPct val="0"/>
-              </a:spcBef>
-              <a:spcAft>
-                <a:spcPct val="0"/>
-              </a:spcAft>
-              <a:buClrTx/>
-              <a:buSzTx/>
-              <a:buFontTx/>
-              <a:buNone/>
-              <a:tabLst/>
-            </a:pPr>
-            <a:endParaRPr lang="fr-FR" altLang="fr-FR" dirty="0">
-              <a:latin typeface="Calibri" panose="020F0502020204030204" pitchFamily="34" charset="0"/>
-              <a:cs typeface="Calibri" panose="020F0502020204030204" pitchFamily="34" charset="0"/>
-            </a:endParaRPr>
-          </a:p>
-          <a:p>
-            <a:pPr marL="0" marR="0" lvl="0" indent="0" algn="l" defTabSz="914400" rtl="0" eaLnBrk="0" fontAlgn="base" latinLnBrk="0" hangingPunct="0">
-              <a:lnSpc>
-                <a:spcPct val="100000"/>
-              </a:lnSpc>
-              <a:spcBef>
-                <a:spcPct val="0"/>
-              </a:spcBef>
-              <a:spcAft>
-                <a:spcPct val="0"/>
-              </a:spcAft>
-              <a:buClrTx/>
-              <a:buSzTx/>
-              <a:buFontTx/>
-              <a:buNone/>
-              <a:tabLst/>
-            </a:pPr>
-            <a:endParaRPr kumimoji="0" lang="fr-FR" altLang="fr-FR" sz="1800" b="0" i="0" u="none" strike="noStrike" cap="none" normalizeH="0" baseline="0" dirty="0">
-              <a:ln>
-                <a:noFill/>
-              </a:ln>
-              <a:effectLst/>
-              <a:latin typeface="Calibri" panose="020F0502020204030204" pitchFamily="34" charset="0"/>
-              <a:cs typeface="Calibri" panose="020F0502020204030204" pitchFamily="34" charset="0"/>
-            </a:endParaRPr>
-          </a:p>
-          <a:p>
-            <a:pPr eaLnBrk="0" fontAlgn="base" hangingPunct="0">
-              <a:spcBef>
-                <a:spcPct val="0"/>
-              </a:spcBef>
-              <a:spcAft>
-                <a:spcPct val="0"/>
-              </a:spcAft>
-            </a:pPr>
-            <a:r>
-              <a:rPr kumimoji="0" lang="fr-FR" altLang="fr-FR" sz="1800" b="0" i="0" u="none" strike="noStrike" cap="none" normalizeH="0" baseline="0" dirty="0">
-                <a:ln>
-                  <a:noFill/>
-                </a:ln>
-                <a:solidFill>
-                  <a:srgbClr val="FF676B"/>
-                </a:solidFill>
-                <a:effectLst/>
-                <a:latin typeface="Consolas" panose="020B0609020204030204" pitchFamily="49" charset="0"/>
-              </a:rPr>
-              <a:t>50 </a:t>
-            </a:r>
-          </a:p>
-          <a:p>
-            <a:pPr eaLnBrk="0" fontAlgn="base" hangingPunct="0">
-              <a:spcBef>
-                <a:spcPct val="0"/>
-              </a:spcBef>
-              <a:spcAft>
-                <a:spcPct val="0"/>
-              </a:spcAft>
-            </a:pPr>
-            <a:r>
-              <a:rPr kumimoji="0" lang="fr-FR" altLang="fr-FR" sz="1800" b="0" i="0" u="none" strike="noStrike" cap="none" normalizeH="0" baseline="0" dirty="0">
-                <a:ln>
-                  <a:noFill/>
-                </a:ln>
-                <a:solidFill>
-                  <a:srgbClr val="FF676B"/>
-                </a:solidFill>
-                <a:effectLst/>
-                <a:latin typeface="Consolas" panose="020B0609020204030204" pitchFamily="49" charset="0"/>
-              </a:rPr>
-              <a:t>50 </a:t>
-            </a:r>
-          </a:p>
-          <a:p>
-            <a:pPr eaLnBrk="0" fontAlgn="base" hangingPunct="0">
-              <a:spcBef>
-                <a:spcPct val="0"/>
-              </a:spcBef>
-              <a:spcAft>
-                <a:spcPct val="0"/>
-              </a:spcAft>
-            </a:pPr>
-            <a:r>
-              <a:rPr kumimoji="0" lang="fr-FR" altLang="fr-FR" sz="1800" b="0" i="0" u="none" strike="noStrike" cap="none" normalizeH="0" baseline="0" dirty="0">
-                <a:ln>
-                  <a:noFill/>
-                </a:ln>
-                <a:solidFill>
-                  <a:srgbClr val="FF676B"/>
-                </a:solidFill>
-                <a:effectLst/>
-                <a:latin typeface="Consolas" panose="020B0609020204030204" pitchFamily="49" charset="0"/>
-              </a:rPr>
-              <a:t>50 </a:t>
-            </a:r>
-          </a:p>
-          <a:p>
-            <a:pPr eaLnBrk="0" fontAlgn="base" hangingPunct="0">
-              <a:spcBef>
-                <a:spcPct val="0"/>
-              </a:spcBef>
-              <a:spcAft>
-                <a:spcPct val="0"/>
-              </a:spcAft>
-            </a:pPr>
-            <a:r>
-              <a:rPr kumimoji="0" lang="fr-FR" altLang="fr-FR" sz="1800" b="0" i="0" u="none" strike="noStrike" cap="none" normalizeH="0" baseline="0" dirty="0">
-                <a:ln>
-                  <a:noFill/>
-                </a:ln>
-                <a:solidFill>
-                  <a:srgbClr val="FF676B"/>
-                </a:solidFill>
-                <a:effectLst/>
-                <a:latin typeface="Consolas" panose="020B0609020204030204" pitchFamily="49" charset="0"/>
-              </a:rPr>
-              <a:t>50 </a:t>
-            </a:r>
-          </a:p>
-          <a:p>
-            <a:pPr eaLnBrk="0" fontAlgn="base" hangingPunct="0">
-              <a:spcBef>
-                <a:spcPct val="0"/>
-              </a:spcBef>
-              <a:spcAft>
-                <a:spcPct val="0"/>
-              </a:spcAft>
-            </a:pPr>
-            <a:r>
-              <a:rPr kumimoji="0" lang="fr-FR" altLang="fr-FR" sz="1800" b="0" i="0" u="none" strike="noStrike" cap="none" normalizeH="0" baseline="0" dirty="0">
-                <a:ln>
-                  <a:noFill/>
-                </a:ln>
-                <a:solidFill>
-                  <a:srgbClr val="FF676B"/>
-                </a:solidFill>
-                <a:effectLst/>
-                <a:latin typeface="Consolas" panose="020B0609020204030204" pitchFamily="49" charset="0"/>
-              </a:rPr>
-              <a:t>50 </a:t>
-            </a:r>
-          </a:p>
-          <a:p>
-            <a:pPr eaLnBrk="0" fontAlgn="base" hangingPunct="0">
-              <a:spcBef>
-                <a:spcPct val="0"/>
-              </a:spcBef>
-              <a:spcAft>
-                <a:spcPct val="0"/>
-              </a:spcAft>
-            </a:pPr>
-            <a:r>
-              <a:rPr kumimoji="0" lang="fr-FR" altLang="fr-FR" sz="1800" b="0" i="0" u="none" strike="noStrike" cap="none" normalizeH="0" baseline="0" dirty="0">
-                <a:ln>
-                  <a:noFill/>
-                </a:ln>
-                <a:solidFill>
-                  <a:srgbClr val="FF676B"/>
-                </a:solidFill>
-                <a:effectLst/>
-                <a:latin typeface="Consolas" panose="020B0609020204030204" pitchFamily="49" charset="0"/>
-              </a:rPr>
-              <a:t>fatal </a:t>
-            </a:r>
-            <a:r>
-              <a:rPr kumimoji="0" lang="fr-FR" altLang="fr-FR" sz="1800" b="0" i="0" u="none" strike="noStrike" cap="none" normalizeH="0" baseline="0" dirty="0" err="1">
-                <a:ln>
-                  <a:noFill/>
-                </a:ln>
-                <a:solidFill>
-                  <a:srgbClr val="FF676B"/>
-                </a:solidFill>
-                <a:effectLst/>
-                <a:latin typeface="Consolas" panose="020B0609020204030204" pitchFamily="49" charset="0"/>
-              </a:rPr>
-              <a:t>error</a:t>
-            </a:r>
-            <a:r>
-              <a:rPr kumimoji="0" lang="fr-FR" altLang="fr-FR" sz="1800" b="0" i="0" u="none" strike="noStrike" cap="none" normalizeH="0" baseline="0" dirty="0">
-                <a:ln>
-                  <a:noFill/>
-                </a:ln>
-                <a:solidFill>
-                  <a:srgbClr val="FF676B"/>
-                </a:solidFill>
-                <a:effectLst/>
-                <a:latin typeface="Consolas" panose="020B0609020204030204" pitchFamily="49" charset="0"/>
-              </a:rPr>
-              <a:t>: all goroutines are </a:t>
-            </a:r>
-            <a:r>
-              <a:rPr kumimoji="0" lang="fr-FR" altLang="fr-FR" sz="1800" b="0" i="0" u="none" strike="noStrike" cap="none" normalizeH="0" baseline="0" dirty="0" err="1">
-                <a:ln>
-                  <a:noFill/>
-                </a:ln>
-                <a:solidFill>
-                  <a:srgbClr val="FF676B"/>
-                </a:solidFill>
-                <a:effectLst/>
-                <a:latin typeface="Consolas" panose="020B0609020204030204" pitchFamily="49" charset="0"/>
-              </a:rPr>
-              <a:t>asleep</a:t>
-            </a:r>
-            <a:r>
-              <a:rPr kumimoji="0" lang="fr-FR" altLang="fr-FR" sz="1800" b="0" i="0" u="none" strike="noStrike" cap="none" normalizeH="0" baseline="0" dirty="0">
-                <a:ln>
-                  <a:noFill/>
-                </a:ln>
-                <a:solidFill>
-                  <a:srgbClr val="FF676B"/>
-                </a:solidFill>
-                <a:effectLst/>
-                <a:latin typeface="Consolas" panose="020B0609020204030204" pitchFamily="49" charset="0"/>
-              </a:rPr>
-              <a:t> - deadlock!</a:t>
-            </a:r>
-            <a:r>
-              <a:rPr kumimoji="0" lang="fr-FR" altLang="fr-FR" sz="1400" b="0" i="0" u="none" strike="noStrike" cap="none" normalizeH="0" baseline="0" dirty="0">
-                <a:ln>
-                  <a:noFill/>
-                </a:ln>
-                <a:solidFill>
-                  <a:schemeClr val="tx1"/>
-                </a:solidFill>
-                <a:effectLst/>
-              </a:rPr>
-              <a:t> </a:t>
-            </a:r>
-            <a:endParaRPr kumimoji="0" lang="fr-FR" altLang="fr-FR" sz="4000" b="0" i="0" u="none" strike="noStrike" cap="none" normalizeH="0" baseline="0" dirty="0">
-              <a:ln>
-                <a:noFill/>
-              </a:ln>
-              <a:solidFill>
-                <a:schemeClr val="tx1"/>
-              </a:solidFill>
-              <a:effectLst/>
-              <a:latin typeface="Arial" panose="020B0604020202020204" pitchFamily="34" charset="0"/>
-            </a:endParaRPr>
-          </a:p>
-          <a:p>
-            <a:pPr marL="0" marR="0" lvl="0" indent="0" algn="l" defTabSz="914400" rtl="0" eaLnBrk="0" fontAlgn="base" latinLnBrk="0" hangingPunct="0">
-              <a:lnSpc>
-                <a:spcPct val="100000"/>
-              </a:lnSpc>
-              <a:spcBef>
-                <a:spcPct val="0"/>
-              </a:spcBef>
-              <a:spcAft>
-                <a:spcPct val="0"/>
-              </a:spcAft>
-              <a:buClrTx/>
-              <a:buSzTx/>
-              <a:buFontTx/>
-              <a:buNone/>
-              <a:tabLst/>
-            </a:pPr>
-            <a:r>
-              <a:rPr kumimoji="0" lang="fr-FR" altLang="fr-FR" sz="1800" b="0" i="0" u="none" strike="noStrike" cap="none" normalizeH="0" baseline="0" dirty="0">
-                <a:ln>
-                  <a:noFill/>
-                </a:ln>
-                <a:solidFill>
-                  <a:schemeClr val="tx2">
-                    <a:lumMod val="50000"/>
-                  </a:schemeClr>
-                </a:solidFill>
-                <a:effectLst/>
-                <a:latin typeface="Consolas" panose="020B0609020204030204" pitchFamily="49" charset="0"/>
-              </a:rPr>
-              <a:t> </a:t>
-            </a:r>
-          </a:p>
-          <a:p>
-            <a:pPr marL="0" marR="0" lvl="0" indent="0" algn="l" defTabSz="914400" rtl="0" eaLnBrk="0" fontAlgn="base" latinLnBrk="0" hangingPunct="0">
-              <a:lnSpc>
-                <a:spcPct val="100000"/>
-              </a:lnSpc>
-              <a:spcBef>
-                <a:spcPct val="0"/>
-              </a:spcBef>
-              <a:spcAft>
-                <a:spcPct val="0"/>
-              </a:spcAft>
-              <a:buClrTx/>
-              <a:buSzTx/>
-              <a:buFontTx/>
-              <a:buNone/>
-              <a:tabLst/>
-            </a:pPr>
-            <a:endParaRPr kumimoji="0" lang="fr-FR" altLang="fr-FR" sz="1800" b="0" i="0" u="none" strike="noStrike" cap="none" normalizeH="0" baseline="0" dirty="0">
-              <a:ln>
-                <a:noFill/>
-              </a:ln>
-              <a:solidFill>
-                <a:schemeClr val="tx2">
-                  <a:lumMod val="50000"/>
-                </a:schemeClr>
-              </a:solidFill>
-              <a:effectLst/>
-              <a:latin typeface="Consolas" panose="020B0609020204030204" pitchFamily="49" charset="0"/>
-            </a:endParaRPr>
-          </a:p>
-        </p:txBody>
-      </p:sp>
+      </p:pic>
     </p:spTree>
     <p:extLst>
       <p:ext uri="{BB962C8B-B14F-4D97-AF65-F5344CB8AC3E}">
-        <p14:creationId xmlns:p14="http://schemas.microsoft.com/office/powerpoint/2010/main" val="3213177106"/>
+        <p14:creationId xmlns:p14="http://schemas.microsoft.com/office/powerpoint/2010/main" val="2833283308"/>
       </p:ext>
     </p:extLst>
   </p:cSld>
@@ -6963,6 +3845,3571 @@
       </p:grpSpPr>
       <p:sp>
         <p:nvSpPr>
+          <p:cNvPr id="2" name="Titre 1">
+            <a:extLst>
+              <a:ext uri="{FF2B5EF4-FFF2-40B4-BE49-F238E27FC236}">
+                <a16:creationId xmlns:a16="http://schemas.microsoft.com/office/drawing/2014/main" id="{5255D7F2-3991-491B-BD00-0C18FC730DBF}"/>
+              </a:ext>
+            </a:extLst>
+          </p:cNvPr>
+          <p:cNvSpPr>
+            <a:spLocks noGrp="1"/>
+          </p:cNvSpPr>
+          <p:nvPr>
+            <p:ph type="title"/>
+          </p:nvPr>
+        </p:nvSpPr>
+        <p:spPr/>
+        <p:txBody>
+          <a:bodyPr/>
+          <a:lstStyle/>
+          <a:p>
+            <a:r>
+              <a:rPr lang="fr-FR" dirty="0"/>
+              <a:t>Les Channels</a:t>
+            </a:r>
+          </a:p>
+        </p:txBody>
+      </p:sp>
+      <p:sp>
+        <p:nvSpPr>
+          <p:cNvPr id="3" name="Espace réservé du contenu 2">
+            <a:extLst>
+              <a:ext uri="{FF2B5EF4-FFF2-40B4-BE49-F238E27FC236}">
+                <a16:creationId xmlns:a16="http://schemas.microsoft.com/office/drawing/2014/main" id="{8E7E78B6-2DD3-4A24-8C42-E545AEB43EF2}"/>
+              </a:ext>
+            </a:extLst>
+          </p:cNvPr>
+          <p:cNvSpPr>
+            <a:spLocks noGrp="1"/>
+          </p:cNvSpPr>
+          <p:nvPr>
+            <p:ph idx="1"/>
+          </p:nvPr>
+        </p:nvSpPr>
+        <p:spPr/>
+        <p:txBody>
+          <a:bodyPr/>
+          <a:lstStyle/>
+          <a:p>
+            <a:r>
+              <a:rPr lang="fr-FR" dirty="0"/>
+              <a:t>Communication et synchronisation entre les goroutine</a:t>
+            </a:r>
+          </a:p>
+          <a:p>
+            <a:r>
+              <a:rPr lang="fr-FR" dirty="0"/>
+              <a:t>Déclaration : </a:t>
+            </a:r>
+          </a:p>
+          <a:p>
+            <a:r>
+              <a:rPr lang="fr-FR" b="1" dirty="0"/>
+              <a:t>Bloquants</a:t>
+            </a:r>
+            <a:r>
+              <a:rPr lang="fr-FR" dirty="0"/>
+              <a:t> lorsqu’on envoie une donnée au </a:t>
+            </a:r>
+            <a:r>
+              <a:rPr lang="fr-FR" dirty="0" err="1"/>
+              <a:t>channel</a:t>
+            </a:r>
+            <a:r>
+              <a:rPr lang="fr-FR" dirty="0"/>
+              <a:t>, on ne peut plus en envoyer tant que cette donnée n’a pas été lue</a:t>
+            </a:r>
+          </a:p>
+          <a:p>
+            <a:r>
+              <a:rPr lang="fr-FR" b="0" i="0" dirty="0">
+                <a:solidFill>
+                  <a:schemeClr val="tx2">
+                    <a:lumMod val="50000"/>
+                  </a:schemeClr>
+                </a:solidFill>
+                <a:effectLst/>
+                <a:latin typeface="Calibri" panose="020F0502020204030204" pitchFamily="34" charset="0"/>
+                <a:cs typeface="Calibri" panose="020F0502020204030204" pitchFamily="34" charset="0"/>
+              </a:rPr>
+              <a:t>Par défaut, les channels sont dit </a:t>
+            </a:r>
+            <a:r>
+              <a:rPr lang="fr-FR" b="1" i="0" dirty="0" err="1">
+                <a:solidFill>
+                  <a:schemeClr val="tx2">
+                    <a:lumMod val="50000"/>
+                  </a:schemeClr>
+                </a:solidFill>
+                <a:effectLst/>
+                <a:latin typeface="Calibri" panose="020F0502020204030204" pitchFamily="34" charset="0"/>
+                <a:cs typeface="Calibri" panose="020F0502020204030204" pitchFamily="34" charset="0"/>
+              </a:rPr>
+              <a:t>unbuffered</a:t>
+            </a:r>
+            <a:r>
+              <a:rPr lang="fr-FR" b="0" i="0" dirty="0">
+                <a:solidFill>
+                  <a:schemeClr val="tx2">
+                    <a:lumMod val="50000"/>
+                  </a:schemeClr>
+                </a:solidFill>
+                <a:effectLst/>
+                <a:latin typeface="Calibri" panose="020F0502020204030204" pitchFamily="34" charset="0"/>
+                <a:cs typeface="Calibri" panose="020F0502020204030204" pitchFamily="34" charset="0"/>
+              </a:rPr>
+              <a:t>, ce qui signifie qu'ils n'accepteront pas de </a:t>
+            </a:r>
+            <a:r>
+              <a:rPr lang="fr-FR" b="1" i="0" dirty="0">
+                <a:solidFill>
+                  <a:schemeClr val="tx2">
+                    <a:lumMod val="50000"/>
+                  </a:schemeClr>
+                </a:solidFill>
+                <a:effectLst/>
+                <a:latin typeface="Calibri" panose="020F0502020204030204" pitchFamily="34" charset="0"/>
+                <a:cs typeface="Calibri" panose="020F0502020204030204" pitchFamily="34" charset="0"/>
+              </a:rPr>
+              <a:t>récepteur</a:t>
+            </a:r>
+            <a:r>
+              <a:rPr lang="fr-FR" b="0" i="0" dirty="0">
+                <a:solidFill>
+                  <a:schemeClr val="tx2">
+                    <a:lumMod val="50000"/>
+                  </a:schemeClr>
+                </a:solidFill>
+                <a:effectLst/>
+                <a:latin typeface="Calibri" panose="020F0502020204030204" pitchFamily="34" charset="0"/>
+                <a:cs typeface="Calibri" panose="020F0502020204030204" pitchFamily="34" charset="0"/>
+              </a:rPr>
+              <a:t> ( chan&lt;-) que s'il existe un </a:t>
+            </a:r>
+            <a:r>
+              <a:rPr lang="fr-FR" b="1" i="0" dirty="0">
+                <a:solidFill>
+                  <a:schemeClr val="tx2">
+                    <a:lumMod val="50000"/>
+                  </a:schemeClr>
+                </a:solidFill>
+                <a:effectLst/>
+                <a:latin typeface="Calibri" panose="020F0502020204030204" pitchFamily="34" charset="0"/>
+                <a:cs typeface="Calibri" panose="020F0502020204030204" pitchFamily="34" charset="0"/>
+              </a:rPr>
+              <a:t>expéditeur</a:t>
+            </a:r>
+            <a:r>
+              <a:rPr lang="fr-FR" b="0" i="0" dirty="0">
+                <a:solidFill>
+                  <a:schemeClr val="tx2">
+                    <a:lumMod val="50000"/>
+                  </a:schemeClr>
+                </a:solidFill>
+                <a:effectLst/>
+                <a:latin typeface="Calibri" panose="020F0502020204030204" pitchFamily="34" charset="0"/>
+                <a:cs typeface="Calibri" panose="020F0502020204030204" pitchFamily="34" charset="0"/>
+              </a:rPr>
+              <a:t> ( &lt;- chan) correspondant prêt à recevoir la valeur envoyée, l'inverse est aussi vrai.</a:t>
+            </a:r>
+            <a:endParaRPr lang="fr-FR" dirty="0">
+              <a:solidFill>
+                <a:schemeClr val="tx2">
+                  <a:lumMod val="50000"/>
+                </a:schemeClr>
+              </a:solidFill>
+              <a:latin typeface="Calibri" panose="020F0502020204030204" pitchFamily="34" charset="0"/>
+              <a:cs typeface="Calibri" panose="020F0502020204030204" pitchFamily="34" charset="0"/>
+            </a:endParaRPr>
+          </a:p>
+          <a:p>
+            <a:endParaRPr lang="fr-FR" dirty="0"/>
+          </a:p>
+        </p:txBody>
+      </p:sp>
+      <p:sp>
+        <p:nvSpPr>
+          <p:cNvPr id="4" name="Rectangle 2">
+            <a:extLst>
+              <a:ext uri="{FF2B5EF4-FFF2-40B4-BE49-F238E27FC236}">
+                <a16:creationId xmlns:a16="http://schemas.microsoft.com/office/drawing/2014/main" id="{B8B36F8F-814C-4204-9B84-BB2317327D34}"/>
+              </a:ext>
+            </a:extLst>
+          </p:cNvPr>
+          <p:cNvSpPr>
+            <a:spLocks noChangeArrowheads="1"/>
+          </p:cNvSpPr>
+          <p:nvPr/>
+        </p:nvSpPr>
+        <p:spPr bwMode="auto">
+          <a:xfrm>
+            <a:off x="3139126" y="2306157"/>
+            <a:ext cx="2337847" cy="426313"/>
+          </a:xfrm>
+          <a:prstGeom prst="rect">
+            <a:avLst/>
+          </a:prstGeom>
+          <a:solidFill>
+            <a:srgbClr val="212121"/>
+          </a:solidFill>
+          <a:ln>
+            <a:noFill/>
+          </a:ln>
+          <a:effectLst/>
+          <a:extLst>
+            <a:ext uri="{91240B29-F687-4F45-9708-019B960494DF}">
+              <a14:hiddenLine xmlns:a14="http://schemas.microsoft.com/office/drawing/2010/main" w="9525">
+                <a:solidFill>
+                  <a:schemeClr val="tx1"/>
+                </a:solidFill>
+                <a:miter lim="800000"/>
+                <a:headEnd/>
+                <a:tailEnd/>
+              </a14:hiddenLine>
+            </a:ext>
+            <a:ext uri="{AF507438-7753-43E0-B8FC-AC1667EBCBE1}">
+              <a14:hiddenEffects xmlns:a14="http://schemas.microsoft.com/office/drawing/2010/main">
+                <a:effectLst>
+                  <a:outerShdw dist="35921" dir="2700000" algn="ctr" rotWithShape="0">
+                    <a:schemeClr val="bg2"/>
+                  </a:outerShdw>
+                </a:effectLst>
+              </a14:hiddenEffects>
+            </a:ext>
+          </a:extLst>
+        </p:spPr>
+        <p:txBody>
+          <a:bodyPr vert="horz" wrap="square" lIns="0" tIns="79350" rIns="0" bIns="190440" numCol="1" anchor="ctr" anchorCtr="0" compatLnSpc="1">
+            <a:prstTxWarp prst="textNoShape">
+              <a:avLst/>
+            </a:prstTxWarp>
+            <a:spAutoFit/>
+          </a:bodyPr>
+          <a:lstStyle/>
+          <a:p>
+            <a:pPr marL="0" marR="0" lvl="0" indent="0" algn="l" defTabSz="914400" rtl="0" eaLnBrk="0" fontAlgn="base" latinLnBrk="0" hangingPunct="0">
+              <a:lnSpc>
+                <a:spcPct val="100000"/>
+              </a:lnSpc>
+              <a:spcBef>
+                <a:spcPct val="0"/>
+              </a:spcBef>
+              <a:spcAft>
+                <a:spcPct val="0"/>
+              </a:spcAft>
+              <a:buClrTx/>
+              <a:buSzTx/>
+              <a:buFontTx/>
+              <a:buNone/>
+              <a:tabLst/>
+            </a:pPr>
+            <a:r>
+              <a:rPr kumimoji="0" lang="fr-FR" altLang="fr-FR" sz="1000" b="0" i="0" u="none" strike="noStrike" cap="none" normalizeH="0" baseline="0" dirty="0" err="1">
+                <a:ln>
+                  <a:noFill/>
+                </a:ln>
+                <a:solidFill>
+                  <a:srgbClr val="CCCCCC"/>
+                </a:solidFill>
+                <a:effectLst/>
+                <a:latin typeface="Consolas" panose="020B0609020204030204" pitchFamily="49" charset="0"/>
+              </a:rPr>
+              <a:t>ch</a:t>
+            </a:r>
+            <a:r>
+              <a:rPr kumimoji="0" lang="fr-FR" altLang="fr-FR" sz="1000" b="0" i="0" u="none" strike="noStrike" cap="none" normalizeH="0" baseline="0" dirty="0">
+                <a:ln>
+                  <a:noFill/>
+                </a:ln>
+                <a:solidFill>
+                  <a:srgbClr val="CCCCCC"/>
+                </a:solidFill>
+                <a:effectLst/>
+                <a:latin typeface="Consolas" panose="020B0609020204030204" pitchFamily="49" charset="0"/>
+              </a:rPr>
+              <a:t> </a:t>
+            </a:r>
+            <a:r>
+              <a:rPr kumimoji="0" lang="fr-FR" altLang="fr-FR" sz="1000" b="0" i="0" u="none" strike="noStrike" cap="none" normalizeH="0" baseline="0" dirty="0">
+                <a:ln>
+                  <a:noFill/>
+                </a:ln>
+                <a:solidFill>
+                  <a:srgbClr val="67CDCC"/>
+                </a:solidFill>
+                <a:effectLst/>
+                <a:latin typeface="Consolas" panose="020B0609020204030204" pitchFamily="49" charset="0"/>
+              </a:rPr>
+              <a:t>:=</a:t>
+            </a:r>
+            <a:r>
+              <a:rPr kumimoji="0" lang="fr-FR" altLang="fr-FR" sz="1000" b="0" i="0" u="none" strike="noStrike" cap="none" normalizeH="0" baseline="0" dirty="0">
+                <a:ln>
+                  <a:noFill/>
+                </a:ln>
+                <a:solidFill>
+                  <a:srgbClr val="CCCCCC"/>
+                </a:solidFill>
+                <a:effectLst/>
+                <a:latin typeface="Consolas" panose="020B0609020204030204" pitchFamily="49" charset="0"/>
+              </a:rPr>
+              <a:t> </a:t>
+            </a:r>
+            <a:r>
+              <a:rPr kumimoji="0" lang="fr-FR" altLang="fr-FR" sz="1000" b="0" i="0" u="none" strike="noStrike" cap="none" normalizeH="0" baseline="0" dirty="0" err="1">
+                <a:ln>
+                  <a:noFill/>
+                </a:ln>
+                <a:solidFill>
+                  <a:srgbClr val="F08D49"/>
+                </a:solidFill>
+                <a:effectLst/>
+                <a:latin typeface="Consolas" panose="020B0609020204030204" pitchFamily="49" charset="0"/>
+              </a:rPr>
+              <a:t>make</a:t>
+            </a:r>
+            <a:r>
+              <a:rPr kumimoji="0" lang="fr-FR" altLang="fr-FR" sz="1000" b="0" i="0" u="none" strike="noStrike" cap="none" normalizeH="0" baseline="0" dirty="0">
+                <a:ln>
+                  <a:noFill/>
+                </a:ln>
+                <a:solidFill>
+                  <a:srgbClr val="CCCCCC"/>
+                </a:solidFill>
+                <a:effectLst/>
+                <a:latin typeface="Consolas" panose="020B0609020204030204" pitchFamily="49" charset="0"/>
+              </a:rPr>
+              <a:t>(</a:t>
+            </a:r>
+            <a:r>
+              <a:rPr kumimoji="0" lang="fr-FR" altLang="fr-FR" sz="1000" b="0" i="0" u="none" strike="noStrike" cap="none" normalizeH="0" baseline="0" dirty="0">
+                <a:ln>
+                  <a:noFill/>
+                </a:ln>
+                <a:solidFill>
+                  <a:srgbClr val="CC99CD"/>
+                </a:solidFill>
+                <a:effectLst/>
+                <a:latin typeface="Consolas" panose="020B0609020204030204" pitchFamily="49" charset="0"/>
+              </a:rPr>
+              <a:t>chan</a:t>
+            </a:r>
+            <a:r>
+              <a:rPr kumimoji="0" lang="fr-FR" altLang="fr-FR" sz="1000" b="0" i="0" u="none" strike="noStrike" cap="none" normalizeH="0" baseline="0" dirty="0">
+                <a:ln>
+                  <a:noFill/>
+                </a:ln>
+                <a:solidFill>
+                  <a:srgbClr val="CCCCCC"/>
+                </a:solidFill>
+                <a:effectLst/>
+                <a:latin typeface="Consolas" panose="020B0609020204030204" pitchFamily="49" charset="0"/>
+              </a:rPr>
+              <a:t> </a:t>
+            </a:r>
+            <a:r>
+              <a:rPr kumimoji="0" lang="fr-FR" altLang="fr-FR" sz="1000" b="0" i="0" u="none" strike="noStrike" cap="none" normalizeH="0" baseline="0" dirty="0" err="1">
+                <a:ln>
+                  <a:noFill/>
+                </a:ln>
+                <a:solidFill>
+                  <a:srgbClr val="CCCCCC"/>
+                </a:solidFill>
+                <a:effectLst/>
+                <a:latin typeface="Consolas" panose="020B0609020204030204" pitchFamily="49" charset="0"/>
+              </a:rPr>
+              <a:t>typeDeValeur</a:t>
+            </a:r>
+            <a:r>
+              <a:rPr kumimoji="0" lang="fr-FR" altLang="fr-FR" sz="1000" b="0" i="0" u="none" strike="noStrike" cap="none" normalizeH="0" baseline="0" dirty="0">
+                <a:ln>
+                  <a:noFill/>
+                </a:ln>
+                <a:solidFill>
+                  <a:srgbClr val="CCCCCC"/>
+                </a:solidFill>
+                <a:effectLst/>
+                <a:latin typeface="Consolas" panose="020B0609020204030204" pitchFamily="49" charset="0"/>
+              </a:rPr>
+              <a:t>)</a:t>
+            </a:r>
+            <a:r>
+              <a:rPr kumimoji="0" lang="fr-FR" altLang="fr-FR" sz="800" b="0" i="0" u="none" strike="noStrike" cap="none" normalizeH="0" baseline="0" dirty="0">
+                <a:ln>
+                  <a:noFill/>
+                </a:ln>
+                <a:solidFill>
+                  <a:schemeClr val="tx1"/>
+                </a:solidFill>
+                <a:effectLst/>
+              </a:rPr>
+              <a:t> </a:t>
+            </a:r>
+            <a:endParaRPr kumimoji="0" lang="fr-FR" altLang="fr-FR" sz="1800" b="0" i="0" u="none" strike="noStrike" cap="none" normalizeH="0" baseline="0" dirty="0">
+              <a:ln>
+                <a:noFill/>
+              </a:ln>
+              <a:solidFill>
+                <a:schemeClr val="tx1"/>
+              </a:solidFill>
+              <a:effectLst/>
+              <a:latin typeface="Arial" panose="020B0604020202020204" pitchFamily="34" charset="0"/>
+            </a:endParaRPr>
+          </a:p>
+        </p:txBody>
+      </p:sp>
+    </p:spTree>
+    <p:extLst>
+      <p:ext uri="{BB962C8B-B14F-4D97-AF65-F5344CB8AC3E}">
+        <p14:creationId xmlns:p14="http://schemas.microsoft.com/office/powerpoint/2010/main" val="1288188180"/>
+      </p:ext>
+    </p:extLst>
+  </p:cSld>
+  <p:clrMapOvr>
+    <a:masterClrMapping/>
+  </p:clrMapOvr>
+</p:sld>
+</file>
+
+<file path=ppt/slides/slide4.xml><?xml version="1.0" encoding="utf-8"?>
+<p:sld xmlns:a="http://schemas.openxmlformats.org/drawingml/2006/main" xmlns:r="http://schemas.openxmlformats.org/officeDocument/2006/relationships" xmlns:p="http://schemas.openxmlformats.org/presentationml/2006/main">
+  <p:cSld>
+    <p:bg>
+      <p:bgPr>
+        <a:solidFill>
+          <a:schemeClr val="bg1"/>
+        </a:solidFill>
+        <a:effectLst/>
+      </p:bgPr>
+    </p:bg>
+    <p:spTree>
+      <p:nvGrpSpPr>
+        <p:cNvPr id="1" name=""/>
+        <p:cNvGrpSpPr/>
+        <p:nvPr/>
+      </p:nvGrpSpPr>
+      <p:grpSpPr>
+        <a:xfrm>
+          <a:off x="0" y="0"/>
+          <a:ext cx="0" cy="0"/>
+          <a:chOff x="0" y="0"/>
+          <a:chExt cx="0" cy="0"/>
+        </a:xfrm>
+      </p:grpSpPr>
+      <p:sp>
+        <p:nvSpPr>
+          <p:cNvPr id="14" name="Rectangle 13">
+            <a:extLst>
+              <a:ext uri="{FF2B5EF4-FFF2-40B4-BE49-F238E27FC236}">
+                <a16:creationId xmlns:a16="http://schemas.microsoft.com/office/drawing/2014/main" id="{BBFECFE9-9DC9-42BB-A28D-4AD4FE0127E7}"/>
+              </a:ext>
+            </a:extLst>
+          </p:cNvPr>
+          <p:cNvSpPr/>
+          <p:nvPr/>
+        </p:nvSpPr>
+        <p:spPr>
+          <a:xfrm>
+            <a:off x="6916366" y="2033081"/>
+            <a:ext cx="4902740" cy="2509736"/>
+          </a:xfrm>
+          <a:prstGeom prst="rect">
+            <a:avLst/>
+          </a:prstGeom>
+        </p:spPr>
+        <p:style>
+          <a:lnRef idx="2">
+            <a:schemeClr val="dk1">
+              <a:shade val="50000"/>
+            </a:schemeClr>
+          </a:lnRef>
+          <a:fillRef idx="1">
+            <a:schemeClr val="dk1"/>
+          </a:fillRef>
+          <a:effectRef idx="0">
+            <a:schemeClr val="dk1"/>
+          </a:effectRef>
+          <a:fontRef idx="minor">
+            <a:schemeClr val="lt1"/>
+          </a:fontRef>
+        </p:style>
+        <p:txBody>
+          <a:bodyPr rtlCol="0" anchor="ctr"/>
+          <a:lstStyle/>
+          <a:p>
+            <a:pPr algn="ctr"/>
+            <a:endParaRPr lang="fr-FR"/>
+          </a:p>
+        </p:txBody>
+      </p:sp>
+      <p:sp>
+        <p:nvSpPr>
+          <p:cNvPr id="12" name="Rectangle 11">
+            <a:extLst>
+              <a:ext uri="{FF2B5EF4-FFF2-40B4-BE49-F238E27FC236}">
+                <a16:creationId xmlns:a16="http://schemas.microsoft.com/office/drawing/2014/main" id="{F9470A22-091D-4C3D-A06C-2AF465947A7A}"/>
+              </a:ext>
+            </a:extLst>
+          </p:cNvPr>
+          <p:cNvSpPr/>
+          <p:nvPr/>
+        </p:nvSpPr>
+        <p:spPr>
+          <a:xfrm>
+            <a:off x="574249" y="975576"/>
+            <a:ext cx="5923828" cy="5726781"/>
+          </a:xfrm>
+          <a:prstGeom prst="rect">
+            <a:avLst/>
+          </a:prstGeom>
+        </p:spPr>
+        <p:style>
+          <a:lnRef idx="2">
+            <a:schemeClr val="dk1">
+              <a:shade val="50000"/>
+            </a:schemeClr>
+          </a:lnRef>
+          <a:fillRef idx="1">
+            <a:schemeClr val="dk1"/>
+          </a:fillRef>
+          <a:effectRef idx="0">
+            <a:schemeClr val="dk1"/>
+          </a:effectRef>
+          <a:fontRef idx="minor">
+            <a:schemeClr val="lt1"/>
+          </a:fontRef>
+        </p:style>
+        <p:txBody>
+          <a:bodyPr rtlCol="0" anchor="ctr"/>
+          <a:lstStyle/>
+          <a:p>
+            <a:pPr algn="ctr"/>
+            <a:endParaRPr lang="fr-FR"/>
+          </a:p>
+        </p:txBody>
+      </p:sp>
+      <p:sp>
+        <p:nvSpPr>
+          <p:cNvPr id="2" name="Titre 1">
+            <a:extLst>
+              <a:ext uri="{FF2B5EF4-FFF2-40B4-BE49-F238E27FC236}">
+                <a16:creationId xmlns:a16="http://schemas.microsoft.com/office/drawing/2014/main" id="{809F3478-0EFB-4E3C-A193-83B45AA1C36E}"/>
+              </a:ext>
+            </a:extLst>
+          </p:cNvPr>
+          <p:cNvSpPr>
+            <a:spLocks noGrp="1"/>
+          </p:cNvSpPr>
+          <p:nvPr>
+            <p:ph type="title"/>
+          </p:nvPr>
+        </p:nvSpPr>
+        <p:spPr>
+          <a:xfrm>
+            <a:off x="574249" y="55366"/>
+            <a:ext cx="10515600" cy="1325563"/>
+          </a:xfrm>
+        </p:spPr>
+        <p:txBody>
+          <a:bodyPr/>
+          <a:lstStyle/>
+          <a:p>
+            <a:r>
+              <a:rPr lang="fr-FR" dirty="0"/>
+              <a:t>Deadlock</a:t>
+            </a:r>
+          </a:p>
+        </p:txBody>
+      </p:sp>
+      <p:sp>
+        <p:nvSpPr>
+          <p:cNvPr id="8" name="ZoneTexte 7">
+            <a:extLst>
+              <a:ext uri="{FF2B5EF4-FFF2-40B4-BE49-F238E27FC236}">
+                <a16:creationId xmlns:a16="http://schemas.microsoft.com/office/drawing/2014/main" id="{183B404B-B6E2-42F6-A181-33C5D2097160}"/>
+              </a:ext>
+            </a:extLst>
+          </p:cNvPr>
+          <p:cNvSpPr txBox="1"/>
+          <p:nvPr/>
+        </p:nvSpPr>
+        <p:spPr>
+          <a:xfrm>
+            <a:off x="652808" y="975576"/>
+            <a:ext cx="6539844" cy="5478423"/>
+          </a:xfrm>
+          <a:prstGeom prst="rect">
+            <a:avLst/>
+          </a:prstGeom>
+          <a:noFill/>
+        </p:spPr>
+        <p:txBody>
+          <a:bodyPr wrap="square">
+            <a:spAutoFit/>
+          </a:bodyPr>
+          <a:lstStyle/>
+          <a:p>
+            <a:pPr marL="0" marR="0" lvl="0" indent="0" algn="l" defTabSz="914400" rtl="0" eaLnBrk="0" fontAlgn="base" latinLnBrk="0" hangingPunct="0">
+              <a:lnSpc>
+                <a:spcPct val="100000"/>
+              </a:lnSpc>
+              <a:spcBef>
+                <a:spcPct val="0"/>
+              </a:spcBef>
+              <a:spcAft>
+                <a:spcPct val="0"/>
+              </a:spcAft>
+              <a:buClrTx/>
+              <a:buSzTx/>
+              <a:buFontTx/>
+              <a:buNone/>
+              <a:tabLst/>
+            </a:pPr>
+            <a:r>
+              <a:rPr kumimoji="0" lang="fr-FR" altLang="fr-FR" sz="1400" b="0" i="0" u="none" strike="noStrike" cap="none" normalizeH="0" baseline="0" dirty="0">
+                <a:ln>
+                  <a:noFill/>
+                </a:ln>
+                <a:solidFill>
+                  <a:srgbClr val="CC99CD"/>
+                </a:solidFill>
+                <a:effectLst/>
+                <a:latin typeface="Consolas" panose="020B0609020204030204" pitchFamily="49" charset="0"/>
+              </a:rPr>
+              <a:t>Package</a:t>
+            </a:r>
+          </a:p>
+          <a:p>
+            <a:pPr marL="0" marR="0" lvl="0" indent="0" algn="l" defTabSz="914400" rtl="0" eaLnBrk="0" fontAlgn="base" latinLnBrk="0" hangingPunct="0">
+              <a:lnSpc>
+                <a:spcPct val="100000"/>
+              </a:lnSpc>
+              <a:spcBef>
+                <a:spcPct val="0"/>
+              </a:spcBef>
+              <a:spcAft>
+                <a:spcPct val="0"/>
+              </a:spcAft>
+              <a:buClrTx/>
+              <a:buSzTx/>
+              <a:buFontTx/>
+              <a:buNone/>
+              <a:tabLst/>
+            </a:pPr>
+            <a:r>
+              <a:rPr kumimoji="0" lang="fr-FR" altLang="fr-FR" sz="1400" b="0" i="0" u="none" strike="noStrike" cap="none" normalizeH="0" baseline="0" dirty="0">
+                <a:ln>
+                  <a:noFill/>
+                </a:ln>
+                <a:solidFill>
+                  <a:srgbClr val="CCCCCC"/>
+                </a:solidFill>
+                <a:effectLst/>
+                <a:latin typeface="Consolas" panose="020B0609020204030204" pitchFamily="49" charset="0"/>
+              </a:rPr>
+              <a:t>main </a:t>
+            </a:r>
+            <a:r>
+              <a:rPr kumimoji="0" lang="fr-FR" altLang="fr-FR" sz="1400" b="0" i="0" u="none" strike="noStrike" cap="none" normalizeH="0" baseline="0" dirty="0">
+                <a:ln>
+                  <a:noFill/>
+                </a:ln>
+                <a:solidFill>
+                  <a:srgbClr val="CC99CD"/>
+                </a:solidFill>
+                <a:effectLst/>
+                <a:latin typeface="Consolas" panose="020B0609020204030204" pitchFamily="49" charset="0"/>
+              </a:rPr>
+              <a:t>import</a:t>
+            </a:r>
+            <a:r>
+              <a:rPr kumimoji="0" lang="fr-FR" altLang="fr-FR" sz="1400" b="0" i="0" u="none" strike="noStrike" cap="none" normalizeH="0" baseline="0" dirty="0">
+                <a:ln>
+                  <a:noFill/>
+                </a:ln>
+                <a:solidFill>
+                  <a:srgbClr val="CCCCCC"/>
+                </a:solidFill>
+                <a:effectLst/>
+                <a:latin typeface="Consolas" panose="020B0609020204030204" pitchFamily="49" charset="0"/>
+              </a:rPr>
+              <a:t> ( </a:t>
+            </a:r>
+            <a:r>
+              <a:rPr kumimoji="0" lang="fr-FR" altLang="fr-FR" sz="1400" b="0" i="0" u="none" strike="noStrike" cap="none" normalizeH="0" baseline="0" dirty="0">
+                <a:ln>
+                  <a:noFill/>
+                </a:ln>
+                <a:solidFill>
+                  <a:srgbClr val="7EC699"/>
+                </a:solidFill>
+                <a:effectLst/>
+                <a:latin typeface="Consolas" panose="020B0609020204030204" pitchFamily="49" charset="0"/>
+              </a:rPr>
+              <a:t>"</a:t>
+            </a:r>
+            <a:r>
+              <a:rPr kumimoji="0" lang="fr-FR" altLang="fr-FR" sz="1400" b="0" i="0" u="none" strike="noStrike" cap="none" normalizeH="0" baseline="0" dirty="0" err="1">
+                <a:ln>
+                  <a:noFill/>
+                </a:ln>
+                <a:solidFill>
+                  <a:srgbClr val="7EC699"/>
+                </a:solidFill>
+                <a:effectLst/>
+                <a:latin typeface="Consolas" panose="020B0609020204030204" pitchFamily="49" charset="0"/>
+              </a:rPr>
+              <a:t>fmt</a:t>
+            </a:r>
+            <a:r>
+              <a:rPr kumimoji="0" lang="fr-FR" altLang="fr-FR" sz="1400" b="0" i="0" u="none" strike="noStrike" cap="none" normalizeH="0" baseline="0" dirty="0">
+                <a:ln>
+                  <a:noFill/>
+                </a:ln>
+                <a:solidFill>
+                  <a:srgbClr val="7EC699"/>
+                </a:solidFill>
+                <a:effectLst/>
+                <a:latin typeface="Consolas" panose="020B0609020204030204" pitchFamily="49" charset="0"/>
+              </a:rPr>
+              <a:t>"</a:t>
+            </a:r>
+            <a:r>
+              <a:rPr kumimoji="0" lang="fr-FR" altLang="fr-FR" sz="1400" b="0" i="0" u="none" strike="noStrike" cap="none" normalizeH="0" baseline="0" dirty="0">
+                <a:ln>
+                  <a:noFill/>
+                </a:ln>
+                <a:solidFill>
+                  <a:srgbClr val="CCCCCC"/>
+                </a:solidFill>
+                <a:effectLst/>
+                <a:latin typeface="Consolas" panose="020B0609020204030204" pitchFamily="49" charset="0"/>
+              </a:rPr>
+              <a:t> </a:t>
+            </a:r>
+          </a:p>
+          <a:p>
+            <a:pPr marL="0" marR="0" lvl="0" indent="0" algn="l" defTabSz="914400" rtl="0" eaLnBrk="0" fontAlgn="base" latinLnBrk="0" hangingPunct="0">
+              <a:lnSpc>
+                <a:spcPct val="100000"/>
+              </a:lnSpc>
+              <a:spcBef>
+                <a:spcPct val="0"/>
+              </a:spcBef>
+              <a:spcAft>
+                <a:spcPct val="0"/>
+              </a:spcAft>
+              <a:buClrTx/>
+              <a:buSzTx/>
+              <a:buFontTx/>
+              <a:buNone/>
+              <a:tabLst/>
+            </a:pPr>
+            <a:r>
+              <a:rPr kumimoji="0" lang="fr-FR" altLang="fr-FR" sz="1400" b="0" i="0" u="none" strike="noStrike" cap="none" normalizeH="0" baseline="0" dirty="0">
+                <a:ln>
+                  <a:noFill/>
+                </a:ln>
+                <a:solidFill>
+                  <a:srgbClr val="7EC699"/>
+                </a:solidFill>
+                <a:effectLst/>
+                <a:latin typeface="Consolas" panose="020B0609020204030204" pitchFamily="49" charset="0"/>
+              </a:rPr>
+              <a:t>"</a:t>
+            </a:r>
+            <a:r>
+              <a:rPr kumimoji="0" lang="fr-FR" altLang="fr-FR" sz="1400" b="0" i="0" u="none" strike="noStrike" cap="none" normalizeH="0" baseline="0" dirty="0" err="1">
+                <a:ln>
+                  <a:noFill/>
+                </a:ln>
+                <a:solidFill>
+                  <a:srgbClr val="7EC699"/>
+                </a:solidFill>
+                <a:effectLst/>
+                <a:latin typeface="Consolas" panose="020B0609020204030204" pitchFamily="49" charset="0"/>
+              </a:rPr>
+              <a:t>sync</a:t>
+            </a:r>
+            <a:r>
+              <a:rPr kumimoji="0" lang="fr-FR" altLang="fr-FR" sz="1400" b="0" i="0" u="none" strike="noStrike" cap="none" normalizeH="0" baseline="0" dirty="0">
+                <a:ln>
+                  <a:noFill/>
+                </a:ln>
+                <a:solidFill>
+                  <a:srgbClr val="7EC699"/>
+                </a:solidFill>
+                <a:effectLst/>
+                <a:latin typeface="Consolas" panose="020B0609020204030204" pitchFamily="49" charset="0"/>
+              </a:rPr>
+              <a:t>"</a:t>
+            </a:r>
+            <a:r>
+              <a:rPr kumimoji="0" lang="fr-FR" altLang="fr-FR" sz="1400" b="0" i="0" u="none" strike="noStrike" cap="none" normalizeH="0" baseline="0" dirty="0">
+                <a:ln>
+                  <a:noFill/>
+                </a:ln>
+                <a:solidFill>
+                  <a:srgbClr val="CCCCCC"/>
+                </a:solidFill>
+                <a:effectLst/>
+                <a:latin typeface="Consolas" panose="020B0609020204030204" pitchFamily="49" charset="0"/>
+              </a:rPr>
+              <a:t> </a:t>
+            </a:r>
+          </a:p>
+          <a:p>
+            <a:pPr marL="0" marR="0" lvl="0" indent="0" algn="l" defTabSz="914400" rtl="0" eaLnBrk="0" fontAlgn="base" latinLnBrk="0" hangingPunct="0">
+              <a:lnSpc>
+                <a:spcPct val="100000"/>
+              </a:lnSpc>
+              <a:spcBef>
+                <a:spcPct val="0"/>
+              </a:spcBef>
+              <a:spcAft>
+                <a:spcPct val="0"/>
+              </a:spcAft>
+              <a:buClrTx/>
+              <a:buSzTx/>
+              <a:buFontTx/>
+              <a:buNone/>
+              <a:tabLst/>
+            </a:pPr>
+            <a:r>
+              <a:rPr kumimoji="0" lang="fr-FR" altLang="fr-FR" sz="1400" b="0" i="0" u="none" strike="noStrike" cap="none" normalizeH="0" baseline="0" dirty="0">
+                <a:ln>
+                  <a:noFill/>
+                </a:ln>
+                <a:solidFill>
+                  <a:srgbClr val="7EC699"/>
+                </a:solidFill>
+                <a:effectLst/>
+                <a:latin typeface="Consolas" panose="020B0609020204030204" pitchFamily="49" charset="0"/>
+              </a:rPr>
+              <a:t>"time"</a:t>
+            </a:r>
+            <a:r>
+              <a:rPr kumimoji="0" lang="fr-FR" altLang="fr-FR" sz="1400" b="0" i="0" u="none" strike="noStrike" cap="none" normalizeH="0" baseline="0" dirty="0">
+                <a:ln>
+                  <a:noFill/>
+                </a:ln>
+                <a:solidFill>
+                  <a:srgbClr val="CCCCCC"/>
+                </a:solidFill>
+                <a:effectLst/>
+                <a:latin typeface="Consolas" panose="020B0609020204030204" pitchFamily="49" charset="0"/>
+              </a:rPr>
+              <a:t> ) </a:t>
+            </a:r>
+          </a:p>
+          <a:p>
+            <a:pPr marL="0" marR="0" lvl="0" indent="0" algn="l" defTabSz="914400" rtl="0" eaLnBrk="0" fontAlgn="base" latinLnBrk="0" hangingPunct="0">
+              <a:lnSpc>
+                <a:spcPct val="100000"/>
+              </a:lnSpc>
+              <a:spcBef>
+                <a:spcPct val="0"/>
+              </a:spcBef>
+              <a:spcAft>
+                <a:spcPct val="0"/>
+              </a:spcAft>
+              <a:buClrTx/>
+              <a:buSzTx/>
+              <a:buFontTx/>
+              <a:buNone/>
+              <a:tabLst/>
+            </a:pPr>
+            <a:r>
+              <a:rPr kumimoji="0" lang="fr-FR" altLang="fr-FR" sz="1400" b="0" i="0" u="none" strike="noStrike" cap="none" normalizeH="0" baseline="0" dirty="0">
+                <a:ln>
+                  <a:noFill/>
+                </a:ln>
+                <a:solidFill>
+                  <a:srgbClr val="CC99CD"/>
+                </a:solidFill>
+                <a:effectLst/>
+                <a:latin typeface="Consolas" panose="020B0609020204030204" pitchFamily="49" charset="0"/>
+              </a:rPr>
+              <a:t>var</a:t>
+            </a:r>
+            <a:r>
+              <a:rPr kumimoji="0" lang="fr-FR" altLang="fr-FR" sz="1400" b="0" i="0" u="none" strike="noStrike" cap="none" normalizeH="0" baseline="0" dirty="0">
+                <a:ln>
+                  <a:noFill/>
+                </a:ln>
+                <a:solidFill>
+                  <a:srgbClr val="CCCCCC"/>
+                </a:solidFill>
+                <a:effectLst/>
+                <a:latin typeface="Consolas" panose="020B0609020204030204" pitchFamily="49" charset="0"/>
+              </a:rPr>
+              <a:t> </a:t>
+            </a:r>
+            <a:r>
+              <a:rPr kumimoji="0" lang="fr-FR" altLang="fr-FR" sz="1400" b="0" i="0" u="none" strike="noStrike" cap="none" normalizeH="0" baseline="0" dirty="0" err="1">
+                <a:ln>
+                  <a:noFill/>
+                </a:ln>
+                <a:solidFill>
+                  <a:srgbClr val="CCCCCC"/>
+                </a:solidFill>
+                <a:effectLst/>
+                <a:latin typeface="Consolas" panose="020B0609020204030204" pitchFamily="49" charset="0"/>
+              </a:rPr>
+              <a:t>wg</a:t>
+            </a:r>
+            <a:r>
+              <a:rPr kumimoji="0" lang="fr-FR" altLang="fr-FR" sz="1400" b="0" i="0" u="none" strike="noStrike" cap="none" normalizeH="0" baseline="0" dirty="0">
+                <a:ln>
+                  <a:noFill/>
+                </a:ln>
+                <a:solidFill>
+                  <a:srgbClr val="CCCCCC"/>
+                </a:solidFill>
+                <a:effectLst/>
+                <a:latin typeface="Consolas" panose="020B0609020204030204" pitchFamily="49" charset="0"/>
+              </a:rPr>
+              <a:t> </a:t>
+            </a:r>
+            <a:r>
+              <a:rPr kumimoji="0" lang="fr-FR" altLang="fr-FR" sz="1400" b="0" i="0" u="none" strike="noStrike" cap="none" normalizeH="0" baseline="0" dirty="0">
+                <a:ln>
+                  <a:noFill/>
+                </a:ln>
+                <a:solidFill>
+                  <a:srgbClr val="67CDCC"/>
+                </a:solidFill>
+                <a:effectLst/>
+                <a:latin typeface="Consolas" panose="020B0609020204030204" pitchFamily="49" charset="0"/>
+              </a:rPr>
+              <a:t>=</a:t>
+            </a:r>
+            <a:r>
+              <a:rPr kumimoji="0" lang="fr-FR" altLang="fr-FR" sz="1400" b="0" i="0" u="none" strike="noStrike" cap="none" normalizeH="0" baseline="0" dirty="0">
+                <a:ln>
+                  <a:noFill/>
+                </a:ln>
+                <a:solidFill>
+                  <a:srgbClr val="CCCCCC"/>
+                </a:solidFill>
+                <a:effectLst/>
+                <a:latin typeface="Consolas" panose="020B0609020204030204" pitchFamily="49" charset="0"/>
+              </a:rPr>
+              <a:t> </a:t>
+            </a:r>
+            <a:r>
+              <a:rPr kumimoji="0" lang="fr-FR" altLang="fr-FR" sz="1400" b="0" i="0" u="none" strike="noStrike" cap="none" normalizeH="0" baseline="0" dirty="0" err="1">
+                <a:ln>
+                  <a:noFill/>
+                </a:ln>
+                <a:solidFill>
+                  <a:srgbClr val="CCCCCC"/>
+                </a:solidFill>
+                <a:effectLst/>
+                <a:latin typeface="Consolas" panose="020B0609020204030204" pitchFamily="49" charset="0"/>
+              </a:rPr>
+              <a:t>sync.WaitGroup</a:t>
+            </a:r>
+            <a:r>
+              <a:rPr kumimoji="0" lang="fr-FR" altLang="fr-FR" sz="1400" b="0" i="0" u="none" strike="noStrike" cap="none" normalizeH="0" baseline="0" dirty="0">
+                <a:ln>
+                  <a:noFill/>
+                </a:ln>
+                <a:solidFill>
+                  <a:srgbClr val="CCCCCC"/>
+                </a:solidFill>
+                <a:effectLst/>
+                <a:latin typeface="Consolas" panose="020B0609020204030204" pitchFamily="49" charset="0"/>
+              </a:rPr>
+              <a:t>{} </a:t>
+            </a:r>
+          </a:p>
+          <a:p>
+            <a:pPr marL="0" marR="0" lvl="0" indent="0" algn="l" defTabSz="914400" rtl="0" eaLnBrk="0" fontAlgn="base" latinLnBrk="0" hangingPunct="0">
+              <a:lnSpc>
+                <a:spcPct val="100000"/>
+              </a:lnSpc>
+              <a:spcBef>
+                <a:spcPct val="0"/>
+              </a:spcBef>
+              <a:spcAft>
+                <a:spcPct val="0"/>
+              </a:spcAft>
+              <a:buClrTx/>
+              <a:buSzTx/>
+              <a:buFontTx/>
+              <a:buNone/>
+              <a:tabLst/>
+            </a:pPr>
+            <a:r>
+              <a:rPr kumimoji="0" lang="fr-FR" altLang="fr-FR" sz="1400" b="0" i="0" u="none" strike="noStrike" cap="none" normalizeH="0" baseline="0" dirty="0" err="1">
+                <a:ln>
+                  <a:noFill/>
+                </a:ln>
+                <a:solidFill>
+                  <a:srgbClr val="CC99CD"/>
+                </a:solidFill>
+                <a:effectLst/>
+                <a:latin typeface="Consolas" panose="020B0609020204030204" pitchFamily="49" charset="0"/>
+              </a:rPr>
+              <a:t>func</a:t>
+            </a:r>
+            <a:r>
+              <a:rPr kumimoji="0" lang="fr-FR" altLang="fr-FR" sz="1400" b="0" i="0" u="none" strike="noStrike" cap="none" normalizeH="0" baseline="0" dirty="0">
+                <a:ln>
+                  <a:noFill/>
+                </a:ln>
+                <a:solidFill>
+                  <a:srgbClr val="CCCCCC"/>
+                </a:solidFill>
+                <a:effectLst/>
+                <a:latin typeface="Consolas" panose="020B0609020204030204" pitchFamily="49" charset="0"/>
+              </a:rPr>
+              <a:t> </a:t>
+            </a:r>
+            <a:r>
+              <a:rPr kumimoji="0" lang="fr-FR" altLang="fr-FR" sz="1400" b="0" i="0" u="none" strike="noStrike" cap="none" normalizeH="0" baseline="0" dirty="0">
+                <a:ln>
+                  <a:noFill/>
+                </a:ln>
+                <a:solidFill>
+                  <a:srgbClr val="F08D49"/>
+                </a:solidFill>
+                <a:effectLst/>
+                <a:latin typeface="Consolas" panose="020B0609020204030204" pitchFamily="49" charset="0"/>
+              </a:rPr>
+              <a:t>main</a:t>
+            </a:r>
+            <a:r>
+              <a:rPr kumimoji="0" lang="fr-FR" altLang="fr-FR" sz="1400" b="0" i="0" u="none" strike="noStrike" cap="none" normalizeH="0" baseline="0" dirty="0">
+                <a:ln>
+                  <a:noFill/>
+                </a:ln>
+                <a:solidFill>
+                  <a:srgbClr val="CCCCCC"/>
+                </a:solidFill>
+                <a:effectLst/>
+                <a:latin typeface="Consolas" panose="020B0609020204030204" pitchFamily="49" charset="0"/>
+              </a:rPr>
+              <a:t>() { </a:t>
+            </a:r>
+          </a:p>
+          <a:p>
+            <a:pPr marL="0" marR="0" lvl="0" indent="0" algn="l" defTabSz="914400" rtl="0" eaLnBrk="0" fontAlgn="base" latinLnBrk="0" hangingPunct="0">
+              <a:lnSpc>
+                <a:spcPct val="100000"/>
+              </a:lnSpc>
+              <a:spcBef>
+                <a:spcPct val="0"/>
+              </a:spcBef>
+              <a:spcAft>
+                <a:spcPct val="0"/>
+              </a:spcAft>
+              <a:buClrTx/>
+              <a:buSzTx/>
+              <a:buFontTx/>
+              <a:buNone/>
+              <a:tabLst/>
+            </a:pPr>
+            <a:r>
+              <a:rPr lang="fr-FR" altLang="fr-FR" sz="1400" dirty="0">
+                <a:solidFill>
+                  <a:srgbClr val="CCCCCC"/>
+                </a:solidFill>
+                <a:latin typeface="Consolas" panose="020B0609020204030204" pitchFamily="49" charset="0"/>
+              </a:rPr>
+              <a:t>	</a:t>
+            </a:r>
+            <a:r>
+              <a:rPr kumimoji="0" lang="fr-FR" altLang="fr-FR" sz="1400" b="0" i="0" u="none" strike="noStrike" cap="none" normalizeH="0" baseline="0" dirty="0" err="1">
+                <a:ln>
+                  <a:noFill/>
+                </a:ln>
+                <a:solidFill>
+                  <a:srgbClr val="CCCCCC"/>
+                </a:solidFill>
+                <a:effectLst/>
+                <a:latin typeface="Consolas" panose="020B0609020204030204" pitchFamily="49" charset="0"/>
+              </a:rPr>
+              <a:t>now</a:t>
+            </a:r>
+            <a:r>
+              <a:rPr kumimoji="0" lang="fr-FR" altLang="fr-FR" sz="1400" b="0" i="0" u="none" strike="noStrike" cap="none" normalizeH="0" baseline="0" dirty="0">
+                <a:ln>
+                  <a:noFill/>
+                </a:ln>
+                <a:solidFill>
+                  <a:srgbClr val="CCCCCC"/>
+                </a:solidFill>
+                <a:effectLst/>
+                <a:latin typeface="Consolas" panose="020B0609020204030204" pitchFamily="49" charset="0"/>
+              </a:rPr>
+              <a:t> </a:t>
+            </a:r>
+            <a:r>
+              <a:rPr kumimoji="0" lang="fr-FR" altLang="fr-FR" sz="1400" b="0" i="0" u="none" strike="noStrike" cap="none" normalizeH="0" baseline="0" dirty="0">
+                <a:ln>
+                  <a:noFill/>
+                </a:ln>
+                <a:solidFill>
+                  <a:srgbClr val="67CDCC"/>
+                </a:solidFill>
+                <a:effectLst/>
+                <a:latin typeface="Consolas" panose="020B0609020204030204" pitchFamily="49" charset="0"/>
+              </a:rPr>
+              <a:t>:=</a:t>
+            </a:r>
+            <a:r>
+              <a:rPr kumimoji="0" lang="fr-FR" altLang="fr-FR" sz="1400" b="0" i="0" u="none" strike="noStrike" cap="none" normalizeH="0" baseline="0" dirty="0">
+                <a:ln>
+                  <a:noFill/>
+                </a:ln>
+                <a:solidFill>
+                  <a:srgbClr val="CCCCCC"/>
+                </a:solidFill>
+                <a:effectLst/>
+                <a:latin typeface="Consolas" panose="020B0609020204030204" pitchFamily="49" charset="0"/>
+              </a:rPr>
+              <a:t> </a:t>
+            </a:r>
+            <a:r>
+              <a:rPr kumimoji="0" lang="fr-FR" altLang="fr-FR" sz="1400" b="0" i="0" u="none" strike="noStrike" cap="none" normalizeH="0" baseline="0" dirty="0" err="1">
+                <a:ln>
+                  <a:noFill/>
+                </a:ln>
+                <a:solidFill>
+                  <a:srgbClr val="CCCCCC"/>
+                </a:solidFill>
+                <a:effectLst/>
+                <a:latin typeface="Consolas" panose="020B0609020204030204" pitchFamily="49" charset="0"/>
+              </a:rPr>
+              <a:t>time.</a:t>
+            </a:r>
+            <a:r>
+              <a:rPr kumimoji="0" lang="fr-FR" altLang="fr-FR" sz="1400" b="0" i="0" u="none" strike="noStrike" cap="none" normalizeH="0" baseline="0" dirty="0" err="1">
+                <a:ln>
+                  <a:noFill/>
+                </a:ln>
+                <a:solidFill>
+                  <a:srgbClr val="F08D49"/>
+                </a:solidFill>
+                <a:effectLst/>
+                <a:latin typeface="Consolas" panose="020B0609020204030204" pitchFamily="49" charset="0"/>
+              </a:rPr>
+              <a:t>Now</a:t>
+            </a:r>
+            <a:r>
+              <a:rPr kumimoji="0" lang="fr-FR" altLang="fr-FR" sz="1400" b="0" i="0" u="none" strike="noStrike" cap="none" normalizeH="0" baseline="0" dirty="0">
+                <a:ln>
+                  <a:noFill/>
+                </a:ln>
+                <a:solidFill>
+                  <a:srgbClr val="CCCCCC"/>
+                </a:solidFill>
+                <a:effectLst/>
+                <a:latin typeface="Consolas" panose="020B0609020204030204" pitchFamily="49" charset="0"/>
+              </a:rPr>
+              <a:t>() </a:t>
+            </a:r>
+          </a:p>
+          <a:p>
+            <a:pPr marL="0" marR="0" lvl="0" indent="0" algn="l" defTabSz="914400" rtl="0" eaLnBrk="0" fontAlgn="base" latinLnBrk="0" hangingPunct="0">
+              <a:lnSpc>
+                <a:spcPct val="100000"/>
+              </a:lnSpc>
+              <a:spcBef>
+                <a:spcPct val="0"/>
+              </a:spcBef>
+              <a:spcAft>
+                <a:spcPct val="0"/>
+              </a:spcAft>
+              <a:buClrTx/>
+              <a:buSzTx/>
+              <a:buFontTx/>
+              <a:buNone/>
+              <a:tabLst/>
+            </a:pPr>
+            <a:r>
+              <a:rPr lang="fr-FR" altLang="fr-FR" sz="1400" dirty="0">
+                <a:solidFill>
+                  <a:srgbClr val="CCCCCC"/>
+                </a:solidFill>
+                <a:latin typeface="Consolas" panose="020B0609020204030204" pitchFamily="49" charset="0"/>
+              </a:rPr>
+              <a:t>	</a:t>
+            </a:r>
+            <a:r>
+              <a:rPr kumimoji="0" lang="fr-FR" altLang="fr-FR" sz="1400" b="0" i="0" u="none" strike="noStrike" cap="none" normalizeH="0" baseline="0" dirty="0" err="1">
+                <a:ln>
+                  <a:noFill/>
+                </a:ln>
+                <a:solidFill>
+                  <a:srgbClr val="CCCCCC"/>
+                </a:solidFill>
+                <a:effectLst/>
+                <a:latin typeface="Consolas" panose="020B0609020204030204" pitchFamily="49" charset="0"/>
+              </a:rPr>
+              <a:t>ch</a:t>
+            </a:r>
+            <a:r>
+              <a:rPr kumimoji="0" lang="fr-FR" altLang="fr-FR" sz="1400" b="0" i="0" u="none" strike="noStrike" cap="none" normalizeH="0" baseline="0" dirty="0">
+                <a:ln>
+                  <a:noFill/>
+                </a:ln>
+                <a:solidFill>
+                  <a:srgbClr val="CCCCCC"/>
+                </a:solidFill>
+                <a:effectLst/>
+                <a:latin typeface="Consolas" panose="020B0609020204030204" pitchFamily="49" charset="0"/>
+              </a:rPr>
+              <a:t> </a:t>
+            </a:r>
+            <a:r>
+              <a:rPr kumimoji="0" lang="fr-FR" altLang="fr-FR" sz="1400" b="0" i="0" u="none" strike="noStrike" cap="none" normalizeH="0" baseline="0" dirty="0">
+                <a:ln>
+                  <a:noFill/>
+                </a:ln>
+                <a:solidFill>
+                  <a:srgbClr val="67CDCC"/>
+                </a:solidFill>
+                <a:effectLst/>
+                <a:latin typeface="Consolas" panose="020B0609020204030204" pitchFamily="49" charset="0"/>
+              </a:rPr>
+              <a:t>:=</a:t>
+            </a:r>
+            <a:r>
+              <a:rPr kumimoji="0" lang="fr-FR" altLang="fr-FR" sz="1400" b="0" i="0" u="none" strike="noStrike" cap="none" normalizeH="0" baseline="0" dirty="0">
+                <a:ln>
+                  <a:noFill/>
+                </a:ln>
+                <a:solidFill>
+                  <a:srgbClr val="CCCCCC"/>
+                </a:solidFill>
+                <a:effectLst/>
+                <a:latin typeface="Consolas" panose="020B0609020204030204" pitchFamily="49" charset="0"/>
+              </a:rPr>
+              <a:t> </a:t>
+            </a:r>
+            <a:r>
+              <a:rPr kumimoji="0" lang="fr-FR" altLang="fr-FR" sz="1400" b="0" i="0" u="none" strike="noStrike" cap="none" normalizeH="0" baseline="0" dirty="0" err="1">
+                <a:ln>
+                  <a:noFill/>
+                </a:ln>
+                <a:solidFill>
+                  <a:srgbClr val="F08D49"/>
+                </a:solidFill>
+                <a:effectLst/>
+                <a:latin typeface="Consolas" panose="020B0609020204030204" pitchFamily="49" charset="0"/>
+              </a:rPr>
+              <a:t>make</a:t>
+            </a:r>
+            <a:r>
+              <a:rPr kumimoji="0" lang="fr-FR" altLang="fr-FR" sz="1400" b="0" i="0" u="none" strike="noStrike" cap="none" normalizeH="0" baseline="0" dirty="0">
+                <a:ln>
+                  <a:noFill/>
+                </a:ln>
+                <a:solidFill>
+                  <a:srgbClr val="CCCCCC"/>
+                </a:solidFill>
+                <a:effectLst/>
+                <a:latin typeface="Consolas" panose="020B0609020204030204" pitchFamily="49" charset="0"/>
+              </a:rPr>
+              <a:t>(</a:t>
+            </a:r>
+            <a:r>
+              <a:rPr kumimoji="0" lang="fr-FR" altLang="fr-FR" sz="1400" b="0" i="0" u="none" strike="noStrike" cap="none" normalizeH="0" baseline="0" dirty="0">
+                <a:ln>
+                  <a:noFill/>
+                </a:ln>
+                <a:solidFill>
+                  <a:srgbClr val="CC99CD"/>
+                </a:solidFill>
+                <a:effectLst/>
+                <a:latin typeface="Consolas" panose="020B0609020204030204" pitchFamily="49" charset="0"/>
+              </a:rPr>
+              <a:t>chan</a:t>
+            </a:r>
+            <a:r>
+              <a:rPr kumimoji="0" lang="fr-FR" altLang="fr-FR" sz="1400" b="0" i="0" u="none" strike="noStrike" cap="none" normalizeH="0" baseline="0" dirty="0">
+                <a:ln>
+                  <a:noFill/>
+                </a:ln>
+                <a:solidFill>
+                  <a:srgbClr val="CCCCCC"/>
+                </a:solidFill>
+                <a:effectLst/>
+                <a:latin typeface="Consolas" panose="020B0609020204030204" pitchFamily="49" charset="0"/>
+              </a:rPr>
+              <a:t> </a:t>
+            </a:r>
+            <a:r>
+              <a:rPr kumimoji="0" lang="fr-FR" altLang="fr-FR" sz="1400" b="0" i="0" u="none" strike="noStrike" cap="none" normalizeH="0" baseline="0" dirty="0" err="1">
+                <a:ln>
+                  <a:noFill/>
+                </a:ln>
+                <a:solidFill>
+                  <a:srgbClr val="CC99CD"/>
+                </a:solidFill>
+                <a:effectLst/>
+                <a:latin typeface="Consolas" panose="020B0609020204030204" pitchFamily="49" charset="0"/>
+              </a:rPr>
+              <a:t>int</a:t>
+            </a:r>
+            <a:r>
+              <a:rPr kumimoji="0" lang="fr-FR" altLang="fr-FR" sz="1400" b="0" i="0" u="none" strike="noStrike" cap="none" normalizeH="0" baseline="0" dirty="0">
+                <a:ln>
+                  <a:noFill/>
+                </a:ln>
+                <a:solidFill>
+                  <a:srgbClr val="CCCCCC"/>
+                </a:solidFill>
+                <a:effectLst/>
+                <a:latin typeface="Consolas" panose="020B0609020204030204" pitchFamily="49" charset="0"/>
+              </a:rPr>
+              <a:t>) </a:t>
+            </a:r>
+          </a:p>
+          <a:p>
+            <a:pPr marL="0" marR="0" lvl="0" indent="0" algn="l" defTabSz="914400" rtl="0" eaLnBrk="0" fontAlgn="base" latinLnBrk="0" hangingPunct="0">
+              <a:lnSpc>
+                <a:spcPct val="100000"/>
+              </a:lnSpc>
+              <a:spcBef>
+                <a:spcPct val="0"/>
+              </a:spcBef>
+              <a:spcAft>
+                <a:spcPct val="0"/>
+              </a:spcAft>
+              <a:buClrTx/>
+              <a:buSzTx/>
+              <a:buFontTx/>
+              <a:buNone/>
+              <a:tabLst/>
+            </a:pPr>
+            <a:r>
+              <a:rPr lang="fr-FR" altLang="fr-FR" sz="1400" dirty="0">
+                <a:solidFill>
+                  <a:srgbClr val="CCCCCC"/>
+                </a:solidFill>
+                <a:latin typeface="Consolas" panose="020B0609020204030204" pitchFamily="49" charset="0"/>
+              </a:rPr>
+              <a:t>	</a:t>
+            </a:r>
+            <a:r>
+              <a:rPr kumimoji="0" lang="fr-FR" altLang="fr-FR" sz="1400" b="0" i="0" u="none" strike="noStrike" cap="none" normalizeH="0" baseline="0" dirty="0">
+                <a:ln>
+                  <a:noFill/>
+                </a:ln>
+                <a:solidFill>
+                  <a:srgbClr val="999999"/>
+                </a:solidFill>
+                <a:effectLst/>
+                <a:latin typeface="Consolas" panose="020B0609020204030204" pitchFamily="49" charset="0"/>
+              </a:rPr>
+              <a:t>// 5 expéditeurs</a:t>
+            </a:r>
+            <a:r>
+              <a:rPr kumimoji="0" lang="fr-FR" altLang="fr-FR" sz="1400" b="0" i="0" u="none" strike="noStrike" cap="none" normalizeH="0" baseline="0" dirty="0">
+                <a:ln>
+                  <a:noFill/>
+                </a:ln>
+                <a:solidFill>
+                  <a:srgbClr val="CCCCCC"/>
+                </a:solidFill>
+                <a:effectLst/>
+                <a:latin typeface="Consolas" panose="020B0609020204030204" pitchFamily="49" charset="0"/>
+              </a:rPr>
+              <a:t> </a:t>
+            </a:r>
+          </a:p>
+          <a:p>
+            <a:pPr marL="0" marR="0" lvl="0" indent="0" algn="l" defTabSz="914400" rtl="0" eaLnBrk="0" fontAlgn="base" latinLnBrk="0" hangingPunct="0">
+              <a:lnSpc>
+                <a:spcPct val="100000"/>
+              </a:lnSpc>
+              <a:spcBef>
+                <a:spcPct val="0"/>
+              </a:spcBef>
+              <a:spcAft>
+                <a:spcPct val="0"/>
+              </a:spcAft>
+              <a:buClrTx/>
+              <a:buSzTx/>
+              <a:buFontTx/>
+              <a:buNone/>
+              <a:tabLst/>
+            </a:pPr>
+            <a:r>
+              <a:rPr lang="fr-FR" altLang="fr-FR" sz="1400" dirty="0">
+                <a:solidFill>
+                  <a:srgbClr val="CCCCCC"/>
+                </a:solidFill>
+                <a:latin typeface="Consolas" panose="020B0609020204030204" pitchFamily="49" charset="0"/>
+              </a:rPr>
+              <a:t>	</a:t>
+            </a:r>
+            <a:r>
+              <a:rPr kumimoji="0" lang="fr-FR" altLang="fr-FR" sz="1400" b="0" i="0" u="none" strike="noStrike" cap="none" normalizeH="0" baseline="0" dirty="0">
+                <a:ln>
+                  <a:noFill/>
+                </a:ln>
+                <a:solidFill>
+                  <a:srgbClr val="CC99CD"/>
+                </a:solidFill>
+                <a:effectLst/>
+                <a:latin typeface="Consolas" panose="020B0609020204030204" pitchFamily="49" charset="0"/>
+              </a:rPr>
+              <a:t>for</a:t>
+            </a:r>
+            <a:r>
+              <a:rPr kumimoji="0" lang="fr-FR" altLang="fr-FR" sz="1400" b="0" i="0" u="none" strike="noStrike" cap="none" normalizeH="0" baseline="0" dirty="0">
+                <a:ln>
+                  <a:noFill/>
+                </a:ln>
+                <a:solidFill>
+                  <a:srgbClr val="CCCCCC"/>
+                </a:solidFill>
+                <a:effectLst/>
+                <a:latin typeface="Consolas" panose="020B0609020204030204" pitchFamily="49" charset="0"/>
+              </a:rPr>
+              <a:t> j </a:t>
+            </a:r>
+            <a:r>
+              <a:rPr kumimoji="0" lang="fr-FR" altLang="fr-FR" sz="1400" b="0" i="0" u="none" strike="noStrike" cap="none" normalizeH="0" baseline="0" dirty="0">
+                <a:ln>
+                  <a:noFill/>
+                </a:ln>
+                <a:solidFill>
+                  <a:srgbClr val="67CDCC"/>
+                </a:solidFill>
+                <a:effectLst/>
+                <a:latin typeface="Consolas" panose="020B0609020204030204" pitchFamily="49" charset="0"/>
+              </a:rPr>
+              <a:t>:=</a:t>
+            </a:r>
+            <a:r>
+              <a:rPr kumimoji="0" lang="fr-FR" altLang="fr-FR" sz="1400" b="0" i="0" u="none" strike="noStrike" cap="none" normalizeH="0" baseline="0" dirty="0">
+                <a:ln>
+                  <a:noFill/>
+                </a:ln>
+                <a:solidFill>
+                  <a:srgbClr val="CCCCCC"/>
+                </a:solidFill>
+                <a:effectLst/>
+                <a:latin typeface="Consolas" panose="020B0609020204030204" pitchFamily="49" charset="0"/>
+              </a:rPr>
+              <a:t> </a:t>
+            </a:r>
+            <a:r>
+              <a:rPr kumimoji="0" lang="fr-FR" altLang="fr-FR" sz="1400" b="0" i="0" u="none" strike="noStrike" cap="none" normalizeH="0" baseline="0" dirty="0">
+                <a:ln>
+                  <a:noFill/>
+                </a:ln>
+                <a:solidFill>
+                  <a:srgbClr val="F08D49"/>
+                </a:solidFill>
+                <a:effectLst/>
+                <a:latin typeface="Consolas" panose="020B0609020204030204" pitchFamily="49" charset="0"/>
+              </a:rPr>
+              <a:t>0</a:t>
+            </a:r>
+            <a:r>
+              <a:rPr kumimoji="0" lang="fr-FR" altLang="fr-FR" sz="1400" b="0" i="0" u="none" strike="noStrike" cap="none" normalizeH="0" baseline="0" dirty="0">
+                <a:ln>
+                  <a:noFill/>
+                </a:ln>
+                <a:solidFill>
+                  <a:srgbClr val="CCCCCC"/>
+                </a:solidFill>
+                <a:effectLst/>
+                <a:latin typeface="Consolas" panose="020B0609020204030204" pitchFamily="49" charset="0"/>
+              </a:rPr>
+              <a:t>; j </a:t>
+            </a:r>
+            <a:r>
+              <a:rPr kumimoji="0" lang="fr-FR" altLang="fr-FR" sz="1400" b="0" i="0" u="none" strike="noStrike" cap="none" normalizeH="0" baseline="0" dirty="0">
+                <a:ln>
+                  <a:noFill/>
+                </a:ln>
+                <a:solidFill>
+                  <a:srgbClr val="67CDCC"/>
+                </a:solidFill>
+                <a:effectLst/>
+                <a:latin typeface="Consolas" panose="020B0609020204030204" pitchFamily="49" charset="0"/>
+              </a:rPr>
+              <a:t>&lt;</a:t>
+            </a:r>
+            <a:r>
+              <a:rPr kumimoji="0" lang="fr-FR" altLang="fr-FR" sz="1400" b="0" i="0" u="none" strike="noStrike" cap="none" normalizeH="0" baseline="0" dirty="0">
+                <a:ln>
+                  <a:noFill/>
+                </a:ln>
+                <a:solidFill>
+                  <a:srgbClr val="CCCCCC"/>
+                </a:solidFill>
+                <a:effectLst/>
+                <a:latin typeface="Consolas" panose="020B0609020204030204" pitchFamily="49" charset="0"/>
+              </a:rPr>
+              <a:t> </a:t>
+            </a:r>
+            <a:r>
+              <a:rPr kumimoji="0" lang="fr-FR" altLang="fr-FR" sz="1400" b="0" i="0" u="none" strike="noStrike" cap="none" normalizeH="0" baseline="0" dirty="0">
+                <a:ln>
+                  <a:noFill/>
+                </a:ln>
+                <a:solidFill>
+                  <a:srgbClr val="F08D49"/>
+                </a:solidFill>
+                <a:effectLst/>
+                <a:latin typeface="Consolas" panose="020B0609020204030204" pitchFamily="49" charset="0"/>
+              </a:rPr>
+              <a:t>5</a:t>
+            </a:r>
+            <a:r>
+              <a:rPr kumimoji="0" lang="fr-FR" altLang="fr-FR" sz="1400" b="0" i="0" u="none" strike="noStrike" cap="none" normalizeH="0" baseline="0" dirty="0">
+                <a:ln>
+                  <a:noFill/>
+                </a:ln>
+                <a:solidFill>
+                  <a:srgbClr val="CCCCCC"/>
+                </a:solidFill>
+                <a:effectLst/>
+                <a:latin typeface="Consolas" panose="020B0609020204030204" pitchFamily="49" charset="0"/>
+              </a:rPr>
+              <a:t>; </a:t>
+            </a:r>
+          </a:p>
+          <a:p>
+            <a:pPr marL="0" marR="0" lvl="0" indent="0" algn="l" defTabSz="914400" rtl="0" eaLnBrk="0" fontAlgn="base" latinLnBrk="0" hangingPunct="0">
+              <a:lnSpc>
+                <a:spcPct val="100000"/>
+              </a:lnSpc>
+              <a:spcBef>
+                <a:spcPct val="0"/>
+              </a:spcBef>
+              <a:spcAft>
+                <a:spcPct val="0"/>
+              </a:spcAft>
+              <a:buClrTx/>
+              <a:buSzTx/>
+              <a:buFontTx/>
+              <a:buNone/>
+              <a:tabLst/>
+            </a:pPr>
+            <a:r>
+              <a:rPr lang="fr-FR" altLang="fr-FR" sz="1400" dirty="0">
+                <a:solidFill>
+                  <a:srgbClr val="CCCCCC"/>
+                </a:solidFill>
+                <a:latin typeface="Consolas" panose="020B0609020204030204" pitchFamily="49" charset="0"/>
+              </a:rPr>
+              <a:t>	</a:t>
+            </a:r>
+            <a:r>
+              <a:rPr kumimoji="0" lang="fr-FR" altLang="fr-FR" sz="1400" b="0" i="0" u="none" strike="noStrike" cap="none" normalizeH="0" baseline="0" dirty="0" err="1">
+                <a:ln>
+                  <a:noFill/>
+                </a:ln>
+                <a:solidFill>
+                  <a:srgbClr val="CCCCCC"/>
+                </a:solidFill>
+                <a:effectLst/>
+                <a:latin typeface="Consolas" panose="020B0609020204030204" pitchFamily="49" charset="0"/>
+              </a:rPr>
+              <a:t>j</a:t>
+            </a:r>
+            <a:r>
+              <a:rPr kumimoji="0" lang="fr-FR" altLang="fr-FR" sz="1400" b="0" i="0" u="none" strike="noStrike" cap="none" normalizeH="0" baseline="0" dirty="0" err="1">
+                <a:ln>
+                  <a:noFill/>
+                </a:ln>
+                <a:solidFill>
+                  <a:srgbClr val="67CDCC"/>
+                </a:solidFill>
+                <a:effectLst/>
+                <a:latin typeface="Consolas" panose="020B0609020204030204" pitchFamily="49" charset="0"/>
+              </a:rPr>
+              <a:t>++</a:t>
+            </a:r>
+            <a:r>
+              <a:rPr kumimoji="0" lang="fr-FR" altLang="fr-FR" sz="1400" b="0" i="0" u="none" strike="noStrike" cap="none" normalizeH="0" baseline="0" dirty="0">
+                <a:ln>
+                  <a:noFill/>
+                </a:ln>
+                <a:solidFill>
+                  <a:srgbClr val="CCCCCC"/>
+                </a:solidFill>
+                <a:effectLst/>
+                <a:latin typeface="Consolas" panose="020B0609020204030204" pitchFamily="49" charset="0"/>
+              </a:rPr>
+              <a:t> { </a:t>
+            </a:r>
+          </a:p>
+          <a:p>
+            <a:pPr marL="0" marR="0" lvl="0" indent="0" algn="l" defTabSz="914400" rtl="0" eaLnBrk="0" fontAlgn="base" latinLnBrk="0" hangingPunct="0">
+              <a:lnSpc>
+                <a:spcPct val="100000"/>
+              </a:lnSpc>
+              <a:spcBef>
+                <a:spcPct val="0"/>
+              </a:spcBef>
+              <a:spcAft>
+                <a:spcPct val="0"/>
+              </a:spcAft>
+              <a:buClrTx/>
+              <a:buSzTx/>
+              <a:buFontTx/>
+              <a:buNone/>
+              <a:tabLst/>
+            </a:pPr>
+            <a:r>
+              <a:rPr lang="fr-FR" altLang="fr-FR" sz="1400" dirty="0">
+                <a:solidFill>
+                  <a:srgbClr val="CCCCCC"/>
+                </a:solidFill>
+                <a:latin typeface="Consolas" panose="020B0609020204030204" pitchFamily="49" charset="0"/>
+              </a:rPr>
+              <a:t>		</a:t>
+            </a:r>
+            <a:r>
+              <a:rPr kumimoji="0" lang="fr-FR" altLang="fr-FR" sz="1400" b="0" i="0" u="none" strike="noStrike" cap="none" normalizeH="0" baseline="0" dirty="0" err="1">
+                <a:ln>
+                  <a:noFill/>
+                </a:ln>
+                <a:solidFill>
+                  <a:srgbClr val="CCCCCC"/>
+                </a:solidFill>
+                <a:effectLst/>
+                <a:latin typeface="Consolas" panose="020B0609020204030204" pitchFamily="49" charset="0"/>
+              </a:rPr>
+              <a:t>wg.</a:t>
+            </a:r>
+            <a:r>
+              <a:rPr kumimoji="0" lang="fr-FR" altLang="fr-FR" sz="1400" b="0" i="0" u="none" strike="noStrike" cap="none" normalizeH="0" baseline="0" dirty="0" err="1">
+                <a:ln>
+                  <a:noFill/>
+                </a:ln>
+                <a:solidFill>
+                  <a:srgbClr val="F08D49"/>
+                </a:solidFill>
+                <a:effectLst/>
+                <a:latin typeface="Consolas" panose="020B0609020204030204" pitchFamily="49" charset="0"/>
+              </a:rPr>
+              <a:t>Add</a:t>
+            </a:r>
+            <a:r>
+              <a:rPr kumimoji="0" lang="fr-FR" altLang="fr-FR" sz="1400" b="0" i="0" u="none" strike="noStrike" cap="none" normalizeH="0" baseline="0" dirty="0">
+                <a:ln>
+                  <a:noFill/>
+                </a:ln>
+                <a:solidFill>
+                  <a:srgbClr val="CCCCCC"/>
+                </a:solidFill>
+                <a:effectLst/>
+                <a:latin typeface="Consolas" panose="020B0609020204030204" pitchFamily="49" charset="0"/>
+              </a:rPr>
+              <a:t>(</a:t>
+            </a:r>
+            <a:r>
+              <a:rPr kumimoji="0" lang="fr-FR" altLang="fr-FR" sz="1400" b="0" i="0" u="none" strike="noStrike" cap="none" normalizeH="0" baseline="0" dirty="0">
+                <a:ln>
+                  <a:noFill/>
+                </a:ln>
+                <a:solidFill>
+                  <a:srgbClr val="F08D49"/>
+                </a:solidFill>
+                <a:effectLst/>
+                <a:latin typeface="Consolas" panose="020B0609020204030204" pitchFamily="49" charset="0"/>
+              </a:rPr>
+              <a:t>1</a:t>
+            </a:r>
+            <a:r>
+              <a:rPr kumimoji="0" lang="fr-FR" altLang="fr-FR" sz="1400" b="0" i="0" u="none" strike="noStrike" cap="none" normalizeH="0" baseline="0" dirty="0">
+                <a:ln>
+                  <a:noFill/>
+                </a:ln>
+                <a:solidFill>
+                  <a:srgbClr val="CCCCCC"/>
+                </a:solidFill>
+                <a:effectLst/>
+                <a:latin typeface="Consolas" panose="020B0609020204030204" pitchFamily="49" charset="0"/>
+              </a:rPr>
+              <a:t>) </a:t>
+            </a:r>
+          </a:p>
+          <a:p>
+            <a:pPr marL="0" marR="0" lvl="0" indent="0" algn="l" defTabSz="914400" rtl="0" eaLnBrk="0" fontAlgn="base" latinLnBrk="0" hangingPunct="0">
+              <a:lnSpc>
+                <a:spcPct val="100000"/>
+              </a:lnSpc>
+              <a:spcBef>
+                <a:spcPct val="0"/>
+              </a:spcBef>
+              <a:spcAft>
+                <a:spcPct val="0"/>
+              </a:spcAft>
+              <a:buClrTx/>
+              <a:buSzTx/>
+              <a:buFontTx/>
+              <a:buNone/>
+              <a:tabLst/>
+            </a:pPr>
+            <a:r>
+              <a:rPr lang="fr-FR" altLang="fr-FR" sz="1400" dirty="0">
+                <a:solidFill>
+                  <a:srgbClr val="CCCCCC"/>
+                </a:solidFill>
+                <a:latin typeface="Consolas" panose="020B0609020204030204" pitchFamily="49" charset="0"/>
+              </a:rPr>
+              <a:t>		</a:t>
+            </a:r>
+            <a:r>
+              <a:rPr kumimoji="0" lang="fr-FR" altLang="fr-FR" sz="1400" b="0" i="0" u="none" strike="noStrike" cap="none" normalizeH="0" baseline="0" dirty="0">
+                <a:ln>
+                  <a:noFill/>
+                </a:ln>
+                <a:solidFill>
+                  <a:srgbClr val="CC99CD"/>
+                </a:solidFill>
+                <a:effectLst/>
+                <a:latin typeface="Consolas" panose="020B0609020204030204" pitchFamily="49" charset="0"/>
+              </a:rPr>
+              <a:t>go</a:t>
+            </a:r>
+            <a:r>
+              <a:rPr kumimoji="0" lang="fr-FR" altLang="fr-FR" sz="1400" b="0" i="0" u="none" strike="noStrike" cap="none" normalizeH="0" baseline="0" dirty="0">
+                <a:ln>
+                  <a:noFill/>
+                </a:ln>
+                <a:solidFill>
+                  <a:srgbClr val="CCCCCC"/>
+                </a:solidFill>
+                <a:effectLst/>
+                <a:latin typeface="Consolas" panose="020B0609020204030204" pitchFamily="49" charset="0"/>
+              </a:rPr>
+              <a:t> </a:t>
+            </a:r>
+            <a:r>
+              <a:rPr kumimoji="0" lang="fr-FR" altLang="fr-FR" sz="1400" b="0" i="0" u="none" strike="noStrike" cap="none" normalizeH="0" baseline="0" dirty="0" err="1">
+                <a:ln>
+                  <a:noFill/>
+                </a:ln>
+                <a:solidFill>
+                  <a:srgbClr val="CC99CD"/>
+                </a:solidFill>
+                <a:effectLst/>
+                <a:latin typeface="Consolas" panose="020B0609020204030204" pitchFamily="49" charset="0"/>
+              </a:rPr>
+              <a:t>func</a:t>
+            </a:r>
+            <a:r>
+              <a:rPr kumimoji="0" lang="fr-FR" altLang="fr-FR" sz="1400" b="0" i="0" u="none" strike="noStrike" cap="none" normalizeH="0" baseline="0" dirty="0">
+                <a:ln>
+                  <a:noFill/>
+                </a:ln>
+                <a:solidFill>
+                  <a:srgbClr val="CCCCCC"/>
+                </a:solidFill>
+                <a:effectLst/>
+                <a:latin typeface="Consolas" panose="020B0609020204030204" pitchFamily="49" charset="0"/>
+              </a:rPr>
+              <a:t>() { 						</a:t>
+            </a:r>
+            <a:r>
+              <a:rPr kumimoji="0" lang="fr-FR" altLang="fr-FR" sz="1400" b="0" i="0" u="none" strike="noStrike" cap="none" normalizeH="0" baseline="0" dirty="0" err="1">
+                <a:ln>
+                  <a:noFill/>
+                </a:ln>
+                <a:solidFill>
+                  <a:srgbClr val="CCCCCC"/>
+                </a:solidFill>
+                <a:effectLst/>
+                <a:latin typeface="Consolas" panose="020B0609020204030204" pitchFamily="49" charset="0"/>
+              </a:rPr>
+              <a:t>time.</a:t>
+            </a:r>
+            <a:r>
+              <a:rPr kumimoji="0" lang="fr-FR" altLang="fr-FR" sz="1400" b="0" i="0" u="none" strike="noStrike" cap="none" normalizeH="0" baseline="0" dirty="0" err="1">
+                <a:ln>
+                  <a:noFill/>
+                </a:ln>
+                <a:solidFill>
+                  <a:srgbClr val="F08D49"/>
+                </a:solidFill>
+                <a:effectLst/>
+                <a:latin typeface="Consolas" panose="020B0609020204030204" pitchFamily="49" charset="0"/>
+              </a:rPr>
+              <a:t>Sleep</a:t>
+            </a:r>
+            <a:r>
+              <a:rPr kumimoji="0" lang="fr-FR" altLang="fr-FR" sz="1400" b="0" i="0" u="none" strike="noStrike" cap="none" normalizeH="0" baseline="0" dirty="0">
+                <a:ln>
+                  <a:noFill/>
+                </a:ln>
+                <a:solidFill>
+                  <a:srgbClr val="CCCCCC"/>
+                </a:solidFill>
+                <a:effectLst/>
+                <a:latin typeface="Consolas" panose="020B0609020204030204" pitchFamily="49" charset="0"/>
+              </a:rPr>
+              <a:t>(</a:t>
+            </a:r>
+            <a:r>
+              <a:rPr kumimoji="0" lang="fr-FR" altLang="fr-FR" sz="1400" b="0" i="0" u="none" strike="noStrike" cap="none" normalizeH="0" baseline="0" dirty="0" err="1">
+                <a:ln>
+                  <a:noFill/>
+                </a:ln>
+                <a:solidFill>
+                  <a:srgbClr val="CCCCCC"/>
+                </a:solidFill>
+                <a:effectLst/>
+                <a:latin typeface="Consolas" panose="020B0609020204030204" pitchFamily="49" charset="0"/>
+              </a:rPr>
+              <a:t>time.Second</a:t>
+            </a:r>
+            <a:r>
+              <a:rPr kumimoji="0" lang="fr-FR" altLang="fr-FR" sz="1400" b="0" i="0" u="none" strike="noStrike" cap="none" normalizeH="0" baseline="0" dirty="0">
+                <a:ln>
+                  <a:noFill/>
+                </a:ln>
+                <a:solidFill>
+                  <a:srgbClr val="CCCCCC"/>
+                </a:solidFill>
+                <a:effectLst/>
+                <a:latin typeface="Consolas" panose="020B0609020204030204" pitchFamily="49" charset="0"/>
+              </a:rPr>
+              <a:t> </a:t>
+            </a:r>
+            <a:r>
+              <a:rPr kumimoji="0" lang="fr-FR" altLang="fr-FR" sz="1400" b="0" i="0" u="none" strike="noStrike" cap="none" normalizeH="0" baseline="0" dirty="0">
+                <a:ln>
+                  <a:noFill/>
+                </a:ln>
+                <a:solidFill>
+                  <a:srgbClr val="67CDCC"/>
+                </a:solidFill>
+                <a:effectLst/>
+                <a:latin typeface="Consolas" panose="020B0609020204030204" pitchFamily="49" charset="0"/>
+              </a:rPr>
+              <a:t>*</a:t>
+            </a:r>
+            <a:r>
+              <a:rPr kumimoji="0" lang="fr-FR" altLang="fr-FR" sz="1400" b="0" i="0" u="none" strike="noStrike" cap="none" normalizeH="0" baseline="0" dirty="0">
+                <a:ln>
+                  <a:noFill/>
+                </a:ln>
+                <a:solidFill>
+                  <a:srgbClr val="CCCCCC"/>
+                </a:solidFill>
+                <a:effectLst/>
+                <a:latin typeface="Consolas" panose="020B0609020204030204" pitchFamily="49" charset="0"/>
+              </a:rPr>
+              <a:t> </a:t>
+            </a:r>
+            <a:r>
+              <a:rPr kumimoji="0" lang="fr-FR" altLang="fr-FR" sz="1400" b="0" i="0" u="none" strike="noStrike" cap="none" normalizeH="0" baseline="0" dirty="0">
+                <a:ln>
+                  <a:noFill/>
+                </a:ln>
+                <a:solidFill>
+                  <a:srgbClr val="F08D49"/>
+                </a:solidFill>
+                <a:effectLst/>
+                <a:latin typeface="Consolas" panose="020B0609020204030204" pitchFamily="49" charset="0"/>
+              </a:rPr>
+              <a:t>2</a:t>
+            </a:r>
+            <a:r>
+              <a:rPr kumimoji="0" lang="fr-FR" altLang="fr-FR" sz="1400" b="0" i="0" u="none" strike="noStrike" cap="none" normalizeH="0" baseline="0" dirty="0">
+                <a:ln>
+                  <a:noFill/>
+                </a:ln>
+                <a:solidFill>
+                  <a:srgbClr val="CCCCCC"/>
+                </a:solidFill>
+                <a:effectLst/>
+                <a:latin typeface="Consolas" panose="020B0609020204030204" pitchFamily="49" charset="0"/>
+              </a:rPr>
+              <a:t>)</a:t>
+            </a:r>
+          </a:p>
+          <a:p>
+            <a:pPr marL="0" marR="0" lvl="0" indent="0" algn="l" defTabSz="914400" rtl="0" eaLnBrk="0" fontAlgn="base" latinLnBrk="0" hangingPunct="0">
+              <a:lnSpc>
+                <a:spcPct val="100000"/>
+              </a:lnSpc>
+              <a:spcBef>
+                <a:spcPct val="0"/>
+              </a:spcBef>
+              <a:spcAft>
+                <a:spcPct val="0"/>
+              </a:spcAft>
+              <a:buClrTx/>
+              <a:buSzTx/>
+              <a:buFontTx/>
+              <a:buNone/>
+              <a:tabLst/>
+            </a:pPr>
+            <a:r>
+              <a:rPr lang="fr-FR" altLang="fr-FR" sz="1400" dirty="0">
+                <a:solidFill>
+                  <a:srgbClr val="CCCCCC"/>
+                </a:solidFill>
+                <a:latin typeface="Consolas" panose="020B0609020204030204" pitchFamily="49" charset="0"/>
+              </a:rPr>
+              <a:t>			</a:t>
+            </a:r>
+            <a:r>
+              <a:rPr kumimoji="0" lang="fr-FR" altLang="fr-FR" sz="1400" b="0" i="0" u="none" strike="noStrike" cap="none" normalizeH="0" baseline="0" dirty="0">
+                <a:ln>
+                  <a:noFill/>
+                </a:ln>
+                <a:solidFill>
+                  <a:srgbClr val="CCCCCC"/>
+                </a:solidFill>
+                <a:effectLst/>
+                <a:latin typeface="Consolas" panose="020B0609020204030204" pitchFamily="49" charset="0"/>
+              </a:rPr>
+              <a:t> i </a:t>
+            </a:r>
+            <a:r>
+              <a:rPr kumimoji="0" lang="fr-FR" altLang="fr-FR" sz="1400" b="0" i="0" u="none" strike="noStrike" cap="none" normalizeH="0" baseline="0" dirty="0">
+                <a:ln>
+                  <a:noFill/>
+                </a:ln>
+                <a:solidFill>
+                  <a:srgbClr val="67CDCC"/>
+                </a:solidFill>
+                <a:effectLst/>
+                <a:latin typeface="Consolas" panose="020B0609020204030204" pitchFamily="49" charset="0"/>
+              </a:rPr>
+              <a:t>:=</a:t>
+            </a:r>
+            <a:r>
+              <a:rPr kumimoji="0" lang="fr-FR" altLang="fr-FR" sz="1400" b="0" i="0" u="none" strike="noStrike" cap="none" normalizeH="0" baseline="0" dirty="0">
+                <a:ln>
+                  <a:noFill/>
+                </a:ln>
+                <a:solidFill>
+                  <a:srgbClr val="CCCCCC"/>
+                </a:solidFill>
+                <a:effectLst/>
+                <a:latin typeface="Consolas" panose="020B0609020204030204" pitchFamily="49" charset="0"/>
+              </a:rPr>
+              <a:t> </a:t>
+            </a:r>
+            <a:r>
+              <a:rPr kumimoji="0" lang="fr-FR" altLang="fr-FR" sz="1400" b="0" i="0" u="none" strike="noStrike" cap="none" normalizeH="0" baseline="0" dirty="0">
+                <a:ln>
+                  <a:noFill/>
+                </a:ln>
+                <a:solidFill>
+                  <a:srgbClr val="67CDCC"/>
+                </a:solidFill>
+                <a:effectLst/>
+                <a:latin typeface="Consolas" panose="020B0609020204030204" pitchFamily="49" charset="0"/>
+              </a:rPr>
+              <a:t>&lt;-</a:t>
+            </a:r>
+            <a:r>
+              <a:rPr kumimoji="0" lang="fr-FR" altLang="fr-FR" sz="1400" b="0" i="0" u="none" strike="noStrike" cap="none" normalizeH="0" baseline="0" dirty="0" err="1">
+                <a:ln>
+                  <a:noFill/>
+                </a:ln>
+                <a:solidFill>
+                  <a:srgbClr val="CCCCCC"/>
+                </a:solidFill>
+                <a:effectLst/>
+                <a:latin typeface="Consolas" panose="020B0609020204030204" pitchFamily="49" charset="0"/>
+              </a:rPr>
+              <a:t>ch</a:t>
+            </a:r>
+            <a:r>
+              <a:rPr kumimoji="0" lang="fr-FR" altLang="fr-FR" sz="1400" b="0" i="0" u="none" strike="noStrike" cap="none" normalizeH="0" baseline="0" dirty="0">
+                <a:ln>
+                  <a:noFill/>
+                </a:ln>
+                <a:solidFill>
+                  <a:srgbClr val="CCCCCC"/>
+                </a:solidFill>
+                <a:effectLst/>
+                <a:latin typeface="Consolas" panose="020B0609020204030204" pitchFamily="49" charset="0"/>
+              </a:rPr>
+              <a:t> </a:t>
+            </a:r>
+          </a:p>
+          <a:p>
+            <a:pPr marL="0" marR="0" lvl="0" indent="0" algn="l" defTabSz="914400" rtl="0" eaLnBrk="0" fontAlgn="base" latinLnBrk="0" hangingPunct="0">
+              <a:lnSpc>
+                <a:spcPct val="100000"/>
+              </a:lnSpc>
+              <a:spcBef>
+                <a:spcPct val="0"/>
+              </a:spcBef>
+              <a:spcAft>
+                <a:spcPct val="0"/>
+              </a:spcAft>
+              <a:buClrTx/>
+              <a:buSzTx/>
+              <a:buFontTx/>
+              <a:buNone/>
+              <a:tabLst/>
+            </a:pPr>
+            <a:r>
+              <a:rPr lang="fr-FR" altLang="fr-FR" sz="1400" dirty="0">
+                <a:solidFill>
+                  <a:srgbClr val="CCCCCC"/>
+                </a:solidFill>
+                <a:latin typeface="Consolas" panose="020B0609020204030204" pitchFamily="49" charset="0"/>
+              </a:rPr>
+              <a:t>			</a:t>
+            </a:r>
+            <a:r>
+              <a:rPr kumimoji="0" lang="fr-FR" altLang="fr-FR" sz="1400" b="0" i="0" u="none" strike="noStrike" cap="none" normalizeH="0" baseline="0" dirty="0" err="1">
+                <a:ln>
+                  <a:noFill/>
+                </a:ln>
+                <a:solidFill>
+                  <a:srgbClr val="CCCCCC"/>
+                </a:solidFill>
+                <a:effectLst/>
+                <a:latin typeface="Consolas" panose="020B0609020204030204" pitchFamily="49" charset="0"/>
+              </a:rPr>
+              <a:t>fmt.</a:t>
+            </a:r>
+            <a:r>
+              <a:rPr kumimoji="0" lang="fr-FR" altLang="fr-FR" sz="1400" b="0" i="0" u="none" strike="noStrike" cap="none" normalizeH="0" baseline="0" dirty="0" err="1">
+                <a:ln>
+                  <a:noFill/>
+                </a:ln>
+                <a:solidFill>
+                  <a:srgbClr val="F08D49"/>
+                </a:solidFill>
+                <a:effectLst/>
+                <a:latin typeface="Consolas" panose="020B0609020204030204" pitchFamily="49" charset="0"/>
+              </a:rPr>
+              <a:t>Println</a:t>
+            </a:r>
+            <a:r>
+              <a:rPr kumimoji="0" lang="fr-FR" altLang="fr-FR" sz="1400" b="0" i="0" u="none" strike="noStrike" cap="none" normalizeH="0" baseline="0" dirty="0">
+                <a:ln>
+                  <a:noFill/>
+                </a:ln>
+                <a:solidFill>
+                  <a:srgbClr val="CCCCCC"/>
+                </a:solidFill>
+                <a:effectLst/>
+                <a:latin typeface="Consolas" panose="020B0609020204030204" pitchFamily="49" charset="0"/>
+              </a:rPr>
+              <a:t>(i) </a:t>
+            </a:r>
+          </a:p>
+          <a:p>
+            <a:pPr marL="0" marR="0" lvl="0" indent="0" algn="l" defTabSz="914400" rtl="0" eaLnBrk="0" fontAlgn="base" latinLnBrk="0" hangingPunct="0">
+              <a:lnSpc>
+                <a:spcPct val="100000"/>
+              </a:lnSpc>
+              <a:spcBef>
+                <a:spcPct val="0"/>
+              </a:spcBef>
+              <a:spcAft>
+                <a:spcPct val="0"/>
+              </a:spcAft>
+              <a:buClrTx/>
+              <a:buSzTx/>
+              <a:buFontTx/>
+              <a:buNone/>
+              <a:tabLst/>
+            </a:pPr>
+            <a:r>
+              <a:rPr lang="fr-FR" altLang="fr-FR" sz="1400" dirty="0">
+                <a:solidFill>
+                  <a:srgbClr val="CCCCCC"/>
+                </a:solidFill>
+                <a:latin typeface="Consolas" panose="020B0609020204030204" pitchFamily="49" charset="0"/>
+              </a:rPr>
+              <a:t>			</a:t>
+            </a:r>
+            <a:r>
+              <a:rPr kumimoji="0" lang="fr-FR" altLang="fr-FR" sz="1400" b="0" i="0" u="none" strike="noStrike" cap="none" normalizeH="0" baseline="0" dirty="0" err="1">
+                <a:ln>
+                  <a:noFill/>
+                </a:ln>
+                <a:solidFill>
+                  <a:srgbClr val="CCCCCC"/>
+                </a:solidFill>
+                <a:effectLst/>
+                <a:latin typeface="Consolas" panose="020B0609020204030204" pitchFamily="49" charset="0"/>
+              </a:rPr>
+              <a:t>wg.</a:t>
+            </a:r>
+            <a:r>
+              <a:rPr kumimoji="0" lang="fr-FR" altLang="fr-FR" sz="1400" b="0" i="0" u="none" strike="noStrike" cap="none" normalizeH="0" baseline="0" dirty="0" err="1">
+                <a:ln>
+                  <a:noFill/>
+                </a:ln>
+                <a:solidFill>
+                  <a:srgbClr val="F08D49"/>
+                </a:solidFill>
+                <a:effectLst/>
+                <a:latin typeface="Consolas" panose="020B0609020204030204" pitchFamily="49" charset="0"/>
+              </a:rPr>
+              <a:t>Done</a:t>
+            </a:r>
+            <a:r>
+              <a:rPr kumimoji="0" lang="fr-FR" altLang="fr-FR" sz="1400" b="0" i="0" u="none" strike="noStrike" cap="none" normalizeH="0" baseline="0" dirty="0">
+                <a:ln>
+                  <a:noFill/>
+                </a:ln>
+                <a:solidFill>
+                  <a:srgbClr val="CCCCCC"/>
+                </a:solidFill>
+                <a:effectLst/>
+                <a:latin typeface="Consolas" panose="020B0609020204030204" pitchFamily="49" charset="0"/>
+              </a:rPr>
+              <a:t>() }() }</a:t>
+            </a:r>
+          </a:p>
+          <a:p>
+            <a:pPr marL="0" marR="0" lvl="0" indent="0" algn="l" defTabSz="914400" rtl="0" eaLnBrk="0" fontAlgn="base" latinLnBrk="0" hangingPunct="0">
+              <a:lnSpc>
+                <a:spcPct val="100000"/>
+              </a:lnSpc>
+              <a:spcBef>
+                <a:spcPct val="0"/>
+              </a:spcBef>
+              <a:spcAft>
+                <a:spcPct val="0"/>
+              </a:spcAft>
+              <a:buClrTx/>
+              <a:buSzTx/>
+              <a:buFontTx/>
+              <a:buNone/>
+              <a:tabLst/>
+            </a:pPr>
+            <a:r>
+              <a:rPr lang="fr-FR" altLang="fr-FR" sz="1400" dirty="0">
+                <a:solidFill>
+                  <a:srgbClr val="CCCCCC"/>
+                </a:solidFill>
+                <a:latin typeface="Consolas" panose="020B0609020204030204" pitchFamily="49" charset="0"/>
+              </a:rPr>
+              <a:t>	</a:t>
+            </a:r>
+            <a:r>
+              <a:rPr kumimoji="0" lang="fr-FR" altLang="fr-FR" sz="1400" b="0" i="0" u="none" strike="noStrike" cap="none" normalizeH="0" baseline="0" dirty="0">
+                <a:ln>
+                  <a:noFill/>
+                </a:ln>
+                <a:solidFill>
+                  <a:srgbClr val="999999"/>
+                </a:solidFill>
+                <a:effectLst/>
+                <a:latin typeface="Consolas" panose="020B0609020204030204" pitchFamily="49" charset="0"/>
+              </a:rPr>
+              <a:t>// 5 récepteurs</a:t>
+            </a:r>
+            <a:r>
+              <a:rPr kumimoji="0" lang="fr-FR" altLang="fr-FR" sz="1400" b="0" i="0" u="none" strike="noStrike" cap="none" normalizeH="0" baseline="0" dirty="0">
+                <a:ln>
+                  <a:noFill/>
+                </a:ln>
+                <a:solidFill>
+                  <a:srgbClr val="CCCCCC"/>
+                </a:solidFill>
+                <a:effectLst/>
+                <a:latin typeface="Consolas" panose="020B0609020204030204" pitchFamily="49" charset="0"/>
+              </a:rPr>
+              <a:t> </a:t>
+            </a:r>
+          </a:p>
+          <a:p>
+            <a:pPr marL="0" marR="0" lvl="0" indent="0" algn="l" defTabSz="914400" rtl="0" eaLnBrk="0" fontAlgn="base" latinLnBrk="0" hangingPunct="0">
+              <a:lnSpc>
+                <a:spcPct val="100000"/>
+              </a:lnSpc>
+              <a:spcBef>
+                <a:spcPct val="0"/>
+              </a:spcBef>
+              <a:spcAft>
+                <a:spcPct val="0"/>
+              </a:spcAft>
+              <a:buClrTx/>
+              <a:buSzTx/>
+              <a:buFontTx/>
+              <a:buNone/>
+              <a:tabLst/>
+            </a:pPr>
+            <a:r>
+              <a:rPr lang="fr-FR" altLang="fr-FR" sz="1400" dirty="0">
+                <a:solidFill>
+                  <a:srgbClr val="CCCCCC"/>
+                </a:solidFill>
+                <a:latin typeface="Consolas" panose="020B0609020204030204" pitchFamily="49" charset="0"/>
+              </a:rPr>
+              <a:t>	</a:t>
+            </a:r>
+            <a:r>
+              <a:rPr kumimoji="0" lang="fr-FR" altLang="fr-FR" sz="1400" b="0" i="0" u="none" strike="noStrike" cap="none" normalizeH="0" baseline="0" dirty="0">
+                <a:ln>
+                  <a:noFill/>
+                </a:ln>
+                <a:solidFill>
+                  <a:srgbClr val="CC99CD"/>
+                </a:solidFill>
+                <a:effectLst/>
+                <a:latin typeface="Consolas" panose="020B0609020204030204" pitchFamily="49" charset="0"/>
+              </a:rPr>
+              <a:t>for</a:t>
+            </a:r>
+            <a:r>
+              <a:rPr kumimoji="0" lang="fr-FR" altLang="fr-FR" sz="1400" b="0" i="0" u="none" strike="noStrike" cap="none" normalizeH="0" baseline="0" dirty="0">
+                <a:ln>
+                  <a:noFill/>
+                </a:ln>
+                <a:solidFill>
+                  <a:srgbClr val="CCCCCC"/>
+                </a:solidFill>
+                <a:effectLst/>
+                <a:latin typeface="Consolas" panose="020B0609020204030204" pitchFamily="49" charset="0"/>
+              </a:rPr>
+              <a:t> j </a:t>
+            </a:r>
+            <a:r>
+              <a:rPr kumimoji="0" lang="fr-FR" altLang="fr-FR" sz="1400" b="0" i="0" u="none" strike="noStrike" cap="none" normalizeH="0" baseline="0" dirty="0">
+                <a:ln>
+                  <a:noFill/>
+                </a:ln>
+                <a:solidFill>
+                  <a:srgbClr val="67CDCC"/>
+                </a:solidFill>
+                <a:effectLst/>
+                <a:latin typeface="Consolas" panose="020B0609020204030204" pitchFamily="49" charset="0"/>
+              </a:rPr>
+              <a:t>:=</a:t>
+            </a:r>
+            <a:r>
+              <a:rPr kumimoji="0" lang="fr-FR" altLang="fr-FR" sz="1400" b="0" i="0" u="none" strike="noStrike" cap="none" normalizeH="0" baseline="0" dirty="0">
+                <a:ln>
+                  <a:noFill/>
+                </a:ln>
+                <a:solidFill>
+                  <a:srgbClr val="CCCCCC"/>
+                </a:solidFill>
+                <a:effectLst/>
+                <a:latin typeface="Consolas" panose="020B0609020204030204" pitchFamily="49" charset="0"/>
+              </a:rPr>
+              <a:t> </a:t>
+            </a:r>
+            <a:r>
+              <a:rPr kumimoji="0" lang="fr-FR" altLang="fr-FR" sz="1400" b="0" i="0" u="none" strike="noStrike" cap="none" normalizeH="0" baseline="0" dirty="0">
+                <a:ln>
+                  <a:noFill/>
+                </a:ln>
+                <a:solidFill>
+                  <a:srgbClr val="F08D49"/>
+                </a:solidFill>
+                <a:effectLst/>
+                <a:latin typeface="Consolas" panose="020B0609020204030204" pitchFamily="49" charset="0"/>
+              </a:rPr>
+              <a:t>0</a:t>
+            </a:r>
+            <a:r>
+              <a:rPr kumimoji="0" lang="fr-FR" altLang="fr-FR" sz="1400" b="0" i="0" u="none" strike="noStrike" cap="none" normalizeH="0" baseline="0" dirty="0">
+                <a:ln>
+                  <a:noFill/>
+                </a:ln>
+                <a:solidFill>
+                  <a:srgbClr val="CCCCCC"/>
+                </a:solidFill>
+                <a:effectLst/>
+                <a:latin typeface="Consolas" panose="020B0609020204030204" pitchFamily="49" charset="0"/>
+              </a:rPr>
+              <a:t>; j </a:t>
+            </a:r>
+            <a:r>
+              <a:rPr kumimoji="0" lang="fr-FR" altLang="fr-FR" sz="1400" b="0" i="0" u="none" strike="noStrike" cap="none" normalizeH="0" baseline="0" dirty="0">
+                <a:ln>
+                  <a:noFill/>
+                </a:ln>
+                <a:solidFill>
+                  <a:srgbClr val="67CDCC"/>
+                </a:solidFill>
+                <a:effectLst/>
+                <a:latin typeface="Consolas" panose="020B0609020204030204" pitchFamily="49" charset="0"/>
+              </a:rPr>
+              <a:t>&lt;</a:t>
+            </a:r>
+            <a:r>
+              <a:rPr kumimoji="0" lang="fr-FR" altLang="fr-FR" sz="1400" b="0" i="0" u="none" strike="noStrike" cap="none" normalizeH="0" baseline="0" dirty="0">
+                <a:ln>
+                  <a:noFill/>
+                </a:ln>
+                <a:solidFill>
+                  <a:srgbClr val="CCCCCC"/>
+                </a:solidFill>
+                <a:effectLst/>
+                <a:latin typeface="Consolas" panose="020B0609020204030204" pitchFamily="49" charset="0"/>
+              </a:rPr>
+              <a:t> </a:t>
+            </a:r>
+            <a:r>
+              <a:rPr kumimoji="0" lang="fr-FR" altLang="fr-FR" sz="1400" b="0" i="0" u="none" strike="noStrike" cap="none" normalizeH="0" baseline="0" dirty="0">
+                <a:ln>
+                  <a:noFill/>
+                </a:ln>
+                <a:solidFill>
+                  <a:srgbClr val="F08D49"/>
+                </a:solidFill>
+                <a:effectLst/>
+                <a:latin typeface="Consolas" panose="020B0609020204030204" pitchFamily="49" charset="0"/>
+              </a:rPr>
+              <a:t>5</a:t>
+            </a:r>
+            <a:r>
+              <a:rPr kumimoji="0" lang="fr-FR" altLang="fr-FR" sz="1400" b="0" i="0" u="none" strike="noStrike" cap="none" normalizeH="0" baseline="0" dirty="0">
+                <a:ln>
+                  <a:noFill/>
+                </a:ln>
+                <a:solidFill>
+                  <a:srgbClr val="CCCCCC"/>
+                </a:solidFill>
+                <a:effectLst/>
+                <a:latin typeface="Consolas" panose="020B0609020204030204" pitchFamily="49" charset="0"/>
+              </a:rPr>
+              <a:t>; </a:t>
+            </a:r>
+            <a:r>
+              <a:rPr kumimoji="0" lang="fr-FR" altLang="fr-FR" sz="1400" b="0" i="0" u="none" strike="noStrike" cap="none" normalizeH="0" baseline="0" dirty="0" err="1">
+                <a:ln>
+                  <a:noFill/>
+                </a:ln>
+                <a:solidFill>
+                  <a:srgbClr val="CCCCCC"/>
+                </a:solidFill>
+                <a:effectLst/>
+                <a:latin typeface="Consolas" panose="020B0609020204030204" pitchFamily="49" charset="0"/>
+              </a:rPr>
+              <a:t>j</a:t>
+            </a:r>
+            <a:r>
+              <a:rPr kumimoji="0" lang="fr-FR" altLang="fr-FR" sz="1400" b="0" i="0" u="none" strike="noStrike" cap="none" normalizeH="0" baseline="0" dirty="0" err="1">
+                <a:ln>
+                  <a:noFill/>
+                </a:ln>
+                <a:solidFill>
+                  <a:srgbClr val="67CDCC"/>
+                </a:solidFill>
+                <a:effectLst/>
+                <a:latin typeface="Consolas" panose="020B0609020204030204" pitchFamily="49" charset="0"/>
+              </a:rPr>
+              <a:t>++</a:t>
+            </a:r>
+            <a:r>
+              <a:rPr kumimoji="0" lang="fr-FR" altLang="fr-FR" sz="1400" b="0" i="0" u="none" strike="noStrike" cap="none" normalizeH="0" baseline="0" dirty="0">
+                <a:ln>
+                  <a:noFill/>
+                </a:ln>
+                <a:solidFill>
+                  <a:srgbClr val="CCCCCC"/>
+                </a:solidFill>
+                <a:effectLst/>
+                <a:latin typeface="Consolas" panose="020B0609020204030204" pitchFamily="49" charset="0"/>
+              </a:rPr>
+              <a:t> {</a:t>
+            </a:r>
+          </a:p>
+          <a:p>
+            <a:pPr marL="0" marR="0" lvl="0" indent="0" algn="l" defTabSz="914400" rtl="0" eaLnBrk="0" fontAlgn="base" latinLnBrk="0" hangingPunct="0">
+              <a:lnSpc>
+                <a:spcPct val="100000"/>
+              </a:lnSpc>
+              <a:spcBef>
+                <a:spcPct val="0"/>
+              </a:spcBef>
+              <a:spcAft>
+                <a:spcPct val="0"/>
+              </a:spcAft>
+              <a:buClrTx/>
+              <a:buSzTx/>
+              <a:buFontTx/>
+              <a:buNone/>
+              <a:tabLst/>
+            </a:pPr>
+            <a:r>
+              <a:rPr lang="fr-FR" altLang="fr-FR" sz="1400" dirty="0">
+                <a:solidFill>
+                  <a:srgbClr val="CCCCCC"/>
+                </a:solidFill>
+                <a:latin typeface="Consolas" panose="020B0609020204030204" pitchFamily="49" charset="0"/>
+              </a:rPr>
+              <a:t>		</a:t>
+            </a:r>
+            <a:r>
+              <a:rPr kumimoji="0" lang="fr-FR" altLang="fr-FR" sz="1400" b="0" i="0" u="none" strike="noStrike" cap="none" normalizeH="0" baseline="0" dirty="0">
+                <a:ln>
+                  <a:noFill/>
+                </a:ln>
+                <a:solidFill>
+                  <a:srgbClr val="CCCCCC"/>
+                </a:solidFill>
+                <a:effectLst/>
+                <a:latin typeface="Consolas" panose="020B0609020204030204" pitchFamily="49" charset="0"/>
+              </a:rPr>
+              <a:t> </a:t>
+            </a:r>
+            <a:r>
+              <a:rPr kumimoji="0" lang="fr-FR" altLang="fr-FR" sz="1400" b="0" i="0" u="none" strike="noStrike" cap="none" normalizeH="0" baseline="0" dirty="0" err="1">
+                <a:ln>
+                  <a:noFill/>
+                </a:ln>
+                <a:solidFill>
+                  <a:srgbClr val="CCCCCC"/>
+                </a:solidFill>
+                <a:effectLst/>
+                <a:latin typeface="Consolas" panose="020B0609020204030204" pitchFamily="49" charset="0"/>
+              </a:rPr>
+              <a:t>wg.</a:t>
+            </a:r>
+            <a:r>
+              <a:rPr kumimoji="0" lang="fr-FR" altLang="fr-FR" sz="1400" b="0" i="0" u="none" strike="noStrike" cap="none" normalizeH="0" baseline="0" dirty="0" err="1">
+                <a:ln>
+                  <a:noFill/>
+                </a:ln>
+                <a:solidFill>
+                  <a:srgbClr val="F08D49"/>
+                </a:solidFill>
+                <a:effectLst/>
+                <a:latin typeface="Consolas" panose="020B0609020204030204" pitchFamily="49" charset="0"/>
+              </a:rPr>
+              <a:t>Add</a:t>
+            </a:r>
+            <a:r>
+              <a:rPr kumimoji="0" lang="fr-FR" altLang="fr-FR" sz="1400" b="0" i="0" u="none" strike="noStrike" cap="none" normalizeH="0" baseline="0" dirty="0">
+                <a:ln>
+                  <a:noFill/>
+                </a:ln>
+                <a:solidFill>
+                  <a:srgbClr val="CCCCCC"/>
+                </a:solidFill>
+                <a:effectLst/>
+                <a:latin typeface="Consolas" panose="020B0609020204030204" pitchFamily="49" charset="0"/>
+              </a:rPr>
+              <a:t>(</a:t>
+            </a:r>
+            <a:r>
+              <a:rPr kumimoji="0" lang="fr-FR" altLang="fr-FR" sz="1400" b="0" i="0" u="none" strike="noStrike" cap="none" normalizeH="0" baseline="0" dirty="0">
+                <a:ln>
+                  <a:noFill/>
+                </a:ln>
+                <a:solidFill>
+                  <a:srgbClr val="F08D49"/>
+                </a:solidFill>
+                <a:effectLst/>
+                <a:latin typeface="Consolas" panose="020B0609020204030204" pitchFamily="49" charset="0"/>
+              </a:rPr>
+              <a:t>1</a:t>
+            </a:r>
+            <a:r>
+              <a:rPr kumimoji="0" lang="fr-FR" altLang="fr-FR" sz="1400" b="0" i="0" u="none" strike="noStrike" cap="none" normalizeH="0" baseline="0" dirty="0">
+                <a:ln>
+                  <a:noFill/>
+                </a:ln>
+                <a:solidFill>
+                  <a:srgbClr val="CCCCCC"/>
+                </a:solidFill>
+                <a:effectLst/>
+                <a:latin typeface="Consolas" panose="020B0609020204030204" pitchFamily="49" charset="0"/>
+              </a:rPr>
+              <a:t>) </a:t>
+            </a:r>
+          </a:p>
+          <a:p>
+            <a:pPr marL="0" marR="0" lvl="0" indent="0" algn="l" defTabSz="914400" rtl="0" eaLnBrk="0" fontAlgn="base" latinLnBrk="0" hangingPunct="0">
+              <a:lnSpc>
+                <a:spcPct val="100000"/>
+              </a:lnSpc>
+              <a:spcBef>
+                <a:spcPct val="0"/>
+              </a:spcBef>
+              <a:spcAft>
+                <a:spcPct val="0"/>
+              </a:spcAft>
+              <a:buClrTx/>
+              <a:buSzTx/>
+              <a:buFontTx/>
+              <a:buNone/>
+              <a:tabLst/>
+            </a:pPr>
+            <a:r>
+              <a:rPr lang="fr-FR" altLang="fr-FR" sz="1400" dirty="0">
+                <a:solidFill>
+                  <a:srgbClr val="CCCCCC"/>
+                </a:solidFill>
+                <a:latin typeface="Consolas" panose="020B0609020204030204" pitchFamily="49" charset="0"/>
+              </a:rPr>
+              <a:t>		</a:t>
+            </a:r>
+            <a:r>
+              <a:rPr kumimoji="0" lang="fr-FR" altLang="fr-FR" sz="1400" b="0" i="0" u="none" strike="noStrike" cap="none" normalizeH="0" baseline="0" dirty="0">
+                <a:ln>
+                  <a:noFill/>
+                </a:ln>
+                <a:solidFill>
+                  <a:srgbClr val="CC99CD"/>
+                </a:solidFill>
+                <a:effectLst/>
+                <a:latin typeface="Consolas" panose="020B0609020204030204" pitchFamily="49" charset="0"/>
+              </a:rPr>
+              <a:t>go</a:t>
+            </a:r>
+            <a:r>
+              <a:rPr kumimoji="0" lang="fr-FR" altLang="fr-FR" sz="1400" b="0" i="0" u="none" strike="noStrike" cap="none" normalizeH="0" baseline="0" dirty="0">
+                <a:ln>
+                  <a:noFill/>
+                </a:ln>
+                <a:solidFill>
+                  <a:srgbClr val="CCCCCC"/>
+                </a:solidFill>
+                <a:effectLst/>
+                <a:latin typeface="Consolas" panose="020B0609020204030204" pitchFamily="49" charset="0"/>
+              </a:rPr>
+              <a:t> </a:t>
+            </a:r>
+            <a:r>
+              <a:rPr kumimoji="0" lang="fr-FR" altLang="fr-FR" sz="1400" b="0" i="0" u="none" strike="noStrike" cap="none" normalizeH="0" baseline="0" dirty="0" err="1">
+                <a:ln>
+                  <a:noFill/>
+                </a:ln>
+                <a:solidFill>
+                  <a:srgbClr val="CC99CD"/>
+                </a:solidFill>
+                <a:effectLst/>
+                <a:latin typeface="Consolas" panose="020B0609020204030204" pitchFamily="49" charset="0"/>
+              </a:rPr>
+              <a:t>func</a:t>
+            </a:r>
+            <a:r>
+              <a:rPr kumimoji="0" lang="fr-FR" altLang="fr-FR" sz="1400" b="0" i="0" u="none" strike="noStrike" cap="none" normalizeH="0" baseline="0" dirty="0">
+                <a:ln>
+                  <a:noFill/>
+                </a:ln>
+                <a:solidFill>
+                  <a:srgbClr val="CCCCCC"/>
+                </a:solidFill>
+                <a:effectLst/>
+                <a:latin typeface="Consolas" panose="020B0609020204030204" pitchFamily="49" charset="0"/>
+              </a:rPr>
+              <a:t>() {</a:t>
+            </a:r>
+          </a:p>
+          <a:p>
+            <a:pPr marL="0" marR="0" lvl="0" indent="0" algn="l" defTabSz="914400" rtl="0" eaLnBrk="0" fontAlgn="base" latinLnBrk="0" hangingPunct="0">
+              <a:lnSpc>
+                <a:spcPct val="100000"/>
+              </a:lnSpc>
+              <a:spcBef>
+                <a:spcPct val="0"/>
+              </a:spcBef>
+              <a:spcAft>
+                <a:spcPct val="0"/>
+              </a:spcAft>
+              <a:buClrTx/>
+              <a:buSzTx/>
+              <a:buFontTx/>
+              <a:buNone/>
+              <a:tabLst/>
+            </a:pPr>
+            <a:r>
+              <a:rPr lang="fr-FR" altLang="fr-FR" sz="1400" dirty="0">
+                <a:solidFill>
+                  <a:srgbClr val="CCCCCC"/>
+                </a:solidFill>
+                <a:latin typeface="Consolas" panose="020B0609020204030204" pitchFamily="49" charset="0"/>
+              </a:rPr>
+              <a:t>			</a:t>
+            </a:r>
+            <a:r>
+              <a:rPr kumimoji="0" lang="fr-FR" altLang="fr-FR" sz="1400" b="0" i="0" u="none" strike="noStrike" cap="none" normalizeH="0" baseline="0" dirty="0">
+                <a:ln>
+                  <a:noFill/>
+                </a:ln>
+                <a:solidFill>
+                  <a:srgbClr val="CCCCCC"/>
+                </a:solidFill>
+                <a:effectLst/>
+                <a:latin typeface="Consolas" panose="020B0609020204030204" pitchFamily="49" charset="0"/>
+              </a:rPr>
+              <a:t> </a:t>
+            </a:r>
+            <a:r>
+              <a:rPr kumimoji="0" lang="fr-FR" altLang="fr-FR" sz="1400" b="0" i="0" u="none" strike="noStrike" cap="none" normalizeH="0" baseline="0" dirty="0" err="1">
+                <a:ln>
+                  <a:noFill/>
+                </a:ln>
+                <a:solidFill>
+                  <a:srgbClr val="CCCCCC"/>
+                </a:solidFill>
+                <a:effectLst/>
+                <a:latin typeface="Consolas" panose="020B0609020204030204" pitchFamily="49" charset="0"/>
+              </a:rPr>
+              <a:t>time.</a:t>
+            </a:r>
+            <a:r>
+              <a:rPr kumimoji="0" lang="fr-FR" altLang="fr-FR" sz="1400" b="0" i="0" u="none" strike="noStrike" cap="none" normalizeH="0" baseline="0" dirty="0" err="1">
+                <a:ln>
+                  <a:noFill/>
+                </a:ln>
+                <a:solidFill>
+                  <a:srgbClr val="F08D49"/>
+                </a:solidFill>
+                <a:effectLst/>
+                <a:latin typeface="Consolas" panose="020B0609020204030204" pitchFamily="49" charset="0"/>
+              </a:rPr>
+              <a:t>Sleep</a:t>
+            </a:r>
+            <a:r>
+              <a:rPr kumimoji="0" lang="fr-FR" altLang="fr-FR" sz="1400" b="0" i="0" u="none" strike="noStrike" cap="none" normalizeH="0" baseline="0" dirty="0">
+                <a:ln>
+                  <a:noFill/>
+                </a:ln>
+                <a:solidFill>
+                  <a:srgbClr val="CCCCCC"/>
+                </a:solidFill>
+                <a:effectLst/>
+                <a:latin typeface="Consolas" panose="020B0609020204030204" pitchFamily="49" charset="0"/>
+              </a:rPr>
+              <a:t>(</a:t>
+            </a:r>
+            <a:r>
+              <a:rPr kumimoji="0" lang="fr-FR" altLang="fr-FR" sz="1400" b="0" i="0" u="none" strike="noStrike" cap="none" normalizeH="0" baseline="0" dirty="0" err="1">
+                <a:ln>
+                  <a:noFill/>
+                </a:ln>
+                <a:solidFill>
+                  <a:srgbClr val="CCCCCC"/>
+                </a:solidFill>
+                <a:effectLst/>
+                <a:latin typeface="Consolas" panose="020B0609020204030204" pitchFamily="49" charset="0"/>
+              </a:rPr>
+              <a:t>time.Second</a:t>
+            </a:r>
+            <a:r>
+              <a:rPr kumimoji="0" lang="fr-FR" altLang="fr-FR" sz="1400" b="0" i="0" u="none" strike="noStrike" cap="none" normalizeH="0" baseline="0" dirty="0">
+                <a:ln>
+                  <a:noFill/>
+                </a:ln>
+                <a:solidFill>
+                  <a:srgbClr val="CCCCCC"/>
+                </a:solidFill>
+                <a:effectLst/>
+                <a:latin typeface="Consolas" panose="020B0609020204030204" pitchFamily="49" charset="0"/>
+              </a:rPr>
+              <a:t> </a:t>
+            </a:r>
+            <a:r>
+              <a:rPr kumimoji="0" lang="fr-FR" altLang="fr-FR" sz="1400" b="0" i="0" u="none" strike="noStrike" cap="none" normalizeH="0" baseline="0" dirty="0">
+                <a:ln>
+                  <a:noFill/>
+                </a:ln>
+                <a:solidFill>
+                  <a:srgbClr val="67CDCC"/>
+                </a:solidFill>
+                <a:effectLst/>
+                <a:latin typeface="Consolas" panose="020B0609020204030204" pitchFamily="49" charset="0"/>
+              </a:rPr>
+              <a:t>*</a:t>
+            </a:r>
+            <a:r>
+              <a:rPr kumimoji="0" lang="fr-FR" altLang="fr-FR" sz="1400" b="0" i="0" u="none" strike="noStrike" cap="none" normalizeH="0" baseline="0" dirty="0">
+                <a:ln>
+                  <a:noFill/>
+                </a:ln>
+                <a:solidFill>
+                  <a:srgbClr val="CCCCCC"/>
+                </a:solidFill>
+                <a:effectLst/>
+                <a:latin typeface="Consolas" panose="020B0609020204030204" pitchFamily="49" charset="0"/>
+              </a:rPr>
+              <a:t> </a:t>
+            </a:r>
+            <a:r>
+              <a:rPr kumimoji="0" lang="fr-FR" altLang="fr-FR" sz="1400" b="0" i="0" u="none" strike="noStrike" cap="none" normalizeH="0" baseline="0" dirty="0">
+                <a:ln>
+                  <a:noFill/>
+                </a:ln>
+                <a:solidFill>
+                  <a:srgbClr val="F08D49"/>
+                </a:solidFill>
+                <a:effectLst/>
+                <a:latin typeface="Consolas" panose="020B0609020204030204" pitchFamily="49" charset="0"/>
+              </a:rPr>
+              <a:t>2</a:t>
+            </a:r>
+            <a:r>
+              <a:rPr kumimoji="0" lang="fr-FR" altLang="fr-FR" sz="1400" b="0" i="0" u="none" strike="noStrike" cap="none" normalizeH="0" baseline="0" dirty="0">
+                <a:ln>
+                  <a:noFill/>
+                </a:ln>
+                <a:solidFill>
+                  <a:srgbClr val="CCCCCC"/>
+                </a:solidFill>
+                <a:effectLst/>
+                <a:latin typeface="Consolas" panose="020B0609020204030204" pitchFamily="49" charset="0"/>
+              </a:rPr>
+              <a:t>)</a:t>
+            </a:r>
+          </a:p>
+          <a:p>
+            <a:pPr marL="0" marR="0" lvl="0" indent="0" algn="l" defTabSz="914400" rtl="0" eaLnBrk="0" fontAlgn="base" latinLnBrk="0" hangingPunct="0">
+              <a:lnSpc>
+                <a:spcPct val="100000"/>
+              </a:lnSpc>
+              <a:spcBef>
+                <a:spcPct val="0"/>
+              </a:spcBef>
+              <a:spcAft>
+                <a:spcPct val="0"/>
+              </a:spcAft>
+              <a:buClrTx/>
+              <a:buSzTx/>
+              <a:buFontTx/>
+              <a:buNone/>
+              <a:tabLst/>
+            </a:pPr>
+            <a:r>
+              <a:rPr lang="fr-FR" altLang="fr-FR" sz="1400" dirty="0">
+                <a:solidFill>
+                  <a:srgbClr val="CCCCCC"/>
+                </a:solidFill>
+                <a:latin typeface="Consolas" panose="020B0609020204030204" pitchFamily="49" charset="0"/>
+              </a:rPr>
+              <a:t>			</a:t>
+            </a:r>
+            <a:r>
+              <a:rPr kumimoji="0" lang="fr-FR" altLang="fr-FR" sz="1400" b="0" i="0" u="none" strike="noStrike" cap="none" normalizeH="0" baseline="0" dirty="0">
+                <a:ln>
+                  <a:noFill/>
+                </a:ln>
+                <a:solidFill>
+                  <a:srgbClr val="CCCCCC"/>
+                </a:solidFill>
+                <a:effectLst/>
+                <a:latin typeface="Consolas" panose="020B0609020204030204" pitchFamily="49" charset="0"/>
+              </a:rPr>
+              <a:t> </a:t>
+            </a:r>
+            <a:r>
+              <a:rPr kumimoji="0" lang="fr-FR" altLang="fr-FR" sz="1400" b="0" i="0" u="none" strike="noStrike" cap="none" normalizeH="0" baseline="0" dirty="0" err="1">
+                <a:ln>
+                  <a:noFill/>
+                </a:ln>
+                <a:solidFill>
+                  <a:srgbClr val="CCCCCC"/>
+                </a:solidFill>
+                <a:effectLst/>
+                <a:latin typeface="Consolas" panose="020B0609020204030204" pitchFamily="49" charset="0"/>
+              </a:rPr>
+              <a:t>ch</a:t>
+            </a:r>
+            <a:r>
+              <a:rPr kumimoji="0" lang="fr-FR" altLang="fr-FR" sz="1400" b="0" i="0" u="none" strike="noStrike" cap="none" normalizeH="0" baseline="0" dirty="0">
+                <a:ln>
+                  <a:noFill/>
+                </a:ln>
+                <a:solidFill>
+                  <a:srgbClr val="CCCCCC"/>
+                </a:solidFill>
+                <a:effectLst/>
+                <a:latin typeface="Consolas" panose="020B0609020204030204" pitchFamily="49" charset="0"/>
+              </a:rPr>
+              <a:t> </a:t>
+            </a:r>
+            <a:r>
+              <a:rPr kumimoji="0" lang="fr-FR" altLang="fr-FR" sz="1400" b="0" i="0" u="none" strike="noStrike" cap="none" normalizeH="0" baseline="0" dirty="0">
+                <a:ln>
+                  <a:noFill/>
+                </a:ln>
+                <a:solidFill>
+                  <a:srgbClr val="67CDCC"/>
+                </a:solidFill>
+                <a:effectLst/>
+                <a:latin typeface="Consolas" panose="020B0609020204030204" pitchFamily="49" charset="0"/>
+              </a:rPr>
+              <a:t>&lt;-</a:t>
+            </a:r>
+            <a:r>
+              <a:rPr kumimoji="0" lang="fr-FR" altLang="fr-FR" sz="1400" b="0" i="0" u="none" strike="noStrike" cap="none" normalizeH="0" baseline="0" dirty="0">
+                <a:ln>
+                  <a:noFill/>
+                </a:ln>
+                <a:solidFill>
+                  <a:srgbClr val="CCCCCC"/>
+                </a:solidFill>
+                <a:effectLst/>
+                <a:latin typeface="Consolas" panose="020B0609020204030204" pitchFamily="49" charset="0"/>
+              </a:rPr>
+              <a:t> </a:t>
+            </a:r>
+            <a:r>
+              <a:rPr kumimoji="0" lang="fr-FR" altLang="fr-FR" sz="1400" b="0" i="0" u="none" strike="noStrike" cap="none" normalizeH="0" baseline="0" dirty="0">
+                <a:ln>
+                  <a:noFill/>
+                </a:ln>
+                <a:solidFill>
+                  <a:srgbClr val="F08D49"/>
+                </a:solidFill>
+                <a:effectLst/>
+                <a:latin typeface="Consolas" panose="020B0609020204030204" pitchFamily="49" charset="0"/>
+              </a:rPr>
+              <a:t>50</a:t>
+            </a:r>
+            <a:r>
+              <a:rPr kumimoji="0" lang="fr-FR" altLang="fr-FR" sz="1400" b="0" i="0" u="none" strike="noStrike" cap="none" normalizeH="0" baseline="0" dirty="0">
+                <a:ln>
+                  <a:noFill/>
+                </a:ln>
+                <a:solidFill>
+                  <a:srgbClr val="CCCCCC"/>
+                </a:solidFill>
+                <a:effectLst/>
+                <a:latin typeface="Consolas" panose="020B0609020204030204" pitchFamily="49" charset="0"/>
+              </a:rPr>
+              <a:t> </a:t>
+            </a:r>
+            <a:r>
+              <a:rPr kumimoji="0" lang="fr-FR" altLang="fr-FR" sz="1400" b="0" i="0" u="none" strike="noStrike" cap="none" normalizeH="0" baseline="0" dirty="0" err="1">
+                <a:ln>
+                  <a:noFill/>
+                </a:ln>
+                <a:solidFill>
+                  <a:srgbClr val="CCCCCC"/>
+                </a:solidFill>
+                <a:effectLst/>
+                <a:latin typeface="Consolas" panose="020B0609020204030204" pitchFamily="49" charset="0"/>
+              </a:rPr>
+              <a:t>wg.</a:t>
+            </a:r>
+            <a:r>
+              <a:rPr kumimoji="0" lang="fr-FR" altLang="fr-FR" sz="1400" b="0" i="0" u="none" strike="noStrike" cap="none" normalizeH="0" baseline="0" dirty="0" err="1">
+                <a:ln>
+                  <a:noFill/>
+                </a:ln>
+                <a:solidFill>
+                  <a:srgbClr val="F08D49"/>
+                </a:solidFill>
+                <a:effectLst/>
+                <a:latin typeface="Consolas" panose="020B0609020204030204" pitchFamily="49" charset="0"/>
+              </a:rPr>
+              <a:t>Done</a:t>
+            </a:r>
+            <a:r>
+              <a:rPr kumimoji="0" lang="fr-FR" altLang="fr-FR" sz="1400" b="0" i="0" u="none" strike="noStrike" cap="none" normalizeH="0" baseline="0" dirty="0">
+                <a:ln>
+                  <a:noFill/>
+                </a:ln>
+                <a:solidFill>
+                  <a:srgbClr val="CCCCCC"/>
+                </a:solidFill>
+                <a:effectLst/>
+                <a:latin typeface="Consolas" panose="020B0609020204030204" pitchFamily="49" charset="0"/>
+              </a:rPr>
+              <a:t>() }() }</a:t>
+            </a:r>
+          </a:p>
+          <a:p>
+            <a:pPr marL="0" marR="0" lvl="0" indent="0" algn="l" defTabSz="914400" rtl="0" eaLnBrk="0" fontAlgn="base" latinLnBrk="0" hangingPunct="0">
+              <a:lnSpc>
+                <a:spcPct val="100000"/>
+              </a:lnSpc>
+              <a:spcBef>
+                <a:spcPct val="0"/>
+              </a:spcBef>
+              <a:spcAft>
+                <a:spcPct val="0"/>
+              </a:spcAft>
+              <a:buClrTx/>
+              <a:buSzTx/>
+              <a:buFontTx/>
+              <a:buNone/>
+              <a:tabLst/>
+            </a:pPr>
+            <a:r>
+              <a:rPr lang="fr-FR" altLang="fr-FR" sz="1400" dirty="0">
+                <a:solidFill>
+                  <a:srgbClr val="CCCCCC"/>
+                </a:solidFill>
+                <a:latin typeface="Consolas" panose="020B0609020204030204" pitchFamily="49" charset="0"/>
+              </a:rPr>
+              <a:t>	</a:t>
+            </a:r>
+            <a:r>
+              <a:rPr kumimoji="0" lang="fr-FR" altLang="fr-FR" sz="1400" b="0" i="0" u="none" strike="noStrike" cap="none" normalizeH="0" baseline="0" dirty="0">
+                <a:ln>
+                  <a:noFill/>
+                </a:ln>
+                <a:solidFill>
+                  <a:srgbClr val="CCCCCC"/>
+                </a:solidFill>
+                <a:effectLst/>
+                <a:latin typeface="Consolas" panose="020B0609020204030204" pitchFamily="49" charset="0"/>
+              </a:rPr>
+              <a:t> </a:t>
+            </a:r>
+            <a:r>
+              <a:rPr kumimoji="0" lang="fr-FR" altLang="fr-FR" sz="1400" b="0" i="0" u="none" strike="noStrike" cap="none" normalizeH="0" baseline="0" dirty="0" err="1">
+                <a:ln>
+                  <a:noFill/>
+                </a:ln>
+                <a:solidFill>
+                  <a:srgbClr val="CCCCCC"/>
+                </a:solidFill>
+                <a:effectLst/>
+                <a:latin typeface="Consolas" panose="020B0609020204030204" pitchFamily="49" charset="0"/>
+              </a:rPr>
+              <a:t>wg.</a:t>
+            </a:r>
+            <a:r>
+              <a:rPr kumimoji="0" lang="fr-FR" altLang="fr-FR" sz="1400" b="0" i="0" u="none" strike="noStrike" cap="none" normalizeH="0" baseline="0" dirty="0" err="1">
+                <a:ln>
+                  <a:noFill/>
+                </a:ln>
+                <a:solidFill>
+                  <a:srgbClr val="F08D49"/>
+                </a:solidFill>
+                <a:effectLst/>
+                <a:latin typeface="Consolas" panose="020B0609020204030204" pitchFamily="49" charset="0"/>
+              </a:rPr>
+              <a:t>Wait</a:t>
+            </a:r>
+            <a:r>
+              <a:rPr kumimoji="0" lang="fr-FR" altLang="fr-FR" sz="1400" b="0" i="0" u="none" strike="noStrike" cap="none" normalizeH="0" baseline="0" dirty="0">
+                <a:ln>
+                  <a:noFill/>
+                </a:ln>
+                <a:solidFill>
+                  <a:srgbClr val="CCCCCC"/>
+                </a:solidFill>
+                <a:effectLst/>
+                <a:latin typeface="Consolas" panose="020B0609020204030204" pitchFamily="49" charset="0"/>
+              </a:rPr>
+              <a:t>()</a:t>
+            </a:r>
+          </a:p>
+          <a:p>
+            <a:pPr marL="0" marR="0" lvl="0" indent="0" algn="l" defTabSz="914400" rtl="0" eaLnBrk="0" fontAlgn="base" latinLnBrk="0" hangingPunct="0">
+              <a:lnSpc>
+                <a:spcPct val="100000"/>
+              </a:lnSpc>
+              <a:spcBef>
+                <a:spcPct val="0"/>
+              </a:spcBef>
+              <a:spcAft>
+                <a:spcPct val="0"/>
+              </a:spcAft>
+              <a:buClrTx/>
+              <a:buSzTx/>
+              <a:buFontTx/>
+              <a:buNone/>
+              <a:tabLst/>
+            </a:pPr>
+            <a:r>
+              <a:rPr lang="fr-FR" altLang="fr-FR" sz="1400" dirty="0">
+                <a:solidFill>
+                  <a:srgbClr val="CCCCCC"/>
+                </a:solidFill>
+                <a:latin typeface="Consolas" panose="020B0609020204030204" pitchFamily="49" charset="0"/>
+              </a:rPr>
+              <a:t>	</a:t>
+            </a:r>
+            <a:r>
+              <a:rPr kumimoji="0" lang="fr-FR" altLang="fr-FR" sz="1400" b="0" i="0" u="none" strike="noStrike" cap="none" normalizeH="0" baseline="0" dirty="0">
+                <a:ln>
+                  <a:noFill/>
+                </a:ln>
+                <a:solidFill>
+                  <a:srgbClr val="CCCCCC"/>
+                </a:solidFill>
+                <a:effectLst/>
+                <a:latin typeface="Consolas" panose="020B0609020204030204" pitchFamily="49" charset="0"/>
+              </a:rPr>
+              <a:t> </a:t>
+            </a:r>
+            <a:r>
+              <a:rPr kumimoji="0" lang="fr-FR" altLang="fr-FR" sz="1400" b="0" i="0" u="none" strike="noStrike" cap="none" normalizeH="0" baseline="0" dirty="0" err="1">
+                <a:ln>
+                  <a:noFill/>
+                </a:ln>
+                <a:solidFill>
+                  <a:srgbClr val="CCCCCC"/>
+                </a:solidFill>
+                <a:effectLst/>
+                <a:latin typeface="Consolas" panose="020B0609020204030204" pitchFamily="49" charset="0"/>
+              </a:rPr>
+              <a:t>fmt.</a:t>
+            </a:r>
+            <a:r>
+              <a:rPr kumimoji="0" lang="fr-FR" altLang="fr-FR" sz="1400" b="0" i="0" u="none" strike="noStrike" cap="none" normalizeH="0" baseline="0" dirty="0" err="1">
+                <a:ln>
+                  <a:noFill/>
+                </a:ln>
+                <a:solidFill>
+                  <a:srgbClr val="F08D49"/>
+                </a:solidFill>
+                <a:effectLst/>
+                <a:latin typeface="Consolas" panose="020B0609020204030204" pitchFamily="49" charset="0"/>
+              </a:rPr>
+              <a:t>Println</a:t>
+            </a:r>
+            <a:r>
+              <a:rPr kumimoji="0" lang="fr-FR" altLang="fr-FR" sz="1400" b="0" i="0" u="none" strike="noStrike" cap="none" normalizeH="0" baseline="0" dirty="0">
+                <a:ln>
+                  <a:noFill/>
+                </a:ln>
+                <a:solidFill>
+                  <a:srgbClr val="CCCCCC"/>
+                </a:solidFill>
+                <a:effectLst/>
+                <a:latin typeface="Consolas" panose="020B0609020204030204" pitchFamily="49" charset="0"/>
+              </a:rPr>
+              <a:t>(</a:t>
+            </a:r>
+            <a:r>
+              <a:rPr kumimoji="0" lang="fr-FR" altLang="fr-FR" sz="1400" b="0" i="0" u="none" strike="noStrike" cap="none" normalizeH="0" baseline="0" dirty="0" err="1">
+                <a:ln>
+                  <a:noFill/>
+                </a:ln>
+                <a:solidFill>
+                  <a:srgbClr val="CCCCCC"/>
+                </a:solidFill>
+                <a:effectLst/>
+                <a:latin typeface="Consolas" panose="020B0609020204030204" pitchFamily="49" charset="0"/>
+              </a:rPr>
+              <a:t>time.</a:t>
+            </a:r>
+            <a:r>
+              <a:rPr kumimoji="0" lang="fr-FR" altLang="fr-FR" sz="1400" b="0" i="0" u="none" strike="noStrike" cap="none" normalizeH="0" baseline="0" dirty="0" err="1">
+                <a:ln>
+                  <a:noFill/>
+                </a:ln>
+                <a:solidFill>
+                  <a:srgbClr val="F08D49"/>
+                </a:solidFill>
+                <a:effectLst/>
+                <a:latin typeface="Consolas" panose="020B0609020204030204" pitchFamily="49" charset="0"/>
+              </a:rPr>
+              <a:t>Now</a:t>
+            </a:r>
+            <a:r>
+              <a:rPr kumimoji="0" lang="fr-FR" altLang="fr-FR" sz="1400" b="0" i="0" u="none" strike="noStrike" cap="none" normalizeH="0" baseline="0" dirty="0">
+                <a:ln>
+                  <a:noFill/>
+                </a:ln>
+                <a:solidFill>
+                  <a:srgbClr val="CCCCCC"/>
+                </a:solidFill>
+                <a:effectLst/>
+                <a:latin typeface="Consolas" panose="020B0609020204030204" pitchFamily="49" charset="0"/>
+              </a:rPr>
+              <a:t>().</a:t>
+            </a:r>
+            <a:r>
+              <a:rPr kumimoji="0" lang="fr-FR" altLang="fr-FR" sz="1400" b="0" i="0" u="none" strike="noStrike" cap="none" normalizeH="0" baseline="0" dirty="0" err="1">
+                <a:ln>
+                  <a:noFill/>
+                </a:ln>
+                <a:solidFill>
+                  <a:srgbClr val="F08D49"/>
+                </a:solidFill>
+                <a:effectLst/>
+                <a:latin typeface="Consolas" panose="020B0609020204030204" pitchFamily="49" charset="0"/>
+              </a:rPr>
+              <a:t>Sub</a:t>
+            </a:r>
+            <a:r>
+              <a:rPr kumimoji="0" lang="fr-FR" altLang="fr-FR" sz="1400" b="0" i="0" u="none" strike="noStrike" cap="none" normalizeH="0" baseline="0" dirty="0">
+                <a:ln>
+                  <a:noFill/>
+                </a:ln>
+                <a:solidFill>
+                  <a:srgbClr val="CCCCCC"/>
+                </a:solidFill>
+                <a:effectLst/>
+                <a:latin typeface="Consolas" panose="020B0609020204030204" pitchFamily="49" charset="0"/>
+              </a:rPr>
+              <a:t>(</a:t>
+            </a:r>
+            <a:r>
+              <a:rPr kumimoji="0" lang="fr-FR" altLang="fr-FR" sz="1400" b="0" i="0" u="none" strike="noStrike" cap="none" normalizeH="0" baseline="0" dirty="0" err="1">
+                <a:ln>
+                  <a:noFill/>
+                </a:ln>
+                <a:solidFill>
+                  <a:srgbClr val="CCCCCC"/>
+                </a:solidFill>
+                <a:effectLst/>
+                <a:latin typeface="Consolas" panose="020B0609020204030204" pitchFamily="49" charset="0"/>
+              </a:rPr>
+              <a:t>now</a:t>
+            </a:r>
+            <a:r>
+              <a:rPr kumimoji="0" lang="fr-FR" altLang="fr-FR" sz="1400" b="0" i="0" u="none" strike="noStrike" cap="none" normalizeH="0" baseline="0" dirty="0">
+                <a:ln>
+                  <a:noFill/>
+                </a:ln>
+                <a:solidFill>
+                  <a:srgbClr val="CCCCCC"/>
+                </a:solidFill>
+                <a:effectLst/>
+                <a:latin typeface="Consolas" panose="020B0609020204030204" pitchFamily="49" charset="0"/>
+              </a:rPr>
+              <a:t>)) }</a:t>
+            </a:r>
+            <a:r>
+              <a:rPr kumimoji="0" lang="fr-FR" altLang="fr-FR" sz="1100" b="0" i="0" u="none" strike="noStrike" cap="none" normalizeH="0" baseline="0" dirty="0">
+                <a:ln>
+                  <a:noFill/>
+                </a:ln>
+                <a:solidFill>
+                  <a:schemeClr val="tx1"/>
+                </a:solidFill>
+                <a:effectLst/>
+              </a:rPr>
+              <a:t> </a:t>
+            </a:r>
+            <a:endParaRPr kumimoji="0" lang="fr-FR" altLang="fr-FR" sz="3200" b="0" i="0" u="none" strike="noStrike" cap="none" normalizeH="0" baseline="0" dirty="0">
+              <a:ln>
+                <a:noFill/>
+              </a:ln>
+              <a:solidFill>
+                <a:schemeClr val="tx1"/>
+              </a:solidFill>
+              <a:effectLst/>
+              <a:latin typeface="Arial" panose="020B0604020202020204" pitchFamily="34" charset="0"/>
+            </a:endParaRPr>
+          </a:p>
+        </p:txBody>
+      </p:sp>
+      <p:sp>
+        <p:nvSpPr>
+          <p:cNvPr id="11" name="ZoneTexte 10">
+            <a:extLst>
+              <a:ext uri="{FF2B5EF4-FFF2-40B4-BE49-F238E27FC236}">
+                <a16:creationId xmlns:a16="http://schemas.microsoft.com/office/drawing/2014/main" id="{A87752F8-DA7C-417F-8F87-751F1CA4E865}"/>
+              </a:ext>
+            </a:extLst>
+          </p:cNvPr>
+          <p:cNvSpPr txBox="1"/>
+          <p:nvPr/>
+        </p:nvSpPr>
+        <p:spPr>
+          <a:xfrm>
+            <a:off x="6881518" y="1179321"/>
+            <a:ext cx="4966772" cy="3416320"/>
+          </a:xfrm>
+          <a:prstGeom prst="rect">
+            <a:avLst/>
+          </a:prstGeom>
+          <a:noFill/>
+        </p:spPr>
+        <p:txBody>
+          <a:bodyPr wrap="square">
+            <a:spAutoFit/>
+          </a:bodyPr>
+          <a:lstStyle/>
+          <a:p>
+            <a:pPr marL="0" marR="0" lvl="0" indent="0" algn="l" defTabSz="914400" rtl="0" eaLnBrk="0" fontAlgn="base" latinLnBrk="0" hangingPunct="0">
+              <a:lnSpc>
+                <a:spcPct val="100000"/>
+              </a:lnSpc>
+              <a:spcBef>
+                <a:spcPct val="0"/>
+              </a:spcBef>
+              <a:spcAft>
+                <a:spcPct val="0"/>
+              </a:spcAft>
+              <a:buClrTx/>
+              <a:buSzTx/>
+              <a:buFontTx/>
+              <a:buNone/>
+              <a:tabLst/>
+            </a:pPr>
+            <a:r>
+              <a:rPr kumimoji="0" lang="fr-FR" altLang="fr-FR" sz="1800" b="0" i="0" u="none" strike="noStrike" cap="none" normalizeH="0" baseline="0" dirty="0">
+                <a:ln>
+                  <a:noFill/>
+                </a:ln>
+                <a:effectLst/>
+                <a:latin typeface="Calibri" panose="020F0502020204030204" pitchFamily="34" charset="0"/>
+                <a:cs typeface="Calibri" panose="020F0502020204030204" pitchFamily="34" charset="0"/>
+              </a:rPr>
+              <a:t>Résultat:</a:t>
+            </a:r>
+          </a:p>
+          <a:p>
+            <a:pPr marL="0" marR="0" lvl="0" indent="0" algn="l" defTabSz="914400" rtl="0" eaLnBrk="0" fontAlgn="base" latinLnBrk="0" hangingPunct="0">
+              <a:lnSpc>
+                <a:spcPct val="100000"/>
+              </a:lnSpc>
+              <a:spcBef>
+                <a:spcPct val="0"/>
+              </a:spcBef>
+              <a:spcAft>
+                <a:spcPct val="0"/>
+              </a:spcAft>
+              <a:buClrTx/>
+              <a:buSzTx/>
+              <a:buFontTx/>
+              <a:buNone/>
+              <a:tabLst/>
+            </a:pPr>
+            <a:endParaRPr lang="fr-FR" altLang="fr-FR" dirty="0">
+              <a:latin typeface="Calibri" panose="020F0502020204030204" pitchFamily="34" charset="0"/>
+              <a:cs typeface="Calibri" panose="020F0502020204030204" pitchFamily="34" charset="0"/>
+            </a:endParaRPr>
+          </a:p>
+          <a:p>
+            <a:pPr marL="0" marR="0" lvl="0" indent="0" algn="l" defTabSz="914400" rtl="0" eaLnBrk="0" fontAlgn="base" latinLnBrk="0" hangingPunct="0">
+              <a:lnSpc>
+                <a:spcPct val="100000"/>
+              </a:lnSpc>
+              <a:spcBef>
+                <a:spcPct val="0"/>
+              </a:spcBef>
+              <a:spcAft>
+                <a:spcPct val="0"/>
+              </a:spcAft>
+              <a:buClrTx/>
+              <a:buSzTx/>
+              <a:buFontTx/>
+              <a:buNone/>
+              <a:tabLst/>
+            </a:pPr>
+            <a:endParaRPr kumimoji="0" lang="fr-FR" altLang="fr-FR" sz="1800" b="0" i="0" u="none" strike="noStrike" cap="none" normalizeH="0" baseline="0" dirty="0">
+              <a:ln>
+                <a:noFill/>
+              </a:ln>
+              <a:effectLst/>
+              <a:latin typeface="Calibri" panose="020F0502020204030204" pitchFamily="34" charset="0"/>
+              <a:cs typeface="Calibri" panose="020F0502020204030204" pitchFamily="34" charset="0"/>
+            </a:endParaRPr>
+          </a:p>
+          <a:p>
+            <a:pPr eaLnBrk="0" fontAlgn="base" hangingPunct="0">
+              <a:spcBef>
+                <a:spcPct val="0"/>
+              </a:spcBef>
+              <a:spcAft>
+                <a:spcPct val="0"/>
+              </a:spcAft>
+            </a:pPr>
+            <a:r>
+              <a:rPr kumimoji="0" lang="fr-FR" altLang="fr-FR" sz="1800" b="0" i="0" u="none" strike="noStrike" cap="none" normalizeH="0" baseline="0" dirty="0">
+                <a:ln>
+                  <a:noFill/>
+                </a:ln>
+                <a:solidFill>
+                  <a:srgbClr val="FF676B"/>
+                </a:solidFill>
+                <a:effectLst/>
+                <a:latin typeface="Consolas" panose="020B0609020204030204" pitchFamily="49" charset="0"/>
+              </a:rPr>
+              <a:t>50 </a:t>
+            </a:r>
+          </a:p>
+          <a:p>
+            <a:pPr eaLnBrk="0" fontAlgn="base" hangingPunct="0">
+              <a:spcBef>
+                <a:spcPct val="0"/>
+              </a:spcBef>
+              <a:spcAft>
+                <a:spcPct val="0"/>
+              </a:spcAft>
+            </a:pPr>
+            <a:r>
+              <a:rPr kumimoji="0" lang="fr-FR" altLang="fr-FR" sz="1800" b="0" i="0" u="none" strike="noStrike" cap="none" normalizeH="0" baseline="0" dirty="0">
+                <a:ln>
+                  <a:noFill/>
+                </a:ln>
+                <a:solidFill>
+                  <a:srgbClr val="FF676B"/>
+                </a:solidFill>
+                <a:effectLst/>
+                <a:latin typeface="Consolas" panose="020B0609020204030204" pitchFamily="49" charset="0"/>
+              </a:rPr>
+              <a:t>50 </a:t>
+            </a:r>
+          </a:p>
+          <a:p>
+            <a:pPr eaLnBrk="0" fontAlgn="base" hangingPunct="0">
+              <a:spcBef>
+                <a:spcPct val="0"/>
+              </a:spcBef>
+              <a:spcAft>
+                <a:spcPct val="0"/>
+              </a:spcAft>
+            </a:pPr>
+            <a:r>
+              <a:rPr kumimoji="0" lang="fr-FR" altLang="fr-FR" sz="1800" b="0" i="0" u="none" strike="noStrike" cap="none" normalizeH="0" baseline="0" dirty="0">
+                <a:ln>
+                  <a:noFill/>
+                </a:ln>
+                <a:solidFill>
+                  <a:srgbClr val="FF676B"/>
+                </a:solidFill>
+                <a:effectLst/>
+                <a:latin typeface="Consolas" panose="020B0609020204030204" pitchFamily="49" charset="0"/>
+              </a:rPr>
+              <a:t>50 </a:t>
+            </a:r>
+          </a:p>
+          <a:p>
+            <a:pPr eaLnBrk="0" fontAlgn="base" hangingPunct="0">
+              <a:spcBef>
+                <a:spcPct val="0"/>
+              </a:spcBef>
+              <a:spcAft>
+                <a:spcPct val="0"/>
+              </a:spcAft>
+            </a:pPr>
+            <a:r>
+              <a:rPr kumimoji="0" lang="fr-FR" altLang="fr-FR" sz="1800" b="0" i="0" u="none" strike="noStrike" cap="none" normalizeH="0" baseline="0" dirty="0">
+                <a:ln>
+                  <a:noFill/>
+                </a:ln>
+                <a:solidFill>
+                  <a:srgbClr val="FF676B"/>
+                </a:solidFill>
+                <a:effectLst/>
+                <a:latin typeface="Consolas" panose="020B0609020204030204" pitchFamily="49" charset="0"/>
+              </a:rPr>
+              <a:t>50 </a:t>
+            </a:r>
+          </a:p>
+          <a:p>
+            <a:pPr eaLnBrk="0" fontAlgn="base" hangingPunct="0">
+              <a:spcBef>
+                <a:spcPct val="0"/>
+              </a:spcBef>
+              <a:spcAft>
+                <a:spcPct val="0"/>
+              </a:spcAft>
+            </a:pPr>
+            <a:r>
+              <a:rPr kumimoji="0" lang="fr-FR" altLang="fr-FR" sz="1800" b="0" i="0" u="none" strike="noStrike" cap="none" normalizeH="0" baseline="0" dirty="0">
+                <a:ln>
+                  <a:noFill/>
+                </a:ln>
+                <a:solidFill>
+                  <a:srgbClr val="FF676B"/>
+                </a:solidFill>
+                <a:effectLst/>
+                <a:latin typeface="Consolas" panose="020B0609020204030204" pitchFamily="49" charset="0"/>
+              </a:rPr>
+              <a:t>50 </a:t>
+            </a:r>
+          </a:p>
+          <a:p>
+            <a:pPr eaLnBrk="0" fontAlgn="base" hangingPunct="0">
+              <a:spcBef>
+                <a:spcPct val="0"/>
+              </a:spcBef>
+              <a:spcAft>
+                <a:spcPct val="0"/>
+              </a:spcAft>
+            </a:pPr>
+            <a:r>
+              <a:rPr kumimoji="0" lang="fr-FR" altLang="fr-FR" sz="1800" b="0" i="0" u="none" strike="noStrike" cap="none" normalizeH="0" baseline="0" dirty="0">
+                <a:ln>
+                  <a:noFill/>
+                </a:ln>
+                <a:solidFill>
+                  <a:srgbClr val="FF676B"/>
+                </a:solidFill>
+                <a:effectLst/>
+                <a:latin typeface="Consolas" panose="020B0609020204030204" pitchFamily="49" charset="0"/>
+              </a:rPr>
+              <a:t>fatal </a:t>
+            </a:r>
+            <a:r>
+              <a:rPr kumimoji="0" lang="fr-FR" altLang="fr-FR" sz="1800" b="0" i="0" u="none" strike="noStrike" cap="none" normalizeH="0" baseline="0" dirty="0" err="1">
+                <a:ln>
+                  <a:noFill/>
+                </a:ln>
+                <a:solidFill>
+                  <a:srgbClr val="FF676B"/>
+                </a:solidFill>
+                <a:effectLst/>
+                <a:latin typeface="Consolas" panose="020B0609020204030204" pitchFamily="49" charset="0"/>
+              </a:rPr>
+              <a:t>error</a:t>
+            </a:r>
+            <a:r>
+              <a:rPr kumimoji="0" lang="fr-FR" altLang="fr-FR" sz="1800" b="0" i="0" u="none" strike="noStrike" cap="none" normalizeH="0" baseline="0" dirty="0">
+                <a:ln>
+                  <a:noFill/>
+                </a:ln>
+                <a:solidFill>
+                  <a:srgbClr val="FF676B"/>
+                </a:solidFill>
+                <a:effectLst/>
+                <a:latin typeface="Consolas" panose="020B0609020204030204" pitchFamily="49" charset="0"/>
+              </a:rPr>
+              <a:t>: all goroutines are </a:t>
+            </a:r>
+            <a:r>
+              <a:rPr kumimoji="0" lang="fr-FR" altLang="fr-FR" sz="1800" b="0" i="0" u="none" strike="noStrike" cap="none" normalizeH="0" baseline="0" dirty="0" err="1">
+                <a:ln>
+                  <a:noFill/>
+                </a:ln>
+                <a:solidFill>
+                  <a:srgbClr val="FF676B"/>
+                </a:solidFill>
+                <a:effectLst/>
+                <a:latin typeface="Consolas" panose="020B0609020204030204" pitchFamily="49" charset="0"/>
+              </a:rPr>
+              <a:t>asleep</a:t>
+            </a:r>
+            <a:r>
+              <a:rPr kumimoji="0" lang="fr-FR" altLang="fr-FR" sz="1800" b="0" i="0" u="none" strike="noStrike" cap="none" normalizeH="0" baseline="0" dirty="0">
+                <a:ln>
+                  <a:noFill/>
+                </a:ln>
+                <a:solidFill>
+                  <a:srgbClr val="FF676B"/>
+                </a:solidFill>
+                <a:effectLst/>
+                <a:latin typeface="Consolas" panose="020B0609020204030204" pitchFamily="49" charset="0"/>
+              </a:rPr>
+              <a:t> - deadlock!</a:t>
+            </a:r>
+            <a:r>
+              <a:rPr kumimoji="0" lang="fr-FR" altLang="fr-FR" sz="1400" b="0" i="0" u="none" strike="noStrike" cap="none" normalizeH="0" baseline="0" dirty="0">
+                <a:ln>
+                  <a:noFill/>
+                </a:ln>
+                <a:solidFill>
+                  <a:schemeClr val="tx1"/>
+                </a:solidFill>
+                <a:effectLst/>
+              </a:rPr>
+              <a:t> </a:t>
+            </a:r>
+            <a:endParaRPr kumimoji="0" lang="fr-FR" altLang="fr-FR" sz="4000" b="0" i="0" u="none" strike="noStrike" cap="none" normalizeH="0" baseline="0" dirty="0">
+              <a:ln>
+                <a:noFill/>
+              </a:ln>
+              <a:solidFill>
+                <a:schemeClr val="tx1"/>
+              </a:solidFill>
+              <a:effectLst/>
+              <a:latin typeface="Arial" panose="020B0604020202020204" pitchFamily="34" charset="0"/>
+            </a:endParaRPr>
+          </a:p>
+          <a:p>
+            <a:pPr marL="0" marR="0" lvl="0" indent="0" algn="l" defTabSz="914400" rtl="0" eaLnBrk="0" fontAlgn="base" latinLnBrk="0" hangingPunct="0">
+              <a:lnSpc>
+                <a:spcPct val="100000"/>
+              </a:lnSpc>
+              <a:spcBef>
+                <a:spcPct val="0"/>
+              </a:spcBef>
+              <a:spcAft>
+                <a:spcPct val="0"/>
+              </a:spcAft>
+              <a:buClrTx/>
+              <a:buSzTx/>
+              <a:buFontTx/>
+              <a:buNone/>
+              <a:tabLst/>
+            </a:pPr>
+            <a:r>
+              <a:rPr kumimoji="0" lang="fr-FR" altLang="fr-FR" sz="1800" b="0" i="0" u="none" strike="noStrike" cap="none" normalizeH="0" baseline="0" dirty="0">
+                <a:ln>
+                  <a:noFill/>
+                </a:ln>
+                <a:solidFill>
+                  <a:schemeClr val="tx2">
+                    <a:lumMod val="50000"/>
+                  </a:schemeClr>
+                </a:solidFill>
+                <a:effectLst/>
+                <a:latin typeface="Consolas" panose="020B0609020204030204" pitchFamily="49" charset="0"/>
+              </a:rPr>
+              <a:t> </a:t>
+            </a:r>
+          </a:p>
+          <a:p>
+            <a:pPr marL="0" marR="0" lvl="0" indent="0" algn="l" defTabSz="914400" rtl="0" eaLnBrk="0" fontAlgn="base" latinLnBrk="0" hangingPunct="0">
+              <a:lnSpc>
+                <a:spcPct val="100000"/>
+              </a:lnSpc>
+              <a:spcBef>
+                <a:spcPct val="0"/>
+              </a:spcBef>
+              <a:spcAft>
+                <a:spcPct val="0"/>
+              </a:spcAft>
+              <a:buClrTx/>
+              <a:buSzTx/>
+              <a:buFontTx/>
+              <a:buNone/>
+              <a:tabLst/>
+            </a:pPr>
+            <a:endParaRPr kumimoji="0" lang="fr-FR" altLang="fr-FR" sz="1800" b="0" i="0" u="none" strike="noStrike" cap="none" normalizeH="0" baseline="0" dirty="0">
+              <a:ln>
+                <a:noFill/>
+              </a:ln>
+              <a:solidFill>
+                <a:schemeClr val="tx2">
+                  <a:lumMod val="50000"/>
+                </a:schemeClr>
+              </a:solidFill>
+              <a:effectLst/>
+              <a:latin typeface="Consolas" panose="020B0609020204030204" pitchFamily="49" charset="0"/>
+            </a:endParaRPr>
+          </a:p>
+        </p:txBody>
+      </p:sp>
+    </p:spTree>
+    <p:extLst>
+      <p:ext uri="{BB962C8B-B14F-4D97-AF65-F5344CB8AC3E}">
+        <p14:creationId xmlns:p14="http://schemas.microsoft.com/office/powerpoint/2010/main" val="3213177106"/>
+      </p:ext>
+    </p:extLst>
+  </p:cSld>
+  <p:clrMapOvr>
+    <a:masterClrMapping/>
+  </p:clrMapOvr>
+</p:sld>
+</file>
+
+<file path=ppt/slides/slide5.xml><?xml version="1.0" encoding="utf-8"?>
+<p:sld xmlns:a="http://schemas.openxmlformats.org/drawingml/2006/main" xmlns:r="http://schemas.openxmlformats.org/officeDocument/2006/relationships" xmlns:p="http://schemas.openxmlformats.org/presentationml/2006/main">
+  <p:cSld>
+    <p:bg>
+      <p:bgPr>
+        <a:noFill/>
+        <a:effectLst/>
+      </p:bgPr>
+    </p:bg>
+    <p:spTree>
+      <p:nvGrpSpPr>
+        <p:cNvPr id="1" name=""/>
+        <p:cNvGrpSpPr/>
+        <p:nvPr/>
+      </p:nvGrpSpPr>
+      <p:grpSpPr>
+        <a:xfrm>
+          <a:off x="0" y="0"/>
+          <a:ext cx="0" cy="0"/>
+          <a:chOff x="0" y="0"/>
+          <a:chExt cx="0" cy="0"/>
+        </a:xfrm>
+      </p:grpSpPr>
+      <p:sp>
+        <p:nvSpPr>
           <p:cNvPr id="6" name="Rectangle 5">
             <a:extLst>
               <a:ext uri="{FF2B5EF4-FFF2-40B4-BE49-F238E27FC236}">
@@ -7360,7 +7807,375 @@
 </p:sld>
 </file>
 
-<file path=ppt/slides/slide4.xml><?xml version="1.0" encoding="utf-8"?>
+<file path=ppt/slides/slide6.xml><?xml version="1.0" encoding="utf-8"?>
+<p:sld xmlns:a="http://schemas.openxmlformats.org/drawingml/2006/main" xmlns:r="http://schemas.openxmlformats.org/officeDocument/2006/relationships" xmlns:p="http://schemas.openxmlformats.org/presentationml/2006/main">
+  <p:cSld>
+    <p:spTree>
+      <p:nvGrpSpPr>
+        <p:cNvPr id="1" name=""/>
+        <p:cNvGrpSpPr/>
+        <p:nvPr/>
+      </p:nvGrpSpPr>
+      <p:grpSpPr>
+        <a:xfrm>
+          <a:off x="0" y="0"/>
+          <a:ext cx="0" cy="0"/>
+          <a:chOff x="0" y="0"/>
+          <a:chExt cx="0" cy="0"/>
+        </a:xfrm>
+      </p:grpSpPr>
+      <p:sp>
+        <p:nvSpPr>
+          <p:cNvPr id="2" name="Titre 1">
+            <a:extLst>
+              <a:ext uri="{FF2B5EF4-FFF2-40B4-BE49-F238E27FC236}">
+                <a16:creationId xmlns:a16="http://schemas.microsoft.com/office/drawing/2014/main" id="{B985A27C-1996-4E27-9C72-FC45498FD25C}"/>
+              </a:ext>
+            </a:extLst>
+          </p:cNvPr>
+          <p:cNvSpPr>
+            <a:spLocks noGrp="1"/>
+          </p:cNvSpPr>
+          <p:nvPr>
+            <p:ph type="ctrTitle"/>
+          </p:nvPr>
+        </p:nvSpPr>
+        <p:spPr>
+          <a:xfrm>
+            <a:off x="3308278" y="511050"/>
+            <a:ext cx="5489825" cy="819453"/>
+          </a:xfrm>
+        </p:spPr>
+        <p:txBody>
+          <a:bodyPr>
+            <a:normAutofit fontScale="90000"/>
+          </a:bodyPr>
+          <a:lstStyle/>
+          <a:p>
+            <a:r>
+              <a:rPr lang="fr-FR" dirty="0"/>
+              <a:t>Select</a:t>
+            </a:r>
+          </a:p>
+        </p:txBody>
+      </p:sp>
+      <p:sp>
+        <p:nvSpPr>
+          <p:cNvPr id="3" name="Sous-titre 2">
+            <a:extLst>
+              <a:ext uri="{FF2B5EF4-FFF2-40B4-BE49-F238E27FC236}">
+                <a16:creationId xmlns:a16="http://schemas.microsoft.com/office/drawing/2014/main" id="{694E1A34-1A27-44DF-977A-AF4B1CEA0531}"/>
+              </a:ext>
+            </a:extLst>
+          </p:cNvPr>
+          <p:cNvSpPr>
+            <a:spLocks noGrp="1"/>
+          </p:cNvSpPr>
+          <p:nvPr>
+            <p:ph type="subTitle" idx="1"/>
+          </p:nvPr>
+        </p:nvSpPr>
+        <p:spPr>
+          <a:xfrm>
+            <a:off x="907551" y="1506110"/>
+            <a:ext cx="9144000" cy="4170362"/>
+          </a:xfrm>
+        </p:spPr>
+        <p:txBody>
+          <a:bodyPr/>
+          <a:lstStyle/>
+          <a:p>
+            <a:pPr marL="342900" indent="-342900" algn="l">
+              <a:buFont typeface="Arial" panose="020B0604020202020204" pitchFamily="34" charset="0"/>
+              <a:buChar char="•"/>
+            </a:pPr>
+            <a:r>
+              <a:rPr lang="fr-FR" dirty="0"/>
+              <a:t>Instruction permettant de choisir </a:t>
+            </a:r>
+            <a:r>
+              <a:rPr lang="fr-FR" dirty="0" err="1"/>
+              <a:t>parmis</a:t>
+            </a:r>
+            <a:r>
+              <a:rPr lang="fr-FR" dirty="0"/>
+              <a:t> plusieurs opérations de </a:t>
+            </a:r>
+            <a:r>
+              <a:rPr lang="fr-FR" dirty="0" err="1"/>
+              <a:t>channel</a:t>
+            </a:r>
+            <a:endParaRPr lang="fr-FR" dirty="0"/>
+          </a:p>
+          <a:p>
+            <a:pPr marL="342900" indent="-342900" algn="l">
+              <a:buFont typeface="Arial" panose="020B0604020202020204" pitchFamily="34" charset="0"/>
+              <a:buChar char="•"/>
+            </a:pPr>
+            <a:r>
+              <a:rPr lang="fr-FR" dirty="0"/>
+              <a:t>L’instruction select est bloqué si aucune opération n’est réalisable</a:t>
+            </a:r>
+          </a:p>
+          <a:p>
+            <a:pPr marL="342900" indent="-342900" algn="l">
+              <a:buFont typeface="Arial" panose="020B0604020202020204" pitchFamily="34" charset="0"/>
+              <a:buChar char="•"/>
+            </a:pPr>
+            <a:r>
+              <a:rPr lang="fr-FR" dirty="0"/>
+              <a:t>Si plusieurs opérations sont possible </a:t>
+            </a:r>
+            <a:r>
+              <a:rPr lang="fr-FR" dirty="0" err="1"/>
+              <a:t>séléction</a:t>
+            </a:r>
+            <a:r>
+              <a:rPr lang="fr-FR" dirty="0"/>
+              <a:t> de l’opération au hasard</a:t>
+            </a:r>
+          </a:p>
+          <a:p>
+            <a:pPr marL="342900" indent="-342900" algn="l">
+              <a:buFont typeface="Arial" panose="020B0604020202020204" pitchFamily="34" charset="0"/>
+              <a:buChar char="•"/>
+            </a:pPr>
+            <a:r>
+              <a:rPr lang="fr-FR" dirty="0"/>
+              <a:t>Déclaration:</a:t>
+            </a:r>
+          </a:p>
+          <a:p>
+            <a:pPr marL="342900" indent="-342900" algn="l">
+              <a:buFont typeface="Arial" panose="020B0604020202020204" pitchFamily="34" charset="0"/>
+              <a:buChar char="•"/>
+            </a:pPr>
+            <a:endParaRPr lang="fr-FR" dirty="0"/>
+          </a:p>
+          <a:p>
+            <a:pPr marL="342900" indent="-342900" algn="l">
+              <a:buFont typeface="Arial" panose="020B0604020202020204" pitchFamily="34" charset="0"/>
+              <a:buChar char="•"/>
+            </a:pPr>
+            <a:endParaRPr lang="fr-FR" dirty="0"/>
+          </a:p>
+          <a:p>
+            <a:pPr marL="342900" indent="-342900" algn="l">
+              <a:buFont typeface="Arial" panose="020B0604020202020204" pitchFamily="34" charset="0"/>
+              <a:buChar char="•"/>
+            </a:pPr>
+            <a:endParaRPr lang="fr-FR" dirty="0"/>
+          </a:p>
+          <a:p>
+            <a:pPr marL="342900" indent="-342900" algn="l">
+              <a:buFont typeface="Arial" panose="020B0604020202020204" pitchFamily="34" charset="0"/>
+              <a:buChar char="•"/>
+            </a:pPr>
+            <a:endParaRPr lang="fr-FR" dirty="0"/>
+          </a:p>
+          <a:p>
+            <a:pPr marL="342900" indent="-342900" algn="l">
+              <a:buFont typeface="Arial" panose="020B0604020202020204" pitchFamily="34" charset="0"/>
+              <a:buChar char="•"/>
+            </a:pPr>
+            <a:endParaRPr lang="fr-FR" dirty="0"/>
+          </a:p>
+        </p:txBody>
+      </p:sp>
+      <p:pic>
+        <p:nvPicPr>
+          <p:cNvPr id="5" name="Image 4">
+            <a:extLst>
+              <a:ext uri="{FF2B5EF4-FFF2-40B4-BE49-F238E27FC236}">
+                <a16:creationId xmlns:a16="http://schemas.microsoft.com/office/drawing/2014/main" id="{30533067-63F0-4F4A-A6B8-B1FE38FD558D}"/>
+              </a:ext>
+            </a:extLst>
+          </p:cNvPr>
+          <p:cNvPicPr>
+            <a:picLocks noChangeAspect="1"/>
+          </p:cNvPicPr>
+          <p:nvPr/>
+        </p:nvPicPr>
+        <p:blipFill>
+          <a:blip r:embed="rId2">
+            <a:extLst>
+              <a:ext uri="{28A0092B-C50C-407E-A947-70E740481C1C}">
+                <a14:useLocalDpi xmlns:a14="http://schemas.microsoft.com/office/drawing/2010/main" val="0"/>
+              </a:ext>
+            </a:extLst>
+          </a:blip>
+          <a:stretch>
+            <a:fillRect/>
+          </a:stretch>
+        </p:blipFill>
+        <p:spPr>
+          <a:xfrm>
+            <a:off x="3733800" y="3143678"/>
+            <a:ext cx="2895600" cy="2019300"/>
+          </a:xfrm>
+          <a:prstGeom prst="rect">
+            <a:avLst/>
+          </a:prstGeom>
+        </p:spPr>
+      </p:pic>
+    </p:spTree>
+    <p:extLst>
+      <p:ext uri="{BB962C8B-B14F-4D97-AF65-F5344CB8AC3E}">
+        <p14:creationId xmlns:p14="http://schemas.microsoft.com/office/powerpoint/2010/main" val="1468860239"/>
+      </p:ext>
+    </p:extLst>
+  </p:cSld>
+  <p:clrMapOvr>
+    <a:masterClrMapping/>
+  </p:clrMapOvr>
+</p:sld>
+</file>
+
+<file path=ppt/slides/slide7.xml><?xml version="1.0" encoding="utf-8"?>
+<p:sld xmlns:a="http://schemas.openxmlformats.org/drawingml/2006/main" xmlns:r="http://schemas.openxmlformats.org/officeDocument/2006/relationships" xmlns:p="http://schemas.openxmlformats.org/presentationml/2006/main">
+  <p:cSld>
+    <p:spTree>
+      <p:nvGrpSpPr>
+        <p:cNvPr id="1" name=""/>
+        <p:cNvGrpSpPr/>
+        <p:nvPr/>
+      </p:nvGrpSpPr>
+      <p:grpSpPr>
+        <a:xfrm>
+          <a:off x="0" y="0"/>
+          <a:ext cx="0" cy="0"/>
+          <a:chOff x="0" y="0"/>
+          <a:chExt cx="0" cy="0"/>
+        </a:xfrm>
+      </p:grpSpPr>
+      <p:sp>
+        <p:nvSpPr>
+          <p:cNvPr id="2" name="Titre 1">
+            <a:extLst>
+              <a:ext uri="{FF2B5EF4-FFF2-40B4-BE49-F238E27FC236}">
+                <a16:creationId xmlns:a16="http://schemas.microsoft.com/office/drawing/2014/main" id="{03E1E6EC-C2B0-46FE-8A9B-7A60A9ECA398}"/>
+              </a:ext>
+            </a:extLst>
+          </p:cNvPr>
+          <p:cNvSpPr>
+            <a:spLocks noGrp="1"/>
+          </p:cNvSpPr>
+          <p:nvPr>
+            <p:ph type="title"/>
+          </p:nvPr>
+        </p:nvSpPr>
+        <p:spPr/>
+        <p:txBody>
+          <a:bodyPr/>
+          <a:lstStyle/>
+          <a:p>
+            <a:r>
+              <a:rPr lang="fr-FR" dirty="0"/>
+              <a:t>Utilisation pratique du select:</a:t>
+            </a:r>
+          </a:p>
+        </p:txBody>
+      </p:sp>
+      <p:sp>
+        <p:nvSpPr>
+          <p:cNvPr id="3" name="Espace réservé du contenu 2">
+            <a:extLst>
+              <a:ext uri="{FF2B5EF4-FFF2-40B4-BE49-F238E27FC236}">
+                <a16:creationId xmlns:a16="http://schemas.microsoft.com/office/drawing/2014/main" id="{AAB4592A-FB09-44ED-BE4E-993215CA13B4}"/>
+              </a:ext>
+            </a:extLst>
+          </p:cNvPr>
+          <p:cNvSpPr>
+            <a:spLocks noGrp="1"/>
+          </p:cNvSpPr>
+          <p:nvPr>
+            <p:ph idx="1"/>
+          </p:nvPr>
+        </p:nvSpPr>
+        <p:spPr>
+          <a:xfrm>
+            <a:off x="838200" y="1455756"/>
+            <a:ext cx="10515600" cy="4351338"/>
+          </a:xfrm>
+        </p:spPr>
+        <p:txBody>
+          <a:bodyPr/>
+          <a:lstStyle/>
+          <a:p>
+            <a:r>
+              <a:rPr lang="fr-FR" dirty="0"/>
+              <a:t>Permet de renvoyer la réponse la plus rapide</a:t>
+            </a:r>
+          </a:p>
+          <a:p>
+            <a:pPr marL="0" indent="0">
+              <a:buNone/>
+            </a:pPr>
+            <a:r>
+              <a:rPr lang="fr-FR" sz="4400" dirty="0">
+                <a:latin typeface="+mj-lt"/>
+              </a:rPr>
+              <a:t>Précaution à prendre:</a:t>
+            </a:r>
+          </a:p>
+          <a:p>
+            <a:r>
+              <a:rPr lang="fr-FR" dirty="0"/>
+              <a:t>Ne pas lancer de select sur des </a:t>
+            </a:r>
+            <a:r>
+              <a:rPr lang="fr-FR" dirty="0" err="1"/>
+              <a:t>channel</a:t>
+            </a:r>
+            <a:r>
+              <a:rPr lang="fr-FR" dirty="0"/>
+              <a:t> vide cela bloque le programme</a:t>
+            </a:r>
+          </a:p>
+          <a:p>
+            <a:r>
+              <a:rPr lang="fr-FR" dirty="0"/>
+              <a:t>Quand aucune des channels n’est prête on exécute le cas par défaut, cela évite de bloquer le programme</a:t>
+            </a:r>
+          </a:p>
+          <a:p>
+            <a:pPr marL="0" indent="0">
+              <a:buNone/>
+            </a:pPr>
+            <a:r>
+              <a:rPr lang="fr-FR" sz="4400" dirty="0">
+                <a:latin typeface="+mj-lt"/>
+              </a:rPr>
+              <a:t>Comment les utiliser dans notre projet:</a:t>
+            </a:r>
+          </a:p>
+          <a:p>
+            <a:r>
+              <a:rPr lang="fr-FR" dirty="0"/>
+              <a:t>Calcul rapide de </a:t>
+            </a:r>
+            <a:r>
+              <a:rPr lang="fr-FR" dirty="0" err="1"/>
+              <a:t>fft</a:t>
+            </a:r>
+            <a:endParaRPr lang="fr-FR" dirty="0"/>
+          </a:p>
+        </p:txBody>
+      </p:sp>
+    </p:spTree>
+    <p:extLst>
+      <p:ext uri="{BB962C8B-B14F-4D97-AF65-F5344CB8AC3E}">
+        <p14:creationId xmlns:p14="http://schemas.microsoft.com/office/powerpoint/2010/main" val="1287182878"/>
+      </p:ext>
+    </p:extLst>
+  </p:cSld>
+  <p:clrMapOvr>
+    <a:masterClrMapping/>
+  </p:clrMapOvr>
+</p:sld>
+</file>
+
+<file path=ppt/slides/slide8.xml><?xml version="1.0" encoding="utf-8"?>
 <p:sld xmlns:a="http://schemas.openxmlformats.org/drawingml/2006/main" xmlns:r="http://schemas.openxmlformats.org/officeDocument/2006/relationships" xmlns:p="http://schemas.openxmlformats.org/presentationml/2006/main">
   <p:cSld>
     <p:spTree>

--- a/Presentation Channels.pptx
+++ b/Presentation Channels.pptx
@@ -10,9 +10,13 @@
     <p:sldId id="257" r:id="rId4"/>
     <p:sldId id="258" r:id="rId5"/>
     <p:sldId id="259" r:id="rId6"/>
-    <p:sldId id="256" r:id="rId7"/>
-    <p:sldId id="261" r:id="rId8"/>
-    <p:sldId id="260" r:id="rId9"/>
+    <p:sldId id="264" r:id="rId7"/>
+    <p:sldId id="265" r:id="rId8"/>
+    <p:sldId id="266" r:id="rId9"/>
+    <p:sldId id="267" r:id="rId10"/>
+    <p:sldId id="256" r:id="rId11"/>
+    <p:sldId id="261" r:id="rId12"/>
+    <p:sldId id="260" r:id="rId13"/>
   </p:sldIdLst>
   <p:sldSz cx="12192000" cy="6858000"/>
   <p:notesSz cx="6858000" cy="9144000"/>
@@ -122,6 +126,7 @@
 <file path=ppt/revisionInfo.xml><?xml version="1.0" encoding="utf-8"?>
 <p1510:revInfo xmlns:a="http://schemas.openxmlformats.org/drawingml/2006/main" xmlns:r="http://schemas.openxmlformats.org/officeDocument/2006/relationships" xmlns:p1510="http://schemas.microsoft.com/office/powerpoint/2015/10/main">
   <p1510:revLst>
+    <p1510:client id="{25D920DA-5751-4D04-87B8-2D0E33A19C8D}" v="13" dt="2021-04-21T06:24:36.212"/>
     <p1510:client id="{48E5C779-048C-4B7D-89BC-B05628B1BD7E}" v="4" dt="2021-04-20T20:16:19.015"/>
     <p1510:client id="{C52ED56B-82A3-4C0C-97E4-5384A1F6DE45}" v="28" dt="2021-04-20T17:30:48.980"/>
   </p1510:revLst>
@@ -206,6 +211,271 @@
       </pc:sldChg>
     </pc:docChg>
   </pc:docChgLst>
+  <pc:docChgLst>
+    <pc:chgData name="Pascal de Franssu" userId="95317a7674d777f6" providerId="LiveId" clId="{25D920DA-5751-4D04-87B8-2D0E33A19C8D}"/>
+    <pc:docChg chg="undo custSel addSld modSld sldOrd">
+      <pc:chgData name="Pascal de Franssu" userId="95317a7674d777f6" providerId="LiveId" clId="{25D920DA-5751-4D04-87B8-2D0E33A19C8D}" dt="2021-04-21T06:40:40.355" v="1600" actId="313"/>
+      <pc:docMkLst>
+        <pc:docMk/>
+      </pc:docMkLst>
+      <pc:sldChg chg="modSp mod">
+        <pc:chgData name="Pascal de Franssu" userId="95317a7674d777f6" providerId="LiveId" clId="{25D920DA-5751-4D04-87B8-2D0E33A19C8D}" dt="2021-04-21T06:40:40.355" v="1600" actId="313"/>
+        <pc:sldMkLst>
+          <pc:docMk/>
+          <pc:sldMk cId="1468860239" sldId="256"/>
+        </pc:sldMkLst>
+        <pc:spChg chg="mod">
+          <ac:chgData name="Pascal de Franssu" userId="95317a7674d777f6" providerId="LiveId" clId="{25D920DA-5751-4D04-87B8-2D0E33A19C8D}" dt="2021-04-21T06:40:40.355" v="1600" actId="313"/>
+          <ac:spMkLst>
+            <pc:docMk/>
+            <pc:sldMk cId="1468860239" sldId="256"/>
+            <ac:spMk id="3" creationId="{694E1A34-1A27-44DF-977A-AF4B1CEA0531}"/>
+          </ac:spMkLst>
+        </pc:spChg>
+      </pc:sldChg>
+      <pc:sldChg chg="modSp mod">
+        <pc:chgData name="Pascal de Franssu" userId="95317a7674d777f6" providerId="LiveId" clId="{25D920DA-5751-4D04-87B8-2D0E33A19C8D}" dt="2021-04-21T06:38:12.761" v="1590" actId="20577"/>
+        <pc:sldMkLst>
+          <pc:docMk/>
+          <pc:sldMk cId="1288188180" sldId="257"/>
+        </pc:sldMkLst>
+        <pc:spChg chg="mod">
+          <ac:chgData name="Pascal de Franssu" userId="95317a7674d777f6" providerId="LiveId" clId="{25D920DA-5751-4D04-87B8-2D0E33A19C8D}" dt="2021-04-21T06:38:12.761" v="1590" actId="20577"/>
+          <ac:spMkLst>
+            <pc:docMk/>
+            <pc:sldMk cId="1288188180" sldId="257"/>
+            <ac:spMk id="3" creationId="{8E7E78B6-2DD3-4A24-8C42-E545AEB43EF2}"/>
+          </ac:spMkLst>
+        </pc:spChg>
+      </pc:sldChg>
+      <pc:sldChg chg="modSp mod">
+        <pc:chgData name="Pascal de Franssu" userId="95317a7674d777f6" providerId="LiveId" clId="{25D920DA-5751-4D04-87B8-2D0E33A19C8D}" dt="2021-04-21T06:40:17.737" v="1596" actId="20577"/>
+        <pc:sldMkLst>
+          <pc:docMk/>
+          <pc:sldMk cId="1775381629" sldId="262"/>
+        </pc:sldMkLst>
+        <pc:spChg chg="mod">
+          <ac:chgData name="Pascal de Franssu" userId="95317a7674d777f6" providerId="LiveId" clId="{25D920DA-5751-4D04-87B8-2D0E33A19C8D}" dt="2021-04-21T06:40:17.737" v="1596" actId="20577"/>
+          <ac:spMkLst>
+            <pc:docMk/>
+            <pc:sldMk cId="1775381629" sldId="262"/>
+            <ac:spMk id="3" creationId="{218A9EA8-C0F5-429C-89EE-F1404A403385}"/>
+          </ac:spMkLst>
+        </pc:spChg>
+        <pc:spChg chg="mod">
+          <ac:chgData name="Pascal de Franssu" userId="95317a7674d777f6" providerId="LiveId" clId="{25D920DA-5751-4D04-87B8-2D0E33A19C8D}" dt="2021-04-21T06:36:10.490" v="1553" actId="20577"/>
+          <ac:spMkLst>
+            <pc:docMk/>
+            <pc:sldMk cId="1775381629" sldId="262"/>
+            <ac:spMk id="6" creationId="{64752EEE-D509-4990-8781-8FD3870AF4DD}"/>
+          </ac:spMkLst>
+        </pc:spChg>
+      </pc:sldChg>
+      <pc:sldChg chg="modSp mod">
+        <pc:chgData name="Pascal de Franssu" userId="95317a7674d777f6" providerId="LiveId" clId="{25D920DA-5751-4D04-87B8-2D0E33A19C8D}" dt="2021-04-21T06:40:25.598" v="1598" actId="20577"/>
+        <pc:sldMkLst>
+          <pc:docMk/>
+          <pc:sldMk cId="2833283308" sldId="263"/>
+        </pc:sldMkLst>
+        <pc:spChg chg="mod">
+          <ac:chgData name="Pascal de Franssu" userId="95317a7674d777f6" providerId="LiveId" clId="{25D920DA-5751-4D04-87B8-2D0E33A19C8D}" dt="2021-04-21T06:40:25.598" v="1598" actId="20577"/>
+          <ac:spMkLst>
+            <pc:docMk/>
+            <pc:sldMk cId="2833283308" sldId="263"/>
+            <ac:spMk id="3" creationId="{3ED58FBE-F575-4188-BB97-0E413C19B4DA}"/>
+          </ac:spMkLst>
+        </pc:spChg>
+      </pc:sldChg>
+      <pc:sldChg chg="addSp delSp modSp new mod ord setBg">
+        <pc:chgData name="Pascal de Franssu" userId="95317a7674d777f6" providerId="LiveId" clId="{25D920DA-5751-4D04-87B8-2D0E33A19C8D}" dt="2021-04-21T06:08:33.824" v="614" actId="20577"/>
+        <pc:sldMkLst>
+          <pc:docMk/>
+          <pc:sldMk cId="714837211" sldId="264"/>
+        </pc:sldMkLst>
+        <pc:spChg chg="mod">
+          <ac:chgData name="Pascal de Franssu" userId="95317a7674d777f6" providerId="LiveId" clId="{25D920DA-5751-4D04-87B8-2D0E33A19C8D}" dt="2021-04-21T05:50:02.265" v="9" actId="20577"/>
+          <ac:spMkLst>
+            <pc:docMk/>
+            <pc:sldMk cId="714837211" sldId="264"/>
+            <ac:spMk id="2" creationId="{B606C76B-6FA8-4CC1-BED4-8286C0A8D063}"/>
+          </ac:spMkLst>
+        </pc:spChg>
+        <pc:spChg chg="add del mod">
+          <ac:chgData name="Pascal de Franssu" userId="95317a7674d777f6" providerId="LiveId" clId="{25D920DA-5751-4D04-87B8-2D0E33A19C8D}" dt="2021-04-21T06:08:33.824" v="614" actId="20577"/>
+          <ac:spMkLst>
+            <pc:docMk/>
+            <pc:sldMk cId="714837211" sldId="264"/>
+            <ac:spMk id="3" creationId="{FB142108-60B4-45DC-BA95-D11C4C611A85}"/>
+          </ac:spMkLst>
+        </pc:spChg>
+        <pc:spChg chg="add del mod">
+          <ac:chgData name="Pascal de Franssu" userId="95317a7674d777f6" providerId="LiveId" clId="{25D920DA-5751-4D04-87B8-2D0E33A19C8D}" dt="2021-04-21T05:53:18.427" v="13"/>
+          <ac:spMkLst>
+            <pc:docMk/>
+            <pc:sldMk cId="714837211" sldId="264"/>
+            <ac:spMk id="4" creationId="{9246C838-E8E5-43AE-942A-BD123672FDEF}"/>
+          </ac:spMkLst>
+        </pc:spChg>
+      </pc:sldChg>
+      <pc:sldChg chg="addSp delSp modSp new mod">
+        <pc:chgData name="Pascal de Franssu" userId="95317a7674d777f6" providerId="LiveId" clId="{25D920DA-5751-4D04-87B8-2D0E33A19C8D}" dt="2021-04-21T06:10:24.730" v="660" actId="20577"/>
+        <pc:sldMkLst>
+          <pc:docMk/>
+          <pc:sldMk cId="3894942371" sldId="265"/>
+        </pc:sldMkLst>
+        <pc:spChg chg="del">
+          <ac:chgData name="Pascal de Franssu" userId="95317a7674d777f6" providerId="LiveId" clId="{25D920DA-5751-4D04-87B8-2D0E33A19C8D}" dt="2021-04-21T06:09:03.548" v="620" actId="478"/>
+          <ac:spMkLst>
+            <pc:docMk/>
+            <pc:sldMk cId="3894942371" sldId="265"/>
+            <ac:spMk id="2" creationId="{3B016C0C-AFD3-44DF-9D4C-CDA7230D2B15}"/>
+          </ac:spMkLst>
+        </pc:spChg>
+        <pc:spChg chg="del">
+          <ac:chgData name="Pascal de Franssu" userId="95317a7674d777f6" providerId="LiveId" clId="{25D920DA-5751-4D04-87B8-2D0E33A19C8D}" dt="2021-04-21T06:08:55.972" v="616" actId="931"/>
+          <ac:spMkLst>
+            <pc:docMk/>
+            <pc:sldMk cId="3894942371" sldId="265"/>
+            <ac:spMk id="3" creationId="{2A2ACBCC-98D0-421F-82A2-249B6E4A046D}"/>
+          </ac:spMkLst>
+        </pc:spChg>
+        <pc:spChg chg="add mod">
+          <ac:chgData name="Pascal de Franssu" userId="95317a7674d777f6" providerId="LiveId" clId="{25D920DA-5751-4D04-87B8-2D0E33A19C8D}" dt="2021-04-21T06:10:13.239" v="651" actId="1076"/>
+          <ac:spMkLst>
+            <pc:docMk/>
+            <pc:sldMk cId="3894942371" sldId="265"/>
+            <ac:spMk id="8" creationId="{3A9636EA-2B0B-48F1-A2A2-5AD5EEBFCD45}"/>
+          </ac:spMkLst>
+        </pc:spChg>
+        <pc:spChg chg="add mod">
+          <ac:chgData name="Pascal de Franssu" userId="95317a7674d777f6" providerId="LiveId" clId="{25D920DA-5751-4D04-87B8-2D0E33A19C8D}" dt="2021-04-21T06:10:24.730" v="660" actId="20577"/>
+          <ac:spMkLst>
+            <pc:docMk/>
+            <pc:sldMk cId="3894942371" sldId="265"/>
+            <ac:spMk id="9" creationId="{CAC6F736-A40B-40D9-9227-12A542417FE2}"/>
+          </ac:spMkLst>
+        </pc:spChg>
+        <pc:picChg chg="add mod">
+          <ac:chgData name="Pascal de Franssu" userId="95317a7674d777f6" providerId="LiveId" clId="{25D920DA-5751-4D04-87B8-2D0E33A19C8D}" dt="2021-04-21T06:09:09.807" v="621" actId="1076"/>
+          <ac:picMkLst>
+            <pc:docMk/>
+            <pc:sldMk cId="3894942371" sldId="265"/>
+            <ac:picMk id="5" creationId="{36906F24-299B-4224-9649-1CF630BD45B2}"/>
+          </ac:picMkLst>
+        </pc:picChg>
+        <pc:picChg chg="add mod">
+          <ac:chgData name="Pascal de Franssu" userId="95317a7674d777f6" providerId="LiveId" clId="{25D920DA-5751-4D04-87B8-2D0E33A19C8D}" dt="2021-04-21T06:09:46.481" v="625" actId="962"/>
+          <ac:picMkLst>
+            <pc:docMk/>
+            <pc:sldMk cId="3894942371" sldId="265"/>
+            <ac:picMk id="7" creationId="{2C6C17BD-0AA3-47A3-914E-6929DD8375CB}"/>
+          </ac:picMkLst>
+        </pc:picChg>
+      </pc:sldChg>
+      <pc:sldChg chg="modSp new mod">
+        <pc:chgData name="Pascal de Franssu" userId="95317a7674d777f6" providerId="LiveId" clId="{25D920DA-5751-4D04-87B8-2D0E33A19C8D}" dt="2021-04-21T06:31:51.879" v="1550" actId="20577"/>
+        <pc:sldMkLst>
+          <pc:docMk/>
+          <pc:sldMk cId="2573272048" sldId="266"/>
+        </pc:sldMkLst>
+        <pc:spChg chg="mod">
+          <ac:chgData name="Pascal de Franssu" userId="95317a7674d777f6" providerId="LiveId" clId="{25D920DA-5751-4D04-87B8-2D0E33A19C8D}" dt="2021-04-21T06:11:21.992" v="674" actId="20577"/>
+          <ac:spMkLst>
+            <pc:docMk/>
+            <pc:sldMk cId="2573272048" sldId="266"/>
+            <ac:spMk id="2" creationId="{49CED1CF-52C2-4642-812F-71CABE422178}"/>
+          </ac:spMkLst>
+        </pc:spChg>
+        <pc:spChg chg="mod">
+          <ac:chgData name="Pascal de Franssu" userId="95317a7674d777f6" providerId="LiveId" clId="{25D920DA-5751-4D04-87B8-2D0E33A19C8D}" dt="2021-04-21T06:31:51.879" v="1550" actId="20577"/>
+          <ac:spMkLst>
+            <pc:docMk/>
+            <pc:sldMk cId="2573272048" sldId="266"/>
+            <ac:spMk id="3" creationId="{D448BC9D-EBD5-4B96-9680-83ABE74D77E5}"/>
+          </ac:spMkLst>
+        </pc:spChg>
+      </pc:sldChg>
+      <pc:sldChg chg="addSp delSp modSp new mod">
+        <pc:chgData name="Pascal de Franssu" userId="95317a7674d777f6" providerId="LiveId" clId="{25D920DA-5751-4D04-87B8-2D0E33A19C8D}" dt="2021-04-21T06:24:58.083" v="968" actId="14100"/>
+        <pc:sldMkLst>
+          <pc:docMk/>
+          <pc:sldMk cId="2907788354" sldId="267"/>
+        </pc:sldMkLst>
+        <pc:spChg chg="del mod">
+          <ac:chgData name="Pascal de Franssu" userId="95317a7674d777f6" providerId="LiveId" clId="{25D920DA-5751-4D04-87B8-2D0E33A19C8D}" dt="2021-04-21T06:22:40.455" v="902" actId="478"/>
+          <ac:spMkLst>
+            <pc:docMk/>
+            <pc:sldMk cId="2907788354" sldId="267"/>
+            <ac:spMk id="2" creationId="{CE5A56DE-57D4-41AF-9A36-AC49E6F96179}"/>
+          </ac:spMkLst>
+        </pc:spChg>
+        <pc:spChg chg="del">
+          <ac:chgData name="Pascal de Franssu" userId="95317a7674d777f6" providerId="LiveId" clId="{25D920DA-5751-4D04-87B8-2D0E33A19C8D}" dt="2021-04-21T06:22:22.224" v="892" actId="931"/>
+          <ac:spMkLst>
+            <pc:docMk/>
+            <pc:sldMk cId="2907788354" sldId="267"/>
+            <ac:spMk id="3" creationId="{59AB9B93-7A2A-44CD-9D70-B0F9FCE4FA0E}"/>
+          </ac:spMkLst>
+        </pc:spChg>
+        <pc:spChg chg="add mod">
+          <ac:chgData name="Pascal de Franssu" userId="95317a7674d777f6" providerId="LiveId" clId="{25D920DA-5751-4D04-87B8-2D0E33A19C8D}" dt="2021-04-21T06:23:08.917" v="932" actId="20577"/>
+          <ac:spMkLst>
+            <pc:docMk/>
+            <pc:sldMk cId="2907788354" sldId="267"/>
+            <ac:spMk id="8" creationId="{ADD594F2-74A0-4F8B-B54F-8C9820C9B1CB}"/>
+          </ac:spMkLst>
+        </pc:spChg>
+        <pc:spChg chg="add mod">
+          <ac:chgData name="Pascal de Franssu" userId="95317a7674d777f6" providerId="LiveId" clId="{25D920DA-5751-4D04-87B8-2D0E33A19C8D}" dt="2021-04-21T06:24:47.664" v="967" actId="1076"/>
+          <ac:spMkLst>
+            <pc:docMk/>
+            <pc:sldMk cId="2907788354" sldId="267"/>
+            <ac:spMk id="13" creationId="{6C09C7A6-4B03-4A74-87E8-4DE3B67B6C12}"/>
+          </ac:spMkLst>
+        </pc:spChg>
+        <pc:spChg chg="add mod">
+          <ac:chgData name="Pascal de Franssu" userId="95317a7674d777f6" providerId="LiveId" clId="{25D920DA-5751-4D04-87B8-2D0E33A19C8D}" dt="2021-04-21T06:24:43.381" v="966" actId="20577"/>
+          <ac:spMkLst>
+            <pc:docMk/>
+            <pc:sldMk cId="2907788354" sldId="267"/>
+            <ac:spMk id="14" creationId="{FD1CC35C-BBAD-4528-A320-E97FE42F022B}"/>
+          </ac:spMkLst>
+        </pc:spChg>
+        <pc:picChg chg="add mod">
+          <ac:chgData name="Pascal de Franssu" userId="95317a7674d777f6" providerId="LiveId" clId="{25D920DA-5751-4D04-87B8-2D0E33A19C8D}" dt="2021-04-21T06:22:44.847" v="904" actId="14100"/>
+          <ac:picMkLst>
+            <pc:docMk/>
+            <pc:sldMk cId="2907788354" sldId="267"/>
+            <ac:picMk id="5" creationId="{D1072F7B-32A0-4C5C-9918-49235D898D29}"/>
+          </ac:picMkLst>
+        </pc:picChg>
+        <pc:picChg chg="add mod">
+          <ac:chgData name="Pascal de Franssu" userId="95317a7674d777f6" providerId="LiveId" clId="{25D920DA-5751-4D04-87B8-2D0E33A19C8D}" dt="2021-04-21T06:24:58.083" v="968" actId="14100"/>
+          <ac:picMkLst>
+            <pc:docMk/>
+            <pc:sldMk cId="2907788354" sldId="267"/>
+            <ac:picMk id="7" creationId="{7D05A463-F98B-4030-A042-4B6C4DB28664}"/>
+          </ac:picMkLst>
+        </pc:picChg>
+        <pc:picChg chg="add mod">
+          <ac:chgData name="Pascal de Franssu" userId="95317a7674d777f6" providerId="LiveId" clId="{25D920DA-5751-4D04-87B8-2D0E33A19C8D}" dt="2021-04-21T06:24:01.951" v="936" actId="1076"/>
+          <ac:picMkLst>
+            <pc:docMk/>
+            <pc:sldMk cId="2907788354" sldId="267"/>
+            <ac:picMk id="10" creationId="{BB517830-C94B-46B9-A864-AA371D8BB20E}"/>
+          </ac:picMkLst>
+        </pc:picChg>
+        <pc:picChg chg="add mod">
+          <ac:chgData name="Pascal de Franssu" userId="95317a7674d777f6" providerId="LiveId" clId="{25D920DA-5751-4D04-87B8-2D0E33A19C8D}" dt="2021-04-21T06:24:09.781" v="938" actId="1076"/>
+          <ac:picMkLst>
+            <pc:docMk/>
+            <pc:sldMk cId="2907788354" sldId="267"/>
+            <ac:picMk id="12" creationId="{919D36C8-B50B-4AB9-9406-F14618AC109D}"/>
+          </ac:picMkLst>
+        </pc:picChg>
+      </pc:sldChg>
+    </pc:docChg>
+  </pc:docChgLst>
 </pc:chgInfo>
 </file>
 
@@ -356,7 +626,7 @@
           <a:p>
             <a:fld id="{01078AC5-8BDB-48FC-A68C-A55B10099018}" type="datetimeFigureOut">
               <a:rPr lang="fr-FR" smtClean="0"/>
-              <a:t>20/04/2021</a:t>
+              <a:t>21/04/2021</a:t>
             </a:fld>
             <a:endParaRPr lang="fr-FR"/>
           </a:p>
@@ -554,7 +824,7 @@
           <a:p>
             <a:fld id="{01078AC5-8BDB-48FC-A68C-A55B10099018}" type="datetimeFigureOut">
               <a:rPr lang="fr-FR" smtClean="0"/>
-              <a:t>20/04/2021</a:t>
+              <a:t>21/04/2021</a:t>
             </a:fld>
             <a:endParaRPr lang="fr-FR"/>
           </a:p>
@@ -762,7 +1032,7 @@
           <a:p>
             <a:fld id="{01078AC5-8BDB-48FC-A68C-A55B10099018}" type="datetimeFigureOut">
               <a:rPr lang="fr-FR" smtClean="0"/>
-              <a:t>20/04/2021</a:t>
+              <a:t>21/04/2021</a:t>
             </a:fld>
             <a:endParaRPr lang="fr-FR"/>
           </a:p>
@@ -960,7 +1230,7 @@
           <a:p>
             <a:fld id="{01078AC5-8BDB-48FC-A68C-A55B10099018}" type="datetimeFigureOut">
               <a:rPr lang="fr-FR" smtClean="0"/>
-              <a:t>20/04/2021</a:t>
+              <a:t>21/04/2021</a:t>
             </a:fld>
             <a:endParaRPr lang="fr-FR"/>
           </a:p>
@@ -1235,7 +1505,7 @@
           <a:p>
             <a:fld id="{01078AC5-8BDB-48FC-A68C-A55B10099018}" type="datetimeFigureOut">
               <a:rPr lang="fr-FR" smtClean="0"/>
-              <a:t>20/04/2021</a:t>
+              <a:t>21/04/2021</a:t>
             </a:fld>
             <a:endParaRPr lang="fr-FR"/>
           </a:p>
@@ -1500,7 +1770,7 @@
           <a:p>
             <a:fld id="{01078AC5-8BDB-48FC-A68C-A55B10099018}" type="datetimeFigureOut">
               <a:rPr lang="fr-FR" smtClean="0"/>
-              <a:t>20/04/2021</a:t>
+              <a:t>21/04/2021</a:t>
             </a:fld>
             <a:endParaRPr lang="fr-FR"/>
           </a:p>
@@ -1912,7 +2182,7 @@
           <a:p>
             <a:fld id="{01078AC5-8BDB-48FC-A68C-A55B10099018}" type="datetimeFigureOut">
               <a:rPr lang="fr-FR" smtClean="0"/>
-              <a:t>20/04/2021</a:t>
+              <a:t>21/04/2021</a:t>
             </a:fld>
             <a:endParaRPr lang="fr-FR"/>
           </a:p>
@@ -2053,7 +2323,7 @@
           <a:p>
             <a:fld id="{01078AC5-8BDB-48FC-A68C-A55B10099018}" type="datetimeFigureOut">
               <a:rPr lang="fr-FR" smtClean="0"/>
-              <a:t>20/04/2021</a:t>
+              <a:t>21/04/2021</a:t>
             </a:fld>
             <a:endParaRPr lang="fr-FR"/>
           </a:p>
@@ -2166,7 +2436,7 @@
           <a:p>
             <a:fld id="{01078AC5-8BDB-48FC-A68C-A55B10099018}" type="datetimeFigureOut">
               <a:rPr lang="fr-FR" smtClean="0"/>
-              <a:t>20/04/2021</a:t>
+              <a:t>21/04/2021</a:t>
             </a:fld>
             <a:endParaRPr lang="fr-FR"/>
           </a:p>
@@ -2477,7 +2747,7 @@
           <a:p>
             <a:fld id="{01078AC5-8BDB-48FC-A68C-A55B10099018}" type="datetimeFigureOut">
               <a:rPr lang="fr-FR" smtClean="0"/>
-              <a:t>20/04/2021</a:t>
+              <a:t>21/04/2021</a:t>
             </a:fld>
             <a:endParaRPr lang="fr-FR"/>
           </a:p>
@@ -2765,7 +3035,7 @@
           <a:p>
             <a:fld id="{01078AC5-8BDB-48FC-A68C-A55B10099018}" type="datetimeFigureOut">
               <a:rPr lang="fr-FR" smtClean="0"/>
-              <a:t>20/04/2021</a:t>
+              <a:t>21/04/2021</a:t>
             </a:fld>
             <a:endParaRPr lang="fr-FR"/>
           </a:p>
@@ -3006,7 +3276,7 @@
           <a:p>
             <a:fld id="{01078AC5-8BDB-48FC-A68C-A55B10099018}" type="datetimeFigureOut">
               <a:rPr lang="fr-FR" smtClean="0"/>
-              <a:t>20/04/2021</a:t>
+              <a:t>21/04/2021</a:t>
             </a:fld>
             <a:endParaRPr lang="fr-FR"/>
           </a:p>
@@ -3492,15 +3762,7 @@
             </a:pPr>
             <a:r>
               <a:rPr lang="fr-FR" sz="2000" dirty="0"/>
-              <a:t>Fonction ou méthode s’</a:t>
-            </a:r>
-            <a:r>
-              <a:rPr lang="fr-FR" sz="2000" dirty="0" err="1"/>
-              <a:t>éxécutant</a:t>
-            </a:r>
-            <a:r>
-              <a:rPr lang="fr-FR" sz="2000" dirty="0"/>
-              <a:t> simultanément avec d’autres méthodes ou fonction</a:t>
+              <a:t>Fonction ou méthode s’exécutant simultanément avec d’autres méthodes ou fonction</a:t>
             </a:r>
           </a:p>
           <a:p>
@@ -3615,7 +3877,7 @@
             </a:pPr>
             <a:r>
               <a:rPr lang="fr-FR" dirty="0"/>
-              <a:t>Les goroutine peuvent communiquer entre elle via des canaux</a:t>
+              <a:t>Les goroutine peuvent communiquer entre elles via des canaux</a:t>
             </a:r>
           </a:p>
         </p:txBody>
@@ -3624,6 +3886,554 @@
     <p:extLst>
       <p:ext uri="{BB962C8B-B14F-4D97-AF65-F5344CB8AC3E}">
         <p14:creationId xmlns:p14="http://schemas.microsoft.com/office/powerpoint/2010/main" val="1775381629"/>
+      </p:ext>
+    </p:extLst>
+  </p:cSld>
+  <p:clrMapOvr>
+    <a:masterClrMapping/>
+  </p:clrMapOvr>
+</p:sld>
+</file>
+
+<file path=ppt/slides/slide10.xml><?xml version="1.0" encoding="utf-8"?>
+<p:sld xmlns:a="http://schemas.openxmlformats.org/drawingml/2006/main" xmlns:r="http://schemas.openxmlformats.org/officeDocument/2006/relationships" xmlns:p="http://schemas.openxmlformats.org/presentationml/2006/main">
+  <p:cSld>
+    <p:spTree>
+      <p:nvGrpSpPr>
+        <p:cNvPr id="1" name=""/>
+        <p:cNvGrpSpPr/>
+        <p:nvPr/>
+      </p:nvGrpSpPr>
+      <p:grpSpPr>
+        <a:xfrm>
+          <a:off x="0" y="0"/>
+          <a:ext cx="0" cy="0"/>
+          <a:chOff x="0" y="0"/>
+          <a:chExt cx="0" cy="0"/>
+        </a:xfrm>
+      </p:grpSpPr>
+      <p:sp>
+        <p:nvSpPr>
+          <p:cNvPr id="2" name="Titre 1">
+            <a:extLst>
+              <a:ext uri="{FF2B5EF4-FFF2-40B4-BE49-F238E27FC236}">
+                <a16:creationId xmlns:a16="http://schemas.microsoft.com/office/drawing/2014/main" id="{B985A27C-1996-4E27-9C72-FC45498FD25C}"/>
+              </a:ext>
+            </a:extLst>
+          </p:cNvPr>
+          <p:cNvSpPr>
+            <a:spLocks noGrp="1"/>
+          </p:cNvSpPr>
+          <p:nvPr>
+            <p:ph type="ctrTitle"/>
+          </p:nvPr>
+        </p:nvSpPr>
+        <p:spPr>
+          <a:xfrm>
+            <a:off x="3308278" y="511050"/>
+            <a:ext cx="5489825" cy="819453"/>
+          </a:xfrm>
+        </p:spPr>
+        <p:txBody>
+          <a:bodyPr>
+            <a:normAutofit fontScale="90000"/>
+          </a:bodyPr>
+          <a:lstStyle/>
+          <a:p>
+            <a:r>
+              <a:rPr lang="fr-FR" dirty="0"/>
+              <a:t>Select</a:t>
+            </a:r>
+          </a:p>
+        </p:txBody>
+      </p:sp>
+      <p:sp>
+        <p:nvSpPr>
+          <p:cNvPr id="3" name="Sous-titre 2">
+            <a:extLst>
+              <a:ext uri="{FF2B5EF4-FFF2-40B4-BE49-F238E27FC236}">
+                <a16:creationId xmlns:a16="http://schemas.microsoft.com/office/drawing/2014/main" id="{694E1A34-1A27-44DF-977A-AF4B1CEA0531}"/>
+              </a:ext>
+            </a:extLst>
+          </p:cNvPr>
+          <p:cNvSpPr>
+            <a:spLocks noGrp="1"/>
+          </p:cNvSpPr>
+          <p:nvPr>
+            <p:ph type="subTitle" idx="1"/>
+          </p:nvPr>
+        </p:nvSpPr>
+        <p:spPr>
+          <a:xfrm>
+            <a:off x="907551" y="1506110"/>
+            <a:ext cx="9144000" cy="4170362"/>
+          </a:xfrm>
+        </p:spPr>
+        <p:txBody>
+          <a:bodyPr/>
+          <a:lstStyle/>
+          <a:p>
+            <a:pPr marL="342900" indent="-342900" algn="l">
+              <a:buFont typeface="Arial" panose="020B0604020202020204" pitchFamily="34" charset="0"/>
+              <a:buChar char="•"/>
+            </a:pPr>
+            <a:r>
+              <a:rPr lang="fr-FR" dirty="0"/>
+              <a:t>Instruction permettant de choisir parmi plusieurs opérations de </a:t>
+            </a:r>
+            <a:r>
+              <a:rPr lang="fr-FR" dirty="0" err="1"/>
+              <a:t>channel</a:t>
+            </a:r>
+            <a:endParaRPr lang="fr-FR" dirty="0"/>
+          </a:p>
+          <a:p>
+            <a:pPr marL="342900" indent="-342900" algn="l">
+              <a:buFont typeface="Arial" panose="020B0604020202020204" pitchFamily="34" charset="0"/>
+              <a:buChar char="•"/>
+            </a:pPr>
+            <a:r>
+              <a:rPr lang="fr-FR" dirty="0"/>
+              <a:t>L’instruction select est bloqué si aucune opération n’est réalisable</a:t>
+            </a:r>
+          </a:p>
+          <a:p>
+            <a:pPr marL="342900" indent="-342900" algn="l">
+              <a:buFont typeface="Arial" panose="020B0604020202020204" pitchFamily="34" charset="0"/>
+              <a:buChar char="•"/>
+            </a:pPr>
+            <a:r>
+              <a:rPr lang="fr-FR" dirty="0"/>
+              <a:t>Si plusieurs opérations sont possible sélection de l’opération au hasard</a:t>
+            </a:r>
+          </a:p>
+          <a:p>
+            <a:pPr marL="342900" indent="-342900" algn="l">
+              <a:buFont typeface="Arial" panose="020B0604020202020204" pitchFamily="34" charset="0"/>
+              <a:buChar char="•"/>
+            </a:pPr>
+            <a:r>
+              <a:rPr lang="fr-FR" dirty="0"/>
+              <a:t>Déclaration:</a:t>
+            </a:r>
+          </a:p>
+          <a:p>
+            <a:pPr marL="342900" indent="-342900" algn="l">
+              <a:buFont typeface="Arial" panose="020B0604020202020204" pitchFamily="34" charset="0"/>
+              <a:buChar char="•"/>
+            </a:pPr>
+            <a:endParaRPr lang="fr-FR" dirty="0"/>
+          </a:p>
+          <a:p>
+            <a:pPr marL="342900" indent="-342900" algn="l">
+              <a:buFont typeface="Arial" panose="020B0604020202020204" pitchFamily="34" charset="0"/>
+              <a:buChar char="•"/>
+            </a:pPr>
+            <a:endParaRPr lang="fr-FR" dirty="0"/>
+          </a:p>
+          <a:p>
+            <a:pPr marL="342900" indent="-342900" algn="l">
+              <a:buFont typeface="Arial" panose="020B0604020202020204" pitchFamily="34" charset="0"/>
+              <a:buChar char="•"/>
+            </a:pPr>
+            <a:endParaRPr lang="fr-FR" dirty="0"/>
+          </a:p>
+          <a:p>
+            <a:pPr marL="342900" indent="-342900" algn="l">
+              <a:buFont typeface="Arial" panose="020B0604020202020204" pitchFamily="34" charset="0"/>
+              <a:buChar char="•"/>
+            </a:pPr>
+            <a:endParaRPr lang="fr-FR" dirty="0"/>
+          </a:p>
+          <a:p>
+            <a:pPr marL="342900" indent="-342900" algn="l">
+              <a:buFont typeface="Arial" panose="020B0604020202020204" pitchFamily="34" charset="0"/>
+              <a:buChar char="•"/>
+            </a:pPr>
+            <a:endParaRPr lang="fr-FR" dirty="0"/>
+          </a:p>
+        </p:txBody>
+      </p:sp>
+      <p:pic>
+        <p:nvPicPr>
+          <p:cNvPr id="5" name="Image 4">
+            <a:extLst>
+              <a:ext uri="{FF2B5EF4-FFF2-40B4-BE49-F238E27FC236}">
+                <a16:creationId xmlns:a16="http://schemas.microsoft.com/office/drawing/2014/main" id="{30533067-63F0-4F4A-A6B8-B1FE38FD558D}"/>
+              </a:ext>
+            </a:extLst>
+          </p:cNvPr>
+          <p:cNvPicPr>
+            <a:picLocks noChangeAspect="1"/>
+          </p:cNvPicPr>
+          <p:nvPr/>
+        </p:nvPicPr>
+        <p:blipFill>
+          <a:blip r:embed="rId2">
+            <a:extLst>
+              <a:ext uri="{28A0092B-C50C-407E-A947-70E740481C1C}">
+                <a14:useLocalDpi xmlns:a14="http://schemas.microsoft.com/office/drawing/2010/main" val="0"/>
+              </a:ext>
+            </a:extLst>
+          </a:blip>
+          <a:stretch>
+            <a:fillRect/>
+          </a:stretch>
+        </p:blipFill>
+        <p:spPr>
+          <a:xfrm>
+            <a:off x="3733800" y="3143678"/>
+            <a:ext cx="2895600" cy="2019300"/>
+          </a:xfrm>
+          <a:prstGeom prst="rect">
+            <a:avLst/>
+          </a:prstGeom>
+        </p:spPr>
+      </p:pic>
+    </p:spTree>
+    <p:extLst>
+      <p:ext uri="{BB962C8B-B14F-4D97-AF65-F5344CB8AC3E}">
+        <p14:creationId xmlns:p14="http://schemas.microsoft.com/office/powerpoint/2010/main" val="1468860239"/>
+      </p:ext>
+    </p:extLst>
+  </p:cSld>
+  <p:clrMapOvr>
+    <a:masterClrMapping/>
+  </p:clrMapOvr>
+</p:sld>
+</file>
+
+<file path=ppt/slides/slide11.xml><?xml version="1.0" encoding="utf-8"?>
+<p:sld xmlns:a="http://schemas.openxmlformats.org/drawingml/2006/main" xmlns:r="http://schemas.openxmlformats.org/officeDocument/2006/relationships" xmlns:p="http://schemas.openxmlformats.org/presentationml/2006/main">
+  <p:cSld>
+    <p:spTree>
+      <p:nvGrpSpPr>
+        <p:cNvPr id="1" name=""/>
+        <p:cNvGrpSpPr/>
+        <p:nvPr/>
+      </p:nvGrpSpPr>
+      <p:grpSpPr>
+        <a:xfrm>
+          <a:off x="0" y="0"/>
+          <a:ext cx="0" cy="0"/>
+          <a:chOff x="0" y="0"/>
+          <a:chExt cx="0" cy="0"/>
+        </a:xfrm>
+      </p:grpSpPr>
+      <p:sp>
+        <p:nvSpPr>
+          <p:cNvPr id="2" name="Titre 1">
+            <a:extLst>
+              <a:ext uri="{FF2B5EF4-FFF2-40B4-BE49-F238E27FC236}">
+                <a16:creationId xmlns:a16="http://schemas.microsoft.com/office/drawing/2014/main" id="{03E1E6EC-C2B0-46FE-8A9B-7A60A9ECA398}"/>
+              </a:ext>
+            </a:extLst>
+          </p:cNvPr>
+          <p:cNvSpPr>
+            <a:spLocks noGrp="1"/>
+          </p:cNvSpPr>
+          <p:nvPr>
+            <p:ph type="title"/>
+          </p:nvPr>
+        </p:nvSpPr>
+        <p:spPr/>
+        <p:txBody>
+          <a:bodyPr/>
+          <a:lstStyle/>
+          <a:p>
+            <a:r>
+              <a:rPr lang="fr-FR" dirty="0"/>
+              <a:t>Utilisation pratique du select:</a:t>
+            </a:r>
+          </a:p>
+        </p:txBody>
+      </p:sp>
+      <p:sp>
+        <p:nvSpPr>
+          <p:cNvPr id="3" name="Espace réservé du contenu 2">
+            <a:extLst>
+              <a:ext uri="{FF2B5EF4-FFF2-40B4-BE49-F238E27FC236}">
+                <a16:creationId xmlns:a16="http://schemas.microsoft.com/office/drawing/2014/main" id="{AAB4592A-FB09-44ED-BE4E-993215CA13B4}"/>
+              </a:ext>
+            </a:extLst>
+          </p:cNvPr>
+          <p:cNvSpPr>
+            <a:spLocks noGrp="1"/>
+          </p:cNvSpPr>
+          <p:nvPr>
+            <p:ph idx="1"/>
+          </p:nvPr>
+        </p:nvSpPr>
+        <p:spPr>
+          <a:xfrm>
+            <a:off x="838200" y="1455756"/>
+            <a:ext cx="10515600" cy="4351338"/>
+          </a:xfrm>
+        </p:spPr>
+        <p:txBody>
+          <a:bodyPr/>
+          <a:lstStyle/>
+          <a:p>
+            <a:r>
+              <a:rPr lang="fr-FR" dirty="0"/>
+              <a:t>Permet de renvoyer la réponse la plus rapide</a:t>
+            </a:r>
+          </a:p>
+          <a:p>
+            <a:pPr marL="0" indent="0">
+              <a:buNone/>
+            </a:pPr>
+            <a:r>
+              <a:rPr lang="fr-FR" sz="4400" dirty="0">
+                <a:latin typeface="+mj-lt"/>
+              </a:rPr>
+              <a:t>Précaution à prendre:</a:t>
+            </a:r>
+          </a:p>
+          <a:p>
+            <a:r>
+              <a:rPr lang="fr-FR" dirty="0"/>
+              <a:t>Ne pas lancer de select sur des </a:t>
+            </a:r>
+            <a:r>
+              <a:rPr lang="fr-FR" dirty="0" err="1"/>
+              <a:t>channel</a:t>
+            </a:r>
+            <a:r>
+              <a:rPr lang="fr-FR" dirty="0"/>
+              <a:t> vide cela bloque le programme</a:t>
+            </a:r>
+          </a:p>
+          <a:p>
+            <a:r>
+              <a:rPr lang="fr-FR" dirty="0"/>
+              <a:t>Quand aucune des channels n’est prête on exécute le cas par défaut, cela évite de bloquer le programme</a:t>
+            </a:r>
+          </a:p>
+          <a:p>
+            <a:pPr marL="0" indent="0">
+              <a:buNone/>
+            </a:pPr>
+            <a:r>
+              <a:rPr lang="fr-FR" sz="4400" dirty="0">
+                <a:latin typeface="+mj-lt"/>
+              </a:rPr>
+              <a:t>Comment les utiliser dans notre projet:</a:t>
+            </a:r>
+          </a:p>
+          <a:p>
+            <a:r>
+              <a:rPr lang="fr-FR" dirty="0"/>
+              <a:t>Calcul rapide de </a:t>
+            </a:r>
+            <a:r>
+              <a:rPr lang="fr-FR" dirty="0" err="1"/>
+              <a:t>fft</a:t>
+            </a:r>
+            <a:endParaRPr lang="fr-FR" dirty="0"/>
+          </a:p>
+        </p:txBody>
+      </p:sp>
+    </p:spTree>
+    <p:extLst>
+      <p:ext uri="{BB962C8B-B14F-4D97-AF65-F5344CB8AC3E}">
+        <p14:creationId xmlns:p14="http://schemas.microsoft.com/office/powerpoint/2010/main" val="1287182878"/>
+      </p:ext>
+    </p:extLst>
+  </p:cSld>
+  <p:clrMapOvr>
+    <a:masterClrMapping/>
+  </p:clrMapOvr>
+</p:sld>
+</file>
+
+<file path=ppt/slides/slide12.xml><?xml version="1.0" encoding="utf-8"?>
+<p:sld xmlns:a="http://schemas.openxmlformats.org/drawingml/2006/main" xmlns:r="http://schemas.openxmlformats.org/officeDocument/2006/relationships" xmlns:p="http://schemas.openxmlformats.org/presentationml/2006/main">
+  <p:cSld>
+    <p:spTree>
+      <p:nvGrpSpPr>
+        <p:cNvPr id="1" name=""/>
+        <p:cNvGrpSpPr/>
+        <p:nvPr/>
+      </p:nvGrpSpPr>
+      <p:grpSpPr>
+        <a:xfrm>
+          <a:off x="0" y="0"/>
+          <a:ext cx="0" cy="0"/>
+          <a:chOff x="0" y="0"/>
+          <a:chExt cx="0" cy="0"/>
+        </a:xfrm>
+      </p:grpSpPr>
+      <p:sp>
+        <p:nvSpPr>
+          <p:cNvPr id="2" name="Titre 1">
+            <a:extLst>
+              <a:ext uri="{FF2B5EF4-FFF2-40B4-BE49-F238E27FC236}">
+                <a16:creationId xmlns:a16="http://schemas.microsoft.com/office/drawing/2014/main" id="{6F04A68B-34D2-4CDF-9A95-D56F297CE04D}"/>
+              </a:ext>
+            </a:extLst>
+          </p:cNvPr>
+          <p:cNvSpPr>
+            <a:spLocks noGrp="1"/>
+          </p:cNvSpPr>
+          <p:nvPr>
+            <p:ph type="title"/>
+          </p:nvPr>
+        </p:nvSpPr>
+        <p:spPr/>
+        <p:txBody>
+          <a:bodyPr/>
+          <a:lstStyle/>
+          <a:p>
+            <a:r>
+              <a:rPr lang="fr-FR" dirty="0"/>
+              <a:t>Le type Mutex</a:t>
+            </a:r>
+          </a:p>
+        </p:txBody>
+      </p:sp>
+      <p:sp>
+        <p:nvSpPr>
+          <p:cNvPr id="3" name="Espace réservé du contenu 2">
+            <a:extLst>
+              <a:ext uri="{FF2B5EF4-FFF2-40B4-BE49-F238E27FC236}">
+                <a16:creationId xmlns:a16="http://schemas.microsoft.com/office/drawing/2014/main" id="{206760F4-2F8F-4649-8FC6-9190B38689AA}"/>
+              </a:ext>
+            </a:extLst>
+          </p:cNvPr>
+          <p:cNvSpPr>
+            <a:spLocks noGrp="1"/>
+          </p:cNvSpPr>
+          <p:nvPr>
+            <p:ph idx="1"/>
+          </p:nvPr>
+        </p:nvSpPr>
+        <p:spPr/>
+        <p:txBody>
+          <a:bodyPr/>
+          <a:lstStyle/>
+          <a:p>
+            <a:r>
+              <a:rPr lang="fr-FR" dirty="0"/>
+              <a:t>Est un objet		 (ex : 			     )</a:t>
+            </a:r>
+          </a:p>
+          <a:p>
+            <a:r>
+              <a:rPr lang="fr-FR" dirty="0"/>
+              <a:t>Permet de s’assurer qu’une seule goroutine ai accès à une variable à la fois (pour éviter les conflits)</a:t>
+            </a:r>
+          </a:p>
+          <a:p>
+            <a:r>
+              <a:rPr lang="fr-FR" dirty="0"/>
+              <a:t>Nous appelons ça la </a:t>
+            </a:r>
+            <a:r>
+              <a:rPr lang="fr-FR" i="1" dirty="0" err="1"/>
+              <a:t>Mutual</a:t>
+            </a:r>
+            <a:r>
+              <a:rPr lang="fr-FR" i="1" dirty="0"/>
+              <a:t> exclusion</a:t>
+            </a:r>
+            <a:r>
+              <a:rPr lang="fr-FR" dirty="0"/>
+              <a:t>, d’où le nom mutex</a:t>
+            </a:r>
+          </a:p>
+          <a:p>
+            <a:r>
+              <a:rPr lang="fr-FR" dirty="0"/>
+              <a:t>Fournit avec deux méthodes : Lock et </a:t>
+            </a:r>
+            <a:r>
+              <a:rPr lang="fr-FR" dirty="0" err="1"/>
+              <a:t>Unlock</a:t>
+            </a:r>
+            <a:endParaRPr lang="fr-FR" dirty="0"/>
+          </a:p>
+          <a:p>
+            <a:r>
+              <a:rPr lang="fr-FR" dirty="0"/>
+              <a:t>Utilisé au sein d’un processus, ce qui donne :</a:t>
+            </a:r>
+          </a:p>
+          <a:p>
+            <a:pPr marL="0" indent="0">
+              <a:buNone/>
+            </a:pPr>
+            <a:r>
+              <a:rPr lang="fr-FR" dirty="0"/>
+              <a:t>	Afin de rendre bloquant la variable c</a:t>
+            </a:r>
+          </a:p>
+        </p:txBody>
+      </p:sp>
+      <p:pic>
+        <p:nvPicPr>
+          <p:cNvPr id="5" name="Image 4">
+            <a:extLst>
+              <a:ext uri="{FF2B5EF4-FFF2-40B4-BE49-F238E27FC236}">
+                <a16:creationId xmlns:a16="http://schemas.microsoft.com/office/drawing/2014/main" id="{12FA880C-2296-4938-BCD0-99C70B0A0FED}"/>
+              </a:ext>
+            </a:extLst>
+          </p:cNvPr>
+          <p:cNvPicPr>
+            <a:picLocks noChangeAspect="1"/>
+          </p:cNvPicPr>
+          <p:nvPr/>
+        </p:nvPicPr>
+        <p:blipFill>
+          <a:blip r:embed="rId2"/>
+          <a:stretch>
+            <a:fillRect/>
+          </a:stretch>
+        </p:blipFill>
+        <p:spPr>
+          <a:xfrm>
+            <a:off x="5389261" y="1856105"/>
+            <a:ext cx="2309599" cy="392196"/>
+          </a:xfrm>
+          <a:prstGeom prst="rect">
+            <a:avLst/>
+          </a:prstGeom>
+        </p:spPr>
+      </p:pic>
+      <p:pic>
+        <p:nvPicPr>
+          <p:cNvPr id="7" name="Image 6">
+            <a:extLst>
+              <a:ext uri="{FF2B5EF4-FFF2-40B4-BE49-F238E27FC236}">
+                <a16:creationId xmlns:a16="http://schemas.microsoft.com/office/drawing/2014/main" id="{70DBE6A9-50AF-4BA8-BED2-F1BAE555ADD0}"/>
+              </a:ext>
+            </a:extLst>
+          </p:cNvPr>
+          <p:cNvPicPr>
+            <a:picLocks noChangeAspect="1"/>
+          </p:cNvPicPr>
+          <p:nvPr/>
+        </p:nvPicPr>
+        <p:blipFill>
+          <a:blip r:embed="rId3"/>
+          <a:stretch>
+            <a:fillRect/>
+          </a:stretch>
+        </p:blipFill>
+        <p:spPr>
+          <a:xfrm>
+            <a:off x="7897328" y="4353837"/>
+            <a:ext cx="4037998" cy="1823126"/>
+          </a:xfrm>
+          <a:prstGeom prst="rect">
+            <a:avLst/>
+          </a:prstGeom>
+        </p:spPr>
+      </p:pic>
+    </p:spTree>
+    <p:extLst>
+      <p:ext uri="{BB962C8B-B14F-4D97-AF65-F5344CB8AC3E}">
+        <p14:creationId xmlns:p14="http://schemas.microsoft.com/office/powerpoint/2010/main" val="1008294246"/>
       </p:ext>
     </p:extLst>
   </p:cSld>
@@ -3701,15 +4511,7 @@
           <a:p>
             <a:r>
               <a:rPr lang="fr-FR" dirty="0"/>
-              <a:t>Pour qu’une goroutine s’</a:t>
-            </a:r>
-            <a:r>
-              <a:rPr lang="fr-FR" dirty="0" err="1"/>
-              <a:t>éxécute</a:t>
-            </a:r>
-            <a:r>
-              <a:rPr lang="fr-FR" dirty="0"/>
-              <a:t> on doit s’assurer que la goroutine principale tourne </a:t>
+              <a:t>Pour qu’une goroutine s’exécute on doit s’assurer que la goroutine principale tourne </a:t>
             </a:r>
           </a:p>
           <a:p>
@@ -3959,7 +4761,7 @@
                 <a:latin typeface="Calibri" panose="020F0502020204030204" pitchFamily="34" charset="0"/>
                 <a:cs typeface="Calibri" panose="020F0502020204030204" pitchFamily="34" charset="0"/>
               </a:rPr>
-              <a:t>, ce qui signifie qu'ils n'accepteront pas de </a:t>
+              <a:t>, ce qui signifie qu'ils n'accepteront de </a:t>
             </a:r>
             <a:r>
               <a:rPr lang="fr-FR" b="1" i="0" dirty="0">
@@ -3985,7 +4787,7 @@
                 <a:latin typeface="Calibri" panose="020F0502020204030204" pitchFamily="34" charset="0"/>
                 <a:cs typeface="Calibri" panose="020F0502020204030204" pitchFamily="34" charset="0"/>
               </a:rPr>
-              <a:t> ( chan&lt;-) que s'il existe un </a:t>
+              <a:t> ( chan&lt;-) que s’il existe un </a:t>
             </a:r>
             <a:r>
               <a:rPr lang="fr-FR" b="1" i="0" dirty="0">
@@ -3998,7 +4800,7 @@
                 <a:latin typeface="Calibri" panose="020F0502020204030204" pitchFamily="34" charset="0"/>
                 <a:cs typeface="Calibri" panose="020F0502020204030204" pitchFamily="34" charset="0"/>
               </a:rPr>
-              <a:t>expéditeur</a:t>
+              <a:t>expéditeur </a:t>
             </a:r>
             <a:r>
               <a:rPr lang="fr-FR" b="0" i="0" dirty="0">
@@ -4011,7 +4813,7 @@
                 <a:latin typeface="Calibri" panose="020F0502020204030204" pitchFamily="34" charset="0"/>
                 <a:cs typeface="Calibri" panose="020F0502020204030204" pitchFamily="34" charset="0"/>
               </a:rPr>
-              <a:t> ( &lt;- chan) correspondant prêt à recevoir la valeur envoyée, l'inverse est aussi vrai.</a:t>
+              <a:t>( &lt;- chan) correspondant prêt à recevoir la valeur envoyée, l'inverse est aussi vrai.</a:t>
             </a:r>
             <a:endParaRPr lang="fr-FR" dirty="0">
               <a:solidFill>
@@ -7829,7 +8631,7 @@
           <p:cNvPr id="2" name="Titre 1">
             <a:extLst>
               <a:ext uri="{FF2B5EF4-FFF2-40B4-BE49-F238E27FC236}">
-                <a16:creationId xmlns:a16="http://schemas.microsoft.com/office/drawing/2014/main" id="{B985A27C-1996-4E27-9C72-FC45498FD25C}"/>
+                <a16:creationId xmlns:a16="http://schemas.microsoft.com/office/drawing/2014/main" id="{B606C76B-6FA8-4CC1-BED4-8286C0A8D063}"/>
               </a:ext>
             </a:extLst>
           </p:cNvPr>
@@ -7837,34 +8639,28 @@
             <a:spLocks noGrp="1"/>
           </p:cNvSpPr>
           <p:nvPr>
-            <p:ph type="ctrTitle"/>
+            <p:ph type="title"/>
           </p:nvPr>
         </p:nvSpPr>
-        <p:spPr>
-          <a:xfrm>
-            <a:off x="3308278" y="511050"/>
-            <a:ext cx="5489825" cy="819453"/>
-          </a:xfrm>
-        </p:spPr>
+        <p:spPr/>
         <p:txBody>
-          <a:bodyPr>
-            <a:normAutofit fontScale="90000"/>
-          </a:bodyPr>
+          <a:bodyPr/>
           <a:lstStyle/>
           <a:p>
             <a:r>
-              <a:rPr lang="fr-FR" dirty="0"/>
-              <a:t>Select</a:t>
-            </a:r>
+              <a:rPr lang="fr-FR" dirty="0" err="1"/>
+              <a:t>WaitGroup</a:t>
+            </a:r>
+            <a:endParaRPr lang="fr-FR" dirty="0"/>
           </a:p>
         </p:txBody>
       </p:sp>
       <p:sp>
         <p:nvSpPr>
-          <p:cNvPr id="3" name="Sous-titre 2">
-            <a:extLst>
-              <a:ext uri="{FF2B5EF4-FFF2-40B4-BE49-F238E27FC236}">
-                <a16:creationId xmlns:a16="http://schemas.microsoft.com/office/drawing/2014/main" id="{694E1A34-1A27-44DF-977A-AF4B1CEA0531}"/>
+          <p:cNvPr id="3" name="Espace réservé du contenu 2">
+            <a:extLst>
+              <a:ext uri="{FF2B5EF4-FFF2-40B4-BE49-F238E27FC236}">
+                <a16:creationId xmlns:a16="http://schemas.microsoft.com/office/drawing/2014/main" id="{FB142108-60B4-45DC-BA95-D11C4C611A85}"/>
               </a:ext>
             </a:extLst>
           </p:cNvPr>
@@ -7872,156 +8668,83 @@
             <a:spLocks noGrp="1"/>
           </p:cNvSpPr>
           <p:nvPr>
-            <p:ph type="subTitle" idx="1"/>
+            <p:ph idx="1"/>
           </p:nvPr>
         </p:nvSpPr>
-        <p:spPr>
-          <a:xfrm>
-            <a:off x="907551" y="1506110"/>
-            <a:ext cx="9144000" cy="4170362"/>
-          </a:xfrm>
-        </p:spPr>
+        <p:spPr/>
         <p:txBody>
           <a:bodyPr/>
           <a:lstStyle/>
           <a:p>
-            <a:pPr marL="342900" indent="-342900" algn="l">
-              <a:buFont typeface="Arial" panose="020B0604020202020204" pitchFamily="34" charset="0"/>
-              <a:buChar char="•"/>
+            <a:r>
+              <a:rPr lang="fr-FR" dirty="0"/>
+              <a:t>Outil qui permet d’attendre qu’un groupe de goroutines finissent leur taches </a:t>
+            </a:r>
+          </a:p>
+          <a:p>
+            <a:r>
+              <a:rPr lang="fr-FR" dirty="0"/>
+              <a:t>Implémentation : - créer une variable </a:t>
+            </a:r>
+            <a:r>
+              <a:rPr lang="fr-FR" dirty="0" err="1"/>
+              <a:t>WaitGroup</a:t>
+            </a:r>
+            <a:r>
+              <a:rPr lang="fr-FR" dirty="0"/>
+              <a:t> </a:t>
+            </a:r>
+          </a:p>
+          <a:p>
+            <a:pPr marL="0" indent="0">
+              <a:buNone/>
             </a:pPr>
             <a:r>
               <a:rPr lang="fr-FR" dirty="0"/>
-              <a:t>Instruction permettant de choisir </a:t>
+              <a:t>                                   - l’incrémenter juste avant d’appeler une goroutine</a:t>
+            </a:r>
+          </a:p>
+          <a:p>
+            <a:pPr marL="0" indent="0">
+              <a:buNone/>
+            </a:pPr>
+            <a:r>
+              <a:rPr lang="fr-FR" dirty="0"/>
+              <a:t>                                   - Et mettre </a:t>
             </a:r>
             <a:r>
               <a:rPr lang="fr-FR" dirty="0" err="1"/>
-              <a:t>parmis</a:t>
+              <a:t>wg.Done</a:t>
             </a:r>
             <a:r>
               <a:rPr lang="fr-FR" dirty="0"/>
-              <a:t> plusieurs opérations de </a:t>
-            </a:r>
-            <a:r>
-              <a:rPr lang="fr-FR" dirty="0" err="1"/>
-              <a:t>channel</a:t>
-            </a:r>
-            <a:endParaRPr lang="fr-FR" dirty="0"/>
-          </a:p>
-          <a:p>
-            <a:pPr marL="342900" indent="-342900" algn="l">
-              <a:buFont typeface="Arial" panose="020B0604020202020204" pitchFamily="34" charset="0"/>
-              <a:buChar char="•"/>
+              <a:t>() à la fin d’une go routine pour</a:t>
+            </a:r>
+          </a:p>
+          <a:p>
+            <a:pPr marL="0" indent="0">
+              <a:buNone/>
             </a:pPr>
             <a:r>
               <a:rPr lang="fr-FR" dirty="0"/>
-              <a:t>L’instruction select est bloqué si aucune opération n’est réalisable</a:t>
-            </a:r>
-          </a:p>
-          <a:p>
-            <a:pPr marL="342900" indent="-342900" algn="l">
-              <a:buFont typeface="Arial" panose="020B0604020202020204" pitchFamily="34" charset="0"/>
-              <a:buChar char="•"/>
+              <a:t>                                     décrémenter la variable quand elle tombe à 0, </a:t>
+            </a:r>
+          </a:p>
+          <a:p>
+            <a:pPr marL="0" indent="0">
+              <a:buNone/>
             </a:pPr>
             <a:r>
               <a:rPr lang="fr-FR" dirty="0"/>
-              <a:t>Si plusieurs opérations sont possible </a:t>
-            </a:r>
-            <a:r>
-              <a:rPr lang="fr-FR" dirty="0" err="1"/>
-              <a:t>séléction</a:t>
-            </a:r>
-            <a:r>
-              <a:rPr lang="fr-FR" dirty="0"/>
-              <a:t> de l’opération au hasard</a:t>
-            </a:r>
-          </a:p>
-          <a:p>
-            <a:pPr marL="342900" indent="-342900" algn="l">
-              <a:buFont typeface="Arial" panose="020B0604020202020204" pitchFamily="34" charset="0"/>
-              <a:buChar char="•"/>
-            </a:pPr>
-            <a:r>
-              <a:rPr lang="fr-FR" dirty="0"/>
-              <a:t>Déclaration:</a:t>
-            </a:r>
-          </a:p>
-          <a:p>
-            <a:pPr marL="342900" indent="-342900" algn="l">
-              <a:buFont typeface="Arial" panose="020B0604020202020204" pitchFamily="34" charset="0"/>
-              <a:buChar char="•"/>
-            </a:pPr>
-            <a:endParaRPr lang="fr-FR" dirty="0"/>
-          </a:p>
-          <a:p>
-            <a:pPr marL="342900" indent="-342900" algn="l">
-              <a:buFont typeface="Arial" panose="020B0604020202020204" pitchFamily="34" charset="0"/>
-              <a:buChar char="•"/>
-            </a:pPr>
-            <a:endParaRPr lang="fr-FR" dirty="0"/>
-          </a:p>
-          <a:p>
-            <a:pPr marL="342900" indent="-342900" algn="l">
-              <a:buFont typeface="Arial" panose="020B0604020202020204" pitchFamily="34" charset="0"/>
-              <a:buChar char="•"/>
-            </a:pPr>
-            <a:endParaRPr lang="fr-FR" dirty="0"/>
-          </a:p>
-          <a:p>
-            <a:pPr marL="342900" indent="-342900" algn="l">
-              <a:buFont typeface="Arial" panose="020B0604020202020204" pitchFamily="34" charset="0"/>
-              <a:buChar char="•"/>
-            </a:pPr>
-            <a:endParaRPr lang="fr-FR" dirty="0"/>
-          </a:p>
-          <a:p>
-            <a:pPr marL="342900" indent="-342900" algn="l">
-              <a:buFont typeface="Arial" panose="020B0604020202020204" pitchFamily="34" charset="0"/>
-              <a:buChar char="•"/>
-            </a:pPr>
-            <a:endParaRPr lang="fr-FR" dirty="0"/>
+              <a:t>                                     tout les résultats son donnés </a:t>
+            </a:r>
           </a:p>
         </p:txBody>
       </p:sp>
-      <p:pic>
-        <p:nvPicPr>
-          <p:cNvPr id="5" name="Image 4">
-            <a:extLst>
-              <a:ext uri="{FF2B5EF4-FFF2-40B4-BE49-F238E27FC236}">
-                <a16:creationId xmlns:a16="http://schemas.microsoft.com/office/drawing/2014/main" id="{30533067-63F0-4F4A-A6B8-B1FE38FD558D}"/>
-              </a:ext>
-            </a:extLst>
-          </p:cNvPr>
-          <p:cNvPicPr>
-            <a:picLocks noChangeAspect="1"/>
-          </p:cNvPicPr>
-          <p:nvPr/>
-        </p:nvPicPr>
-        <p:blipFill>
-          <a:blip r:embed="rId2">
-            <a:extLst>
-              <a:ext uri="{28A0092B-C50C-407E-A947-70E740481C1C}">
-                <a14:useLocalDpi xmlns:a14="http://schemas.microsoft.com/office/drawing/2010/main" val="0"/>
-              </a:ext>
-            </a:extLst>
-          </a:blip>
-          <a:stretch>
-            <a:fillRect/>
-          </a:stretch>
-        </p:blipFill>
-        <p:spPr>
-          <a:xfrm>
-            <a:off x="3733800" y="3143678"/>
-            <a:ext cx="2895600" cy="2019300"/>
-          </a:xfrm>
-          <a:prstGeom prst="rect">
-            <a:avLst/>
-          </a:prstGeom>
-        </p:spPr>
-      </p:pic>
     </p:spTree>
     <p:extLst>
       <p:ext uri="{BB962C8B-B14F-4D97-AF65-F5344CB8AC3E}">
-        <p14:creationId xmlns:p14="http://schemas.microsoft.com/office/powerpoint/2010/main" val="1468860239"/>
+        <p14:creationId xmlns:p14="http://schemas.microsoft.com/office/powerpoint/2010/main" val="714837211"/>
       </p:ext>
     </p:extLst>
   </p:cSld>
@@ -8048,124 +8771,151 @@
           <a:chExt cx="0" cy="0"/>
         </a:xfrm>
       </p:grpSpPr>
+      <p:pic>
+        <p:nvPicPr>
+          <p:cNvPr id="5" name="Espace réservé du contenu 4" descr="Une image contenant texte&#10;&#10;Description générée automatiquement">
+            <a:extLst>
+              <a:ext uri="{FF2B5EF4-FFF2-40B4-BE49-F238E27FC236}">
+                <a16:creationId xmlns:a16="http://schemas.microsoft.com/office/drawing/2014/main" id="{36906F24-299B-4224-9649-1CF630BD45B2}"/>
+              </a:ext>
+            </a:extLst>
+          </p:cNvPr>
+          <p:cNvPicPr>
+            <a:picLocks noGrp="1" noChangeAspect="1"/>
+          </p:cNvPicPr>
+          <p:nvPr>
+            <p:ph idx="1"/>
+          </p:nvPr>
+        </p:nvPicPr>
+        <p:blipFill>
+          <a:blip r:embed="rId2">
+            <a:extLst>
+              <a:ext uri="{28A0092B-C50C-407E-A947-70E740481C1C}">
+                <a14:useLocalDpi xmlns:a14="http://schemas.microsoft.com/office/drawing/2010/main" val="0"/>
+              </a:ext>
+            </a:extLst>
+          </a:blip>
+          <a:stretch>
+            <a:fillRect/>
+          </a:stretch>
+        </p:blipFill>
+        <p:spPr>
+          <a:xfrm>
+            <a:off x="857548" y="1386076"/>
+            <a:ext cx="4288108" cy="4351338"/>
+          </a:xfrm>
+        </p:spPr>
+      </p:pic>
+      <p:pic>
+        <p:nvPicPr>
+          <p:cNvPr id="7" name="Image 6" descr="Une image contenant texte&#10;&#10;Description générée automatiquement">
+            <a:extLst>
+              <a:ext uri="{FF2B5EF4-FFF2-40B4-BE49-F238E27FC236}">
+                <a16:creationId xmlns:a16="http://schemas.microsoft.com/office/drawing/2014/main" id="{2C6C17BD-0AA3-47A3-914E-6929DD8375CB}"/>
+              </a:ext>
+            </a:extLst>
+          </p:cNvPr>
+          <p:cNvPicPr>
+            <a:picLocks noChangeAspect="1"/>
+          </p:cNvPicPr>
+          <p:nvPr/>
+        </p:nvPicPr>
+        <p:blipFill>
+          <a:blip r:embed="rId3">
+            <a:extLst>
+              <a:ext uri="{28A0092B-C50C-407E-A947-70E740481C1C}">
+                <a14:useLocalDpi xmlns:a14="http://schemas.microsoft.com/office/drawing/2010/main" val="0"/>
+              </a:ext>
+            </a:extLst>
+          </a:blip>
+          <a:stretch>
+            <a:fillRect/>
+          </a:stretch>
+        </p:blipFill>
+        <p:spPr>
+          <a:xfrm>
+            <a:off x="6519822" y="3429000"/>
+            <a:ext cx="3276884" cy="2149026"/>
+          </a:xfrm>
+          <a:prstGeom prst="rect">
+            <a:avLst/>
+          </a:prstGeom>
+        </p:spPr>
+      </p:pic>
       <p:sp>
         <p:nvSpPr>
-          <p:cNvPr id="2" name="Titre 1">
-            <a:extLst>
-              <a:ext uri="{FF2B5EF4-FFF2-40B4-BE49-F238E27FC236}">
-                <a16:creationId xmlns:a16="http://schemas.microsoft.com/office/drawing/2014/main" id="{03E1E6EC-C2B0-46FE-8A9B-7A60A9ECA398}"/>
-              </a:ext>
-            </a:extLst>
-          </p:cNvPr>
-          <p:cNvSpPr>
-            <a:spLocks noGrp="1"/>
-          </p:cNvSpPr>
-          <p:nvPr>
-            <p:ph type="title"/>
-          </p:nvPr>
+          <p:cNvPr id="8" name="ZoneTexte 7">
+            <a:extLst>
+              <a:ext uri="{FF2B5EF4-FFF2-40B4-BE49-F238E27FC236}">
+                <a16:creationId xmlns:a16="http://schemas.microsoft.com/office/drawing/2014/main" id="{3A9636EA-2B0B-48F1-A2A2-5AD5EEBFCD45}"/>
+              </a:ext>
+            </a:extLst>
+          </p:cNvPr>
+          <p:cNvSpPr txBox="1"/>
+          <p:nvPr/>
         </p:nvSpPr>
-        <p:spPr/>
+        <p:spPr>
+          <a:xfrm>
+            <a:off x="768486" y="885057"/>
+            <a:ext cx="4288108" cy="369332"/>
+          </a:xfrm>
+          <a:prstGeom prst="rect">
+            <a:avLst/>
+          </a:prstGeom>
+          <a:noFill/>
+        </p:spPr>
         <p:txBody>
-          <a:bodyPr/>
+          <a:bodyPr wrap="square" rtlCol="0">
+            <a:spAutoFit/>
+          </a:bodyPr>
           <a:lstStyle/>
           <a:p>
             <a:r>
               <a:rPr lang="fr-FR" dirty="0"/>
-              <a:t>Utilisation pratique du select:</a:t>
+              <a:t>Exemple implémentation :</a:t>
             </a:r>
           </a:p>
         </p:txBody>
       </p:sp>
       <p:sp>
         <p:nvSpPr>
-          <p:cNvPr id="3" name="Espace réservé du contenu 2">
-            <a:extLst>
-              <a:ext uri="{FF2B5EF4-FFF2-40B4-BE49-F238E27FC236}">
-                <a16:creationId xmlns:a16="http://schemas.microsoft.com/office/drawing/2014/main" id="{AAB4592A-FB09-44ED-BE4E-993215CA13B4}"/>
-              </a:ext>
-            </a:extLst>
-          </p:cNvPr>
-          <p:cNvSpPr>
-            <a:spLocks noGrp="1"/>
-          </p:cNvSpPr>
-          <p:nvPr>
-            <p:ph idx="1"/>
-          </p:nvPr>
+          <p:cNvPr id="9" name="ZoneTexte 8">
+            <a:extLst>
+              <a:ext uri="{FF2B5EF4-FFF2-40B4-BE49-F238E27FC236}">
+                <a16:creationId xmlns:a16="http://schemas.microsoft.com/office/drawing/2014/main" id="{CAC6F736-A40B-40D9-9227-12A542417FE2}"/>
+              </a:ext>
+            </a:extLst>
+          </p:cNvPr>
+          <p:cNvSpPr txBox="1"/>
+          <p:nvPr/>
         </p:nvSpPr>
         <p:spPr>
           <a:xfrm>
-            <a:off x="838200" y="1455756"/>
-            <a:ext cx="10515600" cy="4351338"/>
+            <a:off x="6368376" y="2856529"/>
+            <a:ext cx="4288108" cy="369332"/>
           </a:xfrm>
+          <a:prstGeom prst="rect">
+            <a:avLst/>
+          </a:prstGeom>
+          <a:noFill/>
         </p:spPr>
         <p:txBody>
-          <a:bodyPr/>
+          <a:bodyPr wrap="square" rtlCol="0">
+            <a:spAutoFit/>
+          </a:bodyPr>
           <a:lstStyle/>
           <a:p>
             <a:r>
               <a:rPr lang="fr-FR" dirty="0"/>
-              <a:t>Permet de renvoyer la réponse la plus rapide</a:t>
-            </a:r>
-          </a:p>
-          <a:p>
-            <a:pPr marL="0" indent="0">
-              <a:buNone/>
-            </a:pPr>
-            <a:r>
-              <a:rPr lang="fr-FR" sz="4400" dirty="0">
-                <a:latin typeface="+mj-lt"/>
-              </a:rPr>
-              <a:t>Précaution à prendre:</a:t>
-            </a:r>
-          </a:p>
-          <a:p>
-            <a:r>
-              <a:rPr lang="fr-FR" dirty="0"/>
-              <a:t>Ne pas lancer de select sur des </a:t>
-            </a:r>
-            <a:r>
-              <a:rPr lang="fr-FR" dirty="0" err="1"/>
-              <a:t>channel</a:t>
-            </a:r>
-            <a:r>
-              <a:rPr lang="fr-FR" dirty="0"/>
-              <a:t> vide cela bloque le programme</a:t>
-            </a:r>
-          </a:p>
-          <a:p>
-            <a:r>
-              <a:rPr lang="fr-FR" dirty="0"/>
-              <a:t>Quand aucune des channels n’est prête on exécute le cas par défaut, cela évite de bloquer le programme</a:t>
-            </a:r>
-          </a:p>
-          <a:p>
-            <a:pPr marL="0" indent="0">
-              <a:buNone/>
-            </a:pPr>
-            <a:r>
-              <a:rPr lang="fr-FR" sz="4400" dirty="0">
-                <a:latin typeface="+mj-lt"/>
-              </a:rPr>
-              <a:t>Comment les utiliser dans notre projet:</a:t>
-            </a:r>
-          </a:p>
-          <a:p>
-            <a:r>
-              <a:rPr lang="fr-FR" dirty="0"/>
-              <a:t>Calcul rapide de </a:t>
-            </a:r>
-            <a:r>
-              <a:rPr lang="fr-FR" dirty="0" err="1"/>
-              <a:t>fft</a:t>
-            </a:r>
-            <a:endParaRPr lang="fr-FR" dirty="0"/>
+              <a:t>Retour :</a:t>
+            </a:r>
           </a:p>
         </p:txBody>
       </p:sp>
     </p:spTree>
     <p:extLst>
       <p:ext uri="{BB962C8B-B14F-4D97-AF65-F5344CB8AC3E}">
-        <p14:creationId xmlns:p14="http://schemas.microsoft.com/office/powerpoint/2010/main" val="1287182878"/>
+        <p14:creationId xmlns:p14="http://schemas.microsoft.com/office/powerpoint/2010/main" val="3894942371"/>
       </p:ext>
     </p:extLst>
   </p:cSld>
@@ -8197,7 +8947,7 @@
           <p:cNvPr id="2" name="Titre 1">
             <a:extLst>
               <a:ext uri="{FF2B5EF4-FFF2-40B4-BE49-F238E27FC236}">
-                <a16:creationId xmlns:a16="http://schemas.microsoft.com/office/drawing/2014/main" id="{6F04A68B-34D2-4CDF-9A95-D56F297CE04D}"/>
+                <a16:creationId xmlns:a16="http://schemas.microsoft.com/office/drawing/2014/main" id="{49CED1CF-52C2-4642-812F-71CABE422178}"/>
               </a:ext>
             </a:extLst>
           </p:cNvPr>
@@ -8214,8 +8964,12 @@
           <a:lstStyle/>
           <a:p>
             <a:r>
+              <a:rPr lang="fr-FR" dirty="0" err="1"/>
+              <a:t>Worker</a:t>
+            </a:r>
+            <a:r>
               <a:rPr lang="fr-FR" dirty="0"/>
-              <a:t>Le type Mutex</a:t>
+              <a:t> Pool</a:t>
             </a:r>
           </a:p>
         </p:txBody>
@@ -8225,7 +8979,7 @@
           <p:cNvPr id="3" name="Espace réservé du contenu 2">
             <a:extLst>
               <a:ext uri="{FF2B5EF4-FFF2-40B4-BE49-F238E27FC236}">
-                <a16:creationId xmlns:a16="http://schemas.microsoft.com/office/drawing/2014/main" id="{206760F4-2F8F-4649-8FC6-9190B38689AA}"/>
+                <a16:creationId xmlns:a16="http://schemas.microsoft.com/office/drawing/2014/main" id="{D448BC9D-EBD5-4B96-9680-83ABE74D77E5}"/>
               </a:ext>
             </a:extLst>
           </p:cNvPr>
@@ -8238,53 +8992,42 @@
         </p:nvSpPr>
         <p:spPr/>
         <p:txBody>
-          <a:bodyPr/>
+          <a:bodyPr>
+            <a:normAutofit/>
+          </a:bodyPr>
           <a:lstStyle/>
           <a:p>
             <a:r>
-              <a:rPr lang="fr-FR" dirty="0"/>
-              <a:t>Est un objet		 (ex : 			     )</a:t>
-            </a:r>
-          </a:p>
-          <a:p>
-            <a:r>
-              <a:rPr lang="fr-FR" dirty="0"/>
-              <a:t>Permet de s’assurer qu’une seule goroutine ai accès à une variable à la fois (pour éviter les conflits)</a:t>
-            </a:r>
-          </a:p>
-          <a:p>
-            <a:r>
-              <a:rPr lang="fr-FR" dirty="0"/>
-              <a:t>Nous appelons ça la </a:t>
-            </a:r>
-            <a:r>
-              <a:rPr lang="fr-FR" i="1" dirty="0" err="1"/>
-              <a:t>Mutual</a:t>
-            </a:r>
-            <a:r>
-              <a:rPr lang="fr-FR" i="1" dirty="0"/>
-              <a:t> exclusion</a:t>
-            </a:r>
-            <a:r>
-              <a:rPr lang="fr-FR" dirty="0"/>
-              <a:t>, d’où le nom mutex</a:t>
-            </a:r>
-          </a:p>
-          <a:p>
-            <a:r>
-              <a:rPr lang="fr-FR" dirty="0"/>
-              <a:t>Fournit avec deux méthodes : Lock et </a:t>
-            </a:r>
-            <a:r>
-              <a:rPr lang="fr-FR" dirty="0" err="1"/>
-              <a:t>Unlock</a:t>
-            </a:r>
-            <a:endParaRPr lang="fr-FR" dirty="0"/>
-          </a:p>
-          <a:p>
-            <a:r>
-              <a:rPr lang="fr-FR" dirty="0"/>
-              <a:t>Utilisé au sein d’un processus, ce qui donne :</a:t>
+              <a:rPr lang="fr-FR" sz="2000" dirty="0"/>
+              <a:t>Goroutines mises en attente et prêtes à effectuer un tâche </a:t>
+            </a:r>
+          </a:p>
+          <a:p>
+            <a:r>
+              <a:rPr lang="fr-FR" sz="2000" dirty="0"/>
+              <a:t>Les tâches et les résultats renvoyé par les goroutines son communiquées par des </a:t>
+            </a:r>
+            <a:r>
+              <a:rPr lang="fr-FR" sz="2000" dirty="0" err="1"/>
+              <a:t>buffered</a:t>
+            </a:r>
+            <a:r>
+              <a:rPr lang="fr-FR" sz="2000" dirty="0"/>
+              <a:t> channels.</a:t>
+            </a:r>
+          </a:p>
+          <a:p>
+            <a:r>
+              <a:rPr lang="fr-FR" sz="2000" dirty="0"/>
+              <a:t>Implémentation : - Création des types Jobs et </a:t>
+            </a:r>
+            <a:r>
+              <a:rPr lang="fr-FR" sz="2000" dirty="0" err="1"/>
+              <a:t>Results</a:t>
+            </a:r>
+            <a:r>
+              <a:rPr lang="fr-FR" sz="2000" dirty="0"/>
+              <a:t> en fonction de la tâche assignée.</a:t>
             </a:r>
           </a:p>
           <a:p>
@@ -8292,18 +9035,161 @@
               <a:buNone/>
             </a:pPr>
             <a:r>
-              <a:rPr lang="fr-FR" dirty="0"/>
-              <a:t>	Afin de rendre bloquant la variable c</a:t>
-            </a:r>
+              <a:rPr lang="fr-FR" sz="2000" dirty="0"/>
+              <a:t>                                    - Créer </a:t>
+            </a:r>
+            <a:r>
+              <a:rPr lang="fr-FR" sz="2000" dirty="0" err="1"/>
+              <a:t>workers</a:t>
+            </a:r>
+            <a:r>
+              <a:rPr lang="fr-FR" sz="2000" dirty="0"/>
+              <a:t> qui prennent tout élément dans le </a:t>
+            </a:r>
+            <a:r>
+              <a:rPr lang="fr-FR" sz="2000" dirty="0" err="1"/>
+              <a:t>bufferd</a:t>
+            </a:r>
+            <a:r>
+              <a:rPr lang="fr-FR" sz="2000" dirty="0"/>
+              <a:t> chanel contenant les  		    Jobs et renvoie les résultats dans </a:t>
+            </a:r>
+            <a:r>
+              <a:rPr lang="fr-FR" sz="2000" dirty="0" err="1"/>
+              <a:t>résults</a:t>
+            </a:r>
+            <a:r>
+              <a:rPr lang="fr-FR" sz="2000" dirty="0"/>
+              <a:t> </a:t>
+            </a:r>
+          </a:p>
+          <a:p>
+            <a:pPr marL="0" indent="0">
+              <a:buNone/>
+            </a:pPr>
+            <a:r>
+              <a:rPr lang="fr-FR" sz="2000" dirty="0"/>
+              <a:t>		    - Créer une </a:t>
+            </a:r>
+            <a:r>
+              <a:rPr lang="fr-FR" sz="2000" dirty="0" err="1"/>
+              <a:t>Worker</a:t>
+            </a:r>
+            <a:r>
+              <a:rPr lang="fr-FR" sz="2000" dirty="0"/>
+              <a:t> Pool qui exécute un certain  nombre de </a:t>
+            </a:r>
+            <a:r>
+              <a:rPr lang="fr-FR" sz="2000" dirty="0" err="1"/>
+              <a:t>workers</a:t>
+            </a:r>
+            <a:r>
+              <a:rPr lang="fr-FR" sz="2000" dirty="0"/>
+              <a:t> et les  			    attends avec </a:t>
+            </a:r>
+            <a:r>
+              <a:rPr lang="fr-FR" sz="2000" dirty="0" err="1"/>
+              <a:t>WaitGroup</a:t>
+            </a:r>
+            <a:endParaRPr lang="fr-FR" sz="2000" dirty="0"/>
+          </a:p>
+          <a:p>
+            <a:pPr marL="0" indent="0">
+              <a:buNone/>
+            </a:pPr>
+            <a:r>
+              <a:rPr lang="fr-FR" sz="2000" dirty="0"/>
+              <a:t>		    - Mettre les job dans Jobs</a:t>
+            </a:r>
+          </a:p>
+          <a:p>
+            <a:pPr marL="0" indent="0">
+              <a:buNone/>
+            </a:pPr>
+            <a:r>
+              <a:rPr lang="fr-FR" sz="2000" dirty="0"/>
+              <a:t>		    - Et lire les résultats </a:t>
+            </a:r>
+          </a:p>
+          <a:p>
+            <a:pPr marL="0" indent="0">
+              <a:buNone/>
+            </a:pPr>
+            <a:endParaRPr lang="fr-FR" sz="2000" dirty="0"/>
           </a:p>
         </p:txBody>
       </p:sp>
+    </p:spTree>
+    <p:extLst>
+      <p:ext uri="{BB962C8B-B14F-4D97-AF65-F5344CB8AC3E}">
+        <p14:creationId xmlns:p14="http://schemas.microsoft.com/office/powerpoint/2010/main" val="2573272048"/>
+      </p:ext>
+    </p:extLst>
+  </p:cSld>
+  <p:clrMapOvr>
+    <a:masterClrMapping/>
+  </p:clrMapOvr>
+</p:sld>
+</file>
+
+<file path=ppt/slides/slide9.xml><?xml version="1.0" encoding="utf-8"?>
+<p:sld xmlns:a="http://schemas.openxmlformats.org/drawingml/2006/main" xmlns:r="http://schemas.openxmlformats.org/officeDocument/2006/relationships" xmlns:p="http://schemas.openxmlformats.org/presentationml/2006/main">
+  <p:cSld>
+    <p:spTree>
+      <p:nvGrpSpPr>
+        <p:cNvPr id="1" name=""/>
+        <p:cNvGrpSpPr/>
+        <p:nvPr/>
+      </p:nvGrpSpPr>
+      <p:grpSpPr>
+        <a:xfrm>
+          <a:off x="0" y="0"/>
+          <a:ext cx="0" cy="0"/>
+          <a:chOff x="0" y="0"/>
+          <a:chExt cx="0" cy="0"/>
+        </a:xfrm>
+      </p:grpSpPr>
       <p:pic>
         <p:nvPicPr>
-          <p:cNvPr id="5" name="Image 4">
-            <a:extLst>
-              <a:ext uri="{FF2B5EF4-FFF2-40B4-BE49-F238E27FC236}">
-                <a16:creationId xmlns:a16="http://schemas.microsoft.com/office/drawing/2014/main" id="{12FA880C-2296-4938-BCD0-99C70B0A0FED}"/>
+          <p:cNvPr id="5" name="Espace réservé du contenu 4" descr="Une image contenant texte&#10;&#10;Description générée automatiquement">
+            <a:extLst>
+              <a:ext uri="{FF2B5EF4-FFF2-40B4-BE49-F238E27FC236}">
+                <a16:creationId xmlns:a16="http://schemas.microsoft.com/office/drawing/2014/main" id="{D1072F7B-32A0-4C5C-9918-49235D898D29}"/>
+              </a:ext>
+            </a:extLst>
+          </p:cNvPr>
+          <p:cNvPicPr>
+            <a:picLocks noGrp="1" noChangeAspect="1"/>
+          </p:cNvPicPr>
+          <p:nvPr>
+            <p:ph idx="1"/>
+          </p:nvPr>
+        </p:nvPicPr>
+        <p:blipFill>
+          <a:blip r:embed="rId2">
+            <a:extLst>
+              <a:ext uri="{28A0092B-C50C-407E-A947-70E740481C1C}">
+                <a14:useLocalDpi xmlns:a14="http://schemas.microsoft.com/office/drawing/2010/main" val="0"/>
+              </a:ext>
+            </a:extLst>
+          </a:blip>
+          <a:stretch>
+            <a:fillRect/>
+          </a:stretch>
+        </p:blipFill>
+        <p:spPr>
+          <a:xfrm>
+            <a:off x="420032" y="1001949"/>
+            <a:ext cx="2968872" cy="5193868"/>
+          </a:xfrm>
+        </p:spPr>
+      </p:pic>
+      <p:pic>
+        <p:nvPicPr>
+          <p:cNvPr id="7" name="Image 6" descr="Une image contenant texte&#10;&#10;Description générée automatiquement">
+            <a:extLst>
+              <a:ext uri="{FF2B5EF4-FFF2-40B4-BE49-F238E27FC236}">
+                <a16:creationId xmlns:a16="http://schemas.microsoft.com/office/drawing/2014/main" id="{7D05A463-F98B-4030-A042-4B6C4DB28664}"/>
               </a:ext>
             </a:extLst>
           </p:cNvPr>
@@ -8313,15 +9199,92 @@
           <p:nvPr/>
         </p:nvPicPr>
         <p:blipFill>
-          <a:blip r:embed="rId2"/>
+          <a:blip r:embed="rId3">
+            <a:extLst>
+              <a:ext uri="{28A0092B-C50C-407E-A947-70E740481C1C}">
+                <a14:useLocalDpi xmlns:a14="http://schemas.microsoft.com/office/drawing/2010/main" val="0"/>
+              </a:ext>
+            </a:extLst>
+          </a:blip>
           <a:stretch>
             <a:fillRect/>
           </a:stretch>
         </p:blipFill>
         <p:spPr>
           <a:xfrm>
-            <a:off x="5389261" y="1856105"/>
-            <a:ext cx="2309599" cy="392196"/>
+            <a:off x="3504667" y="1001949"/>
+            <a:ext cx="3712930" cy="5180999"/>
+          </a:xfrm>
+          <a:prstGeom prst="rect">
+            <a:avLst/>
+          </a:prstGeom>
+        </p:spPr>
+      </p:pic>
+      <p:sp>
+        <p:nvSpPr>
+          <p:cNvPr id="8" name="ZoneTexte 7">
+            <a:extLst>
+              <a:ext uri="{FF2B5EF4-FFF2-40B4-BE49-F238E27FC236}">
+                <a16:creationId xmlns:a16="http://schemas.microsoft.com/office/drawing/2014/main" id="{ADD594F2-74A0-4F8B-B54F-8C9820C9B1CB}"/>
+              </a:ext>
+            </a:extLst>
+          </p:cNvPr>
+          <p:cNvSpPr txBox="1"/>
+          <p:nvPr/>
+        </p:nvSpPr>
+        <p:spPr>
+          <a:xfrm>
+            <a:off x="661481" y="486383"/>
+            <a:ext cx="2636196" cy="369332"/>
+          </a:xfrm>
+          <a:prstGeom prst="rect">
+            <a:avLst/>
+          </a:prstGeom>
+          <a:noFill/>
+        </p:spPr>
+        <p:txBody>
+          <a:bodyPr wrap="square" rtlCol="0">
+            <a:spAutoFit/>
+          </a:bodyPr>
+          <a:lstStyle/>
+          <a:p>
+            <a:r>
+              <a:rPr lang="fr-FR" dirty="0"/>
+              <a:t>Exemple : </a:t>
+            </a:r>
+          </a:p>
+        </p:txBody>
+      </p:sp>
+      <p:pic>
+        <p:nvPicPr>
+          <p:cNvPr id="10" name="Image 9" descr="Une image contenant texte&#10;&#10;Description générée automatiquement">
+            <a:extLst>
+              <a:ext uri="{FF2B5EF4-FFF2-40B4-BE49-F238E27FC236}">
+                <a16:creationId xmlns:a16="http://schemas.microsoft.com/office/drawing/2014/main" id="{BB517830-C94B-46B9-A864-AA371D8BB20E}"/>
+              </a:ext>
+            </a:extLst>
+          </p:cNvPr>
+          <p:cNvPicPr>
+            <a:picLocks noChangeAspect="1"/>
+          </p:cNvPicPr>
+          <p:nvPr/>
+        </p:nvPicPr>
+        <p:blipFill>
+          <a:blip r:embed="rId4">
+            <a:extLst>
+              <a:ext uri="{28A0092B-C50C-407E-A947-70E740481C1C}">
+                <a14:useLocalDpi xmlns:a14="http://schemas.microsoft.com/office/drawing/2010/main" val="0"/>
+              </a:ext>
+            </a:extLst>
+          </a:blip>
+          <a:stretch>
+            <a:fillRect/>
+          </a:stretch>
+        </p:blipFill>
+        <p:spPr>
+          <a:xfrm>
+            <a:off x="8184277" y="2631059"/>
+            <a:ext cx="2979678" cy="967824"/>
           </a:xfrm>
           <a:prstGeom prst="rect">
             <a:avLst/>
@@ -8330,10 +9293,10 @@
       </p:pic>
       <p:pic>
         <p:nvPicPr>
-          <p:cNvPr id="7" name="Image 6">
-            <a:extLst>
-              <a:ext uri="{FF2B5EF4-FFF2-40B4-BE49-F238E27FC236}">
-                <a16:creationId xmlns:a16="http://schemas.microsoft.com/office/drawing/2014/main" id="{70DBE6A9-50AF-4BA8-BED2-F1BAE555ADD0}"/>
+          <p:cNvPr id="12" name="Image 11">
+            <a:extLst>
+              <a:ext uri="{FF2B5EF4-FFF2-40B4-BE49-F238E27FC236}">
+                <a16:creationId xmlns:a16="http://schemas.microsoft.com/office/drawing/2014/main" id="{919D36C8-B50B-4AB9-9406-F14618AC109D}"/>
               </a:ext>
             </a:extLst>
           </p:cNvPr>
@@ -8343,25 +9306,117 @@
           <p:nvPr/>
         </p:nvPicPr>
         <p:blipFill>
-          <a:blip r:embed="rId3"/>
+          <a:blip r:embed="rId5">
+            <a:extLst>
+              <a:ext uri="{28A0092B-C50C-407E-A947-70E740481C1C}">
+                <a14:useLocalDpi xmlns:a14="http://schemas.microsoft.com/office/drawing/2010/main" val="0"/>
+              </a:ext>
+            </a:extLst>
+          </a:blip>
           <a:stretch>
             <a:fillRect/>
           </a:stretch>
         </p:blipFill>
         <p:spPr>
           <a:xfrm>
-            <a:off x="7897328" y="4353837"/>
-            <a:ext cx="4037998" cy="1823126"/>
+            <a:off x="8184277" y="4423959"/>
+            <a:ext cx="2400508" cy="441998"/>
           </a:xfrm>
           <a:prstGeom prst="rect">
             <a:avLst/>
           </a:prstGeom>
         </p:spPr>
       </p:pic>
+      <p:sp>
+        <p:nvSpPr>
+          <p:cNvPr id="13" name="ZoneTexte 12">
+            <a:extLst>
+              <a:ext uri="{FF2B5EF4-FFF2-40B4-BE49-F238E27FC236}">
+                <a16:creationId xmlns:a16="http://schemas.microsoft.com/office/drawing/2014/main" id="{6C09C7A6-4B03-4A74-87E8-4DE3B67B6C12}"/>
+              </a:ext>
+            </a:extLst>
+          </p:cNvPr>
+          <p:cNvSpPr txBox="1"/>
+          <p:nvPr/>
+        </p:nvSpPr>
+        <p:spPr>
+          <a:xfrm>
+            <a:off x="8068091" y="2027705"/>
+            <a:ext cx="2632880" cy="369332"/>
+          </a:xfrm>
+          <a:prstGeom prst="rect">
+            <a:avLst/>
+          </a:prstGeom>
+          <a:noFill/>
+        </p:spPr>
+        <p:txBody>
+          <a:bodyPr wrap="square" rtlCol="0">
+            <a:spAutoFit/>
+          </a:bodyPr>
+          <a:lstStyle/>
+          <a:p>
+            <a:r>
+              <a:rPr lang="fr-FR" dirty="0"/>
+              <a:t>Retour (10 </a:t>
+            </a:r>
+            <a:r>
+              <a:rPr lang="fr-FR" dirty="0" err="1"/>
+              <a:t>workers</a:t>
+            </a:r>
+            <a:r>
+              <a:rPr lang="fr-FR" dirty="0"/>
+              <a:t>) :</a:t>
+            </a:r>
+          </a:p>
+        </p:txBody>
+      </p:sp>
+      <p:sp>
+        <p:nvSpPr>
+          <p:cNvPr id="14" name="ZoneTexte 13">
+            <a:extLst>
+              <a:ext uri="{FF2B5EF4-FFF2-40B4-BE49-F238E27FC236}">
+                <a16:creationId xmlns:a16="http://schemas.microsoft.com/office/drawing/2014/main" id="{FD1CC35C-BBAD-4528-A320-E97FE42F022B}"/>
+              </a:ext>
+            </a:extLst>
+          </p:cNvPr>
+          <p:cNvSpPr txBox="1"/>
+          <p:nvPr/>
+        </p:nvSpPr>
+        <p:spPr>
+          <a:xfrm>
+            <a:off x="8068091" y="3955915"/>
+            <a:ext cx="2632880" cy="369332"/>
+          </a:xfrm>
+          <a:prstGeom prst="rect">
+            <a:avLst/>
+          </a:prstGeom>
+          <a:noFill/>
+        </p:spPr>
+        <p:txBody>
+          <a:bodyPr wrap="square" rtlCol="0">
+            <a:spAutoFit/>
+          </a:bodyPr>
+          <a:lstStyle/>
+          <a:p>
+            <a:r>
+              <a:rPr lang="fr-FR" dirty="0"/>
+              <a:t>Retour (20 </a:t>
+            </a:r>
+            <a:r>
+              <a:rPr lang="fr-FR" dirty="0" err="1"/>
+              <a:t>workers</a:t>
+            </a:r>
+            <a:r>
+              <a:rPr lang="fr-FR" dirty="0"/>
+              <a:t>) :</a:t>
+            </a:r>
+          </a:p>
+        </p:txBody>
+      </p:sp>
     </p:spTree>
     <p:extLst>
       <p:ext uri="{BB962C8B-B14F-4D97-AF65-F5344CB8AC3E}">
-        <p14:creationId xmlns:p14="http://schemas.microsoft.com/office/powerpoint/2010/main" val="1008294246"/>
+        <p14:creationId xmlns:p14="http://schemas.microsoft.com/office/powerpoint/2010/main" val="2907788354"/>
       </p:ext>
     </p:extLst>
   </p:cSld>
